--- a/coroutines-workshop/docs/kotlin_coroutines.pptx
+++ b/coroutines-workshop/docs/kotlin_coroutines.pptx
@@ -1,45 +1,45 @@
 
 <file path=ppt/presentation.xml><?xml version="1.0" encoding="utf-8"?>
-<p:presentation xmlns:a="http://schemas.openxmlformats.org/drawingml/2006/main" xmlns:r="http://schemas.openxmlformats.org/officeDocument/2006/relationships" xmlns:mc="http://schemas.openxmlformats.org/markup-compatibility/2006" xmlns:mv="urn:schemas-microsoft-com:mac:vml" xmlns:p="http://schemas.openxmlformats.org/presentationml/2006/main" xmlns:c="http://schemas.openxmlformats.org/drawingml/2006/chart" xmlns:dgm="http://schemas.openxmlformats.org/drawingml/2006/diagram" xmlns:o="urn:schemas-microsoft-com:office:office" xmlns:v="urn:schemas-microsoft-com:vml" xmlns:pvml="urn:schemas-microsoft-com:office:powerpoint" xmlns:com="http://schemas.openxmlformats.org/drawingml/2006/compatibility" xmlns:p14="http://schemas.microsoft.com/office/powerpoint/2010/main" xmlns:p15="http://schemas.microsoft.com/office/powerpoint/2012/main" autoCompressPictures="0" embedTrueTypeFonts="1" strictFirstAndLastChars="0" saveSubsetFonts="1">
+<p:presentation xmlns:a="http://schemas.openxmlformats.org/drawingml/2006/main" xmlns:r="http://schemas.openxmlformats.org/officeDocument/2006/relationships" xmlns:p="http://schemas.openxmlformats.org/presentationml/2006/main" strictFirstAndLastChars="0" embedTrueTypeFonts="1" autoCompressPictures="0">
   <p:sldMasterIdLst>
-    <p:sldMasterId id="2147483659" r:id="rId4"/>
+    <p:sldMasterId id="2147483659" r:id="rId1"/>
   </p:sldMasterIdLst>
   <p:notesMasterIdLst>
-    <p:notesMasterId r:id="rId5"/>
+    <p:notesMasterId r:id="rId13"/>
   </p:notesMasterIdLst>
   <p:sldIdLst>
-    <p:sldId id="256" r:id="rId6"/>
-    <p:sldId id="257" r:id="rId7"/>
-    <p:sldId id="258" r:id="rId8"/>
-    <p:sldId id="259" r:id="rId9"/>
-    <p:sldId id="260" r:id="rId10"/>
-    <p:sldId id="261" r:id="rId11"/>
-    <p:sldId id="262" r:id="rId12"/>
-    <p:sldId id="263" r:id="rId13"/>
-    <p:sldId id="264" r:id="rId14"/>
-    <p:sldId id="265" r:id="rId15"/>
-    <p:sldId id="266" r:id="rId16"/>
+    <p:sldId id="256" r:id="rId2"/>
+    <p:sldId id="257" r:id="rId3"/>
+    <p:sldId id="258" r:id="rId4"/>
+    <p:sldId id="259" r:id="rId5"/>
+    <p:sldId id="260" r:id="rId6"/>
+    <p:sldId id="261" r:id="rId7"/>
+    <p:sldId id="262" r:id="rId8"/>
+    <p:sldId id="263" r:id="rId9"/>
+    <p:sldId id="264" r:id="rId10"/>
+    <p:sldId id="265" r:id="rId11"/>
+    <p:sldId id="266" r:id="rId12"/>
   </p:sldIdLst>
-  <p:sldSz cy="5143500" cx="9144000"/>
+  <p:sldSz cx="9144000" cy="5143500" type="screen16x9"/>
   <p:notesSz cx="6858000" cy="9144000"/>
   <p:embeddedFontLst>
     <p:embeddedFont>
-      <p:font typeface="Raleway"/>
-      <p:regular r:id="rId17"/>
-      <p:bold r:id="rId18"/>
-      <p:italic r:id="rId19"/>
-      <p:boldItalic r:id="rId20"/>
+      <p:font typeface="Lato" panose="020F0502020204030203" pitchFamily="34" charset="77"/>
+      <p:regular r:id="rId14"/>
+      <p:bold r:id="rId15"/>
+      <p:italic r:id="rId16"/>
+      <p:boldItalic r:id="rId17"/>
     </p:embeddedFont>
     <p:embeddedFont>
-      <p:font typeface="Lato"/>
-      <p:regular r:id="rId21"/>
-      <p:bold r:id="rId22"/>
-      <p:italic r:id="rId23"/>
-      <p:boldItalic r:id="rId24"/>
+      <p:font typeface="Raleway" panose="020B0503030101060003" pitchFamily="34" charset="77"/>
+      <p:regular r:id="rId18"/>
+      <p:bold r:id="rId19"/>
+      <p:italic r:id="rId20"/>
+      <p:boldItalic r:id="rId21"/>
     </p:embeddedFont>
   </p:embeddedFontLst>
   <p:defaultTextStyle>
-    <a:defPPr lvl="0" marR="0" rtl="0" algn="l">
+    <a:defPPr marR="0" lvl="0" algn="l" rtl="0">
       <a:lnSpc>
         <a:spcPct val="100000"/>
       </a:lnSpc>
@@ -50,7 +50,7 @@
         <a:spcPts val="0"/>
       </a:spcAft>
     </a:defPPr>
-    <a:lvl1pPr lvl="0" marR="0" rtl="0" algn="l">
+    <a:lvl1pPr marR="0" lvl="0" algn="l" rtl="0">
       <a:lnSpc>
         <a:spcPct val="100000"/>
       </a:lnSpc>
@@ -64,7 +64,7 @@
         <a:srgbClr val="000000"/>
       </a:buClr>
       <a:buFont typeface="Arial"/>
-      <a:defRPr b="0" i="0" sz="1400" u="none" cap="none" strike="noStrike">
+      <a:defRPr sz="1400" b="0" i="0" u="none" strike="noStrike" cap="none">
         <a:solidFill>
           <a:srgbClr val="000000"/>
         </a:solidFill>
@@ -74,7 +74,7 @@
         <a:sym typeface="Arial"/>
       </a:defRPr>
     </a:lvl1pPr>
-    <a:lvl2pPr lvl="1" marR="0" rtl="0" algn="l">
+    <a:lvl2pPr marR="0" lvl="1" algn="l" rtl="0">
       <a:lnSpc>
         <a:spcPct val="100000"/>
       </a:lnSpc>
@@ -88,7 +88,7 @@
         <a:srgbClr val="000000"/>
       </a:buClr>
       <a:buFont typeface="Arial"/>
-      <a:defRPr b="0" i="0" sz="1400" u="none" cap="none" strike="noStrike">
+      <a:defRPr sz="1400" b="0" i="0" u="none" strike="noStrike" cap="none">
         <a:solidFill>
           <a:srgbClr val="000000"/>
         </a:solidFill>
@@ -98,7 +98,7 @@
         <a:sym typeface="Arial"/>
       </a:defRPr>
     </a:lvl2pPr>
-    <a:lvl3pPr lvl="2" marR="0" rtl="0" algn="l">
+    <a:lvl3pPr marR="0" lvl="2" algn="l" rtl="0">
       <a:lnSpc>
         <a:spcPct val="100000"/>
       </a:lnSpc>
@@ -112,7 +112,7 @@
         <a:srgbClr val="000000"/>
       </a:buClr>
       <a:buFont typeface="Arial"/>
-      <a:defRPr b="0" i="0" sz="1400" u="none" cap="none" strike="noStrike">
+      <a:defRPr sz="1400" b="0" i="0" u="none" strike="noStrike" cap="none">
         <a:solidFill>
           <a:srgbClr val="000000"/>
         </a:solidFill>
@@ -122,7 +122,7 @@
         <a:sym typeface="Arial"/>
       </a:defRPr>
     </a:lvl3pPr>
-    <a:lvl4pPr lvl="3" marR="0" rtl="0" algn="l">
+    <a:lvl4pPr marR="0" lvl="3" algn="l" rtl="0">
       <a:lnSpc>
         <a:spcPct val="100000"/>
       </a:lnSpc>
@@ -136,7 +136,7 @@
         <a:srgbClr val="000000"/>
       </a:buClr>
       <a:buFont typeface="Arial"/>
-      <a:defRPr b="0" i="0" sz="1400" u="none" cap="none" strike="noStrike">
+      <a:defRPr sz="1400" b="0" i="0" u="none" strike="noStrike" cap="none">
         <a:solidFill>
           <a:srgbClr val="000000"/>
         </a:solidFill>
@@ -146,7 +146,7 @@
         <a:sym typeface="Arial"/>
       </a:defRPr>
     </a:lvl4pPr>
-    <a:lvl5pPr lvl="4" marR="0" rtl="0" algn="l">
+    <a:lvl5pPr marR="0" lvl="4" algn="l" rtl="0">
       <a:lnSpc>
         <a:spcPct val="100000"/>
       </a:lnSpc>
@@ -160,7 +160,7 @@
         <a:srgbClr val="000000"/>
       </a:buClr>
       <a:buFont typeface="Arial"/>
-      <a:defRPr b="0" i="0" sz="1400" u="none" cap="none" strike="noStrike">
+      <a:defRPr sz="1400" b="0" i="0" u="none" strike="noStrike" cap="none">
         <a:solidFill>
           <a:srgbClr val="000000"/>
         </a:solidFill>
@@ -170,7 +170,7 @@
         <a:sym typeface="Arial"/>
       </a:defRPr>
     </a:lvl5pPr>
-    <a:lvl6pPr lvl="5" marR="0" rtl="0" algn="l">
+    <a:lvl6pPr marR="0" lvl="5" algn="l" rtl="0">
       <a:lnSpc>
         <a:spcPct val="100000"/>
       </a:lnSpc>
@@ -184,7 +184,7 @@
         <a:srgbClr val="000000"/>
       </a:buClr>
       <a:buFont typeface="Arial"/>
-      <a:defRPr b="0" i="0" sz="1400" u="none" cap="none" strike="noStrike">
+      <a:defRPr sz="1400" b="0" i="0" u="none" strike="noStrike" cap="none">
         <a:solidFill>
           <a:srgbClr val="000000"/>
         </a:solidFill>
@@ -194,7 +194,7 @@
         <a:sym typeface="Arial"/>
       </a:defRPr>
     </a:lvl6pPr>
-    <a:lvl7pPr lvl="6" marR="0" rtl="0" algn="l">
+    <a:lvl7pPr marR="0" lvl="6" algn="l" rtl="0">
       <a:lnSpc>
         <a:spcPct val="100000"/>
       </a:lnSpc>
@@ -208,7 +208,7 @@
         <a:srgbClr val="000000"/>
       </a:buClr>
       <a:buFont typeface="Arial"/>
-      <a:defRPr b="0" i="0" sz="1400" u="none" cap="none" strike="noStrike">
+      <a:defRPr sz="1400" b="0" i="0" u="none" strike="noStrike" cap="none">
         <a:solidFill>
           <a:srgbClr val="000000"/>
         </a:solidFill>
@@ -218,7 +218,7 @@
         <a:sym typeface="Arial"/>
       </a:defRPr>
     </a:lvl7pPr>
-    <a:lvl8pPr lvl="7" marR="0" rtl="0" algn="l">
+    <a:lvl8pPr marR="0" lvl="7" algn="l" rtl="0">
       <a:lnSpc>
         <a:spcPct val="100000"/>
       </a:lnSpc>
@@ -232,7 +232,7 @@
         <a:srgbClr val="000000"/>
       </a:buClr>
       <a:buFont typeface="Arial"/>
-      <a:defRPr b="0" i="0" sz="1400" u="none" cap="none" strike="noStrike">
+      <a:defRPr sz="1400" b="0" i="0" u="none" strike="noStrike" cap="none">
         <a:solidFill>
           <a:srgbClr val="000000"/>
         </a:solidFill>
@@ -242,7 +242,7 @@
         <a:sym typeface="Arial"/>
       </a:defRPr>
     </a:lvl8pPr>
-    <a:lvl9pPr lvl="8" marR="0" rtl="0" algn="l">
+    <a:lvl9pPr marR="0" lvl="8" algn="l" rtl="0">
       <a:lnSpc>
         <a:spcPct val="100000"/>
       </a:lnSpc>
@@ -256,7 +256,7 @@
         <a:srgbClr val="000000"/>
       </a:buClr>
       <a:buFont typeface="Arial"/>
-      <a:defRPr b="0" i="0" sz="1400" u="none" cap="none" strike="noStrike">
+      <a:defRPr sz="1400" b="0" i="0" u="none" strike="noStrike" cap="none">
         <a:solidFill>
           <a:srgbClr val="000000"/>
         </a:solidFill>
@@ -269,7 +269,7 @@
   </p:defaultTextStyle>
   <p:extLst>
     <p:ext uri="{EFAFB233-063F-42B5-8137-9DF3F51BA10A}">
-      <p15:sldGuideLst>
+      <p15:sldGuideLst xmlns:p15="http://schemas.microsoft.com/office/powerpoint/2012/main">
         <p15:guide id="1" orient="horz" pos="1620">
           <p15:clr>
             <a:srgbClr val="A4A3A4"/>
@@ -287,11 +287,16 @@
 </file>
 
 <file path=ppt/notesMasters/notesMaster1.xml><?xml version="1.0" encoding="utf-8"?>
-<p:notesMaster xmlns:a="http://schemas.openxmlformats.org/drawingml/2006/main" xmlns:r="http://schemas.openxmlformats.org/officeDocument/2006/relationships" xmlns:mc="http://schemas.openxmlformats.org/markup-compatibility/2006" xmlns:mv="urn:schemas-microsoft-com:mac:vml" xmlns:p="http://schemas.openxmlformats.org/presentationml/2006/main" xmlns:c="http://schemas.openxmlformats.org/drawingml/2006/chart" xmlns:dgm="http://schemas.openxmlformats.org/drawingml/2006/diagram" xmlns:o="urn:schemas-microsoft-com:office:office" xmlns:v="urn:schemas-microsoft-com:vml" xmlns:pvml="urn:schemas-microsoft-com:office:powerpoint" xmlns:com="http://schemas.openxmlformats.org/drawingml/2006/compatibility" xmlns:p14="http://schemas.microsoft.com/office/powerpoint/2010/main" xmlns:p15="http://schemas.microsoft.com/office/powerpoint/2012/main">
+<p:notesMaster xmlns:a="http://schemas.openxmlformats.org/drawingml/2006/main" xmlns:r="http://schemas.openxmlformats.org/officeDocument/2006/relationships" xmlns:p="http://schemas.openxmlformats.org/presentationml/2006/main">
   <p:cSld>
+    <p:bg>
+      <p:bgRef idx="1001">
+        <a:schemeClr val="bg1"/>
+      </p:bgRef>
+    </p:bg>
     <p:spTree>
       <p:nvGrpSpPr>
-        <p:cNvPr id="2" name="Shape 2"/>
+        <p:cNvPr id="1" name="Shape 2"/>
         <p:cNvGrpSpPr/>
         <p:nvPr/>
       </p:nvGrpSpPr>
@@ -306,9 +311,11 @@
       <p:sp>
         <p:nvSpPr>
           <p:cNvPr id="3" name="Google Shape;3;n"/>
-          <p:cNvSpPr/>
+          <p:cNvSpPr>
+            <a:spLocks noGrp="1" noRot="1" noChangeAspect="1"/>
+          </p:cNvSpPr>
           <p:nvPr>
-            <p:ph idx="2" type="sldImg"/>
+            <p:ph type="sldImg" idx="2"/>
           </p:nvPr>
         </p:nvSpPr>
         <p:spPr>
@@ -317,9 +324,13 @@
             <a:ext cx="6096075" cy="3429000"/>
           </a:xfrm>
           <a:custGeom>
-            <a:rect b="b" l="l" r="r" t="t"/>
+            <a:avLst/>
+            <a:gdLst/>
+            <a:ahLst/>
+            <a:cxnLst/>
+            <a:rect l="l" t="t" r="r" b="b"/>
             <a:pathLst>
-              <a:path extrusionOk="0" h="120000" w="120000">
+              <a:path w="120000" h="120000" extrusionOk="0">
                 <a:moveTo>
                   <a:pt x="0" y="0"/>
                 </a:moveTo>
@@ -337,23 +348,25 @@
             </a:pathLst>
           </a:custGeom>
           <a:noFill/>
-          <a:ln cap="flat" cmpd="sng" w="9525">
+          <a:ln w="9525" cap="flat" cmpd="sng">
             <a:solidFill>
               <a:srgbClr val="000000"/>
             </a:solidFill>
             <a:prstDash val="solid"/>
             <a:round/>
-            <a:headEnd len="sm" w="sm" type="none"/>
-            <a:tailEnd len="sm" w="sm" type="none"/>
+            <a:headEnd type="none" w="sm" len="sm"/>
+            <a:tailEnd type="none" w="sm" len="sm"/>
           </a:ln>
         </p:spPr>
       </p:sp>
       <p:sp>
         <p:nvSpPr>
           <p:cNvPr id="4" name="Google Shape;4;n"/>
-          <p:cNvSpPr txBox="1"/>
+          <p:cNvSpPr txBox="1">
+            <a:spLocks noGrp="1"/>
+          </p:cNvSpPr>
           <p:nvPr>
-            <p:ph idx="1" type="body"/>
+            <p:ph type="body" idx="1"/>
           </p:nvPr>
         </p:nvSpPr>
         <p:spPr>
@@ -370,9 +383,9 @@
           </a:ln>
         </p:spPr>
         <p:txBody>
-          <a:bodyPr anchorCtr="0" anchor="t" bIns="91425" lIns="91425" spcFirstLastPara="1" rIns="91425" wrap="square" tIns="91425"/>
+          <a:bodyPr spcFirstLastPara="1" wrap="square" lIns="91425" tIns="91425" rIns="91425" bIns="91425" anchor="t" anchorCtr="0"/>
           <a:lstStyle>
-            <a:lvl1pPr indent="-298450" lvl="0" marL="457200">
+            <a:lvl1pPr marL="457200" lvl="0" indent="-298450">
               <a:spcBef>
                 <a:spcPts val="0"/>
               </a:spcBef>
@@ -383,7 +396,7 @@
               <a:buChar char="●"/>
               <a:defRPr sz="1100"/>
             </a:lvl1pPr>
-            <a:lvl2pPr indent="-298450" lvl="1" marL="914400">
+            <a:lvl2pPr marL="914400" lvl="1" indent="-298450">
               <a:spcBef>
                 <a:spcPts val="0"/>
               </a:spcBef>
@@ -394,7 +407,7 @@
               <a:buChar char="○"/>
               <a:defRPr sz="1100"/>
             </a:lvl2pPr>
-            <a:lvl3pPr indent="-298450" lvl="2" marL="1371600">
+            <a:lvl3pPr marL="1371600" lvl="2" indent="-298450">
               <a:spcBef>
                 <a:spcPts val="0"/>
               </a:spcBef>
@@ -405,7 +418,7 @@
               <a:buChar char="■"/>
               <a:defRPr sz="1100"/>
             </a:lvl3pPr>
-            <a:lvl4pPr indent="-298450" lvl="3" marL="1828800">
+            <a:lvl4pPr marL="1828800" lvl="3" indent="-298450">
               <a:spcBef>
                 <a:spcPts val="0"/>
               </a:spcBef>
@@ -416,7 +429,7 @@
               <a:buChar char="●"/>
               <a:defRPr sz="1100"/>
             </a:lvl4pPr>
-            <a:lvl5pPr indent="-298450" lvl="4" marL="2286000">
+            <a:lvl5pPr marL="2286000" lvl="4" indent="-298450">
               <a:spcBef>
                 <a:spcPts val="0"/>
               </a:spcBef>
@@ -427,7 +440,7 @@
               <a:buChar char="○"/>
               <a:defRPr sz="1100"/>
             </a:lvl5pPr>
-            <a:lvl6pPr indent="-298450" lvl="5" marL="2743200">
+            <a:lvl6pPr marL="2743200" lvl="5" indent="-298450">
               <a:spcBef>
                 <a:spcPts val="0"/>
               </a:spcBef>
@@ -438,7 +451,7 @@
               <a:buChar char="■"/>
               <a:defRPr sz="1100"/>
             </a:lvl6pPr>
-            <a:lvl7pPr indent="-298450" lvl="6" marL="3200400">
+            <a:lvl7pPr marL="3200400" lvl="6" indent="-298450">
               <a:spcBef>
                 <a:spcPts val="0"/>
               </a:spcBef>
@@ -449,7 +462,7 @@
               <a:buChar char="●"/>
               <a:defRPr sz="1100"/>
             </a:lvl7pPr>
-            <a:lvl8pPr indent="-298450" lvl="7" marL="3657600">
+            <a:lvl8pPr marL="3657600" lvl="7" indent="-298450">
               <a:spcBef>
                 <a:spcPts val="0"/>
               </a:spcBef>
@@ -460,7 +473,7 @@
               <a:buChar char="○"/>
               <a:defRPr sz="1100"/>
             </a:lvl8pPr>
-            <a:lvl9pPr indent="-298450" lvl="8" marL="4114800">
+            <a:lvl9pPr marL="4114800" lvl="8" indent="-298450">
               <a:spcBef>
                 <a:spcPts val="0"/>
               </a:spcBef>
@@ -472,14 +485,16 @@
               <a:defRPr sz="1100"/>
             </a:lvl9pPr>
           </a:lstStyle>
-          <a:p/>
+          <a:p>
+            <a:endParaRPr/>
+          </a:p>
         </p:txBody>
       </p:sp>
     </p:spTree>
   </p:cSld>
-  <p:clrMap accent1="accent1" accent2="accent2" accent3="accent3" accent4="accent4" accent5="accent5" accent6="accent6" bg1="lt1" bg2="dk2" tx1="dk1" tx2="lt2" folHlink="folHlink" hlink="hlink"/>
+  <p:clrMap bg1="lt1" tx1="dk1" bg2="dk2" tx2="lt2" accent1="accent1" accent2="accent2" accent3="accent3" accent4="accent4" accent5="accent5" accent6="accent6" hlink="hlink" folHlink="folHlink"/>
   <p:notesStyle>
-    <a:defPPr lvl="0" marR="0" rtl="0" algn="l">
+    <a:defPPr marR="0" lvl="0" algn="l" rtl="0">
       <a:lnSpc>
         <a:spcPct val="100000"/>
       </a:lnSpc>
@@ -490,7 +505,7 @@
         <a:spcPts val="0"/>
       </a:spcAft>
     </a:defPPr>
-    <a:lvl1pPr lvl="0" marR="0" rtl="0" algn="l">
+    <a:lvl1pPr marR="0" lvl="0" algn="l" rtl="0">
       <a:lnSpc>
         <a:spcPct val="100000"/>
       </a:lnSpc>
@@ -504,7 +519,7 @@
         <a:srgbClr val="000000"/>
       </a:buClr>
       <a:buFont typeface="Arial"/>
-      <a:defRPr b="0" i="0" sz="1400" u="none" cap="none" strike="noStrike">
+      <a:defRPr sz="1400" b="0" i="0" u="none" strike="noStrike" cap="none">
         <a:solidFill>
           <a:srgbClr val="000000"/>
         </a:solidFill>
@@ -514,7 +529,7 @@
         <a:sym typeface="Arial"/>
       </a:defRPr>
     </a:lvl1pPr>
-    <a:lvl2pPr lvl="1" marR="0" rtl="0" algn="l">
+    <a:lvl2pPr marR="0" lvl="1" algn="l" rtl="0">
       <a:lnSpc>
         <a:spcPct val="100000"/>
       </a:lnSpc>
@@ -528,7 +543,7 @@
         <a:srgbClr val="000000"/>
       </a:buClr>
       <a:buFont typeface="Arial"/>
-      <a:defRPr b="0" i="0" sz="1400" u="none" cap="none" strike="noStrike">
+      <a:defRPr sz="1400" b="0" i="0" u="none" strike="noStrike" cap="none">
         <a:solidFill>
           <a:srgbClr val="000000"/>
         </a:solidFill>
@@ -538,7 +553,7 @@
         <a:sym typeface="Arial"/>
       </a:defRPr>
     </a:lvl2pPr>
-    <a:lvl3pPr lvl="2" marR="0" rtl="0" algn="l">
+    <a:lvl3pPr marR="0" lvl="2" algn="l" rtl="0">
       <a:lnSpc>
         <a:spcPct val="100000"/>
       </a:lnSpc>
@@ -552,7 +567,7 @@
         <a:srgbClr val="000000"/>
       </a:buClr>
       <a:buFont typeface="Arial"/>
-      <a:defRPr b="0" i="0" sz="1400" u="none" cap="none" strike="noStrike">
+      <a:defRPr sz="1400" b="0" i="0" u="none" strike="noStrike" cap="none">
         <a:solidFill>
           <a:srgbClr val="000000"/>
         </a:solidFill>
@@ -562,7 +577,7 @@
         <a:sym typeface="Arial"/>
       </a:defRPr>
     </a:lvl3pPr>
-    <a:lvl4pPr lvl="3" marR="0" rtl="0" algn="l">
+    <a:lvl4pPr marR="0" lvl="3" algn="l" rtl="0">
       <a:lnSpc>
         <a:spcPct val="100000"/>
       </a:lnSpc>
@@ -576,7 +591,7 @@
         <a:srgbClr val="000000"/>
       </a:buClr>
       <a:buFont typeface="Arial"/>
-      <a:defRPr b="0" i="0" sz="1400" u="none" cap="none" strike="noStrike">
+      <a:defRPr sz="1400" b="0" i="0" u="none" strike="noStrike" cap="none">
         <a:solidFill>
           <a:srgbClr val="000000"/>
         </a:solidFill>
@@ -586,7 +601,7 @@
         <a:sym typeface="Arial"/>
       </a:defRPr>
     </a:lvl4pPr>
-    <a:lvl5pPr lvl="4" marR="0" rtl="0" algn="l">
+    <a:lvl5pPr marR="0" lvl="4" algn="l" rtl="0">
       <a:lnSpc>
         <a:spcPct val="100000"/>
       </a:lnSpc>
@@ -600,7 +615,7 @@
         <a:srgbClr val="000000"/>
       </a:buClr>
       <a:buFont typeface="Arial"/>
-      <a:defRPr b="0" i="0" sz="1400" u="none" cap="none" strike="noStrike">
+      <a:defRPr sz="1400" b="0" i="0" u="none" strike="noStrike" cap="none">
         <a:solidFill>
           <a:srgbClr val="000000"/>
         </a:solidFill>
@@ -610,7 +625,7 @@
         <a:sym typeface="Arial"/>
       </a:defRPr>
     </a:lvl5pPr>
-    <a:lvl6pPr lvl="5" marR="0" rtl="0" algn="l">
+    <a:lvl6pPr marR="0" lvl="5" algn="l" rtl="0">
       <a:lnSpc>
         <a:spcPct val="100000"/>
       </a:lnSpc>
@@ -624,7 +639,7 @@
         <a:srgbClr val="000000"/>
       </a:buClr>
       <a:buFont typeface="Arial"/>
-      <a:defRPr b="0" i="0" sz="1400" u="none" cap="none" strike="noStrike">
+      <a:defRPr sz="1400" b="0" i="0" u="none" strike="noStrike" cap="none">
         <a:solidFill>
           <a:srgbClr val="000000"/>
         </a:solidFill>
@@ -634,7 +649,7 @@
         <a:sym typeface="Arial"/>
       </a:defRPr>
     </a:lvl6pPr>
-    <a:lvl7pPr lvl="6" marR="0" rtl="0" algn="l">
+    <a:lvl7pPr marR="0" lvl="6" algn="l" rtl="0">
       <a:lnSpc>
         <a:spcPct val="100000"/>
       </a:lnSpc>
@@ -648,7 +663,7 @@
         <a:srgbClr val="000000"/>
       </a:buClr>
       <a:buFont typeface="Arial"/>
-      <a:defRPr b="0" i="0" sz="1400" u="none" cap="none" strike="noStrike">
+      <a:defRPr sz="1400" b="0" i="0" u="none" strike="noStrike" cap="none">
         <a:solidFill>
           <a:srgbClr val="000000"/>
         </a:solidFill>
@@ -658,7 +673,7 @@
         <a:sym typeface="Arial"/>
       </a:defRPr>
     </a:lvl7pPr>
-    <a:lvl8pPr lvl="7" marR="0" rtl="0" algn="l">
+    <a:lvl8pPr marR="0" lvl="7" algn="l" rtl="0">
       <a:lnSpc>
         <a:spcPct val="100000"/>
       </a:lnSpc>
@@ -672,7 +687,7 @@
         <a:srgbClr val="000000"/>
       </a:buClr>
       <a:buFont typeface="Arial"/>
-      <a:defRPr b="0" i="0" sz="1400" u="none" cap="none" strike="noStrike">
+      <a:defRPr sz="1400" b="0" i="0" u="none" strike="noStrike" cap="none">
         <a:solidFill>
           <a:srgbClr val="000000"/>
         </a:solidFill>
@@ -682,7 +697,7 @@
         <a:sym typeface="Arial"/>
       </a:defRPr>
     </a:lvl8pPr>
-    <a:lvl9pPr lvl="8" marR="0" rtl="0" algn="l">
+    <a:lvl9pPr marR="0" lvl="8" algn="l" rtl="0">
       <a:lnSpc>
         <a:spcPct val="100000"/>
       </a:lnSpc>
@@ -696,7 +711,7 @@
         <a:srgbClr val="000000"/>
       </a:buClr>
       <a:buFont typeface="Arial"/>
-      <a:defRPr b="0" i="0" sz="1400" u="none" cap="none" strike="noStrike">
+      <a:defRPr sz="1400" b="0" i="0" u="none" strike="noStrike" cap="none">
         <a:solidFill>
           <a:srgbClr val="000000"/>
         </a:solidFill>
@@ -711,11 +726,11 @@
 </file>
 
 <file path=ppt/notesSlides/notesSlide1.xml><?xml version="1.0" encoding="utf-8"?>
-<p:notes xmlns:a="http://schemas.openxmlformats.org/drawingml/2006/main" xmlns:r="http://schemas.openxmlformats.org/officeDocument/2006/relationships" xmlns:mc="http://schemas.openxmlformats.org/markup-compatibility/2006" xmlns:mv="urn:schemas-microsoft-com:mac:vml" xmlns:p="http://schemas.openxmlformats.org/presentationml/2006/main" xmlns:c="http://schemas.openxmlformats.org/drawingml/2006/chart" xmlns:dgm="http://schemas.openxmlformats.org/drawingml/2006/diagram" xmlns:o="urn:schemas-microsoft-com:office:office" xmlns:v="urn:schemas-microsoft-com:vml" xmlns:pvml="urn:schemas-microsoft-com:office:powerpoint" xmlns:com="http://schemas.openxmlformats.org/drawingml/2006/compatibility" xmlns:p14="http://schemas.microsoft.com/office/powerpoint/2010/main" xmlns:p15="http://schemas.microsoft.com/office/powerpoint/2012/main" showMasterPhAnim="0" showMasterSp="0">
+<p:notes xmlns:a="http://schemas.openxmlformats.org/drawingml/2006/main" xmlns:r="http://schemas.openxmlformats.org/officeDocument/2006/relationships" xmlns:p="http://schemas.openxmlformats.org/presentationml/2006/main" showMasterSp="0" showMasterPhAnim="0">
   <p:cSld>
     <p:spTree>
       <p:nvGrpSpPr>
-        <p:cNvPr id="82" name="Shape 82"/>
+        <p:cNvPr id="1" name="Shape 82"/>
         <p:cNvGrpSpPr/>
         <p:nvPr/>
       </p:nvGrpSpPr>
@@ -730,20 +745,26 @@
       <p:sp>
         <p:nvSpPr>
           <p:cNvPr id="83" name="Google Shape;83;p:notes"/>
-          <p:cNvSpPr/>
+          <p:cNvSpPr>
+            <a:spLocks noGrp="1" noRot="1" noChangeAspect="1"/>
+          </p:cNvSpPr>
           <p:nvPr>
-            <p:ph idx="2" type="sldImg"/>
+            <p:ph type="sldImg" idx="2"/>
           </p:nvPr>
         </p:nvSpPr>
         <p:spPr>
           <a:xfrm>
-            <a:off x="381300" y="685800"/>
-            <a:ext cx="6096075" cy="3429000"/>
+            <a:off x="381000" y="685800"/>
+            <a:ext cx="6096000" cy="3429000"/>
           </a:xfrm>
           <a:custGeom>
-            <a:rect b="b" l="l" r="r" t="t"/>
+            <a:avLst/>
+            <a:gdLst/>
+            <a:ahLst/>
+            <a:cxnLst/>
+            <a:rect l="l" t="t" r="r" b="b"/>
             <a:pathLst>
-              <a:path extrusionOk="0" h="120000" w="120000">
+              <a:path w="120000" h="120000" extrusionOk="0">
                 <a:moveTo>
                   <a:pt x="0" y="0"/>
                 </a:moveTo>
@@ -765,9 +786,11 @@
       <p:sp>
         <p:nvSpPr>
           <p:cNvPr id="84" name="Google Shape;84;p:notes"/>
-          <p:cNvSpPr txBox="1"/>
+          <p:cNvSpPr txBox="1">
+            <a:spLocks noGrp="1"/>
+          </p:cNvSpPr>
           <p:nvPr>
-            <p:ph idx="1" type="body"/>
+            <p:ph type="body" idx="1"/>
           </p:nvPr>
         </p:nvSpPr>
         <p:spPr>
@@ -780,12 +803,12 @@
           </a:prstGeom>
         </p:spPr>
         <p:txBody>
-          <a:bodyPr anchorCtr="0" anchor="t" bIns="91425" lIns="91425" spcFirstLastPara="1" rIns="91425" wrap="square" tIns="91425">
+          <a:bodyPr spcFirstLastPara="1" wrap="square" lIns="91425" tIns="91425" rIns="91425" bIns="91425" anchor="t" anchorCtr="0">
             <a:noAutofit/>
           </a:bodyPr>
           <a:lstStyle/>
           <a:p>
-            <a:pPr indent="0" lvl="0" marL="0" rtl="0" algn="l">
+            <a:pPr marL="0" lvl="0" indent="0" algn="l" rtl="0">
               <a:spcBef>
                 <a:spcPts val="0"/>
               </a:spcBef>
@@ -794,9 +817,6 @@
               </a:spcAft>
               <a:buNone/>
             </a:pPr>
-            <a:r>
-              <a:t/>
-            </a:r>
             <a:endParaRPr/>
           </a:p>
         </p:txBody>
@@ -810,11 +830,11 @@
 </file>
 
 <file path=ppt/notesSlides/notesSlide10.xml><?xml version="1.0" encoding="utf-8"?>
-<p:notes xmlns:a="http://schemas.openxmlformats.org/drawingml/2006/main" xmlns:r="http://schemas.openxmlformats.org/officeDocument/2006/relationships" xmlns:mc="http://schemas.openxmlformats.org/markup-compatibility/2006" xmlns:mv="urn:schemas-microsoft-com:mac:vml" xmlns:p="http://schemas.openxmlformats.org/presentationml/2006/main" xmlns:c="http://schemas.openxmlformats.org/drawingml/2006/chart" xmlns:dgm="http://schemas.openxmlformats.org/drawingml/2006/diagram" xmlns:o="urn:schemas-microsoft-com:office:office" xmlns:v="urn:schemas-microsoft-com:vml" xmlns:pvml="urn:schemas-microsoft-com:office:powerpoint" xmlns:com="http://schemas.openxmlformats.org/drawingml/2006/compatibility" xmlns:p14="http://schemas.microsoft.com/office/powerpoint/2010/main" xmlns:p15="http://schemas.microsoft.com/office/powerpoint/2012/main" showMasterPhAnim="0" showMasterSp="0">
+<p:notes xmlns:a="http://schemas.openxmlformats.org/drawingml/2006/main" xmlns:r="http://schemas.openxmlformats.org/officeDocument/2006/relationships" xmlns:p="http://schemas.openxmlformats.org/presentationml/2006/main" showMasterSp="0" showMasterPhAnim="0">
   <p:cSld>
     <p:spTree>
       <p:nvGrpSpPr>
-        <p:cNvPr id="135" name="Shape 135"/>
+        <p:cNvPr id="1" name="Shape 135"/>
         <p:cNvGrpSpPr/>
         <p:nvPr/>
       </p:nvGrpSpPr>
@@ -829,9 +849,11 @@
       <p:sp>
         <p:nvSpPr>
           <p:cNvPr id="136" name="Google Shape;136;g5510d5380c_1_40:notes"/>
-          <p:cNvSpPr/>
+          <p:cNvSpPr>
+            <a:spLocks noGrp="1" noRot="1" noChangeAspect="1"/>
+          </p:cNvSpPr>
           <p:nvPr>
-            <p:ph idx="2" type="sldImg"/>
+            <p:ph type="sldImg" idx="2"/>
           </p:nvPr>
         </p:nvSpPr>
         <p:spPr>
@@ -840,9 +862,13 @@
             <a:ext cx="6096000" cy="3429000"/>
           </a:xfrm>
           <a:custGeom>
-            <a:rect b="b" l="l" r="r" t="t"/>
+            <a:avLst/>
+            <a:gdLst/>
+            <a:ahLst/>
+            <a:cxnLst/>
+            <a:rect l="l" t="t" r="r" b="b"/>
             <a:pathLst>
-              <a:path extrusionOk="0" h="120000" w="120000">
+              <a:path w="120000" h="120000" extrusionOk="0">
                 <a:moveTo>
                   <a:pt x="0" y="0"/>
                 </a:moveTo>
@@ -864,9 +890,11 @@
       <p:sp>
         <p:nvSpPr>
           <p:cNvPr id="137" name="Google Shape;137;g5510d5380c_1_40:notes"/>
-          <p:cNvSpPr txBox="1"/>
+          <p:cNvSpPr txBox="1">
+            <a:spLocks noGrp="1"/>
+          </p:cNvSpPr>
           <p:nvPr>
-            <p:ph idx="1" type="body"/>
+            <p:ph type="body" idx="1"/>
           </p:nvPr>
         </p:nvSpPr>
         <p:spPr>
@@ -879,12 +907,12 @@
           </a:prstGeom>
         </p:spPr>
         <p:txBody>
-          <a:bodyPr anchorCtr="0" anchor="t" bIns="91425" lIns="91425" spcFirstLastPara="1" rIns="91425" wrap="square" tIns="91425">
+          <a:bodyPr spcFirstLastPara="1" wrap="square" lIns="91425" tIns="91425" rIns="91425" bIns="91425" anchor="t" anchorCtr="0">
             <a:noAutofit/>
           </a:bodyPr>
           <a:lstStyle/>
           <a:p>
-            <a:pPr indent="0" lvl="0" marL="0" rtl="0" algn="l">
+            <a:pPr marL="0" lvl="0" indent="0" algn="l" rtl="0">
               <a:spcBef>
                 <a:spcPts val="0"/>
               </a:spcBef>
@@ -893,9 +921,6 @@
               </a:spcAft>
               <a:buNone/>
             </a:pPr>
-            <a:r>
-              <a:t/>
-            </a:r>
             <a:endParaRPr/>
           </a:p>
         </p:txBody>
@@ -909,11 +934,11 @@
 </file>
 
 <file path=ppt/notesSlides/notesSlide11.xml><?xml version="1.0" encoding="utf-8"?>
-<p:notes xmlns:a="http://schemas.openxmlformats.org/drawingml/2006/main" xmlns:r="http://schemas.openxmlformats.org/officeDocument/2006/relationships" xmlns:mc="http://schemas.openxmlformats.org/markup-compatibility/2006" xmlns:mv="urn:schemas-microsoft-com:mac:vml" xmlns:p="http://schemas.openxmlformats.org/presentationml/2006/main" xmlns:c="http://schemas.openxmlformats.org/drawingml/2006/chart" xmlns:dgm="http://schemas.openxmlformats.org/drawingml/2006/diagram" xmlns:o="urn:schemas-microsoft-com:office:office" xmlns:v="urn:schemas-microsoft-com:vml" xmlns:pvml="urn:schemas-microsoft-com:office:powerpoint" xmlns:com="http://schemas.openxmlformats.org/drawingml/2006/compatibility" xmlns:p14="http://schemas.microsoft.com/office/powerpoint/2010/main" xmlns:p15="http://schemas.microsoft.com/office/powerpoint/2012/main" showMasterPhAnim="0" showMasterSp="0">
+<p:notes xmlns:a="http://schemas.openxmlformats.org/drawingml/2006/main" xmlns:r="http://schemas.openxmlformats.org/officeDocument/2006/relationships" xmlns:p="http://schemas.openxmlformats.org/presentationml/2006/main" showMasterSp="0" showMasterPhAnim="0">
   <p:cSld>
     <p:spTree>
       <p:nvGrpSpPr>
-        <p:cNvPr id="141" name="Shape 141"/>
+        <p:cNvPr id="1" name="Shape 141"/>
         <p:cNvGrpSpPr/>
         <p:nvPr/>
       </p:nvGrpSpPr>
@@ -928,9 +953,11 @@
       <p:sp>
         <p:nvSpPr>
           <p:cNvPr id="142" name="Google Shape;142;g5510d5380c_1_48:notes"/>
-          <p:cNvSpPr/>
+          <p:cNvSpPr>
+            <a:spLocks noGrp="1" noRot="1" noChangeAspect="1"/>
+          </p:cNvSpPr>
           <p:nvPr>
-            <p:ph idx="2" type="sldImg"/>
+            <p:ph type="sldImg" idx="2"/>
           </p:nvPr>
         </p:nvSpPr>
         <p:spPr>
@@ -939,9 +966,13 @@
             <a:ext cx="6096000" cy="3429000"/>
           </a:xfrm>
           <a:custGeom>
-            <a:rect b="b" l="l" r="r" t="t"/>
+            <a:avLst/>
+            <a:gdLst/>
+            <a:ahLst/>
+            <a:cxnLst/>
+            <a:rect l="l" t="t" r="r" b="b"/>
             <a:pathLst>
-              <a:path extrusionOk="0" h="120000" w="120000">
+              <a:path w="120000" h="120000" extrusionOk="0">
                 <a:moveTo>
                   <a:pt x="0" y="0"/>
                 </a:moveTo>
@@ -963,9 +994,11 @@
       <p:sp>
         <p:nvSpPr>
           <p:cNvPr id="143" name="Google Shape;143;g5510d5380c_1_48:notes"/>
-          <p:cNvSpPr txBox="1"/>
+          <p:cNvSpPr txBox="1">
+            <a:spLocks noGrp="1"/>
+          </p:cNvSpPr>
           <p:nvPr>
-            <p:ph idx="1" type="body"/>
+            <p:ph type="body" idx="1"/>
           </p:nvPr>
         </p:nvSpPr>
         <p:spPr>
@@ -978,12 +1011,12 @@
           </a:prstGeom>
         </p:spPr>
         <p:txBody>
-          <a:bodyPr anchorCtr="0" anchor="t" bIns="91425" lIns="91425" spcFirstLastPara="1" rIns="91425" wrap="square" tIns="91425">
+          <a:bodyPr spcFirstLastPara="1" wrap="square" lIns="91425" tIns="91425" rIns="91425" bIns="91425" anchor="t" anchorCtr="0">
             <a:noAutofit/>
           </a:bodyPr>
           <a:lstStyle/>
           <a:p>
-            <a:pPr indent="0" lvl="0" marL="0" rtl="0" algn="l">
+            <a:pPr marL="0" lvl="0" indent="0" algn="l" rtl="0">
               <a:spcBef>
                 <a:spcPts val="0"/>
               </a:spcBef>
@@ -992,9 +1025,6 @@
               </a:spcAft>
               <a:buNone/>
             </a:pPr>
-            <a:r>
-              <a:t/>
-            </a:r>
             <a:endParaRPr/>
           </a:p>
         </p:txBody>
@@ -1008,11 +1038,11 @@
 </file>
 
 <file path=ppt/notesSlides/notesSlide2.xml><?xml version="1.0" encoding="utf-8"?>
-<p:notes xmlns:a="http://schemas.openxmlformats.org/drawingml/2006/main" xmlns:r="http://schemas.openxmlformats.org/officeDocument/2006/relationships" xmlns:mc="http://schemas.openxmlformats.org/markup-compatibility/2006" xmlns:mv="urn:schemas-microsoft-com:mac:vml" xmlns:p="http://schemas.openxmlformats.org/presentationml/2006/main" xmlns:c="http://schemas.openxmlformats.org/drawingml/2006/chart" xmlns:dgm="http://schemas.openxmlformats.org/drawingml/2006/diagram" xmlns:o="urn:schemas-microsoft-com:office:office" xmlns:v="urn:schemas-microsoft-com:vml" xmlns:pvml="urn:schemas-microsoft-com:office:powerpoint" xmlns:com="http://schemas.openxmlformats.org/drawingml/2006/compatibility" xmlns:p14="http://schemas.microsoft.com/office/powerpoint/2010/main" xmlns:p15="http://schemas.microsoft.com/office/powerpoint/2012/main" showMasterPhAnim="0" showMasterSp="0">
+<p:notes xmlns:a="http://schemas.openxmlformats.org/drawingml/2006/main" xmlns:r="http://schemas.openxmlformats.org/officeDocument/2006/relationships" xmlns:p="http://schemas.openxmlformats.org/presentationml/2006/main" showMasterSp="0" showMasterPhAnim="0">
   <p:cSld>
     <p:spTree>
       <p:nvGrpSpPr>
-        <p:cNvPr id="87" name="Shape 87"/>
+        <p:cNvPr id="1" name="Shape 87"/>
         <p:cNvGrpSpPr/>
         <p:nvPr/>
       </p:nvGrpSpPr>
@@ -1027,9 +1057,11 @@
       <p:sp>
         <p:nvSpPr>
           <p:cNvPr id="88" name="Google Shape;88;g5510d5380c_0_0:notes"/>
-          <p:cNvSpPr/>
+          <p:cNvSpPr>
+            <a:spLocks noGrp="1" noRot="1" noChangeAspect="1"/>
+          </p:cNvSpPr>
           <p:nvPr>
-            <p:ph idx="2" type="sldImg"/>
+            <p:ph type="sldImg" idx="2"/>
           </p:nvPr>
         </p:nvSpPr>
         <p:spPr>
@@ -1038,9 +1070,13 @@
             <a:ext cx="6096000" cy="3429000"/>
           </a:xfrm>
           <a:custGeom>
-            <a:rect b="b" l="l" r="r" t="t"/>
+            <a:avLst/>
+            <a:gdLst/>
+            <a:ahLst/>
+            <a:cxnLst/>
+            <a:rect l="l" t="t" r="r" b="b"/>
             <a:pathLst>
-              <a:path extrusionOk="0" h="120000" w="120000">
+              <a:path w="120000" h="120000" extrusionOk="0">
                 <a:moveTo>
                   <a:pt x="0" y="0"/>
                 </a:moveTo>
@@ -1062,9 +1098,11 @@
       <p:sp>
         <p:nvSpPr>
           <p:cNvPr id="89" name="Google Shape;89;g5510d5380c_0_0:notes"/>
-          <p:cNvSpPr txBox="1"/>
+          <p:cNvSpPr txBox="1">
+            <a:spLocks noGrp="1"/>
+          </p:cNvSpPr>
           <p:nvPr>
-            <p:ph idx="1" type="body"/>
+            <p:ph type="body" idx="1"/>
           </p:nvPr>
         </p:nvSpPr>
         <p:spPr>
@@ -1077,12 +1115,12 @@
           </a:prstGeom>
         </p:spPr>
         <p:txBody>
-          <a:bodyPr anchorCtr="0" anchor="t" bIns="91425" lIns="91425" spcFirstLastPara="1" rIns="91425" wrap="square" tIns="91425">
+          <a:bodyPr spcFirstLastPara="1" wrap="square" lIns="91425" tIns="91425" rIns="91425" bIns="91425" anchor="t" anchorCtr="0">
             <a:noAutofit/>
           </a:bodyPr>
           <a:lstStyle/>
           <a:p>
-            <a:pPr indent="0" lvl="0" marL="0" rtl="0" algn="l">
+            <a:pPr marL="0" lvl="0" indent="0" algn="l" rtl="0">
               <a:spcBef>
                 <a:spcPts val="0"/>
               </a:spcBef>
@@ -1091,9 +1129,6 @@
               </a:spcAft>
               <a:buNone/>
             </a:pPr>
-            <a:r>
-              <a:t/>
-            </a:r>
             <a:endParaRPr/>
           </a:p>
         </p:txBody>
@@ -1107,11 +1142,11 @@
 </file>
 
 <file path=ppt/notesSlides/notesSlide3.xml><?xml version="1.0" encoding="utf-8"?>
-<p:notes xmlns:a="http://schemas.openxmlformats.org/drawingml/2006/main" xmlns:r="http://schemas.openxmlformats.org/officeDocument/2006/relationships" xmlns:mc="http://schemas.openxmlformats.org/markup-compatibility/2006" xmlns:mv="urn:schemas-microsoft-com:mac:vml" xmlns:p="http://schemas.openxmlformats.org/presentationml/2006/main" xmlns:c="http://schemas.openxmlformats.org/drawingml/2006/chart" xmlns:dgm="http://schemas.openxmlformats.org/drawingml/2006/diagram" xmlns:o="urn:schemas-microsoft-com:office:office" xmlns:v="urn:schemas-microsoft-com:vml" xmlns:pvml="urn:schemas-microsoft-com:office:powerpoint" xmlns:com="http://schemas.openxmlformats.org/drawingml/2006/compatibility" xmlns:p14="http://schemas.microsoft.com/office/powerpoint/2010/main" xmlns:p15="http://schemas.microsoft.com/office/powerpoint/2012/main" showMasterPhAnim="0" showMasterSp="0">
+<p:notes xmlns:a="http://schemas.openxmlformats.org/drawingml/2006/main" xmlns:r="http://schemas.openxmlformats.org/officeDocument/2006/relationships" xmlns:p="http://schemas.openxmlformats.org/presentationml/2006/main" showMasterSp="0" showMasterPhAnim="0">
   <p:cSld>
     <p:spTree>
       <p:nvGrpSpPr>
-        <p:cNvPr id="93" name="Shape 93"/>
+        <p:cNvPr id="1" name="Shape 93"/>
         <p:cNvGrpSpPr/>
         <p:nvPr/>
       </p:nvGrpSpPr>
@@ -1126,9 +1161,11 @@
       <p:sp>
         <p:nvSpPr>
           <p:cNvPr id="94" name="Google Shape;94;g5510d5380c_1_5:notes"/>
-          <p:cNvSpPr/>
+          <p:cNvSpPr>
+            <a:spLocks noGrp="1" noRot="1" noChangeAspect="1"/>
+          </p:cNvSpPr>
           <p:nvPr>
-            <p:ph idx="2" type="sldImg"/>
+            <p:ph type="sldImg" idx="2"/>
           </p:nvPr>
         </p:nvSpPr>
         <p:spPr>
@@ -1137,9 +1174,13 @@
             <a:ext cx="6096000" cy="3429000"/>
           </a:xfrm>
           <a:custGeom>
-            <a:rect b="b" l="l" r="r" t="t"/>
+            <a:avLst/>
+            <a:gdLst/>
+            <a:ahLst/>
+            <a:cxnLst/>
+            <a:rect l="l" t="t" r="r" b="b"/>
             <a:pathLst>
-              <a:path extrusionOk="0" h="120000" w="120000">
+              <a:path w="120000" h="120000" extrusionOk="0">
                 <a:moveTo>
                   <a:pt x="0" y="0"/>
                 </a:moveTo>
@@ -1161,9 +1202,11 @@
       <p:sp>
         <p:nvSpPr>
           <p:cNvPr id="95" name="Google Shape;95;g5510d5380c_1_5:notes"/>
-          <p:cNvSpPr txBox="1"/>
+          <p:cNvSpPr txBox="1">
+            <a:spLocks noGrp="1"/>
+          </p:cNvSpPr>
           <p:nvPr>
-            <p:ph idx="1" type="body"/>
+            <p:ph type="body" idx="1"/>
           </p:nvPr>
         </p:nvSpPr>
         <p:spPr>
@@ -1176,12 +1219,12 @@
           </a:prstGeom>
         </p:spPr>
         <p:txBody>
-          <a:bodyPr anchorCtr="0" anchor="t" bIns="91425" lIns="91425" spcFirstLastPara="1" rIns="91425" wrap="square" tIns="91425">
+          <a:bodyPr spcFirstLastPara="1" wrap="square" lIns="91425" tIns="91425" rIns="91425" bIns="91425" anchor="t" anchorCtr="0">
             <a:noAutofit/>
           </a:bodyPr>
           <a:lstStyle/>
           <a:p>
-            <a:pPr indent="0" lvl="0" marL="0" rtl="0" algn="l">
+            <a:pPr marL="0" lvl="0" indent="0" algn="l" rtl="0">
               <a:spcBef>
                 <a:spcPts val="0"/>
               </a:spcBef>
@@ -1190,9 +1233,6 @@
               </a:spcAft>
               <a:buNone/>
             </a:pPr>
-            <a:r>
-              <a:t/>
-            </a:r>
             <a:endParaRPr/>
           </a:p>
         </p:txBody>
@@ -1206,11 +1246,11 @@
 </file>
 
 <file path=ppt/notesSlides/notesSlide4.xml><?xml version="1.0" encoding="utf-8"?>
-<p:notes xmlns:a="http://schemas.openxmlformats.org/drawingml/2006/main" xmlns:r="http://schemas.openxmlformats.org/officeDocument/2006/relationships" xmlns:mc="http://schemas.openxmlformats.org/markup-compatibility/2006" xmlns:mv="urn:schemas-microsoft-com:mac:vml" xmlns:p="http://schemas.openxmlformats.org/presentationml/2006/main" xmlns:c="http://schemas.openxmlformats.org/drawingml/2006/chart" xmlns:dgm="http://schemas.openxmlformats.org/drawingml/2006/diagram" xmlns:o="urn:schemas-microsoft-com:office:office" xmlns:v="urn:schemas-microsoft-com:vml" xmlns:pvml="urn:schemas-microsoft-com:office:powerpoint" xmlns:com="http://schemas.openxmlformats.org/drawingml/2006/compatibility" xmlns:p14="http://schemas.microsoft.com/office/powerpoint/2010/main" xmlns:p15="http://schemas.microsoft.com/office/powerpoint/2012/main" showMasterPhAnim="0" showMasterSp="0">
+<p:notes xmlns:a="http://schemas.openxmlformats.org/drawingml/2006/main" xmlns:r="http://schemas.openxmlformats.org/officeDocument/2006/relationships" xmlns:p="http://schemas.openxmlformats.org/presentationml/2006/main" showMasterSp="0" showMasterPhAnim="0">
   <p:cSld>
     <p:spTree>
       <p:nvGrpSpPr>
-        <p:cNvPr id="99" name="Shape 99"/>
+        <p:cNvPr id="1" name="Shape 99"/>
         <p:cNvGrpSpPr/>
         <p:nvPr/>
       </p:nvGrpSpPr>
@@ -1225,9 +1265,11 @@
       <p:sp>
         <p:nvSpPr>
           <p:cNvPr id="100" name="Google Shape;100;g54687ab977_0_77:notes"/>
-          <p:cNvSpPr/>
+          <p:cNvSpPr>
+            <a:spLocks noGrp="1" noRot="1" noChangeAspect="1"/>
+          </p:cNvSpPr>
           <p:nvPr>
-            <p:ph idx="2" type="sldImg"/>
+            <p:ph type="sldImg" idx="2"/>
           </p:nvPr>
         </p:nvSpPr>
         <p:spPr>
@@ -1236,9 +1278,13 @@
             <a:ext cx="6096000" cy="3429000"/>
           </a:xfrm>
           <a:custGeom>
-            <a:rect b="b" l="l" r="r" t="t"/>
+            <a:avLst/>
+            <a:gdLst/>
+            <a:ahLst/>
+            <a:cxnLst/>
+            <a:rect l="l" t="t" r="r" b="b"/>
             <a:pathLst>
-              <a:path extrusionOk="0" h="120000" w="120000">
+              <a:path w="120000" h="120000" extrusionOk="0">
                 <a:moveTo>
                   <a:pt x="0" y="0"/>
                 </a:moveTo>
@@ -1260,9 +1306,11 @@
       <p:sp>
         <p:nvSpPr>
           <p:cNvPr id="101" name="Google Shape;101;g54687ab977_0_77:notes"/>
-          <p:cNvSpPr txBox="1"/>
+          <p:cNvSpPr txBox="1">
+            <a:spLocks noGrp="1"/>
+          </p:cNvSpPr>
           <p:nvPr>
-            <p:ph idx="1" type="body"/>
+            <p:ph type="body" idx="1"/>
           </p:nvPr>
         </p:nvSpPr>
         <p:spPr>
@@ -1275,12 +1323,12 @@
           </a:prstGeom>
         </p:spPr>
         <p:txBody>
-          <a:bodyPr anchorCtr="0" anchor="t" bIns="91425" lIns="91425" spcFirstLastPara="1" rIns="91425" wrap="square" tIns="91425">
+          <a:bodyPr spcFirstLastPara="1" wrap="square" lIns="91425" tIns="91425" rIns="91425" bIns="91425" anchor="t" anchorCtr="0">
             <a:noAutofit/>
           </a:bodyPr>
           <a:lstStyle/>
           <a:p>
-            <a:pPr indent="0" lvl="0" marL="0" rtl="0" algn="l">
+            <a:pPr marL="0" lvl="0" indent="0" algn="l" rtl="0">
               <a:spcBef>
                 <a:spcPts val="0"/>
               </a:spcBef>
@@ -1289,9 +1337,6 @@
               </a:spcAft>
               <a:buNone/>
             </a:pPr>
-            <a:r>
-              <a:t/>
-            </a:r>
             <a:endParaRPr/>
           </a:p>
         </p:txBody>
@@ -1305,11 +1350,11 @@
 </file>
 
 <file path=ppt/notesSlides/notesSlide5.xml><?xml version="1.0" encoding="utf-8"?>
-<p:notes xmlns:a="http://schemas.openxmlformats.org/drawingml/2006/main" xmlns:r="http://schemas.openxmlformats.org/officeDocument/2006/relationships" xmlns:mc="http://schemas.openxmlformats.org/markup-compatibility/2006" xmlns:mv="urn:schemas-microsoft-com:mac:vml" xmlns:p="http://schemas.openxmlformats.org/presentationml/2006/main" xmlns:c="http://schemas.openxmlformats.org/drawingml/2006/chart" xmlns:dgm="http://schemas.openxmlformats.org/drawingml/2006/diagram" xmlns:o="urn:schemas-microsoft-com:office:office" xmlns:v="urn:schemas-microsoft-com:vml" xmlns:pvml="urn:schemas-microsoft-com:office:powerpoint" xmlns:com="http://schemas.openxmlformats.org/drawingml/2006/compatibility" xmlns:p14="http://schemas.microsoft.com/office/powerpoint/2010/main" xmlns:p15="http://schemas.microsoft.com/office/powerpoint/2012/main" showMasterPhAnim="0" showMasterSp="0">
+<p:notes xmlns:a="http://schemas.openxmlformats.org/drawingml/2006/main" xmlns:r="http://schemas.openxmlformats.org/officeDocument/2006/relationships" xmlns:p="http://schemas.openxmlformats.org/presentationml/2006/main" showMasterSp="0" showMasterPhAnim="0">
   <p:cSld>
     <p:spTree>
       <p:nvGrpSpPr>
-        <p:cNvPr id="105" name="Shape 105"/>
+        <p:cNvPr id="1" name="Shape 105"/>
         <p:cNvGrpSpPr/>
         <p:nvPr/>
       </p:nvGrpSpPr>
@@ -1324,9 +1369,11 @@
       <p:sp>
         <p:nvSpPr>
           <p:cNvPr id="106" name="Google Shape;106;g5510d5380c_1_10:notes"/>
-          <p:cNvSpPr/>
+          <p:cNvSpPr>
+            <a:spLocks noGrp="1" noRot="1" noChangeAspect="1"/>
+          </p:cNvSpPr>
           <p:nvPr>
-            <p:ph idx="2" type="sldImg"/>
+            <p:ph type="sldImg" idx="2"/>
           </p:nvPr>
         </p:nvSpPr>
         <p:spPr>
@@ -1335,9 +1382,13 @@
             <a:ext cx="6096000" cy="3429000"/>
           </a:xfrm>
           <a:custGeom>
-            <a:rect b="b" l="l" r="r" t="t"/>
+            <a:avLst/>
+            <a:gdLst/>
+            <a:ahLst/>
+            <a:cxnLst/>
+            <a:rect l="l" t="t" r="r" b="b"/>
             <a:pathLst>
-              <a:path extrusionOk="0" h="120000" w="120000">
+              <a:path w="120000" h="120000" extrusionOk="0">
                 <a:moveTo>
                   <a:pt x="0" y="0"/>
                 </a:moveTo>
@@ -1359,9 +1410,11 @@
       <p:sp>
         <p:nvSpPr>
           <p:cNvPr id="107" name="Google Shape;107;g5510d5380c_1_10:notes"/>
-          <p:cNvSpPr txBox="1"/>
+          <p:cNvSpPr txBox="1">
+            <a:spLocks noGrp="1"/>
+          </p:cNvSpPr>
           <p:nvPr>
-            <p:ph idx="1" type="body"/>
+            <p:ph type="body" idx="1"/>
           </p:nvPr>
         </p:nvSpPr>
         <p:spPr>
@@ -1374,12 +1427,12 @@
           </a:prstGeom>
         </p:spPr>
         <p:txBody>
-          <a:bodyPr anchorCtr="0" anchor="t" bIns="91425" lIns="91425" spcFirstLastPara="1" rIns="91425" wrap="square" tIns="91425">
+          <a:bodyPr spcFirstLastPara="1" wrap="square" lIns="91425" tIns="91425" rIns="91425" bIns="91425" anchor="t" anchorCtr="0">
             <a:noAutofit/>
           </a:bodyPr>
           <a:lstStyle/>
           <a:p>
-            <a:pPr indent="0" lvl="0" marL="0" rtl="0" algn="l">
+            <a:pPr marL="0" lvl="0" indent="0" algn="l" rtl="0">
               <a:spcBef>
                 <a:spcPts val="0"/>
               </a:spcBef>
@@ -1388,9 +1441,6 @@
               </a:spcAft>
               <a:buNone/>
             </a:pPr>
-            <a:r>
-              <a:t/>
-            </a:r>
             <a:endParaRPr/>
           </a:p>
         </p:txBody>
@@ -1404,11 +1454,11 @@
 </file>
 
 <file path=ppt/notesSlides/notesSlide6.xml><?xml version="1.0" encoding="utf-8"?>
-<p:notes xmlns:a="http://schemas.openxmlformats.org/drawingml/2006/main" xmlns:r="http://schemas.openxmlformats.org/officeDocument/2006/relationships" xmlns:mc="http://schemas.openxmlformats.org/markup-compatibility/2006" xmlns:mv="urn:schemas-microsoft-com:mac:vml" xmlns:p="http://schemas.openxmlformats.org/presentationml/2006/main" xmlns:c="http://schemas.openxmlformats.org/drawingml/2006/chart" xmlns:dgm="http://schemas.openxmlformats.org/drawingml/2006/diagram" xmlns:o="urn:schemas-microsoft-com:office:office" xmlns:v="urn:schemas-microsoft-com:vml" xmlns:pvml="urn:schemas-microsoft-com:office:powerpoint" xmlns:com="http://schemas.openxmlformats.org/drawingml/2006/compatibility" xmlns:p14="http://schemas.microsoft.com/office/powerpoint/2010/main" xmlns:p15="http://schemas.microsoft.com/office/powerpoint/2012/main" showMasterPhAnim="0" showMasterSp="0">
+<p:notes xmlns:a="http://schemas.openxmlformats.org/drawingml/2006/main" xmlns:r="http://schemas.openxmlformats.org/officeDocument/2006/relationships" xmlns:p="http://schemas.openxmlformats.org/presentationml/2006/main" showMasterSp="0" showMasterPhAnim="0">
   <p:cSld>
     <p:spTree>
       <p:nvGrpSpPr>
-        <p:cNvPr id="111" name="Shape 111"/>
+        <p:cNvPr id="1" name="Shape 111"/>
         <p:cNvGrpSpPr/>
         <p:nvPr/>
       </p:nvGrpSpPr>
@@ -1423,9 +1473,11 @@
       <p:sp>
         <p:nvSpPr>
           <p:cNvPr id="112" name="Google Shape;112;g5510d5380c_1_16:notes"/>
-          <p:cNvSpPr/>
+          <p:cNvSpPr>
+            <a:spLocks noGrp="1" noRot="1" noChangeAspect="1"/>
+          </p:cNvSpPr>
           <p:nvPr>
-            <p:ph idx="2" type="sldImg"/>
+            <p:ph type="sldImg" idx="2"/>
           </p:nvPr>
         </p:nvSpPr>
         <p:spPr>
@@ -1434,9 +1486,13 @@
             <a:ext cx="6096000" cy="3429000"/>
           </a:xfrm>
           <a:custGeom>
-            <a:rect b="b" l="l" r="r" t="t"/>
+            <a:avLst/>
+            <a:gdLst/>
+            <a:ahLst/>
+            <a:cxnLst/>
+            <a:rect l="l" t="t" r="r" b="b"/>
             <a:pathLst>
-              <a:path extrusionOk="0" h="120000" w="120000">
+              <a:path w="120000" h="120000" extrusionOk="0">
                 <a:moveTo>
                   <a:pt x="0" y="0"/>
                 </a:moveTo>
@@ -1458,9 +1514,11 @@
       <p:sp>
         <p:nvSpPr>
           <p:cNvPr id="113" name="Google Shape;113;g5510d5380c_1_16:notes"/>
-          <p:cNvSpPr txBox="1"/>
+          <p:cNvSpPr txBox="1">
+            <a:spLocks noGrp="1"/>
+          </p:cNvSpPr>
           <p:nvPr>
-            <p:ph idx="1" type="body"/>
+            <p:ph type="body" idx="1"/>
           </p:nvPr>
         </p:nvSpPr>
         <p:spPr>
@@ -1473,12 +1531,12 @@
           </a:prstGeom>
         </p:spPr>
         <p:txBody>
-          <a:bodyPr anchorCtr="0" anchor="t" bIns="91425" lIns="91425" spcFirstLastPara="1" rIns="91425" wrap="square" tIns="91425">
+          <a:bodyPr spcFirstLastPara="1" wrap="square" lIns="91425" tIns="91425" rIns="91425" bIns="91425" anchor="t" anchorCtr="0">
             <a:noAutofit/>
           </a:bodyPr>
           <a:lstStyle/>
           <a:p>
-            <a:pPr indent="0" lvl="0" marL="0" rtl="0" algn="l">
+            <a:pPr marL="0" lvl="0" indent="0" algn="l" rtl="0">
               <a:spcBef>
                 <a:spcPts val="0"/>
               </a:spcBef>
@@ -1487,9 +1545,6 @@
               </a:spcAft>
               <a:buNone/>
             </a:pPr>
-            <a:r>
-              <a:t/>
-            </a:r>
             <a:endParaRPr/>
           </a:p>
         </p:txBody>
@@ -1503,11 +1558,11 @@
 </file>
 
 <file path=ppt/notesSlides/notesSlide7.xml><?xml version="1.0" encoding="utf-8"?>
-<p:notes xmlns:a="http://schemas.openxmlformats.org/drawingml/2006/main" xmlns:r="http://schemas.openxmlformats.org/officeDocument/2006/relationships" xmlns:mc="http://schemas.openxmlformats.org/markup-compatibility/2006" xmlns:mv="urn:schemas-microsoft-com:mac:vml" xmlns:p="http://schemas.openxmlformats.org/presentationml/2006/main" xmlns:c="http://schemas.openxmlformats.org/drawingml/2006/chart" xmlns:dgm="http://schemas.openxmlformats.org/drawingml/2006/diagram" xmlns:o="urn:schemas-microsoft-com:office:office" xmlns:v="urn:schemas-microsoft-com:vml" xmlns:pvml="urn:schemas-microsoft-com:office:powerpoint" xmlns:com="http://schemas.openxmlformats.org/drawingml/2006/compatibility" xmlns:p14="http://schemas.microsoft.com/office/powerpoint/2010/main" xmlns:p15="http://schemas.microsoft.com/office/powerpoint/2012/main" showMasterPhAnim="0" showMasterSp="0">
+<p:notes xmlns:a="http://schemas.openxmlformats.org/drawingml/2006/main" xmlns:r="http://schemas.openxmlformats.org/officeDocument/2006/relationships" xmlns:p="http://schemas.openxmlformats.org/presentationml/2006/main" showMasterSp="0" showMasterPhAnim="0">
   <p:cSld>
     <p:spTree>
       <p:nvGrpSpPr>
-        <p:cNvPr id="117" name="Shape 117"/>
+        <p:cNvPr id="1" name="Shape 117"/>
         <p:cNvGrpSpPr/>
         <p:nvPr/>
       </p:nvGrpSpPr>
@@ -1522,9 +1577,11 @@
       <p:sp>
         <p:nvSpPr>
           <p:cNvPr id="118" name="Google Shape;118;g5510d5380c_1_22:notes"/>
-          <p:cNvSpPr/>
+          <p:cNvSpPr>
+            <a:spLocks noGrp="1" noRot="1" noChangeAspect="1"/>
+          </p:cNvSpPr>
           <p:nvPr>
-            <p:ph idx="2" type="sldImg"/>
+            <p:ph type="sldImg" idx="2"/>
           </p:nvPr>
         </p:nvSpPr>
         <p:spPr>
@@ -1533,9 +1590,13 @@
             <a:ext cx="6096000" cy="3429000"/>
           </a:xfrm>
           <a:custGeom>
-            <a:rect b="b" l="l" r="r" t="t"/>
+            <a:avLst/>
+            <a:gdLst/>
+            <a:ahLst/>
+            <a:cxnLst/>
+            <a:rect l="l" t="t" r="r" b="b"/>
             <a:pathLst>
-              <a:path extrusionOk="0" h="120000" w="120000">
+              <a:path w="120000" h="120000" extrusionOk="0">
                 <a:moveTo>
                   <a:pt x="0" y="0"/>
                 </a:moveTo>
@@ -1557,9 +1618,11 @@
       <p:sp>
         <p:nvSpPr>
           <p:cNvPr id="119" name="Google Shape;119;g5510d5380c_1_22:notes"/>
-          <p:cNvSpPr txBox="1"/>
+          <p:cNvSpPr txBox="1">
+            <a:spLocks noGrp="1"/>
+          </p:cNvSpPr>
           <p:nvPr>
-            <p:ph idx="1" type="body"/>
+            <p:ph type="body" idx="1"/>
           </p:nvPr>
         </p:nvSpPr>
         <p:spPr>
@@ -1572,12 +1635,12 @@
           </a:prstGeom>
         </p:spPr>
         <p:txBody>
-          <a:bodyPr anchorCtr="0" anchor="t" bIns="91425" lIns="91425" spcFirstLastPara="1" rIns="91425" wrap="square" tIns="91425">
+          <a:bodyPr spcFirstLastPara="1" wrap="square" lIns="91425" tIns="91425" rIns="91425" bIns="91425" anchor="t" anchorCtr="0">
             <a:noAutofit/>
           </a:bodyPr>
           <a:lstStyle/>
           <a:p>
-            <a:pPr indent="0" lvl="0" marL="0" rtl="0" algn="l">
+            <a:pPr marL="0" lvl="0" indent="0" algn="l" rtl="0">
               <a:spcBef>
                 <a:spcPts val="0"/>
               </a:spcBef>
@@ -1586,9 +1649,6 @@
               </a:spcAft>
               <a:buNone/>
             </a:pPr>
-            <a:r>
-              <a:t/>
-            </a:r>
             <a:endParaRPr/>
           </a:p>
         </p:txBody>
@@ -1602,11 +1662,11 @@
 </file>
 
 <file path=ppt/notesSlides/notesSlide8.xml><?xml version="1.0" encoding="utf-8"?>
-<p:notes xmlns:a="http://schemas.openxmlformats.org/drawingml/2006/main" xmlns:r="http://schemas.openxmlformats.org/officeDocument/2006/relationships" xmlns:mc="http://schemas.openxmlformats.org/markup-compatibility/2006" xmlns:mv="urn:schemas-microsoft-com:mac:vml" xmlns:p="http://schemas.openxmlformats.org/presentationml/2006/main" xmlns:c="http://schemas.openxmlformats.org/drawingml/2006/chart" xmlns:dgm="http://schemas.openxmlformats.org/drawingml/2006/diagram" xmlns:o="urn:schemas-microsoft-com:office:office" xmlns:v="urn:schemas-microsoft-com:vml" xmlns:pvml="urn:schemas-microsoft-com:office:powerpoint" xmlns:com="http://schemas.openxmlformats.org/drawingml/2006/compatibility" xmlns:p14="http://schemas.microsoft.com/office/powerpoint/2010/main" xmlns:p15="http://schemas.microsoft.com/office/powerpoint/2012/main" showMasterPhAnim="0" showMasterSp="0">
+<p:notes xmlns:a="http://schemas.openxmlformats.org/drawingml/2006/main" xmlns:r="http://schemas.openxmlformats.org/officeDocument/2006/relationships" xmlns:p="http://schemas.openxmlformats.org/presentationml/2006/main" showMasterSp="0" showMasterPhAnim="0">
   <p:cSld>
     <p:spTree>
       <p:nvGrpSpPr>
-        <p:cNvPr id="123" name="Shape 123"/>
+        <p:cNvPr id="1" name="Shape 123"/>
         <p:cNvGrpSpPr/>
         <p:nvPr/>
       </p:nvGrpSpPr>
@@ -1621,9 +1681,11 @@
       <p:sp>
         <p:nvSpPr>
           <p:cNvPr id="124" name="Google Shape;124;g5510d5380c_1_27:notes"/>
-          <p:cNvSpPr/>
+          <p:cNvSpPr>
+            <a:spLocks noGrp="1" noRot="1" noChangeAspect="1"/>
+          </p:cNvSpPr>
           <p:nvPr>
-            <p:ph idx="2" type="sldImg"/>
+            <p:ph type="sldImg" idx="2"/>
           </p:nvPr>
         </p:nvSpPr>
         <p:spPr>
@@ -1632,9 +1694,13 @@
             <a:ext cx="6096000" cy="3429000"/>
           </a:xfrm>
           <a:custGeom>
-            <a:rect b="b" l="l" r="r" t="t"/>
+            <a:avLst/>
+            <a:gdLst/>
+            <a:ahLst/>
+            <a:cxnLst/>
+            <a:rect l="l" t="t" r="r" b="b"/>
             <a:pathLst>
-              <a:path extrusionOk="0" h="120000" w="120000">
+              <a:path w="120000" h="120000" extrusionOk="0">
                 <a:moveTo>
                   <a:pt x="0" y="0"/>
                 </a:moveTo>
@@ -1656,9 +1722,11 @@
       <p:sp>
         <p:nvSpPr>
           <p:cNvPr id="125" name="Google Shape;125;g5510d5380c_1_27:notes"/>
-          <p:cNvSpPr txBox="1"/>
+          <p:cNvSpPr txBox="1">
+            <a:spLocks noGrp="1"/>
+          </p:cNvSpPr>
           <p:nvPr>
-            <p:ph idx="1" type="body"/>
+            <p:ph type="body" idx="1"/>
           </p:nvPr>
         </p:nvSpPr>
         <p:spPr>
@@ -1671,12 +1739,12 @@
           </a:prstGeom>
         </p:spPr>
         <p:txBody>
-          <a:bodyPr anchorCtr="0" anchor="t" bIns="91425" lIns="91425" spcFirstLastPara="1" rIns="91425" wrap="square" tIns="91425">
+          <a:bodyPr spcFirstLastPara="1" wrap="square" lIns="91425" tIns="91425" rIns="91425" bIns="91425" anchor="t" anchorCtr="0">
             <a:noAutofit/>
           </a:bodyPr>
           <a:lstStyle/>
           <a:p>
-            <a:pPr indent="0" lvl="0" marL="0" rtl="0" algn="l">
+            <a:pPr marL="0" lvl="0" indent="0" algn="l" rtl="0">
               <a:spcBef>
                 <a:spcPts val="0"/>
               </a:spcBef>
@@ -1685,9 +1753,6 @@
               </a:spcAft>
               <a:buNone/>
             </a:pPr>
-            <a:r>
-              <a:t/>
-            </a:r>
             <a:endParaRPr/>
           </a:p>
         </p:txBody>
@@ -1701,11 +1766,11 @@
 </file>
 
 <file path=ppt/notesSlides/notesSlide9.xml><?xml version="1.0" encoding="utf-8"?>
-<p:notes xmlns:a="http://schemas.openxmlformats.org/drawingml/2006/main" xmlns:r="http://schemas.openxmlformats.org/officeDocument/2006/relationships" xmlns:mc="http://schemas.openxmlformats.org/markup-compatibility/2006" xmlns:mv="urn:schemas-microsoft-com:mac:vml" xmlns:p="http://schemas.openxmlformats.org/presentationml/2006/main" xmlns:c="http://schemas.openxmlformats.org/drawingml/2006/chart" xmlns:dgm="http://schemas.openxmlformats.org/drawingml/2006/diagram" xmlns:o="urn:schemas-microsoft-com:office:office" xmlns:v="urn:schemas-microsoft-com:vml" xmlns:pvml="urn:schemas-microsoft-com:office:powerpoint" xmlns:com="http://schemas.openxmlformats.org/drawingml/2006/compatibility" xmlns:p14="http://schemas.microsoft.com/office/powerpoint/2010/main" xmlns:p15="http://schemas.microsoft.com/office/powerpoint/2012/main" showMasterPhAnim="0" showMasterSp="0">
+<p:notes xmlns:a="http://schemas.openxmlformats.org/drawingml/2006/main" xmlns:r="http://schemas.openxmlformats.org/officeDocument/2006/relationships" xmlns:p="http://schemas.openxmlformats.org/presentationml/2006/main" showMasterSp="0" showMasterPhAnim="0">
   <p:cSld>
     <p:spTree>
       <p:nvGrpSpPr>
-        <p:cNvPr id="129" name="Shape 129"/>
+        <p:cNvPr id="1" name="Shape 129"/>
         <p:cNvGrpSpPr/>
         <p:nvPr/>
       </p:nvGrpSpPr>
@@ -1720,9 +1785,11 @@
       <p:sp>
         <p:nvSpPr>
           <p:cNvPr id="130" name="Google Shape;130;g5510d5380c_1_33:notes"/>
-          <p:cNvSpPr/>
+          <p:cNvSpPr>
+            <a:spLocks noGrp="1" noRot="1" noChangeAspect="1"/>
+          </p:cNvSpPr>
           <p:nvPr>
-            <p:ph idx="2" type="sldImg"/>
+            <p:ph type="sldImg" idx="2"/>
           </p:nvPr>
         </p:nvSpPr>
         <p:spPr>
@@ -1731,9 +1798,13 @@
             <a:ext cx="6096000" cy="3429000"/>
           </a:xfrm>
           <a:custGeom>
-            <a:rect b="b" l="l" r="r" t="t"/>
+            <a:avLst/>
+            <a:gdLst/>
+            <a:ahLst/>
+            <a:cxnLst/>
+            <a:rect l="l" t="t" r="r" b="b"/>
             <a:pathLst>
-              <a:path extrusionOk="0" h="120000" w="120000">
+              <a:path w="120000" h="120000" extrusionOk="0">
                 <a:moveTo>
                   <a:pt x="0" y="0"/>
                 </a:moveTo>
@@ -1755,9 +1826,11 @@
       <p:sp>
         <p:nvSpPr>
           <p:cNvPr id="131" name="Google Shape;131;g5510d5380c_1_33:notes"/>
-          <p:cNvSpPr txBox="1"/>
+          <p:cNvSpPr txBox="1">
+            <a:spLocks noGrp="1"/>
+          </p:cNvSpPr>
           <p:nvPr>
-            <p:ph idx="1" type="body"/>
+            <p:ph type="body" idx="1"/>
           </p:nvPr>
         </p:nvSpPr>
         <p:spPr>
@@ -1770,12 +1843,12 @@
           </a:prstGeom>
         </p:spPr>
         <p:txBody>
-          <a:bodyPr anchorCtr="0" anchor="t" bIns="91425" lIns="91425" spcFirstLastPara="1" rIns="91425" wrap="square" tIns="91425">
+          <a:bodyPr spcFirstLastPara="1" wrap="square" lIns="91425" tIns="91425" rIns="91425" bIns="91425" anchor="t" anchorCtr="0">
             <a:noAutofit/>
           </a:bodyPr>
           <a:lstStyle/>
           <a:p>
-            <a:pPr indent="0" lvl="0" marL="0" rtl="0" algn="l">
+            <a:pPr marL="0" lvl="0" indent="0" algn="l" rtl="0">
               <a:spcBef>
                 <a:spcPts val="0"/>
               </a:spcBef>
@@ -1784,9 +1857,6 @@
               </a:spcAft>
               <a:buNone/>
             </a:pPr>
-            <a:r>
-              <a:t/>
-            </a:r>
             <a:endParaRPr/>
           </a:p>
         </p:txBody>
@@ -1800,18 +1870,19 @@
 </file>
 
 <file path=ppt/slideLayouts/slideLayout1.xml><?xml version="1.0" encoding="utf-8"?>
-<p:sldLayout xmlns:a="http://schemas.openxmlformats.org/drawingml/2006/main" xmlns:r="http://schemas.openxmlformats.org/officeDocument/2006/relationships" xmlns:mc="http://schemas.openxmlformats.org/markup-compatibility/2006" xmlns:mv="urn:schemas-microsoft-com:mac:vml" xmlns:p="http://schemas.openxmlformats.org/presentationml/2006/main" xmlns:c="http://schemas.openxmlformats.org/drawingml/2006/chart" xmlns:dgm="http://schemas.openxmlformats.org/drawingml/2006/diagram" xmlns:o="urn:schemas-microsoft-com:office:office" xmlns:v="urn:schemas-microsoft-com:vml" xmlns:pvml="urn:schemas-microsoft-com:office:powerpoint" xmlns:com="http://schemas.openxmlformats.org/drawingml/2006/compatibility" xmlns:p14="http://schemas.microsoft.com/office/powerpoint/2010/main" xmlns:p15="http://schemas.microsoft.com/office/powerpoint/2012/main" matchingName="Title slide" type="title">
+<p:sldLayout xmlns:a="http://schemas.openxmlformats.org/drawingml/2006/main" xmlns:r="http://schemas.openxmlformats.org/officeDocument/2006/relationships" xmlns:p="http://schemas.openxmlformats.org/presentationml/2006/main" matchingName="Title slide" type="title">
   <p:cSld name="TITLE">
     <p:bg>
       <p:bgPr>
         <a:solidFill>
           <a:schemeClr val="lt2"/>
         </a:solidFill>
+        <a:effectLst/>
       </p:bgPr>
     </p:bg>
     <p:spTree>
       <p:nvGrpSpPr>
-        <p:cNvPr id="9" name="Shape 9"/>
+        <p:cNvPr id="1" name="Shape 9"/>
         <p:cNvGrpSpPr/>
         <p:nvPr/>
       </p:nvGrpSpPr>
@@ -1845,12 +1916,12 @@
           </a:ln>
         </p:spPr>
         <p:txBody>
-          <a:bodyPr anchorCtr="0" anchor="ctr" bIns="91425" lIns="91425" spcFirstLastPara="1" rIns="91425" wrap="square" tIns="91425">
+          <a:bodyPr spcFirstLastPara="1" wrap="square" lIns="91425" tIns="91425" rIns="91425" bIns="91425" anchor="ctr" anchorCtr="0">
             <a:noAutofit/>
           </a:bodyPr>
           <a:lstStyle/>
           <a:p>
-            <a:pPr indent="0" lvl="0" marL="0" rtl="0" algn="l">
+            <a:pPr marL="0" lvl="0" indent="0" algn="l" rtl="0">
               <a:spcBef>
                 <a:spcPts val="0"/>
               </a:spcBef>
@@ -1859,9 +1930,6 @@
               </a:spcAft>
               <a:buNone/>
             </a:pPr>
-            <a:r>
-              <a:t/>
-            </a:r>
             <a:endParaRPr/>
           </a:p>
         </p:txBody>
@@ -1902,12 +1970,12 @@
             </a:ln>
           </p:spPr>
           <p:txBody>
-            <a:bodyPr anchorCtr="0" anchor="ctr" bIns="91425" lIns="91425" spcFirstLastPara="1" rIns="91425" wrap="square" tIns="91425">
+            <a:bodyPr spcFirstLastPara="1" wrap="square" lIns="91425" tIns="91425" rIns="91425" bIns="91425" anchor="ctr" anchorCtr="0">
               <a:noAutofit/>
             </a:bodyPr>
             <a:lstStyle/>
             <a:p>
-              <a:pPr indent="0" lvl="0" marL="0" rtl="0" algn="l">
+              <a:pPr marL="0" lvl="0" indent="0" algn="l" rtl="0">
                 <a:spcBef>
                   <a:spcPts val="0"/>
                 </a:spcBef>
@@ -1916,9 +1984,6 @@
                 </a:spcAft>
                 <a:buNone/>
               </a:pPr>
-              <a:r>
-                <a:t/>
-              </a:r>
               <a:endParaRPr/>
             </a:p>
           </p:txBody>
@@ -1945,12 +2010,12 @@
             </a:ln>
           </p:spPr>
           <p:txBody>
-            <a:bodyPr anchorCtr="0" anchor="ctr" bIns="91425" lIns="91425" spcFirstLastPara="1" rIns="91425" wrap="square" tIns="91425">
+            <a:bodyPr spcFirstLastPara="1" wrap="square" lIns="91425" tIns="91425" rIns="91425" bIns="91425" anchor="ctr" anchorCtr="0">
               <a:noAutofit/>
             </a:bodyPr>
             <a:lstStyle/>
             <a:p>
-              <a:pPr indent="0" lvl="0" marL="0" rtl="0" algn="l">
+              <a:pPr marL="0" lvl="0" indent="0" algn="l" rtl="0">
                 <a:spcBef>
                   <a:spcPts val="0"/>
                 </a:spcBef>
@@ -1959,9 +2024,6 @@
                 </a:spcAft>
                 <a:buNone/>
               </a:pPr>
-              <a:r>
-                <a:t/>
-              </a:r>
               <a:endParaRPr/>
             </a:p>
           </p:txBody>
@@ -1970,7 +2032,9 @@
       <p:sp>
         <p:nvSpPr>
           <p:cNvPr id="14" name="Google Shape;14;p2"/>
-          <p:cNvSpPr txBox="1"/>
+          <p:cNvSpPr txBox="1">
+            <a:spLocks noGrp="1"/>
+          </p:cNvSpPr>
           <p:nvPr>
             <p:ph type="ctrTitle"/>
           </p:nvPr>
@@ -1985,7 +2049,7 @@
           </a:prstGeom>
         </p:spPr>
         <p:txBody>
-          <a:bodyPr anchorCtr="0" anchor="t" bIns="91425" lIns="91425" spcFirstLastPara="1" rIns="91425" wrap="square" tIns="91425"/>
+          <a:bodyPr spcFirstLastPara="1" wrap="square" lIns="91425" tIns="91425" rIns="91425" bIns="91425" anchor="t" anchorCtr="0"/>
           <a:lstStyle>
             <a:lvl1pPr lvl="0">
               <a:spcBef>
@@ -2150,15 +2214,19 @@
               </a:defRPr>
             </a:lvl9pPr>
           </a:lstStyle>
-          <a:p/>
+          <a:p>
+            <a:endParaRPr/>
+          </a:p>
         </p:txBody>
       </p:sp>
       <p:sp>
         <p:nvSpPr>
           <p:cNvPr id="15" name="Google Shape;15;p2"/>
-          <p:cNvSpPr txBox="1"/>
+          <p:cNvSpPr txBox="1">
+            <a:spLocks noGrp="1"/>
+          </p:cNvSpPr>
           <p:nvPr>
-            <p:ph idx="1" type="subTitle"/>
+            <p:ph type="subTitle" idx="1"/>
           </p:nvPr>
         </p:nvSpPr>
         <p:spPr>
@@ -2171,7 +2239,7 @@
           </a:prstGeom>
         </p:spPr>
         <p:txBody>
-          <a:bodyPr anchorCtr="0" anchor="t" bIns="91425" lIns="91425" spcFirstLastPara="1" rIns="91425" wrap="square" tIns="91425"/>
+          <a:bodyPr spcFirstLastPara="1" wrap="square" lIns="91425" tIns="91425" rIns="91425" bIns="91425" anchor="t" anchorCtr="0"/>
           <a:lstStyle>
             <a:lvl1pPr lvl="0">
               <a:lnSpc>
@@ -2300,15 +2368,19 @@
               <a:defRPr sz="1600"/>
             </a:lvl9pPr>
           </a:lstStyle>
-          <a:p/>
+          <a:p>
+            <a:endParaRPr/>
+          </a:p>
         </p:txBody>
       </p:sp>
       <p:sp>
         <p:nvSpPr>
           <p:cNvPr id="16" name="Google Shape;16;p2"/>
-          <p:cNvSpPr txBox="1"/>
+          <p:cNvSpPr txBox="1">
+            <a:spLocks noGrp="1"/>
+          </p:cNvSpPr>
           <p:nvPr>
-            <p:ph idx="12" type="sldNum"/>
+            <p:ph type="sldNum" idx="12"/>
           </p:nvPr>
         </p:nvSpPr>
         <p:spPr>
@@ -2321,7 +2393,7 @@
           </a:prstGeom>
         </p:spPr>
         <p:txBody>
-          <a:bodyPr anchorCtr="0" anchor="ctr" bIns="91425" lIns="91425" spcFirstLastPara="1" rIns="91425" wrap="square" tIns="91425">
+          <a:bodyPr spcFirstLastPara="1" wrap="square" lIns="91425" tIns="91425" rIns="91425" bIns="91425" anchor="ctr" anchorCtr="0">
             <a:noAutofit/>
           </a:bodyPr>
           <a:lstStyle>
@@ -2363,7 +2435,7 @@
             </a:lvl9pPr>
           </a:lstStyle>
           <a:p>
-            <a:pPr indent="0" lvl="0" marL="0" rtl="0" algn="r">
+            <a:pPr marL="0" lvl="0" indent="0" algn="r" rtl="0">
               <a:spcBef>
                 <a:spcPts val="0"/>
               </a:spcBef>
@@ -2389,18 +2461,19 @@
 </file>
 
 <file path=ppt/slideLayouts/slideLayout10.xml><?xml version="1.0" encoding="utf-8"?>
-<p:sldLayout xmlns:a="http://schemas.openxmlformats.org/drawingml/2006/main" xmlns:r="http://schemas.openxmlformats.org/officeDocument/2006/relationships" xmlns:mc="http://schemas.openxmlformats.org/markup-compatibility/2006" xmlns:mv="urn:schemas-microsoft-com:mac:vml" xmlns:p="http://schemas.openxmlformats.org/presentationml/2006/main" xmlns:c="http://schemas.openxmlformats.org/drawingml/2006/chart" xmlns:dgm="http://schemas.openxmlformats.org/drawingml/2006/diagram" xmlns:o="urn:schemas-microsoft-com:office:office" xmlns:v="urn:schemas-microsoft-com:vml" xmlns:pvml="urn:schemas-microsoft-com:office:powerpoint" xmlns:com="http://schemas.openxmlformats.org/drawingml/2006/compatibility" xmlns:p14="http://schemas.microsoft.com/office/powerpoint/2010/main" xmlns:p15="http://schemas.microsoft.com/office/powerpoint/2012/main" matchingName="Big number">
+<p:sldLayout xmlns:a="http://schemas.openxmlformats.org/drawingml/2006/main" xmlns:r="http://schemas.openxmlformats.org/officeDocument/2006/relationships" xmlns:p="http://schemas.openxmlformats.org/presentationml/2006/main" matchingName="Big number">
   <p:cSld name="BIG_NUMBER">
     <p:bg>
       <p:bgPr>
         <a:solidFill>
           <a:schemeClr val="dk1"/>
         </a:solidFill>
+        <a:effectLst/>
       </p:bgPr>
     </p:bg>
     <p:spTree>
       <p:nvGrpSpPr>
-        <p:cNvPr id="73" name="Shape 73"/>
+        <p:cNvPr id="1" name="Shape 73"/>
         <p:cNvGrpSpPr/>
         <p:nvPr/>
       </p:nvGrpSpPr>
@@ -2448,12 +2521,12 @@
             </a:ln>
           </p:spPr>
           <p:txBody>
-            <a:bodyPr anchorCtr="0" anchor="ctr" bIns="91425" lIns="91425" spcFirstLastPara="1" rIns="91425" wrap="square" tIns="91425">
+            <a:bodyPr spcFirstLastPara="1" wrap="square" lIns="91425" tIns="91425" rIns="91425" bIns="91425" anchor="ctr" anchorCtr="0">
               <a:noAutofit/>
             </a:bodyPr>
             <a:lstStyle/>
             <a:p>
-              <a:pPr indent="0" lvl="0" marL="0" rtl="0" algn="l">
+              <a:pPr marL="0" lvl="0" indent="0" algn="l" rtl="0">
                 <a:spcBef>
                   <a:spcPts val="0"/>
                 </a:spcBef>
@@ -2462,9 +2535,6 @@
                 </a:spcAft>
                 <a:buNone/>
               </a:pPr>
-              <a:r>
-                <a:t/>
-              </a:r>
               <a:endParaRPr/>
             </a:p>
           </p:txBody>
@@ -2491,12 +2561,12 @@
             </a:ln>
           </p:spPr>
           <p:txBody>
-            <a:bodyPr anchorCtr="0" anchor="ctr" bIns="91425" lIns="91425" spcFirstLastPara="1" rIns="91425" wrap="square" tIns="91425">
+            <a:bodyPr spcFirstLastPara="1" wrap="square" lIns="91425" tIns="91425" rIns="91425" bIns="91425" anchor="ctr" anchorCtr="0">
               <a:noAutofit/>
             </a:bodyPr>
             <a:lstStyle/>
             <a:p>
-              <a:pPr indent="0" lvl="0" marL="0" rtl="0" algn="l">
+              <a:pPr marL="0" lvl="0" indent="0" algn="l" rtl="0">
                 <a:spcBef>
                   <a:spcPts val="0"/>
                 </a:spcBef>
@@ -2505,9 +2575,6 @@
                 </a:spcAft>
                 <a:buNone/>
               </a:pPr>
-              <a:r>
-                <a:t/>
-              </a:r>
               <a:endParaRPr/>
             </a:p>
           </p:txBody>
@@ -2516,9 +2583,11 @@
       <p:sp>
         <p:nvSpPr>
           <p:cNvPr id="77" name="Google Shape;77;p11"/>
-          <p:cNvSpPr txBox="1"/>
+          <p:cNvSpPr txBox="1">
+            <a:spLocks noGrp="1"/>
+          </p:cNvSpPr>
           <p:nvPr>
-            <p:ph hasCustomPrompt="1" type="title"/>
+            <p:ph type="title" hasCustomPrompt="1"/>
           </p:nvPr>
         </p:nvSpPr>
         <p:spPr>
@@ -2531,7 +2600,7 @@
           </a:prstGeom>
         </p:spPr>
         <p:txBody>
-          <a:bodyPr anchorCtr="0" anchor="t" bIns="91425" lIns="91425" spcFirstLastPara="1" rIns="91425" wrap="square" tIns="91425"/>
+          <a:bodyPr spcFirstLastPara="1" wrap="square" lIns="91425" tIns="91425" rIns="91425" bIns="91425" anchor="t" anchorCtr="0"/>
           <a:lstStyle>
             <a:lvl1pPr lvl="0">
               <a:spcBef>
@@ -2706,9 +2775,11 @@
       <p:sp>
         <p:nvSpPr>
           <p:cNvPr id="78" name="Google Shape;78;p11"/>
-          <p:cNvSpPr txBox="1"/>
+          <p:cNvSpPr txBox="1">
+            <a:spLocks noGrp="1"/>
+          </p:cNvSpPr>
           <p:nvPr>
-            <p:ph idx="1" type="body"/>
+            <p:ph type="body" idx="1"/>
           </p:nvPr>
         </p:nvSpPr>
         <p:spPr>
@@ -2721,9 +2792,9 @@
           </a:prstGeom>
         </p:spPr>
         <p:txBody>
-          <a:bodyPr anchorCtr="0" anchor="t" bIns="91425" lIns="91425" spcFirstLastPara="1" rIns="91425" wrap="square" tIns="91425"/>
+          <a:bodyPr spcFirstLastPara="1" wrap="square" lIns="91425" tIns="91425" rIns="91425" bIns="91425" anchor="t" anchorCtr="0"/>
           <a:lstStyle>
-            <a:lvl1pPr indent="-311150" lvl="0" marL="457200">
+            <a:lvl1pPr marL="457200" lvl="0" indent="-311150">
               <a:spcBef>
                 <a:spcPts val="0"/>
               </a:spcBef>
@@ -2741,7 +2812,7 @@
                 </a:solidFill>
               </a:defRPr>
             </a:lvl1pPr>
-            <a:lvl2pPr indent="-298450" lvl="1" marL="914400">
+            <a:lvl2pPr marL="914400" lvl="1" indent="-298450">
               <a:spcBef>
                 <a:spcPts val="1600"/>
               </a:spcBef>
@@ -2759,7 +2830,7 @@
                 </a:solidFill>
               </a:defRPr>
             </a:lvl2pPr>
-            <a:lvl3pPr indent="-298450" lvl="2" marL="1371600">
+            <a:lvl3pPr marL="1371600" lvl="2" indent="-298450">
               <a:spcBef>
                 <a:spcPts val="1600"/>
               </a:spcBef>
@@ -2777,7 +2848,7 @@
                 </a:solidFill>
               </a:defRPr>
             </a:lvl3pPr>
-            <a:lvl4pPr indent="-298450" lvl="3" marL="1828800">
+            <a:lvl4pPr marL="1828800" lvl="3" indent="-298450">
               <a:spcBef>
                 <a:spcPts val="1600"/>
               </a:spcBef>
@@ -2795,7 +2866,7 @@
                 </a:solidFill>
               </a:defRPr>
             </a:lvl4pPr>
-            <a:lvl5pPr indent="-298450" lvl="4" marL="2286000">
+            <a:lvl5pPr marL="2286000" lvl="4" indent="-298450">
               <a:spcBef>
                 <a:spcPts val="1600"/>
               </a:spcBef>
@@ -2813,7 +2884,7 @@
                 </a:solidFill>
               </a:defRPr>
             </a:lvl5pPr>
-            <a:lvl6pPr indent="-298450" lvl="5" marL="2743200">
+            <a:lvl6pPr marL="2743200" lvl="5" indent="-298450">
               <a:spcBef>
                 <a:spcPts val="1600"/>
               </a:spcBef>
@@ -2831,7 +2902,7 @@
                 </a:solidFill>
               </a:defRPr>
             </a:lvl6pPr>
-            <a:lvl7pPr indent="-298450" lvl="6" marL="3200400">
+            <a:lvl7pPr marL="3200400" lvl="6" indent="-298450">
               <a:spcBef>
                 <a:spcPts val="1600"/>
               </a:spcBef>
@@ -2849,7 +2920,7 @@
                 </a:solidFill>
               </a:defRPr>
             </a:lvl7pPr>
-            <a:lvl8pPr indent="-298450" lvl="7" marL="3657600">
+            <a:lvl8pPr marL="3657600" lvl="7" indent="-298450">
               <a:spcBef>
                 <a:spcPts val="1600"/>
               </a:spcBef>
@@ -2867,7 +2938,7 @@
                 </a:solidFill>
               </a:defRPr>
             </a:lvl8pPr>
-            <a:lvl9pPr indent="-298450" lvl="8" marL="4114800">
+            <a:lvl9pPr marL="4114800" lvl="8" indent="-298450">
               <a:spcBef>
                 <a:spcPts val="1600"/>
               </a:spcBef>
@@ -2886,15 +2957,19 @@
               </a:defRPr>
             </a:lvl9pPr>
           </a:lstStyle>
-          <a:p/>
+          <a:p>
+            <a:endParaRPr/>
+          </a:p>
         </p:txBody>
       </p:sp>
       <p:sp>
         <p:nvSpPr>
           <p:cNvPr id="79" name="Google Shape;79;p11"/>
-          <p:cNvSpPr txBox="1"/>
+          <p:cNvSpPr txBox="1">
+            <a:spLocks noGrp="1"/>
+          </p:cNvSpPr>
           <p:nvPr>
-            <p:ph idx="12" type="sldNum"/>
+            <p:ph type="sldNum" idx="12"/>
           </p:nvPr>
         </p:nvSpPr>
         <p:spPr>
@@ -2907,7 +2982,7 @@
           </a:prstGeom>
         </p:spPr>
         <p:txBody>
-          <a:bodyPr anchorCtr="0" anchor="ctr" bIns="91425" lIns="91425" spcFirstLastPara="1" rIns="91425" wrap="square" tIns="91425">
+          <a:bodyPr spcFirstLastPara="1" wrap="square" lIns="91425" tIns="91425" rIns="91425" bIns="91425" anchor="ctr" anchorCtr="0">
             <a:noAutofit/>
           </a:bodyPr>
           <a:lstStyle>
@@ -2985,7 +3060,7 @@
             </a:lvl9pPr>
           </a:lstStyle>
           <a:p>
-            <a:pPr indent="0" lvl="0" marL="0" rtl="0" algn="r">
+            <a:pPr marL="0" lvl="0" indent="0" algn="r" rtl="0">
               <a:spcBef>
                 <a:spcPts val="0"/>
               </a:spcBef>
@@ -3011,11 +3086,11 @@
 </file>
 
 <file path=ppt/slideLayouts/slideLayout11.xml><?xml version="1.0" encoding="utf-8"?>
-<p:sldLayout xmlns:a="http://schemas.openxmlformats.org/drawingml/2006/main" xmlns:r="http://schemas.openxmlformats.org/officeDocument/2006/relationships" xmlns:mc="http://schemas.openxmlformats.org/markup-compatibility/2006" xmlns:mv="urn:schemas-microsoft-com:mac:vml" xmlns:p="http://schemas.openxmlformats.org/presentationml/2006/main" xmlns:c="http://schemas.openxmlformats.org/drawingml/2006/chart" xmlns:dgm="http://schemas.openxmlformats.org/drawingml/2006/diagram" xmlns:o="urn:schemas-microsoft-com:office:office" xmlns:v="urn:schemas-microsoft-com:vml" xmlns:pvml="urn:schemas-microsoft-com:office:powerpoint" xmlns:com="http://schemas.openxmlformats.org/drawingml/2006/compatibility" xmlns:p14="http://schemas.microsoft.com/office/powerpoint/2010/main" xmlns:p15="http://schemas.microsoft.com/office/powerpoint/2012/main" matchingName="Blank" type="blank">
+<p:sldLayout xmlns:a="http://schemas.openxmlformats.org/drawingml/2006/main" xmlns:r="http://schemas.openxmlformats.org/officeDocument/2006/relationships" xmlns:p="http://schemas.openxmlformats.org/presentationml/2006/main" matchingName="Blank" type="blank">
   <p:cSld name="BLANK">
     <p:spTree>
       <p:nvGrpSpPr>
-        <p:cNvPr id="80" name="Shape 80"/>
+        <p:cNvPr id="1" name="Shape 80"/>
         <p:cNvGrpSpPr/>
         <p:nvPr/>
       </p:nvGrpSpPr>
@@ -3030,9 +3105,11 @@
       <p:sp>
         <p:nvSpPr>
           <p:cNvPr id="81" name="Google Shape;81;p12"/>
-          <p:cNvSpPr txBox="1"/>
+          <p:cNvSpPr txBox="1">
+            <a:spLocks noGrp="1"/>
+          </p:cNvSpPr>
           <p:nvPr>
-            <p:ph idx="12" type="sldNum"/>
+            <p:ph type="sldNum" idx="12"/>
           </p:nvPr>
         </p:nvSpPr>
         <p:spPr>
@@ -3045,7 +3122,7 @@
           </a:prstGeom>
         </p:spPr>
         <p:txBody>
-          <a:bodyPr anchorCtr="0" anchor="ctr" bIns="91425" lIns="91425" spcFirstLastPara="1" rIns="91425" wrap="square" tIns="91425">
+          <a:bodyPr spcFirstLastPara="1" wrap="square" lIns="91425" tIns="91425" rIns="91425" bIns="91425" anchor="ctr" anchorCtr="0">
             <a:noAutofit/>
           </a:bodyPr>
           <a:lstStyle>
@@ -3087,7 +3164,7 @@
             </a:lvl9pPr>
           </a:lstStyle>
           <a:p>
-            <a:pPr indent="0" lvl="0" marL="0" rtl="0" algn="r">
+            <a:pPr marL="0" lvl="0" indent="0" algn="r" rtl="0">
               <a:spcBef>
                 <a:spcPts val="0"/>
               </a:spcBef>
@@ -3113,18 +3190,19 @@
 </file>
 
 <file path=ppt/slideLayouts/slideLayout2.xml><?xml version="1.0" encoding="utf-8"?>
-<p:sldLayout xmlns:a="http://schemas.openxmlformats.org/drawingml/2006/main" xmlns:r="http://schemas.openxmlformats.org/officeDocument/2006/relationships" xmlns:mc="http://schemas.openxmlformats.org/markup-compatibility/2006" xmlns:mv="urn:schemas-microsoft-com:mac:vml" xmlns:p="http://schemas.openxmlformats.org/presentationml/2006/main" xmlns:c="http://schemas.openxmlformats.org/drawingml/2006/chart" xmlns:dgm="http://schemas.openxmlformats.org/drawingml/2006/diagram" xmlns:o="urn:schemas-microsoft-com:office:office" xmlns:v="urn:schemas-microsoft-com:vml" xmlns:pvml="urn:schemas-microsoft-com:office:powerpoint" xmlns:com="http://schemas.openxmlformats.org/drawingml/2006/compatibility" xmlns:p14="http://schemas.microsoft.com/office/powerpoint/2010/main" xmlns:p15="http://schemas.microsoft.com/office/powerpoint/2012/main" matchingName="Section header" type="secHead">
+<p:sldLayout xmlns:a="http://schemas.openxmlformats.org/drawingml/2006/main" xmlns:r="http://schemas.openxmlformats.org/officeDocument/2006/relationships" xmlns:p="http://schemas.openxmlformats.org/presentationml/2006/main" matchingName="Section header" type="secHead">
   <p:cSld name="SECTION_HEADER">
     <p:bg>
       <p:bgPr>
         <a:solidFill>
           <a:schemeClr val="dk1"/>
         </a:solidFill>
+        <a:effectLst/>
       </p:bgPr>
     </p:bg>
     <p:spTree>
       <p:nvGrpSpPr>
-        <p:cNvPr id="17" name="Shape 17"/>
+        <p:cNvPr id="1" name="Shape 17"/>
         <p:cNvGrpSpPr/>
         <p:nvPr/>
       </p:nvGrpSpPr>
@@ -3172,12 +3250,12 @@
             </a:ln>
           </p:spPr>
           <p:txBody>
-            <a:bodyPr anchorCtr="0" anchor="ctr" bIns="91425" lIns="91425" spcFirstLastPara="1" rIns="91425" wrap="square" tIns="91425">
+            <a:bodyPr spcFirstLastPara="1" wrap="square" lIns="91425" tIns="91425" rIns="91425" bIns="91425" anchor="ctr" anchorCtr="0">
               <a:noAutofit/>
             </a:bodyPr>
             <a:lstStyle/>
             <a:p>
-              <a:pPr indent="0" lvl="0" marL="0" rtl="0" algn="l">
+              <a:pPr marL="0" lvl="0" indent="0" algn="l" rtl="0">
                 <a:spcBef>
                   <a:spcPts val="0"/>
                 </a:spcBef>
@@ -3186,9 +3264,6 @@
                 </a:spcAft>
                 <a:buNone/>
               </a:pPr>
-              <a:r>
-                <a:t/>
-              </a:r>
               <a:endParaRPr/>
             </a:p>
           </p:txBody>
@@ -3215,12 +3290,12 @@
             </a:ln>
           </p:spPr>
           <p:txBody>
-            <a:bodyPr anchorCtr="0" anchor="ctr" bIns="91425" lIns="91425" spcFirstLastPara="1" rIns="91425" wrap="square" tIns="91425">
+            <a:bodyPr spcFirstLastPara="1" wrap="square" lIns="91425" tIns="91425" rIns="91425" bIns="91425" anchor="ctr" anchorCtr="0">
               <a:noAutofit/>
             </a:bodyPr>
             <a:lstStyle/>
             <a:p>
-              <a:pPr indent="0" lvl="0" marL="0" rtl="0" algn="l">
+              <a:pPr marL="0" lvl="0" indent="0" algn="l" rtl="0">
                 <a:spcBef>
                   <a:spcPts val="0"/>
                 </a:spcBef>
@@ -3229,9 +3304,6 @@
                 </a:spcAft>
                 <a:buNone/>
               </a:pPr>
-              <a:r>
-                <a:t/>
-              </a:r>
               <a:endParaRPr/>
             </a:p>
           </p:txBody>
@@ -3240,7 +3312,9 @@
       <p:sp>
         <p:nvSpPr>
           <p:cNvPr id="21" name="Google Shape;21;p3"/>
-          <p:cNvSpPr txBox="1"/>
+          <p:cNvSpPr txBox="1">
+            <a:spLocks noGrp="1"/>
+          </p:cNvSpPr>
           <p:nvPr>
             <p:ph type="title"/>
           </p:nvPr>
@@ -3255,7 +3329,7 @@
           </a:prstGeom>
         </p:spPr>
         <p:txBody>
-          <a:bodyPr anchorCtr="0" anchor="t" bIns="91425" lIns="91425" spcFirstLastPara="1" rIns="91425" wrap="square" tIns="91425"/>
+          <a:bodyPr spcFirstLastPara="1" wrap="square" lIns="91425" tIns="91425" rIns="91425" bIns="91425" anchor="t" anchorCtr="0"/>
           <a:lstStyle>
             <a:lvl1pPr lvl="0">
               <a:spcBef>
@@ -3420,15 +3494,19 @@
               </a:defRPr>
             </a:lvl9pPr>
           </a:lstStyle>
-          <a:p/>
+          <a:p>
+            <a:endParaRPr/>
+          </a:p>
         </p:txBody>
       </p:sp>
       <p:sp>
         <p:nvSpPr>
           <p:cNvPr id="22" name="Google Shape;22;p3"/>
-          <p:cNvSpPr txBox="1"/>
+          <p:cNvSpPr txBox="1">
+            <a:spLocks noGrp="1"/>
+          </p:cNvSpPr>
           <p:nvPr>
-            <p:ph idx="12" type="sldNum"/>
+            <p:ph type="sldNum" idx="12"/>
           </p:nvPr>
         </p:nvSpPr>
         <p:spPr>
@@ -3441,7 +3519,7 @@
           </a:prstGeom>
         </p:spPr>
         <p:txBody>
-          <a:bodyPr anchorCtr="0" anchor="ctr" bIns="91425" lIns="91425" spcFirstLastPara="1" rIns="91425" wrap="square" tIns="91425">
+          <a:bodyPr spcFirstLastPara="1" wrap="square" lIns="91425" tIns="91425" rIns="91425" bIns="91425" anchor="ctr" anchorCtr="0">
             <a:noAutofit/>
           </a:bodyPr>
           <a:lstStyle>
@@ -3519,7 +3597,7 @@
             </a:lvl9pPr>
           </a:lstStyle>
           <a:p>
-            <a:pPr indent="0" lvl="0" marL="0" rtl="0" algn="r">
+            <a:pPr marL="0" lvl="0" indent="0" algn="r" rtl="0">
               <a:spcBef>
                 <a:spcPts val="0"/>
               </a:spcBef>
@@ -3545,11 +3623,11 @@
 </file>
 
 <file path=ppt/slideLayouts/slideLayout3.xml><?xml version="1.0" encoding="utf-8"?>
-<p:sldLayout xmlns:a="http://schemas.openxmlformats.org/drawingml/2006/main" xmlns:r="http://schemas.openxmlformats.org/officeDocument/2006/relationships" xmlns:mc="http://schemas.openxmlformats.org/markup-compatibility/2006" xmlns:mv="urn:schemas-microsoft-com:mac:vml" xmlns:p="http://schemas.openxmlformats.org/presentationml/2006/main" xmlns:c="http://schemas.openxmlformats.org/drawingml/2006/chart" xmlns:dgm="http://schemas.openxmlformats.org/drawingml/2006/diagram" xmlns:o="urn:schemas-microsoft-com:office:office" xmlns:v="urn:schemas-microsoft-com:vml" xmlns:pvml="urn:schemas-microsoft-com:office:powerpoint" xmlns:com="http://schemas.openxmlformats.org/drawingml/2006/compatibility" xmlns:p14="http://schemas.microsoft.com/office/powerpoint/2010/main" xmlns:p15="http://schemas.microsoft.com/office/powerpoint/2012/main" matchingName="Title and body" type="tx">
+<p:sldLayout xmlns:a="http://schemas.openxmlformats.org/drawingml/2006/main" xmlns:r="http://schemas.openxmlformats.org/officeDocument/2006/relationships" xmlns:p="http://schemas.openxmlformats.org/presentationml/2006/main" matchingName="Title and body" type="tx">
   <p:cSld name="TITLE_AND_BODY">
     <p:spTree>
       <p:nvGrpSpPr>
-        <p:cNvPr id="23" name="Shape 23"/>
+        <p:cNvPr id="1" name="Shape 23"/>
         <p:cNvGrpSpPr/>
         <p:nvPr/>
       </p:nvGrpSpPr>
@@ -3583,12 +3661,12 @@
           </a:ln>
         </p:spPr>
         <p:txBody>
-          <a:bodyPr anchorCtr="0" anchor="ctr" bIns="91425" lIns="91425" spcFirstLastPara="1" rIns="91425" wrap="square" tIns="91425">
+          <a:bodyPr spcFirstLastPara="1" wrap="square" lIns="91425" tIns="91425" rIns="91425" bIns="91425" anchor="ctr" anchorCtr="0">
             <a:noAutofit/>
           </a:bodyPr>
           <a:lstStyle/>
           <a:p>
-            <a:pPr indent="0" lvl="0" marL="0" rtl="0" algn="l">
+            <a:pPr marL="0" lvl="0" indent="0" algn="l" rtl="0">
               <a:spcBef>
                 <a:spcPts val="0"/>
               </a:spcBef>
@@ -3597,9 +3675,6 @@
               </a:spcAft>
               <a:buNone/>
             </a:pPr>
-            <a:r>
-              <a:t/>
-            </a:r>
             <a:endParaRPr/>
           </a:p>
         </p:txBody>
@@ -3640,12 +3715,12 @@
             </a:ln>
           </p:spPr>
           <p:txBody>
-            <a:bodyPr anchorCtr="0" anchor="ctr" bIns="91425" lIns="91425" spcFirstLastPara="1" rIns="91425" wrap="square" tIns="91425">
+            <a:bodyPr spcFirstLastPara="1" wrap="square" lIns="91425" tIns="91425" rIns="91425" bIns="91425" anchor="ctr" anchorCtr="0">
               <a:noAutofit/>
             </a:bodyPr>
             <a:lstStyle/>
             <a:p>
-              <a:pPr indent="0" lvl="0" marL="0" rtl="0" algn="l">
+              <a:pPr marL="0" lvl="0" indent="0" algn="l" rtl="0">
                 <a:spcBef>
                   <a:spcPts val="0"/>
                 </a:spcBef>
@@ -3654,9 +3729,6 @@
                 </a:spcAft>
                 <a:buNone/>
               </a:pPr>
-              <a:r>
-                <a:t/>
-              </a:r>
               <a:endParaRPr/>
             </a:p>
           </p:txBody>
@@ -3683,12 +3755,12 @@
             </a:ln>
           </p:spPr>
           <p:txBody>
-            <a:bodyPr anchorCtr="0" anchor="ctr" bIns="91425" lIns="91425" spcFirstLastPara="1" rIns="91425" wrap="square" tIns="91425">
+            <a:bodyPr spcFirstLastPara="1" wrap="square" lIns="91425" tIns="91425" rIns="91425" bIns="91425" anchor="ctr" anchorCtr="0">
               <a:noAutofit/>
             </a:bodyPr>
             <a:lstStyle/>
             <a:p>
-              <a:pPr indent="0" lvl="0" marL="0" rtl="0" algn="l">
+              <a:pPr marL="0" lvl="0" indent="0" algn="l" rtl="0">
                 <a:spcBef>
                   <a:spcPts val="0"/>
                 </a:spcBef>
@@ -3697,9 +3769,6 @@
                 </a:spcAft>
                 <a:buNone/>
               </a:pPr>
-              <a:r>
-                <a:t/>
-              </a:r>
               <a:endParaRPr/>
             </a:p>
           </p:txBody>
@@ -3708,7 +3777,9 @@
       <p:sp>
         <p:nvSpPr>
           <p:cNvPr id="28" name="Google Shape;28;p4"/>
-          <p:cNvSpPr txBox="1"/>
+          <p:cNvSpPr txBox="1">
+            <a:spLocks noGrp="1"/>
+          </p:cNvSpPr>
           <p:nvPr>
             <p:ph type="title"/>
           </p:nvPr>
@@ -3723,7 +3794,7 @@
           </a:prstGeom>
         </p:spPr>
         <p:txBody>
-          <a:bodyPr anchorCtr="0" anchor="t" bIns="91425" lIns="91425" spcFirstLastPara="1" rIns="91425" wrap="square" tIns="91425"/>
+          <a:bodyPr spcFirstLastPara="1" wrap="square" lIns="91425" tIns="91425" rIns="91425" bIns="91425" anchor="t" anchorCtr="0"/>
           <a:lstStyle>
             <a:lvl1pPr lvl="0">
               <a:spcBef>
@@ -3888,15 +3959,19 @@
               </a:defRPr>
             </a:lvl9pPr>
           </a:lstStyle>
-          <a:p/>
+          <a:p>
+            <a:endParaRPr/>
+          </a:p>
         </p:txBody>
       </p:sp>
       <p:sp>
         <p:nvSpPr>
           <p:cNvPr id="29" name="Google Shape;29;p4"/>
-          <p:cNvSpPr txBox="1"/>
+          <p:cNvSpPr txBox="1">
+            <a:spLocks noGrp="1"/>
+          </p:cNvSpPr>
           <p:nvPr>
-            <p:ph idx="1" type="body"/>
+            <p:ph type="body" idx="1"/>
           </p:nvPr>
         </p:nvSpPr>
         <p:spPr>
@@ -3909,9 +3984,9 @@
           </a:prstGeom>
         </p:spPr>
         <p:txBody>
-          <a:bodyPr anchorCtr="0" anchor="t" bIns="91425" lIns="91425" spcFirstLastPara="1" rIns="91425" wrap="square" tIns="91425"/>
+          <a:bodyPr spcFirstLastPara="1" wrap="square" lIns="91425" tIns="91425" rIns="91425" bIns="91425" anchor="t" anchorCtr="0"/>
           <a:lstStyle>
-            <a:lvl1pPr indent="-311150" lvl="0" marL="457200">
+            <a:lvl1pPr marL="457200" lvl="0" indent="-311150">
               <a:spcBef>
                 <a:spcPts val="0"/>
               </a:spcBef>
@@ -3922,7 +3997,7 @@
               <a:buChar char="●"/>
               <a:defRPr/>
             </a:lvl1pPr>
-            <a:lvl2pPr indent="-298450" lvl="1" marL="914400">
+            <a:lvl2pPr marL="914400" lvl="1" indent="-298450">
               <a:spcBef>
                 <a:spcPts val="1600"/>
               </a:spcBef>
@@ -3933,7 +4008,7 @@
               <a:buChar char="○"/>
               <a:defRPr/>
             </a:lvl2pPr>
-            <a:lvl3pPr indent="-298450" lvl="2" marL="1371600">
+            <a:lvl3pPr marL="1371600" lvl="2" indent="-298450">
               <a:spcBef>
                 <a:spcPts val="1600"/>
               </a:spcBef>
@@ -3944,7 +4019,7 @@
               <a:buChar char="■"/>
               <a:defRPr/>
             </a:lvl3pPr>
-            <a:lvl4pPr indent="-298450" lvl="3" marL="1828800">
+            <a:lvl4pPr marL="1828800" lvl="3" indent="-298450">
               <a:spcBef>
                 <a:spcPts val="1600"/>
               </a:spcBef>
@@ -3955,7 +4030,7 @@
               <a:buChar char="●"/>
               <a:defRPr/>
             </a:lvl4pPr>
-            <a:lvl5pPr indent="-298450" lvl="4" marL="2286000">
+            <a:lvl5pPr marL="2286000" lvl="4" indent="-298450">
               <a:spcBef>
                 <a:spcPts val="1600"/>
               </a:spcBef>
@@ -3966,7 +4041,7 @@
               <a:buChar char="○"/>
               <a:defRPr/>
             </a:lvl5pPr>
-            <a:lvl6pPr indent="-298450" lvl="5" marL="2743200">
+            <a:lvl6pPr marL="2743200" lvl="5" indent="-298450">
               <a:spcBef>
                 <a:spcPts val="1600"/>
               </a:spcBef>
@@ -3977,7 +4052,7 @@
               <a:buChar char="■"/>
               <a:defRPr/>
             </a:lvl6pPr>
-            <a:lvl7pPr indent="-298450" lvl="6" marL="3200400">
+            <a:lvl7pPr marL="3200400" lvl="6" indent="-298450">
               <a:spcBef>
                 <a:spcPts val="1600"/>
               </a:spcBef>
@@ -3988,7 +4063,7 @@
               <a:buChar char="●"/>
               <a:defRPr/>
             </a:lvl7pPr>
-            <a:lvl8pPr indent="-298450" lvl="7" marL="3657600">
+            <a:lvl8pPr marL="3657600" lvl="7" indent="-298450">
               <a:spcBef>
                 <a:spcPts val="1600"/>
               </a:spcBef>
@@ -3999,7 +4074,7 @@
               <a:buChar char="○"/>
               <a:defRPr/>
             </a:lvl8pPr>
-            <a:lvl9pPr indent="-298450" lvl="8" marL="4114800">
+            <a:lvl9pPr marL="4114800" lvl="8" indent="-298450">
               <a:spcBef>
                 <a:spcPts val="1600"/>
               </a:spcBef>
@@ -4011,15 +4086,19 @@
               <a:defRPr/>
             </a:lvl9pPr>
           </a:lstStyle>
-          <a:p/>
+          <a:p>
+            <a:endParaRPr/>
+          </a:p>
         </p:txBody>
       </p:sp>
       <p:sp>
         <p:nvSpPr>
           <p:cNvPr id="30" name="Google Shape;30;p4"/>
-          <p:cNvSpPr txBox="1"/>
+          <p:cNvSpPr txBox="1">
+            <a:spLocks noGrp="1"/>
+          </p:cNvSpPr>
           <p:nvPr>
-            <p:ph idx="12" type="sldNum"/>
+            <p:ph type="sldNum" idx="12"/>
           </p:nvPr>
         </p:nvSpPr>
         <p:spPr>
@@ -4032,7 +4111,7 @@
           </a:prstGeom>
         </p:spPr>
         <p:txBody>
-          <a:bodyPr anchorCtr="0" anchor="ctr" bIns="91425" lIns="91425" spcFirstLastPara="1" rIns="91425" wrap="square" tIns="91425">
+          <a:bodyPr spcFirstLastPara="1" wrap="square" lIns="91425" tIns="91425" rIns="91425" bIns="91425" anchor="ctr" anchorCtr="0">
             <a:noAutofit/>
           </a:bodyPr>
           <a:lstStyle>
@@ -4074,7 +4153,7 @@
             </a:lvl9pPr>
           </a:lstStyle>
           <a:p>
-            <a:pPr indent="0" lvl="0" marL="0" rtl="0" algn="r">
+            <a:pPr marL="0" lvl="0" indent="0" algn="r" rtl="0">
               <a:spcBef>
                 <a:spcPts val="0"/>
               </a:spcBef>
@@ -4100,11 +4179,11 @@
 </file>
 
 <file path=ppt/slideLayouts/slideLayout4.xml><?xml version="1.0" encoding="utf-8"?>
-<p:sldLayout xmlns:a="http://schemas.openxmlformats.org/drawingml/2006/main" xmlns:r="http://schemas.openxmlformats.org/officeDocument/2006/relationships" xmlns:mc="http://schemas.openxmlformats.org/markup-compatibility/2006" xmlns:mv="urn:schemas-microsoft-com:mac:vml" xmlns:p="http://schemas.openxmlformats.org/presentationml/2006/main" xmlns:c="http://schemas.openxmlformats.org/drawingml/2006/chart" xmlns:dgm="http://schemas.openxmlformats.org/drawingml/2006/diagram" xmlns:o="urn:schemas-microsoft-com:office:office" xmlns:v="urn:schemas-microsoft-com:vml" xmlns:pvml="urn:schemas-microsoft-com:office:powerpoint" xmlns:com="http://schemas.openxmlformats.org/drawingml/2006/compatibility" xmlns:p14="http://schemas.microsoft.com/office/powerpoint/2010/main" xmlns:p15="http://schemas.microsoft.com/office/powerpoint/2012/main" matchingName="Title and two columns" type="twoColTx">
+<p:sldLayout xmlns:a="http://schemas.openxmlformats.org/drawingml/2006/main" xmlns:r="http://schemas.openxmlformats.org/officeDocument/2006/relationships" xmlns:p="http://schemas.openxmlformats.org/presentationml/2006/main" matchingName="Title and two columns" type="twoColTx">
   <p:cSld name="TITLE_AND_TWO_COLUMNS">
     <p:spTree>
       <p:nvGrpSpPr>
-        <p:cNvPr id="31" name="Shape 31"/>
+        <p:cNvPr id="1" name="Shape 31"/>
         <p:cNvGrpSpPr/>
         <p:nvPr/>
       </p:nvGrpSpPr>
@@ -4138,12 +4217,12 @@
           </a:ln>
         </p:spPr>
         <p:txBody>
-          <a:bodyPr anchorCtr="0" anchor="ctr" bIns="91425" lIns="91425" spcFirstLastPara="1" rIns="91425" wrap="square" tIns="91425">
+          <a:bodyPr spcFirstLastPara="1" wrap="square" lIns="91425" tIns="91425" rIns="91425" bIns="91425" anchor="ctr" anchorCtr="0">
             <a:noAutofit/>
           </a:bodyPr>
           <a:lstStyle/>
           <a:p>
-            <a:pPr indent="0" lvl="0" marL="0" rtl="0" algn="l">
+            <a:pPr marL="0" lvl="0" indent="0" algn="l" rtl="0">
               <a:spcBef>
                 <a:spcPts val="0"/>
               </a:spcBef>
@@ -4152,9 +4231,6 @@
               </a:spcAft>
               <a:buNone/>
             </a:pPr>
-            <a:r>
-              <a:t/>
-            </a:r>
             <a:endParaRPr/>
           </a:p>
         </p:txBody>
@@ -4195,12 +4271,12 @@
             </a:ln>
           </p:spPr>
           <p:txBody>
-            <a:bodyPr anchorCtr="0" anchor="ctr" bIns="91425" lIns="91425" spcFirstLastPara="1" rIns="91425" wrap="square" tIns="91425">
+            <a:bodyPr spcFirstLastPara="1" wrap="square" lIns="91425" tIns="91425" rIns="91425" bIns="91425" anchor="ctr" anchorCtr="0">
               <a:noAutofit/>
             </a:bodyPr>
             <a:lstStyle/>
             <a:p>
-              <a:pPr indent="0" lvl="0" marL="0" rtl="0" algn="l">
+              <a:pPr marL="0" lvl="0" indent="0" algn="l" rtl="0">
                 <a:spcBef>
                   <a:spcPts val="0"/>
                 </a:spcBef>
@@ -4209,9 +4285,6 @@
                 </a:spcAft>
                 <a:buNone/>
               </a:pPr>
-              <a:r>
-                <a:t/>
-              </a:r>
               <a:endParaRPr/>
             </a:p>
           </p:txBody>
@@ -4238,12 +4311,12 @@
             </a:ln>
           </p:spPr>
           <p:txBody>
-            <a:bodyPr anchorCtr="0" anchor="ctr" bIns="91425" lIns="91425" spcFirstLastPara="1" rIns="91425" wrap="square" tIns="91425">
+            <a:bodyPr spcFirstLastPara="1" wrap="square" lIns="91425" tIns="91425" rIns="91425" bIns="91425" anchor="ctr" anchorCtr="0">
               <a:noAutofit/>
             </a:bodyPr>
             <a:lstStyle/>
             <a:p>
-              <a:pPr indent="0" lvl="0" marL="0" rtl="0" algn="l">
+              <a:pPr marL="0" lvl="0" indent="0" algn="l" rtl="0">
                 <a:spcBef>
                   <a:spcPts val="0"/>
                 </a:spcBef>
@@ -4252,9 +4325,6 @@
                 </a:spcAft>
                 <a:buNone/>
               </a:pPr>
-              <a:r>
-                <a:t/>
-              </a:r>
               <a:endParaRPr/>
             </a:p>
           </p:txBody>
@@ -4263,7 +4333,9 @@
       <p:sp>
         <p:nvSpPr>
           <p:cNvPr id="36" name="Google Shape;36;p5"/>
-          <p:cNvSpPr txBox="1"/>
+          <p:cNvSpPr txBox="1">
+            <a:spLocks noGrp="1"/>
+          </p:cNvSpPr>
           <p:nvPr>
             <p:ph type="title"/>
           </p:nvPr>
@@ -4278,7 +4350,7 @@
           </a:prstGeom>
         </p:spPr>
         <p:txBody>
-          <a:bodyPr anchorCtr="0" anchor="t" bIns="91425" lIns="91425" spcFirstLastPara="1" rIns="91425" wrap="square" tIns="91425"/>
+          <a:bodyPr spcFirstLastPara="1" wrap="square" lIns="91425" tIns="91425" rIns="91425" bIns="91425" anchor="t" anchorCtr="0"/>
           <a:lstStyle>
             <a:lvl1pPr lvl="0">
               <a:spcBef>
@@ -4443,15 +4515,19 @@
               </a:defRPr>
             </a:lvl9pPr>
           </a:lstStyle>
-          <a:p/>
+          <a:p>
+            <a:endParaRPr/>
+          </a:p>
         </p:txBody>
       </p:sp>
       <p:sp>
         <p:nvSpPr>
           <p:cNvPr id="37" name="Google Shape;37;p5"/>
-          <p:cNvSpPr txBox="1"/>
+          <p:cNvSpPr txBox="1">
+            <a:spLocks noGrp="1"/>
+          </p:cNvSpPr>
           <p:nvPr>
-            <p:ph idx="1" type="body"/>
+            <p:ph type="body" idx="1"/>
           </p:nvPr>
         </p:nvSpPr>
         <p:spPr>
@@ -4464,9 +4540,9 @@
           </a:prstGeom>
         </p:spPr>
         <p:txBody>
-          <a:bodyPr anchorCtr="0" anchor="t" bIns="91425" lIns="91425" spcFirstLastPara="1" rIns="91425" wrap="square" tIns="91425"/>
+          <a:bodyPr spcFirstLastPara="1" wrap="square" lIns="91425" tIns="91425" rIns="91425" bIns="91425" anchor="t" anchorCtr="0"/>
           <a:lstStyle>
-            <a:lvl1pPr indent="-311150" lvl="0" marL="457200">
+            <a:lvl1pPr marL="457200" lvl="0" indent="-311150">
               <a:spcBef>
                 <a:spcPts val="0"/>
               </a:spcBef>
@@ -4477,7 +4553,7 @@
               <a:buChar char="●"/>
               <a:defRPr/>
             </a:lvl1pPr>
-            <a:lvl2pPr indent="-298450" lvl="1" marL="914400">
+            <a:lvl2pPr marL="914400" lvl="1" indent="-298450">
               <a:spcBef>
                 <a:spcPts val="1600"/>
               </a:spcBef>
@@ -4488,7 +4564,7 @@
               <a:buChar char="○"/>
               <a:defRPr/>
             </a:lvl2pPr>
-            <a:lvl3pPr indent="-298450" lvl="2" marL="1371600">
+            <a:lvl3pPr marL="1371600" lvl="2" indent="-298450">
               <a:spcBef>
                 <a:spcPts val="1600"/>
               </a:spcBef>
@@ -4499,7 +4575,7 @@
               <a:buChar char="■"/>
               <a:defRPr/>
             </a:lvl3pPr>
-            <a:lvl4pPr indent="-298450" lvl="3" marL="1828800">
+            <a:lvl4pPr marL="1828800" lvl="3" indent="-298450">
               <a:spcBef>
                 <a:spcPts val="1600"/>
               </a:spcBef>
@@ -4510,7 +4586,7 @@
               <a:buChar char="●"/>
               <a:defRPr/>
             </a:lvl4pPr>
-            <a:lvl5pPr indent="-298450" lvl="4" marL="2286000">
+            <a:lvl5pPr marL="2286000" lvl="4" indent="-298450">
               <a:spcBef>
                 <a:spcPts val="1600"/>
               </a:spcBef>
@@ -4521,7 +4597,7 @@
               <a:buChar char="○"/>
               <a:defRPr/>
             </a:lvl5pPr>
-            <a:lvl6pPr indent="-298450" lvl="5" marL="2743200">
+            <a:lvl6pPr marL="2743200" lvl="5" indent="-298450">
               <a:spcBef>
                 <a:spcPts val="1600"/>
               </a:spcBef>
@@ -4532,7 +4608,7 @@
               <a:buChar char="■"/>
               <a:defRPr/>
             </a:lvl6pPr>
-            <a:lvl7pPr indent="-298450" lvl="6" marL="3200400">
+            <a:lvl7pPr marL="3200400" lvl="6" indent="-298450">
               <a:spcBef>
                 <a:spcPts val="1600"/>
               </a:spcBef>
@@ -4543,7 +4619,7 @@
               <a:buChar char="●"/>
               <a:defRPr/>
             </a:lvl7pPr>
-            <a:lvl8pPr indent="-298450" lvl="7" marL="3657600">
+            <a:lvl8pPr marL="3657600" lvl="7" indent="-298450">
               <a:spcBef>
                 <a:spcPts val="1600"/>
               </a:spcBef>
@@ -4554,7 +4630,7 @@
               <a:buChar char="○"/>
               <a:defRPr/>
             </a:lvl8pPr>
-            <a:lvl9pPr indent="-298450" lvl="8" marL="4114800">
+            <a:lvl9pPr marL="4114800" lvl="8" indent="-298450">
               <a:spcBef>
                 <a:spcPts val="1600"/>
               </a:spcBef>
@@ -4566,15 +4642,19 @@
               <a:defRPr/>
             </a:lvl9pPr>
           </a:lstStyle>
-          <a:p/>
+          <a:p>
+            <a:endParaRPr/>
+          </a:p>
         </p:txBody>
       </p:sp>
       <p:sp>
         <p:nvSpPr>
           <p:cNvPr id="38" name="Google Shape;38;p5"/>
-          <p:cNvSpPr txBox="1"/>
+          <p:cNvSpPr txBox="1">
+            <a:spLocks noGrp="1"/>
+          </p:cNvSpPr>
           <p:nvPr>
-            <p:ph idx="2" type="body"/>
+            <p:ph type="body" idx="2"/>
           </p:nvPr>
         </p:nvSpPr>
         <p:spPr>
@@ -4587,9 +4667,9 @@
           </a:prstGeom>
         </p:spPr>
         <p:txBody>
-          <a:bodyPr anchorCtr="0" anchor="t" bIns="91425" lIns="91425" spcFirstLastPara="1" rIns="91425" wrap="square" tIns="91425"/>
+          <a:bodyPr spcFirstLastPara="1" wrap="square" lIns="91425" tIns="91425" rIns="91425" bIns="91425" anchor="t" anchorCtr="0"/>
           <a:lstStyle>
-            <a:lvl1pPr indent="-311150" lvl="0" marL="457200">
+            <a:lvl1pPr marL="457200" lvl="0" indent="-311150">
               <a:spcBef>
                 <a:spcPts val="0"/>
               </a:spcBef>
@@ -4600,7 +4680,7 @@
               <a:buChar char="●"/>
               <a:defRPr/>
             </a:lvl1pPr>
-            <a:lvl2pPr indent="-298450" lvl="1" marL="914400">
+            <a:lvl2pPr marL="914400" lvl="1" indent="-298450">
               <a:spcBef>
                 <a:spcPts val="1600"/>
               </a:spcBef>
@@ -4611,7 +4691,7 @@
               <a:buChar char="○"/>
               <a:defRPr/>
             </a:lvl2pPr>
-            <a:lvl3pPr indent="-298450" lvl="2" marL="1371600">
+            <a:lvl3pPr marL="1371600" lvl="2" indent="-298450">
               <a:spcBef>
                 <a:spcPts val="1600"/>
               </a:spcBef>
@@ -4622,7 +4702,7 @@
               <a:buChar char="■"/>
               <a:defRPr/>
             </a:lvl3pPr>
-            <a:lvl4pPr indent="-298450" lvl="3" marL="1828800">
+            <a:lvl4pPr marL="1828800" lvl="3" indent="-298450">
               <a:spcBef>
                 <a:spcPts val="1600"/>
               </a:spcBef>
@@ -4633,7 +4713,7 @@
               <a:buChar char="●"/>
               <a:defRPr/>
             </a:lvl4pPr>
-            <a:lvl5pPr indent="-298450" lvl="4" marL="2286000">
+            <a:lvl5pPr marL="2286000" lvl="4" indent="-298450">
               <a:spcBef>
                 <a:spcPts val="1600"/>
               </a:spcBef>
@@ -4644,7 +4724,7 @@
               <a:buChar char="○"/>
               <a:defRPr/>
             </a:lvl5pPr>
-            <a:lvl6pPr indent="-298450" lvl="5" marL="2743200">
+            <a:lvl6pPr marL="2743200" lvl="5" indent="-298450">
               <a:spcBef>
                 <a:spcPts val="1600"/>
               </a:spcBef>
@@ -4655,7 +4735,7 @@
               <a:buChar char="■"/>
               <a:defRPr/>
             </a:lvl6pPr>
-            <a:lvl7pPr indent="-298450" lvl="6" marL="3200400">
+            <a:lvl7pPr marL="3200400" lvl="6" indent="-298450">
               <a:spcBef>
                 <a:spcPts val="1600"/>
               </a:spcBef>
@@ -4666,7 +4746,7 @@
               <a:buChar char="●"/>
               <a:defRPr/>
             </a:lvl7pPr>
-            <a:lvl8pPr indent="-298450" lvl="7" marL="3657600">
+            <a:lvl8pPr marL="3657600" lvl="7" indent="-298450">
               <a:spcBef>
                 <a:spcPts val="1600"/>
               </a:spcBef>
@@ -4677,7 +4757,7 @@
               <a:buChar char="○"/>
               <a:defRPr/>
             </a:lvl8pPr>
-            <a:lvl9pPr indent="-298450" lvl="8" marL="4114800">
+            <a:lvl9pPr marL="4114800" lvl="8" indent="-298450">
               <a:spcBef>
                 <a:spcPts val="1600"/>
               </a:spcBef>
@@ -4689,15 +4769,19 @@
               <a:defRPr/>
             </a:lvl9pPr>
           </a:lstStyle>
-          <a:p/>
+          <a:p>
+            <a:endParaRPr/>
+          </a:p>
         </p:txBody>
       </p:sp>
       <p:sp>
         <p:nvSpPr>
           <p:cNvPr id="39" name="Google Shape;39;p5"/>
-          <p:cNvSpPr txBox="1"/>
+          <p:cNvSpPr txBox="1">
+            <a:spLocks noGrp="1"/>
+          </p:cNvSpPr>
           <p:nvPr>
-            <p:ph idx="12" type="sldNum"/>
+            <p:ph type="sldNum" idx="12"/>
           </p:nvPr>
         </p:nvSpPr>
         <p:spPr>
@@ -4710,7 +4794,7 @@
           </a:prstGeom>
         </p:spPr>
         <p:txBody>
-          <a:bodyPr anchorCtr="0" anchor="ctr" bIns="91425" lIns="91425" spcFirstLastPara="1" rIns="91425" wrap="square" tIns="91425">
+          <a:bodyPr spcFirstLastPara="1" wrap="square" lIns="91425" tIns="91425" rIns="91425" bIns="91425" anchor="ctr" anchorCtr="0">
             <a:noAutofit/>
           </a:bodyPr>
           <a:lstStyle>
@@ -4752,7 +4836,7 @@
             </a:lvl9pPr>
           </a:lstStyle>
           <a:p>
-            <a:pPr indent="0" lvl="0" marL="0" rtl="0" algn="r">
+            <a:pPr marL="0" lvl="0" indent="0" algn="r" rtl="0">
               <a:spcBef>
                 <a:spcPts val="0"/>
               </a:spcBef>
@@ -4778,11 +4862,11 @@
 </file>
 
 <file path=ppt/slideLayouts/slideLayout5.xml><?xml version="1.0" encoding="utf-8"?>
-<p:sldLayout xmlns:a="http://schemas.openxmlformats.org/drawingml/2006/main" xmlns:r="http://schemas.openxmlformats.org/officeDocument/2006/relationships" xmlns:mc="http://schemas.openxmlformats.org/markup-compatibility/2006" xmlns:mv="urn:schemas-microsoft-com:mac:vml" xmlns:p="http://schemas.openxmlformats.org/presentationml/2006/main" xmlns:c="http://schemas.openxmlformats.org/drawingml/2006/chart" xmlns:dgm="http://schemas.openxmlformats.org/drawingml/2006/diagram" xmlns:o="urn:schemas-microsoft-com:office:office" xmlns:v="urn:schemas-microsoft-com:vml" xmlns:pvml="urn:schemas-microsoft-com:office:powerpoint" xmlns:com="http://schemas.openxmlformats.org/drawingml/2006/compatibility" xmlns:p14="http://schemas.microsoft.com/office/powerpoint/2010/main" xmlns:p15="http://schemas.microsoft.com/office/powerpoint/2012/main" matchingName="Title only" type="titleOnly">
+<p:sldLayout xmlns:a="http://schemas.openxmlformats.org/drawingml/2006/main" xmlns:r="http://schemas.openxmlformats.org/officeDocument/2006/relationships" xmlns:p="http://schemas.openxmlformats.org/presentationml/2006/main" matchingName="Title only" type="titleOnly">
   <p:cSld name="TITLE_ONLY">
     <p:spTree>
       <p:nvGrpSpPr>
-        <p:cNvPr id="40" name="Shape 40"/>
+        <p:cNvPr id="1" name="Shape 40"/>
         <p:cNvGrpSpPr/>
         <p:nvPr/>
       </p:nvGrpSpPr>
@@ -4816,12 +4900,12 @@
           </a:ln>
         </p:spPr>
         <p:txBody>
-          <a:bodyPr anchorCtr="0" anchor="ctr" bIns="91425" lIns="91425" spcFirstLastPara="1" rIns="91425" wrap="square" tIns="91425">
+          <a:bodyPr spcFirstLastPara="1" wrap="square" lIns="91425" tIns="91425" rIns="91425" bIns="91425" anchor="ctr" anchorCtr="0">
             <a:noAutofit/>
           </a:bodyPr>
           <a:lstStyle/>
           <a:p>
-            <a:pPr indent="0" lvl="0" marL="0" rtl="0" algn="l">
+            <a:pPr marL="0" lvl="0" indent="0" algn="l" rtl="0">
               <a:spcBef>
                 <a:spcPts val="0"/>
               </a:spcBef>
@@ -4830,9 +4914,6 @@
               </a:spcAft>
               <a:buNone/>
             </a:pPr>
-            <a:r>
-              <a:t/>
-            </a:r>
             <a:endParaRPr/>
           </a:p>
         </p:txBody>
@@ -4873,12 +4954,12 @@
             </a:ln>
           </p:spPr>
           <p:txBody>
-            <a:bodyPr anchorCtr="0" anchor="ctr" bIns="91425" lIns="91425" spcFirstLastPara="1" rIns="91425" wrap="square" tIns="91425">
+            <a:bodyPr spcFirstLastPara="1" wrap="square" lIns="91425" tIns="91425" rIns="91425" bIns="91425" anchor="ctr" anchorCtr="0">
               <a:noAutofit/>
             </a:bodyPr>
             <a:lstStyle/>
             <a:p>
-              <a:pPr indent="0" lvl="0" marL="0" rtl="0" algn="l">
+              <a:pPr marL="0" lvl="0" indent="0" algn="l" rtl="0">
                 <a:spcBef>
                   <a:spcPts val="0"/>
                 </a:spcBef>
@@ -4887,9 +4968,6 @@
                 </a:spcAft>
                 <a:buNone/>
               </a:pPr>
-              <a:r>
-                <a:t/>
-              </a:r>
               <a:endParaRPr/>
             </a:p>
           </p:txBody>
@@ -4916,12 +4994,12 @@
             </a:ln>
           </p:spPr>
           <p:txBody>
-            <a:bodyPr anchorCtr="0" anchor="ctr" bIns="91425" lIns="91425" spcFirstLastPara="1" rIns="91425" wrap="square" tIns="91425">
+            <a:bodyPr spcFirstLastPara="1" wrap="square" lIns="91425" tIns="91425" rIns="91425" bIns="91425" anchor="ctr" anchorCtr="0">
               <a:noAutofit/>
             </a:bodyPr>
             <a:lstStyle/>
             <a:p>
-              <a:pPr indent="0" lvl="0" marL="0" rtl="0" algn="l">
+              <a:pPr marL="0" lvl="0" indent="0" algn="l" rtl="0">
                 <a:spcBef>
                   <a:spcPts val="0"/>
                 </a:spcBef>
@@ -4930,9 +5008,6 @@
                 </a:spcAft>
                 <a:buNone/>
               </a:pPr>
-              <a:r>
-                <a:t/>
-              </a:r>
               <a:endParaRPr/>
             </a:p>
           </p:txBody>
@@ -4941,7 +5016,9 @@
       <p:sp>
         <p:nvSpPr>
           <p:cNvPr id="45" name="Google Shape;45;p6"/>
-          <p:cNvSpPr txBox="1"/>
+          <p:cNvSpPr txBox="1">
+            <a:spLocks noGrp="1"/>
+          </p:cNvSpPr>
           <p:nvPr>
             <p:ph type="title"/>
           </p:nvPr>
@@ -4956,7 +5033,7 @@
           </a:prstGeom>
         </p:spPr>
         <p:txBody>
-          <a:bodyPr anchorCtr="0" anchor="t" bIns="91425" lIns="91425" spcFirstLastPara="1" rIns="91425" wrap="square" tIns="91425"/>
+          <a:bodyPr spcFirstLastPara="1" wrap="square" lIns="91425" tIns="91425" rIns="91425" bIns="91425" anchor="t" anchorCtr="0"/>
           <a:lstStyle>
             <a:lvl1pPr lvl="0">
               <a:spcBef>
@@ -5121,15 +5198,19 @@
               </a:defRPr>
             </a:lvl9pPr>
           </a:lstStyle>
-          <a:p/>
+          <a:p>
+            <a:endParaRPr/>
+          </a:p>
         </p:txBody>
       </p:sp>
       <p:sp>
         <p:nvSpPr>
           <p:cNvPr id="46" name="Google Shape;46;p6"/>
-          <p:cNvSpPr txBox="1"/>
+          <p:cNvSpPr txBox="1">
+            <a:spLocks noGrp="1"/>
+          </p:cNvSpPr>
           <p:nvPr>
-            <p:ph idx="12" type="sldNum"/>
+            <p:ph type="sldNum" idx="12"/>
           </p:nvPr>
         </p:nvSpPr>
         <p:spPr>
@@ -5142,7 +5223,7 @@
           </a:prstGeom>
         </p:spPr>
         <p:txBody>
-          <a:bodyPr anchorCtr="0" anchor="ctr" bIns="91425" lIns="91425" spcFirstLastPara="1" rIns="91425" wrap="square" tIns="91425">
+          <a:bodyPr spcFirstLastPara="1" wrap="square" lIns="91425" tIns="91425" rIns="91425" bIns="91425" anchor="ctr" anchorCtr="0">
             <a:noAutofit/>
           </a:bodyPr>
           <a:lstStyle>
@@ -5184,7 +5265,7 @@
             </a:lvl9pPr>
           </a:lstStyle>
           <a:p>
-            <a:pPr indent="0" lvl="0" marL="0" rtl="0" algn="r">
+            <a:pPr marL="0" lvl="0" indent="0" algn="r" rtl="0">
               <a:spcBef>
                 <a:spcPts val="0"/>
               </a:spcBef>
@@ -5210,11 +5291,11 @@
 </file>
 
 <file path=ppt/slideLayouts/slideLayout6.xml><?xml version="1.0" encoding="utf-8"?>
-<p:sldLayout xmlns:a="http://schemas.openxmlformats.org/drawingml/2006/main" xmlns:r="http://schemas.openxmlformats.org/officeDocument/2006/relationships" xmlns:mc="http://schemas.openxmlformats.org/markup-compatibility/2006" xmlns:mv="urn:schemas-microsoft-com:mac:vml" xmlns:p="http://schemas.openxmlformats.org/presentationml/2006/main" xmlns:c="http://schemas.openxmlformats.org/drawingml/2006/chart" xmlns:dgm="http://schemas.openxmlformats.org/drawingml/2006/diagram" xmlns:o="urn:schemas-microsoft-com:office:office" xmlns:v="urn:schemas-microsoft-com:vml" xmlns:pvml="urn:schemas-microsoft-com:office:powerpoint" xmlns:com="http://schemas.openxmlformats.org/drawingml/2006/compatibility" xmlns:p14="http://schemas.microsoft.com/office/powerpoint/2010/main" xmlns:p15="http://schemas.microsoft.com/office/powerpoint/2012/main" matchingName="One column text">
+<p:sldLayout xmlns:a="http://schemas.openxmlformats.org/drawingml/2006/main" xmlns:r="http://schemas.openxmlformats.org/officeDocument/2006/relationships" xmlns:p="http://schemas.openxmlformats.org/presentationml/2006/main" matchingName="One column text">
   <p:cSld name="ONE_COLUMN_TEXT">
     <p:spTree>
       <p:nvGrpSpPr>
-        <p:cNvPr id="47" name="Shape 47"/>
+        <p:cNvPr id="1" name="Shape 47"/>
         <p:cNvGrpSpPr/>
         <p:nvPr/>
       </p:nvGrpSpPr>
@@ -5248,12 +5329,12 @@
           </a:ln>
         </p:spPr>
         <p:txBody>
-          <a:bodyPr anchorCtr="0" anchor="ctr" bIns="91425" lIns="91425" spcFirstLastPara="1" rIns="91425" wrap="square" tIns="91425">
+          <a:bodyPr spcFirstLastPara="1" wrap="square" lIns="91425" tIns="91425" rIns="91425" bIns="91425" anchor="ctr" anchorCtr="0">
             <a:noAutofit/>
           </a:bodyPr>
           <a:lstStyle/>
           <a:p>
-            <a:pPr indent="0" lvl="0" marL="0" rtl="0" algn="l">
+            <a:pPr marL="0" lvl="0" indent="0" algn="l" rtl="0">
               <a:spcBef>
                 <a:spcPts val="0"/>
               </a:spcBef>
@@ -5262,9 +5343,6 @@
               </a:spcAft>
               <a:buNone/>
             </a:pPr>
-            <a:r>
-              <a:t/>
-            </a:r>
             <a:endParaRPr/>
           </a:p>
         </p:txBody>
@@ -5305,12 +5383,12 @@
             </a:ln>
           </p:spPr>
           <p:txBody>
-            <a:bodyPr anchorCtr="0" anchor="ctr" bIns="91425" lIns="91425" spcFirstLastPara="1" rIns="91425" wrap="square" tIns="91425">
+            <a:bodyPr spcFirstLastPara="1" wrap="square" lIns="91425" tIns="91425" rIns="91425" bIns="91425" anchor="ctr" anchorCtr="0">
               <a:noAutofit/>
             </a:bodyPr>
             <a:lstStyle/>
             <a:p>
-              <a:pPr indent="0" lvl="0" marL="0" rtl="0" algn="l">
+              <a:pPr marL="0" lvl="0" indent="0" algn="l" rtl="0">
                 <a:spcBef>
                   <a:spcPts val="0"/>
                 </a:spcBef>
@@ -5319,9 +5397,6 @@
                 </a:spcAft>
                 <a:buNone/>
               </a:pPr>
-              <a:r>
-                <a:t/>
-              </a:r>
               <a:endParaRPr/>
             </a:p>
           </p:txBody>
@@ -5348,12 +5423,12 @@
             </a:ln>
           </p:spPr>
           <p:txBody>
-            <a:bodyPr anchorCtr="0" anchor="ctr" bIns="91425" lIns="91425" spcFirstLastPara="1" rIns="91425" wrap="square" tIns="91425">
+            <a:bodyPr spcFirstLastPara="1" wrap="square" lIns="91425" tIns="91425" rIns="91425" bIns="91425" anchor="ctr" anchorCtr="0">
               <a:noAutofit/>
             </a:bodyPr>
             <a:lstStyle/>
             <a:p>
-              <a:pPr indent="0" lvl="0" marL="0" rtl="0" algn="l">
+              <a:pPr marL="0" lvl="0" indent="0" algn="l" rtl="0">
                 <a:spcBef>
                   <a:spcPts val="0"/>
                 </a:spcBef>
@@ -5362,9 +5437,6 @@
                 </a:spcAft>
                 <a:buNone/>
               </a:pPr>
-              <a:r>
-                <a:t/>
-              </a:r>
               <a:endParaRPr/>
             </a:p>
           </p:txBody>
@@ -5373,7 +5445,9 @@
       <p:sp>
         <p:nvSpPr>
           <p:cNvPr id="52" name="Google Shape;52;p7"/>
-          <p:cNvSpPr txBox="1"/>
+          <p:cNvSpPr txBox="1">
+            <a:spLocks noGrp="1"/>
+          </p:cNvSpPr>
           <p:nvPr>
             <p:ph type="title"/>
           </p:nvPr>
@@ -5388,7 +5462,7 @@
           </a:prstGeom>
         </p:spPr>
         <p:txBody>
-          <a:bodyPr anchorCtr="0" anchor="t" bIns="91425" lIns="91425" spcFirstLastPara="1" rIns="91425" wrap="square" tIns="91425"/>
+          <a:bodyPr spcFirstLastPara="1" wrap="square" lIns="91425" tIns="91425" rIns="91425" bIns="91425" anchor="t" anchorCtr="0"/>
           <a:lstStyle>
             <a:lvl1pPr lvl="0">
               <a:spcBef>
@@ -5553,15 +5627,19 @@
               </a:defRPr>
             </a:lvl9pPr>
           </a:lstStyle>
-          <a:p/>
+          <a:p>
+            <a:endParaRPr/>
+          </a:p>
         </p:txBody>
       </p:sp>
       <p:sp>
         <p:nvSpPr>
           <p:cNvPr id="53" name="Google Shape;53;p7"/>
-          <p:cNvSpPr txBox="1"/>
+          <p:cNvSpPr txBox="1">
+            <a:spLocks noGrp="1"/>
+          </p:cNvSpPr>
           <p:nvPr>
-            <p:ph idx="1" type="body"/>
+            <p:ph type="body" idx="1"/>
           </p:nvPr>
         </p:nvSpPr>
         <p:spPr>
@@ -5574,9 +5652,9 @@
           </a:prstGeom>
         </p:spPr>
         <p:txBody>
-          <a:bodyPr anchorCtr="0" anchor="t" bIns="91425" lIns="91425" spcFirstLastPara="1" rIns="91425" wrap="square" tIns="91425"/>
+          <a:bodyPr spcFirstLastPara="1" wrap="square" lIns="91425" tIns="91425" rIns="91425" bIns="91425" anchor="t" anchorCtr="0"/>
           <a:lstStyle>
-            <a:lvl1pPr indent="-311150" lvl="0" marL="457200">
+            <a:lvl1pPr marL="457200" lvl="0" indent="-311150">
               <a:spcBef>
                 <a:spcPts val="0"/>
               </a:spcBef>
@@ -5587,7 +5665,7 @@
               <a:buChar char="●"/>
               <a:defRPr/>
             </a:lvl1pPr>
-            <a:lvl2pPr indent="-298450" lvl="1" marL="914400">
+            <a:lvl2pPr marL="914400" lvl="1" indent="-298450">
               <a:spcBef>
                 <a:spcPts val="1600"/>
               </a:spcBef>
@@ -5598,7 +5676,7 @@
               <a:buChar char="○"/>
               <a:defRPr/>
             </a:lvl2pPr>
-            <a:lvl3pPr indent="-298450" lvl="2" marL="1371600">
+            <a:lvl3pPr marL="1371600" lvl="2" indent="-298450">
               <a:spcBef>
                 <a:spcPts val="1600"/>
               </a:spcBef>
@@ -5609,7 +5687,7 @@
               <a:buChar char="■"/>
               <a:defRPr/>
             </a:lvl3pPr>
-            <a:lvl4pPr indent="-298450" lvl="3" marL="1828800">
+            <a:lvl4pPr marL="1828800" lvl="3" indent="-298450">
               <a:spcBef>
                 <a:spcPts val="1600"/>
               </a:spcBef>
@@ -5620,7 +5698,7 @@
               <a:buChar char="●"/>
               <a:defRPr/>
             </a:lvl4pPr>
-            <a:lvl5pPr indent="-298450" lvl="4" marL="2286000">
+            <a:lvl5pPr marL="2286000" lvl="4" indent="-298450">
               <a:spcBef>
                 <a:spcPts val="1600"/>
               </a:spcBef>
@@ -5631,7 +5709,7 @@
               <a:buChar char="○"/>
               <a:defRPr/>
             </a:lvl5pPr>
-            <a:lvl6pPr indent="-298450" lvl="5" marL="2743200">
+            <a:lvl6pPr marL="2743200" lvl="5" indent="-298450">
               <a:spcBef>
                 <a:spcPts val="1600"/>
               </a:spcBef>
@@ -5642,7 +5720,7 @@
               <a:buChar char="■"/>
               <a:defRPr/>
             </a:lvl6pPr>
-            <a:lvl7pPr indent="-298450" lvl="6" marL="3200400">
+            <a:lvl7pPr marL="3200400" lvl="6" indent="-298450">
               <a:spcBef>
                 <a:spcPts val="1600"/>
               </a:spcBef>
@@ -5653,7 +5731,7 @@
               <a:buChar char="●"/>
               <a:defRPr/>
             </a:lvl7pPr>
-            <a:lvl8pPr indent="-298450" lvl="7" marL="3657600">
+            <a:lvl8pPr marL="3657600" lvl="7" indent="-298450">
               <a:spcBef>
                 <a:spcPts val="1600"/>
               </a:spcBef>
@@ -5664,7 +5742,7 @@
               <a:buChar char="○"/>
               <a:defRPr/>
             </a:lvl8pPr>
-            <a:lvl9pPr indent="-298450" lvl="8" marL="4114800">
+            <a:lvl9pPr marL="4114800" lvl="8" indent="-298450">
               <a:spcBef>
                 <a:spcPts val="1600"/>
               </a:spcBef>
@@ -5676,15 +5754,19 @@
               <a:defRPr/>
             </a:lvl9pPr>
           </a:lstStyle>
-          <a:p/>
+          <a:p>
+            <a:endParaRPr/>
+          </a:p>
         </p:txBody>
       </p:sp>
       <p:sp>
         <p:nvSpPr>
           <p:cNvPr id="54" name="Google Shape;54;p7"/>
-          <p:cNvSpPr txBox="1"/>
+          <p:cNvSpPr txBox="1">
+            <a:spLocks noGrp="1"/>
+          </p:cNvSpPr>
           <p:nvPr>
-            <p:ph idx="12" type="sldNum"/>
+            <p:ph type="sldNum" idx="12"/>
           </p:nvPr>
         </p:nvSpPr>
         <p:spPr>
@@ -5697,7 +5779,7 @@
           </a:prstGeom>
         </p:spPr>
         <p:txBody>
-          <a:bodyPr anchorCtr="0" anchor="ctr" bIns="91425" lIns="91425" spcFirstLastPara="1" rIns="91425" wrap="square" tIns="91425">
+          <a:bodyPr spcFirstLastPara="1" wrap="square" lIns="91425" tIns="91425" rIns="91425" bIns="91425" anchor="ctr" anchorCtr="0">
             <a:noAutofit/>
           </a:bodyPr>
           <a:lstStyle>
@@ -5739,7 +5821,7 @@
             </a:lvl9pPr>
           </a:lstStyle>
           <a:p>
-            <a:pPr indent="0" lvl="0" marL="0" rtl="0" algn="r">
+            <a:pPr marL="0" lvl="0" indent="0" algn="r" rtl="0">
               <a:spcBef>
                 <a:spcPts val="0"/>
               </a:spcBef>
@@ -5765,18 +5847,19 @@
 </file>
 
 <file path=ppt/slideLayouts/slideLayout7.xml><?xml version="1.0" encoding="utf-8"?>
-<p:sldLayout xmlns:a="http://schemas.openxmlformats.org/drawingml/2006/main" xmlns:r="http://schemas.openxmlformats.org/officeDocument/2006/relationships" xmlns:mc="http://schemas.openxmlformats.org/markup-compatibility/2006" xmlns:mv="urn:schemas-microsoft-com:mac:vml" xmlns:p="http://schemas.openxmlformats.org/presentationml/2006/main" xmlns:c="http://schemas.openxmlformats.org/drawingml/2006/chart" xmlns:dgm="http://schemas.openxmlformats.org/drawingml/2006/diagram" xmlns:o="urn:schemas-microsoft-com:office:office" xmlns:v="urn:schemas-microsoft-com:vml" xmlns:pvml="urn:schemas-microsoft-com:office:powerpoint" xmlns:com="http://schemas.openxmlformats.org/drawingml/2006/compatibility" xmlns:p14="http://schemas.microsoft.com/office/powerpoint/2010/main" xmlns:p15="http://schemas.microsoft.com/office/powerpoint/2012/main" matchingName="Main point">
+<p:sldLayout xmlns:a="http://schemas.openxmlformats.org/drawingml/2006/main" xmlns:r="http://schemas.openxmlformats.org/officeDocument/2006/relationships" xmlns:p="http://schemas.openxmlformats.org/presentationml/2006/main" matchingName="Main point">
   <p:cSld name="MAIN_POINT">
     <p:bg>
       <p:bgPr>
         <a:solidFill>
           <a:schemeClr val="accent3"/>
         </a:solidFill>
+        <a:effectLst/>
       </p:bgPr>
     </p:bg>
     <p:spTree>
       <p:nvGrpSpPr>
-        <p:cNvPr id="55" name="Shape 55"/>
+        <p:cNvPr id="1" name="Shape 55"/>
         <p:cNvGrpSpPr/>
         <p:nvPr/>
       </p:nvGrpSpPr>
@@ -5824,12 +5907,12 @@
             </a:ln>
           </p:spPr>
           <p:txBody>
-            <a:bodyPr anchorCtr="0" anchor="ctr" bIns="91425" lIns="91425" spcFirstLastPara="1" rIns="91425" wrap="square" tIns="91425">
+            <a:bodyPr spcFirstLastPara="1" wrap="square" lIns="91425" tIns="91425" rIns="91425" bIns="91425" anchor="ctr" anchorCtr="0">
               <a:noAutofit/>
             </a:bodyPr>
             <a:lstStyle/>
             <a:p>
-              <a:pPr indent="0" lvl="0" marL="0" rtl="0" algn="l">
+              <a:pPr marL="0" lvl="0" indent="0" algn="l" rtl="0">
                 <a:spcBef>
                   <a:spcPts val="0"/>
                 </a:spcBef>
@@ -5838,9 +5921,6 @@
                 </a:spcAft>
                 <a:buNone/>
               </a:pPr>
-              <a:r>
-                <a:t/>
-              </a:r>
               <a:endParaRPr/>
             </a:p>
           </p:txBody>
@@ -5867,12 +5947,12 @@
             </a:ln>
           </p:spPr>
           <p:txBody>
-            <a:bodyPr anchorCtr="0" anchor="ctr" bIns="91425" lIns="91425" spcFirstLastPara="1" rIns="91425" wrap="square" tIns="91425">
+            <a:bodyPr spcFirstLastPara="1" wrap="square" lIns="91425" tIns="91425" rIns="91425" bIns="91425" anchor="ctr" anchorCtr="0">
               <a:noAutofit/>
             </a:bodyPr>
             <a:lstStyle/>
             <a:p>
-              <a:pPr indent="0" lvl="0" marL="0" rtl="0" algn="l">
+              <a:pPr marL="0" lvl="0" indent="0" algn="l" rtl="0">
                 <a:spcBef>
                   <a:spcPts val="0"/>
                 </a:spcBef>
@@ -5881,9 +5961,6 @@
                 </a:spcAft>
                 <a:buNone/>
               </a:pPr>
-              <a:r>
-                <a:t/>
-              </a:r>
               <a:endParaRPr/>
             </a:p>
           </p:txBody>
@@ -5892,7 +5969,9 @@
       <p:sp>
         <p:nvSpPr>
           <p:cNvPr id="59" name="Google Shape;59;p8"/>
-          <p:cNvSpPr txBox="1"/>
+          <p:cNvSpPr txBox="1">
+            <a:spLocks noGrp="1"/>
+          </p:cNvSpPr>
           <p:nvPr>
             <p:ph type="title"/>
           </p:nvPr>
@@ -5907,7 +5986,7 @@
           </a:prstGeom>
         </p:spPr>
         <p:txBody>
-          <a:bodyPr anchorCtr="0" anchor="ctr" bIns="91425" lIns="91425" spcFirstLastPara="1" rIns="91425" wrap="square" tIns="91425"/>
+          <a:bodyPr spcFirstLastPara="1" wrap="square" lIns="91425" tIns="91425" rIns="91425" bIns="91425" anchor="ctr" anchorCtr="0"/>
           <a:lstStyle>
             <a:lvl1pPr lvl="0">
               <a:spcBef>
@@ -6072,15 +6151,19 @@
               </a:defRPr>
             </a:lvl9pPr>
           </a:lstStyle>
-          <a:p/>
+          <a:p>
+            <a:endParaRPr/>
+          </a:p>
         </p:txBody>
       </p:sp>
       <p:sp>
         <p:nvSpPr>
           <p:cNvPr id="60" name="Google Shape;60;p8"/>
-          <p:cNvSpPr txBox="1"/>
+          <p:cNvSpPr txBox="1">
+            <a:spLocks noGrp="1"/>
+          </p:cNvSpPr>
           <p:nvPr>
-            <p:ph idx="12" type="sldNum"/>
+            <p:ph type="sldNum" idx="12"/>
           </p:nvPr>
         </p:nvSpPr>
         <p:spPr>
@@ -6093,7 +6176,7 @@
           </a:prstGeom>
         </p:spPr>
         <p:txBody>
-          <a:bodyPr anchorCtr="0" anchor="ctr" bIns="91425" lIns="91425" spcFirstLastPara="1" rIns="91425" wrap="square" tIns="91425">
+          <a:bodyPr spcFirstLastPara="1" wrap="square" lIns="91425" tIns="91425" rIns="91425" bIns="91425" anchor="ctr" anchorCtr="0">
             <a:noAutofit/>
           </a:bodyPr>
           <a:lstStyle>
@@ -6171,7 +6254,7 @@
             </a:lvl9pPr>
           </a:lstStyle>
           <a:p>
-            <a:pPr indent="0" lvl="0" marL="0" rtl="0" algn="r">
+            <a:pPr marL="0" lvl="0" indent="0" algn="r" rtl="0">
               <a:spcBef>
                 <a:spcPts val="0"/>
               </a:spcBef>
@@ -6197,11 +6280,11 @@
 </file>
 
 <file path=ppt/slideLayouts/slideLayout8.xml><?xml version="1.0" encoding="utf-8"?>
-<p:sldLayout xmlns:a="http://schemas.openxmlformats.org/drawingml/2006/main" xmlns:r="http://schemas.openxmlformats.org/officeDocument/2006/relationships" xmlns:mc="http://schemas.openxmlformats.org/markup-compatibility/2006" xmlns:mv="urn:schemas-microsoft-com:mac:vml" xmlns:p="http://schemas.openxmlformats.org/presentationml/2006/main" xmlns:c="http://schemas.openxmlformats.org/drawingml/2006/chart" xmlns:dgm="http://schemas.openxmlformats.org/drawingml/2006/diagram" xmlns:o="urn:schemas-microsoft-com:office:office" xmlns:v="urn:schemas-microsoft-com:vml" xmlns:pvml="urn:schemas-microsoft-com:office:powerpoint" xmlns:com="http://schemas.openxmlformats.org/drawingml/2006/compatibility" xmlns:p14="http://schemas.microsoft.com/office/powerpoint/2010/main" xmlns:p15="http://schemas.microsoft.com/office/powerpoint/2012/main" matchingName="Section title and description">
+<p:sldLayout xmlns:a="http://schemas.openxmlformats.org/drawingml/2006/main" xmlns:r="http://schemas.openxmlformats.org/officeDocument/2006/relationships" xmlns:p="http://schemas.openxmlformats.org/presentationml/2006/main" matchingName="Section title and description">
   <p:cSld name="SECTION_TITLE_AND_DESCRIPTION">
     <p:spTree>
       <p:nvGrpSpPr>
-        <p:cNvPr id="61" name="Shape 61"/>
+        <p:cNvPr id="1" name="Shape 61"/>
         <p:cNvGrpSpPr/>
         <p:nvPr/>
       </p:nvGrpSpPr>
@@ -6235,12 +6318,12 @@
           </a:ln>
         </p:spPr>
         <p:txBody>
-          <a:bodyPr anchorCtr="0" anchor="ctr" bIns="91425" lIns="91425" spcFirstLastPara="1" rIns="91425" wrap="square" tIns="91425">
+          <a:bodyPr spcFirstLastPara="1" wrap="square" lIns="91425" tIns="91425" rIns="91425" bIns="91425" anchor="ctr" anchorCtr="0">
             <a:noAutofit/>
           </a:bodyPr>
           <a:lstStyle/>
           <a:p>
-            <a:pPr indent="0" lvl="0" marL="0" rtl="0" algn="l">
+            <a:pPr marL="0" lvl="0" indent="0" algn="l" rtl="0">
               <a:spcBef>
                 <a:spcPts val="0"/>
               </a:spcBef>
@@ -6249,9 +6332,6 @@
               </a:spcAft>
               <a:buNone/>
             </a:pPr>
-            <a:r>
-              <a:t/>
-            </a:r>
             <a:endParaRPr/>
           </a:p>
         </p:txBody>
@@ -6292,12 +6372,12 @@
             </a:ln>
           </p:spPr>
           <p:txBody>
-            <a:bodyPr anchorCtr="0" anchor="ctr" bIns="91425" lIns="91425" spcFirstLastPara="1" rIns="91425" wrap="square" tIns="91425">
+            <a:bodyPr spcFirstLastPara="1" wrap="square" lIns="91425" tIns="91425" rIns="91425" bIns="91425" anchor="ctr" anchorCtr="0">
               <a:noAutofit/>
             </a:bodyPr>
             <a:lstStyle/>
             <a:p>
-              <a:pPr indent="0" lvl="0" marL="0" rtl="0" algn="l">
+              <a:pPr marL="0" lvl="0" indent="0" algn="l" rtl="0">
                 <a:spcBef>
                   <a:spcPts val="0"/>
                 </a:spcBef>
@@ -6306,9 +6386,6 @@
                 </a:spcAft>
                 <a:buNone/>
               </a:pPr>
-              <a:r>
-                <a:t/>
-              </a:r>
               <a:endParaRPr/>
             </a:p>
           </p:txBody>
@@ -6335,12 +6412,12 @@
             </a:ln>
           </p:spPr>
           <p:txBody>
-            <a:bodyPr anchorCtr="0" anchor="ctr" bIns="91425" lIns="91425" spcFirstLastPara="1" rIns="91425" wrap="square" tIns="91425">
+            <a:bodyPr spcFirstLastPara="1" wrap="square" lIns="91425" tIns="91425" rIns="91425" bIns="91425" anchor="ctr" anchorCtr="0">
               <a:noAutofit/>
             </a:bodyPr>
             <a:lstStyle/>
             <a:p>
-              <a:pPr indent="0" lvl="0" marL="0" rtl="0" algn="l">
+              <a:pPr marL="0" lvl="0" indent="0" algn="l" rtl="0">
                 <a:spcBef>
                   <a:spcPts val="0"/>
                 </a:spcBef>
@@ -6349,9 +6426,6 @@
                 </a:spcAft>
                 <a:buNone/>
               </a:pPr>
-              <a:r>
-                <a:t/>
-              </a:r>
               <a:endParaRPr/>
             </a:p>
           </p:txBody>
@@ -6360,7 +6434,9 @@
       <p:sp>
         <p:nvSpPr>
           <p:cNvPr id="66" name="Google Shape;66;p9"/>
-          <p:cNvSpPr txBox="1"/>
+          <p:cNvSpPr txBox="1">
+            <a:spLocks noGrp="1"/>
+          </p:cNvSpPr>
           <p:nvPr>
             <p:ph type="title"/>
           </p:nvPr>
@@ -6375,7 +6451,7 @@
           </a:prstGeom>
         </p:spPr>
         <p:txBody>
-          <a:bodyPr anchorCtr="0" anchor="t" bIns="91425" lIns="91425" spcFirstLastPara="1" rIns="91425" wrap="square" tIns="91425"/>
+          <a:bodyPr spcFirstLastPara="1" wrap="square" lIns="91425" tIns="91425" rIns="91425" bIns="91425" anchor="t" anchorCtr="0"/>
           <a:lstStyle>
             <a:lvl1pPr lvl="0">
               <a:spcBef>
@@ -6540,15 +6616,19 @@
               </a:defRPr>
             </a:lvl9pPr>
           </a:lstStyle>
-          <a:p/>
+          <a:p>
+            <a:endParaRPr/>
+          </a:p>
         </p:txBody>
       </p:sp>
       <p:sp>
         <p:nvSpPr>
           <p:cNvPr id="67" name="Google Shape;67;p9"/>
-          <p:cNvSpPr txBox="1"/>
+          <p:cNvSpPr txBox="1">
+            <a:spLocks noGrp="1"/>
+          </p:cNvSpPr>
           <p:nvPr>
-            <p:ph idx="1" type="subTitle"/>
+            <p:ph type="subTitle" idx="1"/>
           </p:nvPr>
         </p:nvSpPr>
         <p:spPr>
@@ -6561,7 +6641,7 @@
           </a:prstGeom>
         </p:spPr>
         <p:txBody>
-          <a:bodyPr anchorCtr="0" anchor="t" bIns="91425" lIns="91425" spcFirstLastPara="1" rIns="91425" wrap="square" tIns="91425"/>
+          <a:bodyPr spcFirstLastPara="1" wrap="square" lIns="91425" tIns="91425" rIns="91425" bIns="91425" anchor="t" anchorCtr="0"/>
           <a:lstStyle>
             <a:lvl1pPr lvl="0">
               <a:lnSpc>
@@ -6690,15 +6770,19 @@
               <a:defRPr sz="1600"/>
             </a:lvl9pPr>
           </a:lstStyle>
-          <a:p/>
+          <a:p>
+            <a:endParaRPr/>
+          </a:p>
         </p:txBody>
       </p:sp>
       <p:sp>
         <p:nvSpPr>
           <p:cNvPr id="68" name="Google Shape;68;p9"/>
-          <p:cNvSpPr txBox="1"/>
+          <p:cNvSpPr txBox="1">
+            <a:spLocks noGrp="1"/>
+          </p:cNvSpPr>
           <p:nvPr>
-            <p:ph idx="2" type="body"/>
+            <p:ph type="body" idx="2"/>
           </p:nvPr>
         </p:nvSpPr>
         <p:spPr>
@@ -6711,9 +6795,9 @@
           </a:prstGeom>
         </p:spPr>
         <p:txBody>
-          <a:bodyPr anchorCtr="0" anchor="t" bIns="91425" lIns="91425" spcFirstLastPara="1" rIns="91425" wrap="square" tIns="91425"/>
+          <a:bodyPr spcFirstLastPara="1" wrap="square" lIns="91425" tIns="91425" rIns="91425" bIns="91425" anchor="t" anchorCtr="0"/>
           <a:lstStyle>
-            <a:lvl1pPr indent="-311150" lvl="0" marL="457200">
+            <a:lvl1pPr marL="457200" lvl="0" indent="-311150">
               <a:spcBef>
                 <a:spcPts val="0"/>
               </a:spcBef>
@@ -6724,7 +6808,7 @@
               <a:buChar char="●"/>
               <a:defRPr/>
             </a:lvl1pPr>
-            <a:lvl2pPr indent="-298450" lvl="1" marL="914400">
+            <a:lvl2pPr marL="914400" lvl="1" indent="-298450">
               <a:spcBef>
                 <a:spcPts val="1600"/>
               </a:spcBef>
@@ -6735,7 +6819,7 @@
               <a:buChar char="○"/>
               <a:defRPr/>
             </a:lvl2pPr>
-            <a:lvl3pPr indent="-298450" lvl="2" marL="1371600">
+            <a:lvl3pPr marL="1371600" lvl="2" indent="-298450">
               <a:spcBef>
                 <a:spcPts val="1600"/>
               </a:spcBef>
@@ -6746,7 +6830,7 @@
               <a:buChar char="■"/>
               <a:defRPr/>
             </a:lvl3pPr>
-            <a:lvl4pPr indent="-298450" lvl="3" marL="1828800">
+            <a:lvl4pPr marL="1828800" lvl="3" indent="-298450">
               <a:spcBef>
                 <a:spcPts val="1600"/>
               </a:spcBef>
@@ -6757,7 +6841,7 @@
               <a:buChar char="●"/>
               <a:defRPr/>
             </a:lvl4pPr>
-            <a:lvl5pPr indent="-298450" lvl="4" marL="2286000">
+            <a:lvl5pPr marL="2286000" lvl="4" indent="-298450">
               <a:spcBef>
                 <a:spcPts val="1600"/>
               </a:spcBef>
@@ -6768,7 +6852,7 @@
               <a:buChar char="○"/>
               <a:defRPr/>
             </a:lvl5pPr>
-            <a:lvl6pPr indent="-298450" lvl="5" marL="2743200">
+            <a:lvl6pPr marL="2743200" lvl="5" indent="-298450">
               <a:spcBef>
                 <a:spcPts val="1600"/>
               </a:spcBef>
@@ -6779,7 +6863,7 @@
               <a:buChar char="■"/>
               <a:defRPr/>
             </a:lvl6pPr>
-            <a:lvl7pPr indent="-298450" lvl="6" marL="3200400">
+            <a:lvl7pPr marL="3200400" lvl="6" indent="-298450">
               <a:spcBef>
                 <a:spcPts val="1600"/>
               </a:spcBef>
@@ -6790,7 +6874,7 @@
               <a:buChar char="●"/>
               <a:defRPr/>
             </a:lvl7pPr>
-            <a:lvl8pPr indent="-298450" lvl="7" marL="3657600">
+            <a:lvl8pPr marL="3657600" lvl="7" indent="-298450">
               <a:spcBef>
                 <a:spcPts val="1600"/>
               </a:spcBef>
@@ -6801,7 +6885,7 @@
               <a:buChar char="○"/>
               <a:defRPr/>
             </a:lvl8pPr>
-            <a:lvl9pPr indent="-298450" lvl="8" marL="4114800">
+            <a:lvl9pPr marL="4114800" lvl="8" indent="-298450">
               <a:spcBef>
                 <a:spcPts val="1600"/>
               </a:spcBef>
@@ -6813,15 +6897,19 @@
               <a:defRPr/>
             </a:lvl9pPr>
           </a:lstStyle>
-          <a:p/>
+          <a:p>
+            <a:endParaRPr/>
+          </a:p>
         </p:txBody>
       </p:sp>
       <p:sp>
         <p:nvSpPr>
           <p:cNvPr id="69" name="Google Shape;69;p9"/>
-          <p:cNvSpPr txBox="1"/>
+          <p:cNvSpPr txBox="1">
+            <a:spLocks noGrp="1"/>
+          </p:cNvSpPr>
           <p:nvPr>
-            <p:ph idx="12" type="sldNum"/>
+            <p:ph type="sldNum" idx="12"/>
           </p:nvPr>
         </p:nvSpPr>
         <p:spPr>
@@ -6834,7 +6922,7 @@
           </a:prstGeom>
         </p:spPr>
         <p:txBody>
-          <a:bodyPr anchorCtr="0" anchor="ctr" bIns="91425" lIns="91425" spcFirstLastPara="1" rIns="91425" wrap="square" tIns="91425">
+          <a:bodyPr spcFirstLastPara="1" wrap="square" lIns="91425" tIns="91425" rIns="91425" bIns="91425" anchor="ctr" anchorCtr="0">
             <a:noAutofit/>
           </a:bodyPr>
           <a:lstStyle>
@@ -6876,7 +6964,7 @@
             </a:lvl9pPr>
           </a:lstStyle>
           <a:p>
-            <a:pPr indent="0" lvl="0" marL="0" rtl="0" algn="r">
+            <a:pPr marL="0" lvl="0" indent="0" algn="r" rtl="0">
               <a:spcBef>
                 <a:spcPts val="0"/>
               </a:spcBef>
@@ -6902,11 +6990,11 @@
 </file>
 
 <file path=ppt/slideLayouts/slideLayout9.xml><?xml version="1.0" encoding="utf-8"?>
-<p:sldLayout xmlns:a="http://schemas.openxmlformats.org/drawingml/2006/main" xmlns:r="http://schemas.openxmlformats.org/officeDocument/2006/relationships" xmlns:mc="http://schemas.openxmlformats.org/markup-compatibility/2006" xmlns:mv="urn:schemas-microsoft-com:mac:vml" xmlns:p="http://schemas.openxmlformats.org/presentationml/2006/main" xmlns:c="http://schemas.openxmlformats.org/drawingml/2006/chart" xmlns:dgm="http://schemas.openxmlformats.org/drawingml/2006/diagram" xmlns:o="urn:schemas-microsoft-com:office:office" xmlns:v="urn:schemas-microsoft-com:vml" xmlns:pvml="urn:schemas-microsoft-com:office:powerpoint" xmlns:com="http://schemas.openxmlformats.org/drawingml/2006/compatibility" xmlns:p14="http://schemas.microsoft.com/office/powerpoint/2010/main" xmlns:p15="http://schemas.microsoft.com/office/powerpoint/2012/main" matchingName="Caption">
+<p:sldLayout xmlns:a="http://schemas.openxmlformats.org/drawingml/2006/main" xmlns:r="http://schemas.openxmlformats.org/officeDocument/2006/relationships" xmlns:p="http://schemas.openxmlformats.org/presentationml/2006/main" matchingName="Caption">
   <p:cSld name="CAPTION_ONLY">
     <p:spTree>
       <p:nvGrpSpPr>
-        <p:cNvPr id="70" name="Shape 70"/>
+        <p:cNvPr id="1" name="Shape 70"/>
         <p:cNvGrpSpPr/>
         <p:nvPr/>
       </p:nvGrpSpPr>
@@ -6921,9 +7009,11 @@
       <p:sp>
         <p:nvSpPr>
           <p:cNvPr id="71" name="Google Shape;71;p10"/>
-          <p:cNvSpPr txBox="1"/>
+          <p:cNvSpPr txBox="1">
+            <a:spLocks noGrp="1"/>
+          </p:cNvSpPr>
           <p:nvPr>
-            <p:ph idx="1" type="body"/>
+            <p:ph type="body" idx="1"/>
           </p:nvPr>
         </p:nvSpPr>
         <p:spPr>
@@ -6936,9 +7026,9 @@
           </a:prstGeom>
         </p:spPr>
         <p:txBody>
-          <a:bodyPr anchorCtr="0" anchor="ctr" bIns="91425" lIns="91425" spcFirstLastPara="1" rIns="91425" wrap="square" tIns="91425"/>
+          <a:bodyPr spcFirstLastPara="1" wrap="square" lIns="91425" tIns="91425" rIns="91425" bIns="91425" anchor="ctr" anchorCtr="0"/>
           <a:lstStyle>
-            <a:lvl1pPr indent="-228600" lvl="0" marL="457200">
+            <a:lvl1pPr marL="457200" lvl="0" indent="-228600">
               <a:lnSpc>
                 <a:spcPct val="100000"/>
               </a:lnSpc>
@@ -6953,15 +7043,19 @@
               <a:defRPr/>
             </a:lvl1pPr>
           </a:lstStyle>
-          <a:p/>
+          <a:p>
+            <a:endParaRPr/>
+          </a:p>
         </p:txBody>
       </p:sp>
       <p:sp>
         <p:nvSpPr>
           <p:cNvPr id="72" name="Google Shape;72;p10"/>
-          <p:cNvSpPr txBox="1"/>
+          <p:cNvSpPr txBox="1">
+            <a:spLocks noGrp="1"/>
+          </p:cNvSpPr>
           <p:nvPr>
-            <p:ph idx="12" type="sldNum"/>
+            <p:ph type="sldNum" idx="12"/>
           </p:nvPr>
         </p:nvSpPr>
         <p:spPr>
@@ -6974,7 +7068,7 @@
           </a:prstGeom>
         </p:spPr>
         <p:txBody>
-          <a:bodyPr anchorCtr="0" anchor="ctr" bIns="91425" lIns="91425" spcFirstLastPara="1" rIns="91425" wrap="square" tIns="91425">
+          <a:bodyPr spcFirstLastPara="1" wrap="square" lIns="91425" tIns="91425" rIns="91425" bIns="91425" anchor="ctr" anchorCtr="0">
             <a:noAutofit/>
           </a:bodyPr>
           <a:lstStyle>
@@ -7016,7 +7110,7 @@
             </a:lvl9pPr>
           </a:lstStyle>
           <a:p>
-            <a:pPr indent="0" lvl="0" marL="0" rtl="0" algn="r">
+            <a:pPr marL="0" lvl="0" indent="0" algn="r" rtl="0">
               <a:spcBef>
                 <a:spcPts val="0"/>
               </a:spcBef>
@@ -7042,18 +7136,19 @@
 </file>
 
 <file path=ppt/slideMasters/slideMaster1.xml><?xml version="1.0" encoding="utf-8"?>
-<p:sldMaster xmlns:a="http://schemas.openxmlformats.org/drawingml/2006/main" xmlns:r="http://schemas.openxmlformats.org/officeDocument/2006/relationships" xmlns:mc="http://schemas.openxmlformats.org/markup-compatibility/2006" xmlns:mv="urn:schemas-microsoft-com:mac:vml" xmlns:p="http://schemas.openxmlformats.org/presentationml/2006/main" xmlns:c="http://schemas.openxmlformats.org/drawingml/2006/chart" xmlns:dgm="http://schemas.openxmlformats.org/drawingml/2006/diagram" xmlns:o="urn:schemas-microsoft-com:office:office" xmlns:v="urn:schemas-microsoft-com:vml" xmlns:pvml="urn:schemas-microsoft-com:office:powerpoint" xmlns:com="http://schemas.openxmlformats.org/drawingml/2006/compatibility" xmlns:p14="http://schemas.microsoft.com/office/powerpoint/2010/main" xmlns:p15="http://schemas.microsoft.com/office/powerpoint/2012/main">
+<p:sldMaster xmlns:a="http://schemas.openxmlformats.org/drawingml/2006/main" xmlns:r="http://schemas.openxmlformats.org/officeDocument/2006/relationships" xmlns:p="http://schemas.openxmlformats.org/presentationml/2006/main">
   <p:cSld name="streamline">
     <p:bg>
       <p:bgPr>
         <a:solidFill>
           <a:schemeClr val="lt1"/>
         </a:solidFill>
+        <a:effectLst/>
       </p:bgPr>
     </p:bg>
     <p:spTree>
       <p:nvGrpSpPr>
-        <p:cNvPr id="5" name="Shape 5"/>
+        <p:cNvPr id="1" name="Shape 5"/>
         <p:cNvGrpSpPr/>
         <p:nvPr/>
       </p:nvGrpSpPr>
@@ -7068,7 +7163,9 @@
       <p:sp>
         <p:nvSpPr>
           <p:cNvPr id="6" name="Google Shape;6;p1"/>
-          <p:cNvSpPr txBox="1"/>
+          <p:cNvSpPr txBox="1">
+            <a:spLocks noGrp="1"/>
+          </p:cNvSpPr>
           <p:nvPr>
             <p:ph type="title"/>
           </p:nvPr>
@@ -7087,7 +7184,7 @@
           </a:ln>
         </p:spPr>
         <p:txBody>
-          <a:bodyPr anchorCtr="0" anchor="t" bIns="91425" lIns="91425" spcFirstLastPara="1" rIns="91425" wrap="square" tIns="91425"/>
+          <a:bodyPr spcFirstLastPara="1" wrap="square" lIns="91425" tIns="91425" rIns="91425" bIns="91425" anchor="t" anchorCtr="0"/>
           <a:lstStyle>
             <a:lvl1pPr lvl="0">
               <a:spcBef>
@@ -7099,7 +7196,7 @@
               <a:buSzPts val="2800"/>
               <a:buFont typeface="Raleway"/>
               <a:buNone/>
-              <a:defRPr b="1" sz="2800">
+              <a:defRPr sz="2800" b="1">
                 <a:latin typeface="Raleway"/>
                 <a:ea typeface="Raleway"/>
                 <a:cs typeface="Raleway"/>
@@ -7116,7 +7213,7 @@
               <a:buSzPts val="2800"/>
               <a:buFont typeface="Raleway"/>
               <a:buNone/>
-              <a:defRPr b="1" sz="2800">
+              <a:defRPr sz="2800" b="1">
                 <a:latin typeface="Raleway"/>
                 <a:ea typeface="Raleway"/>
                 <a:cs typeface="Raleway"/>
@@ -7133,7 +7230,7 @@
               <a:buSzPts val="2800"/>
               <a:buFont typeface="Raleway"/>
               <a:buNone/>
-              <a:defRPr b="1" sz="2800">
+              <a:defRPr sz="2800" b="1">
                 <a:latin typeface="Raleway"/>
                 <a:ea typeface="Raleway"/>
                 <a:cs typeface="Raleway"/>
@@ -7150,7 +7247,7 @@
               <a:buSzPts val="2800"/>
               <a:buFont typeface="Raleway"/>
               <a:buNone/>
-              <a:defRPr b="1" sz="2800">
+              <a:defRPr sz="2800" b="1">
                 <a:latin typeface="Raleway"/>
                 <a:ea typeface="Raleway"/>
                 <a:cs typeface="Raleway"/>
@@ -7167,7 +7264,7 @@
               <a:buSzPts val="2800"/>
               <a:buFont typeface="Raleway"/>
               <a:buNone/>
-              <a:defRPr b="1" sz="2800">
+              <a:defRPr sz="2800" b="1">
                 <a:latin typeface="Raleway"/>
                 <a:ea typeface="Raleway"/>
                 <a:cs typeface="Raleway"/>
@@ -7184,7 +7281,7 @@
               <a:buSzPts val="2800"/>
               <a:buFont typeface="Raleway"/>
               <a:buNone/>
-              <a:defRPr b="1" sz="2800">
+              <a:defRPr sz="2800" b="1">
                 <a:latin typeface="Raleway"/>
                 <a:ea typeface="Raleway"/>
                 <a:cs typeface="Raleway"/>
@@ -7201,7 +7298,7 @@
               <a:buSzPts val="2800"/>
               <a:buFont typeface="Raleway"/>
               <a:buNone/>
-              <a:defRPr b="1" sz="2800">
+              <a:defRPr sz="2800" b="1">
                 <a:latin typeface="Raleway"/>
                 <a:ea typeface="Raleway"/>
                 <a:cs typeface="Raleway"/>
@@ -7218,7 +7315,7 @@
               <a:buSzPts val="2800"/>
               <a:buFont typeface="Raleway"/>
               <a:buNone/>
-              <a:defRPr b="1" sz="2800">
+              <a:defRPr sz="2800" b="1">
                 <a:latin typeface="Raleway"/>
                 <a:ea typeface="Raleway"/>
                 <a:cs typeface="Raleway"/>
@@ -7235,7 +7332,7 @@
               <a:buSzPts val="2800"/>
               <a:buFont typeface="Raleway"/>
               <a:buNone/>
-              <a:defRPr b="1" sz="2800">
+              <a:defRPr sz="2800" b="1">
                 <a:latin typeface="Raleway"/>
                 <a:ea typeface="Raleway"/>
                 <a:cs typeface="Raleway"/>
@@ -7243,15 +7340,19 @@
               </a:defRPr>
             </a:lvl9pPr>
           </a:lstStyle>
-          <a:p/>
+          <a:p>
+            <a:endParaRPr/>
+          </a:p>
         </p:txBody>
       </p:sp>
       <p:sp>
         <p:nvSpPr>
           <p:cNvPr id="7" name="Google Shape;7;p1"/>
-          <p:cNvSpPr txBox="1"/>
+          <p:cNvSpPr txBox="1">
+            <a:spLocks noGrp="1"/>
+          </p:cNvSpPr>
           <p:nvPr>
-            <p:ph idx="1" type="body"/>
+            <p:ph type="body" idx="1"/>
           </p:nvPr>
         </p:nvSpPr>
         <p:spPr>
@@ -7268,9 +7369,9 @@
           </a:ln>
         </p:spPr>
         <p:txBody>
-          <a:bodyPr anchorCtr="0" anchor="t" bIns="91425" lIns="91425" spcFirstLastPara="1" rIns="91425" wrap="square" tIns="91425"/>
+          <a:bodyPr spcFirstLastPara="1" wrap="square" lIns="91425" tIns="91425" rIns="91425" bIns="91425" anchor="t" anchorCtr="0"/>
           <a:lstStyle>
-            <a:lvl1pPr indent="-311150" lvl="0" marL="457200">
+            <a:lvl1pPr marL="457200" lvl="0" indent="-311150">
               <a:lnSpc>
                 <a:spcPct val="115000"/>
               </a:lnSpc>
@@ -7296,7 +7397,7 @@
                 <a:sym typeface="Lato"/>
               </a:defRPr>
             </a:lvl1pPr>
-            <a:lvl2pPr indent="-298450" lvl="1" marL="914400">
+            <a:lvl2pPr marL="914400" lvl="1" indent="-298450">
               <a:lnSpc>
                 <a:spcPct val="115000"/>
               </a:lnSpc>
@@ -7322,7 +7423,7 @@
                 <a:sym typeface="Lato"/>
               </a:defRPr>
             </a:lvl2pPr>
-            <a:lvl3pPr indent="-298450" lvl="2" marL="1371600">
+            <a:lvl3pPr marL="1371600" lvl="2" indent="-298450">
               <a:lnSpc>
                 <a:spcPct val="115000"/>
               </a:lnSpc>
@@ -7348,7 +7449,7 @@
                 <a:sym typeface="Lato"/>
               </a:defRPr>
             </a:lvl3pPr>
-            <a:lvl4pPr indent="-298450" lvl="3" marL="1828800">
+            <a:lvl4pPr marL="1828800" lvl="3" indent="-298450">
               <a:lnSpc>
                 <a:spcPct val="115000"/>
               </a:lnSpc>
@@ -7374,7 +7475,7 @@
                 <a:sym typeface="Lato"/>
               </a:defRPr>
             </a:lvl4pPr>
-            <a:lvl5pPr indent="-298450" lvl="4" marL="2286000">
+            <a:lvl5pPr marL="2286000" lvl="4" indent="-298450">
               <a:lnSpc>
                 <a:spcPct val="115000"/>
               </a:lnSpc>
@@ -7400,7 +7501,7 @@
                 <a:sym typeface="Lato"/>
               </a:defRPr>
             </a:lvl5pPr>
-            <a:lvl6pPr indent="-298450" lvl="5" marL="2743200">
+            <a:lvl6pPr marL="2743200" lvl="5" indent="-298450">
               <a:lnSpc>
                 <a:spcPct val="115000"/>
               </a:lnSpc>
@@ -7426,7 +7527,7 @@
                 <a:sym typeface="Lato"/>
               </a:defRPr>
             </a:lvl6pPr>
-            <a:lvl7pPr indent="-298450" lvl="6" marL="3200400">
+            <a:lvl7pPr marL="3200400" lvl="6" indent="-298450">
               <a:lnSpc>
                 <a:spcPct val="115000"/>
               </a:lnSpc>
@@ -7452,7 +7553,7 @@
                 <a:sym typeface="Lato"/>
               </a:defRPr>
             </a:lvl7pPr>
-            <a:lvl8pPr indent="-298450" lvl="7" marL="3657600">
+            <a:lvl8pPr marL="3657600" lvl="7" indent="-298450">
               <a:lnSpc>
                 <a:spcPct val="115000"/>
               </a:lnSpc>
@@ -7478,7 +7579,7 @@
                 <a:sym typeface="Lato"/>
               </a:defRPr>
             </a:lvl8pPr>
-            <a:lvl9pPr indent="-298450" lvl="8" marL="4114800">
+            <a:lvl9pPr marL="4114800" lvl="8" indent="-298450">
               <a:lnSpc>
                 <a:spcPct val="115000"/>
               </a:lnSpc>
@@ -7505,15 +7606,19 @@
               </a:defRPr>
             </a:lvl9pPr>
           </a:lstStyle>
-          <a:p/>
+          <a:p>
+            <a:endParaRPr/>
+          </a:p>
         </p:txBody>
       </p:sp>
       <p:sp>
         <p:nvSpPr>
           <p:cNvPr id="8" name="Google Shape;8;p1"/>
-          <p:cNvSpPr txBox="1"/>
+          <p:cNvSpPr txBox="1">
+            <a:spLocks noGrp="1"/>
+          </p:cNvSpPr>
           <p:nvPr>
-            <p:ph idx="12" type="sldNum"/>
+            <p:ph type="sldNum" idx="12"/>
           </p:nvPr>
         </p:nvSpPr>
         <p:spPr>
@@ -7530,7 +7635,7 @@
           </a:ln>
         </p:spPr>
         <p:txBody>
-          <a:bodyPr anchorCtr="0" anchor="ctr" bIns="91425" lIns="91425" spcFirstLastPara="1" rIns="91425" wrap="square" tIns="91425">
+          <a:bodyPr spcFirstLastPara="1" wrap="square" lIns="91425" tIns="91425" rIns="91425" bIns="91425" anchor="ctr" anchorCtr="0">
             <a:noAutofit/>
           </a:bodyPr>
           <a:lstStyle>
@@ -7644,7 +7749,7 @@
             </a:lvl9pPr>
           </a:lstStyle>
           <a:p>
-            <a:pPr indent="0" lvl="0" marL="0" rtl="0" algn="r">
+            <a:pPr marL="0" lvl="0" indent="0" algn="r" rtl="0">
               <a:spcBef>
                 <a:spcPts val="0"/>
               </a:spcBef>
@@ -7663,7 +7768,7 @@
       </p:sp>
     </p:spTree>
   </p:cSld>
-  <p:clrMap accent1="accent1" accent2="accent2" accent3="accent3" accent4="accent4" accent5="accent5" accent6="accent6" bg1="lt1" bg2="dk2" tx1="dk1" tx2="lt2" folHlink="folHlink" hlink="hlink"/>
+  <p:clrMap bg1="lt1" tx1="dk1" bg2="dk2" tx2="lt2" accent1="accent1" accent2="accent2" accent3="accent3" accent4="accent4" accent5="accent5" accent6="accent6" hlink="hlink" folHlink="folHlink"/>
   <p:sldLayoutIdLst>
     <p:sldLayoutId id="2147483648" r:id="rId1"/>
     <p:sldLayoutId id="2147483649" r:id="rId2"/>
@@ -7677,10 +7782,10 @@
     <p:sldLayoutId id="2147483657" r:id="rId10"/>
     <p:sldLayoutId id="2147483658" r:id="rId11"/>
   </p:sldLayoutIdLst>
-  <p:hf dt="0" ftr="0" hdr="0" sldNum="0"/>
+  <p:hf sldNum="0" hdr="0" ftr="0" dt="0"/>
   <p:txStyles>
     <p:titleStyle>
-      <a:defPPr lvl="0" marR="0" rtl="0" algn="l">
+      <a:defPPr marR="0" lvl="0" algn="l" rtl="0">
         <a:lnSpc>
           <a:spcPct val="100000"/>
         </a:lnSpc>
@@ -7691,7 +7796,7 @@
           <a:spcPts val="0"/>
         </a:spcAft>
       </a:defPPr>
-      <a:lvl1pPr lvl="0" marR="0" rtl="0" algn="l">
+      <a:lvl1pPr marR="0" lvl="0" algn="l" rtl="0">
         <a:lnSpc>
           <a:spcPct val="100000"/>
         </a:lnSpc>
@@ -7705,7 +7810,7 @@
           <a:srgbClr val="000000"/>
         </a:buClr>
         <a:buFont typeface="Arial"/>
-        <a:defRPr b="0" i="0" sz="1400" u="none" cap="none" strike="noStrike">
+        <a:defRPr sz="1400" b="0" i="0" u="none" strike="noStrike" cap="none">
           <a:solidFill>
             <a:srgbClr val="000000"/>
           </a:solidFill>
@@ -7715,7 +7820,7 @@
           <a:sym typeface="Arial"/>
         </a:defRPr>
       </a:lvl1pPr>
-      <a:lvl2pPr lvl="1" marR="0" rtl="0" algn="l">
+      <a:lvl2pPr marR="0" lvl="1" algn="l" rtl="0">
         <a:lnSpc>
           <a:spcPct val="100000"/>
         </a:lnSpc>
@@ -7729,7 +7834,7 @@
           <a:srgbClr val="000000"/>
         </a:buClr>
         <a:buFont typeface="Arial"/>
-        <a:defRPr b="0" i="0" sz="1400" u="none" cap="none" strike="noStrike">
+        <a:defRPr sz="1400" b="0" i="0" u="none" strike="noStrike" cap="none">
           <a:solidFill>
             <a:srgbClr val="000000"/>
           </a:solidFill>
@@ -7739,7 +7844,7 @@
           <a:sym typeface="Arial"/>
         </a:defRPr>
       </a:lvl2pPr>
-      <a:lvl3pPr lvl="2" marR="0" rtl="0" algn="l">
+      <a:lvl3pPr marR="0" lvl="2" algn="l" rtl="0">
         <a:lnSpc>
           <a:spcPct val="100000"/>
         </a:lnSpc>
@@ -7753,7 +7858,7 @@
           <a:srgbClr val="000000"/>
         </a:buClr>
         <a:buFont typeface="Arial"/>
-        <a:defRPr b="0" i="0" sz="1400" u="none" cap="none" strike="noStrike">
+        <a:defRPr sz="1400" b="0" i="0" u="none" strike="noStrike" cap="none">
           <a:solidFill>
             <a:srgbClr val="000000"/>
           </a:solidFill>
@@ -7763,7 +7868,7 @@
           <a:sym typeface="Arial"/>
         </a:defRPr>
       </a:lvl3pPr>
-      <a:lvl4pPr lvl="3" marR="0" rtl="0" algn="l">
+      <a:lvl4pPr marR="0" lvl="3" algn="l" rtl="0">
         <a:lnSpc>
           <a:spcPct val="100000"/>
         </a:lnSpc>
@@ -7777,7 +7882,7 @@
           <a:srgbClr val="000000"/>
         </a:buClr>
         <a:buFont typeface="Arial"/>
-        <a:defRPr b="0" i="0" sz="1400" u="none" cap="none" strike="noStrike">
+        <a:defRPr sz="1400" b="0" i="0" u="none" strike="noStrike" cap="none">
           <a:solidFill>
             <a:srgbClr val="000000"/>
           </a:solidFill>
@@ -7787,7 +7892,7 @@
           <a:sym typeface="Arial"/>
         </a:defRPr>
       </a:lvl4pPr>
-      <a:lvl5pPr lvl="4" marR="0" rtl="0" algn="l">
+      <a:lvl5pPr marR="0" lvl="4" algn="l" rtl="0">
         <a:lnSpc>
           <a:spcPct val="100000"/>
         </a:lnSpc>
@@ -7801,7 +7906,7 @@
           <a:srgbClr val="000000"/>
         </a:buClr>
         <a:buFont typeface="Arial"/>
-        <a:defRPr b="0" i="0" sz="1400" u="none" cap="none" strike="noStrike">
+        <a:defRPr sz="1400" b="0" i="0" u="none" strike="noStrike" cap="none">
           <a:solidFill>
             <a:srgbClr val="000000"/>
           </a:solidFill>
@@ -7811,7 +7916,7 @@
           <a:sym typeface="Arial"/>
         </a:defRPr>
       </a:lvl5pPr>
-      <a:lvl6pPr lvl="5" marR="0" rtl="0" algn="l">
+      <a:lvl6pPr marR="0" lvl="5" algn="l" rtl="0">
         <a:lnSpc>
           <a:spcPct val="100000"/>
         </a:lnSpc>
@@ -7825,7 +7930,7 @@
           <a:srgbClr val="000000"/>
         </a:buClr>
         <a:buFont typeface="Arial"/>
-        <a:defRPr b="0" i="0" sz="1400" u="none" cap="none" strike="noStrike">
+        <a:defRPr sz="1400" b="0" i="0" u="none" strike="noStrike" cap="none">
           <a:solidFill>
             <a:srgbClr val="000000"/>
           </a:solidFill>
@@ -7835,7 +7940,7 @@
           <a:sym typeface="Arial"/>
         </a:defRPr>
       </a:lvl6pPr>
-      <a:lvl7pPr lvl="6" marR="0" rtl="0" algn="l">
+      <a:lvl7pPr marR="0" lvl="6" algn="l" rtl="0">
         <a:lnSpc>
           <a:spcPct val="100000"/>
         </a:lnSpc>
@@ -7849,7 +7954,7 @@
           <a:srgbClr val="000000"/>
         </a:buClr>
         <a:buFont typeface="Arial"/>
-        <a:defRPr b="0" i="0" sz="1400" u="none" cap="none" strike="noStrike">
+        <a:defRPr sz="1400" b="0" i="0" u="none" strike="noStrike" cap="none">
           <a:solidFill>
             <a:srgbClr val="000000"/>
           </a:solidFill>
@@ -7859,7 +7964,7 @@
           <a:sym typeface="Arial"/>
         </a:defRPr>
       </a:lvl7pPr>
-      <a:lvl8pPr lvl="7" marR="0" rtl="0" algn="l">
+      <a:lvl8pPr marR="0" lvl="7" algn="l" rtl="0">
         <a:lnSpc>
           <a:spcPct val="100000"/>
         </a:lnSpc>
@@ -7873,7 +7978,7 @@
           <a:srgbClr val="000000"/>
         </a:buClr>
         <a:buFont typeface="Arial"/>
-        <a:defRPr b="0" i="0" sz="1400" u="none" cap="none" strike="noStrike">
+        <a:defRPr sz="1400" b="0" i="0" u="none" strike="noStrike" cap="none">
           <a:solidFill>
             <a:srgbClr val="000000"/>
           </a:solidFill>
@@ -7883,7 +7988,7 @@
           <a:sym typeface="Arial"/>
         </a:defRPr>
       </a:lvl8pPr>
-      <a:lvl9pPr lvl="8" marR="0" rtl="0" algn="l">
+      <a:lvl9pPr marR="0" lvl="8" algn="l" rtl="0">
         <a:lnSpc>
           <a:spcPct val="100000"/>
         </a:lnSpc>
@@ -7897,7 +8002,7 @@
           <a:srgbClr val="000000"/>
         </a:buClr>
         <a:buFont typeface="Arial"/>
-        <a:defRPr b="0" i="0" sz="1400" u="none" cap="none" strike="noStrike">
+        <a:defRPr sz="1400" b="0" i="0" u="none" strike="noStrike" cap="none">
           <a:solidFill>
             <a:srgbClr val="000000"/>
           </a:solidFill>
@@ -7909,7 +8014,7 @@
       </a:lvl9pPr>
     </p:titleStyle>
     <p:bodyStyle>
-      <a:defPPr lvl="0" marR="0" rtl="0" algn="l">
+      <a:defPPr marR="0" lvl="0" algn="l" rtl="0">
         <a:lnSpc>
           <a:spcPct val="100000"/>
         </a:lnSpc>
@@ -7920,7 +8025,7 @@
           <a:spcPts val="0"/>
         </a:spcAft>
       </a:defPPr>
-      <a:lvl1pPr lvl="0" marR="0" rtl="0" algn="l">
+      <a:lvl1pPr marR="0" lvl="0" algn="l" rtl="0">
         <a:lnSpc>
           <a:spcPct val="100000"/>
         </a:lnSpc>
@@ -7934,7 +8039,7 @@
           <a:srgbClr val="000000"/>
         </a:buClr>
         <a:buFont typeface="Arial"/>
-        <a:defRPr b="0" i="0" sz="1400" u="none" cap="none" strike="noStrike">
+        <a:defRPr sz="1400" b="0" i="0" u="none" strike="noStrike" cap="none">
           <a:solidFill>
             <a:srgbClr val="000000"/>
           </a:solidFill>
@@ -7944,7 +8049,7 @@
           <a:sym typeface="Arial"/>
         </a:defRPr>
       </a:lvl1pPr>
-      <a:lvl2pPr lvl="1" marR="0" rtl="0" algn="l">
+      <a:lvl2pPr marR="0" lvl="1" algn="l" rtl="0">
         <a:lnSpc>
           <a:spcPct val="100000"/>
         </a:lnSpc>
@@ -7958,7 +8063,7 @@
           <a:srgbClr val="000000"/>
         </a:buClr>
         <a:buFont typeface="Arial"/>
-        <a:defRPr b="0" i="0" sz="1400" u="none" cap="none" strike="noStrike">
+        <a:defRPr sz="1400" b="0" i="0" u="none" strike="noStrike" cap="none">
           <a:solidFill>
             <a:srgbClr val="000000"/>
           </a:solidFill>
@@ -7968,7 +8073,7 @@
           <a:sym typeface="Arial"/>
         </a:defRPr>
       </a:lvl2pPr>
-      <a:lvl3pPr lvl="2" marR="0" rtl="0" algn="l">
+      <a:lvl3pPr marR="0" lvl="2" algn="l" rtl="0">
         <a:lnSpc>
           <a:spcPct val="100000"/>
         </a:lnSpc>
@@ -7982,7 +8087,7 @@
           <a:srgbClr val="000000"/>
         </a:buClr>
         <a:buFont typeface="Arial"/>
-        <a:defRPr b="0" i="0" sz="1400" u="none" cap="none" strike="noStrike">
+        <a:defRPr sz="1400" b="0" i="0" u="none" strike="noStrike" cap="none">
           <a:solidFill>
             <a:srgbClr val="000000"/>
           </a:solidFill>
@@ -7992,7 +8097,7 @@
           <a:sym typeface="Arial"/>
         </a:defRPr>
       </a:lvl3pPr>
-      <a:lvl4pPr lvl="3" marR="0" rtl="0" algn="l">
+      <a:lvl4pPr marR="0" lvl="3" algn="l" rtl="0">
         <a:lnSpc>
           <a:spcPct val="100000"/>
         </a:lnSpc>
@@ -8006,7 +8111,7 @@
           <a:srgbClr val="000000"/>
         </a:buClr>
         <a:buFont typeface="Arial"/>
-        <a:defRPr b="0" i="0" sz="1400" u="none" cap="none" strike="noStrike">
+        <a:defRPr sz="1400" b="0" i="0" u="none" strike="noStrike" cap="none">
           <a:solidFill>
             <a:srgbClr val="000000"/>
           </a:solidFill>
@@ -8016,7 +8121,7 @@
           <a:sym typeface="Arial"/>
         </a:defRPr>
       </a:lvl4pPr>
-      <a:lvl5pPr lvl="4" marR="0" rtl="0" algn="l">
+      <a:lvl5pPr marR="0" lvl="4" algn="l" rtl="0">
         <a:lnSpc>
           <a:spcPct val="100000"/>
         </a:lnSpc>
@@ -8030,7 +8135,7 @@
           <a:srgbClr val="000000"/>
         </a:buClr>
         <a:buFont typeface="Arial"/>
-        <a:defRPr b="0" i="0" sz="1400" u="none" cap="none" strike="noStrike">
+        <a:defRPr sz="1400" b="0" i="0" u="none" strike="noStrike" cap="none">
           <a:solidFill>
             <a:srgbClr val="000000"/>
           </a:solidFill>
@@ -8040,7 +8145,7 @@
           <a:sym typeface="Arial"/>
         </a:defRPr>
       </a:lvl5pPr>
-      <a:lvl6pPr lvl="5" marR="0" rtl="0" algn="l">
+      <a:lvl6pPr marR="0" lvl="5" algn="l" rtl="0">
         <a:lnSpc>
           <a:spcPct val="100000"/>
         </a:lnSpc>
@@ -8054,7 +8159,7 @@
           <a:srgbClr val="000000"/>
         </a:buClr>
         <a:buFont typeface="Arial"/>
-        <a:defRPr b="0" i="0" sz="1400" u="none" cap="none" strike="noStrike">
+        <a:defRPr sz="1400" b="0" i="0" u="none" strike="noStrike" cap="none">
           <a:solidFill>
             <a:srgbClr val="000000"/>
           </a:solidFill>
@@ -8064,7 +8169,7 @@
           <a:sym typeface="Arial"/>
         </a:defRPr>
       </a:lvl6pPr>
-      <a:lvl7pPr lvl="6" marR="0" rtl="0" algn="l">
+      <a:lvl7pPr marR="0" lvl="6" algn="l" rtl="0">
         <a:lnSpc>
           <a:spcPct val="100000"/>
         </a:lnSpc>
@@ -8078,7 +8183,7 @@
           <a:srgbClr val="000000"/>
         </a:buClr>
         <a:buFont typeface="Arial"/>
-        <a:defRPr b="0" i="0" sz="1400" u="none" cap="none" strike="noStrike">
+        <a:defRPr sz="1400" b="0" i="0" u="none" strike="noStrike" cap="none">
           <a:solidFill>
             <a:srgbClr val="000000"/>
           </a:solidFill>
@@ -8088,7 +8193,7 @@
           <a:sym typeface="Arial"/>
         </a:defRPr>
       </a:lvl7pPr>
-      <a:lvl8pPr lvl="7" marR="0" rtl="0" algn="l">
+      <a:lvl8pPr marR="0" lvl="7" algn="l" rtl="0">
         <a:lnSpc>
           <a:spcPct val="100000"/>
         </a:lnSpc>
@@ -8102,7 +8207,7 @@
           <a:srgbClr val="000000"/>
         </a:buClr>
         <a:buFont typeface="Arial"/>
-        <a:defRPr b="0" i="0" sz="1400" u="none" cap="none" strike="noStrike">
+        <a:defRPr sz="1400" b="0" i="0" u="none" strike="noStrike" cap="none">
           <a:solidFill>
             <a:srgbClr val="000000"/>
           </a:solidFill>
@@ -8112,7 +8217,7 @@
           <a:sym typeface="Arial"/>
         </a:defRPr>
       </a:lvl8pPr>
-      <a:lvl9pPr lvl="8" marR="0" rtl="0" algn="l">
+      <a:lvl9pPr marR="0" lvl="8" algn="l" rtl="0">
         <a:lnSpc>
           <a:spcPct val="100000"/>
         </a:lnSpc>
@@ -8126,7 +8231,7 @@
           <a:srgbClr val="000000"/>
         </a:buClr>
         <a:buFont typeface="Arial"/>
-        <a:defRPr b="0" i="0" sz="1400" u="none" cap="none" strike="noStrike">
+        <a:defRPr sz="1400" b="0" i="0" u="none" strike="noStrike" cap="none">
           <a:solidFill>
             <a:srgbClr val="000000"/>
           </a:solidFill>
@@ -8138,7 +8243,7 @@
       </a:lvl9pPr>
     </p:bodyStyle>
     <p:otherStyle>
-      <a:defPPr lvl="0" marR="0" rtl="0" algn="l">
+      <a:defPPr marR="0" lvl="0" algn="l" rtl="0">
         <a:lnSpc>
           <a:spcPct val="100000"/>
         </a:lnSpc>
@@ -8149,7 +8254,7 @@
           <a:spcPts val="0"/>
         </a:spcAft>
       </a:defPPr>
-      <a:lvl1pPr lvl="0" marR="0" rtl="0" algn="l">
+      <a:lvl1pPr marR="0" lvl="0" algn="l" rtl="0">
         <a:lnSpc>
           <a:spcPct val="100000"/>
         </a:lnSpc>
@@ -8163,7 +8268,7 @@
           <a:srgbClr val="000000"/>
         </a:buClr>
         <a:buFont typeface="Arial"/>
-        <a:defRPr b="0" i="0" sz="1400" u="none" cap="none" strike="noStrike">
+        <a:defRPr sz="1400" b="0" i="0" u="none" strike="noStrike" cap="none">
           <a:solidFill>
             <a:srgbClr val="000000"/>
           </a:solidFill>
@@ -8173,7 +8278,7 @@
           <a:sym typeface="Arial"/>
         </a:defRPr>
       </a:lvl1pPr>
-      <a:lvl2pPr lvl="1" marR="0" rtl="0" algn="l">
+      <a:lvl2pPr marR="0" lvl="1" algn="l" rtl="0">
         <a:lnSpc>
           <a:spcPct val="100000"/>
         </a:lnSpc>
@@ -8187,7 +8292,7 @@
           <a:srgbClr val="000000"/>
         </a:buClr>
         <a:buFont typeface="Arial"/>
-        <a:defRPr b="0" i="0" sz="1400" u="none" cap="none" strike="noStrike">
+        <a:defRPr sz="1400" b="0" i="0" u="none" strike="noStrike" cap="none">
           <a:solidFill>
             <a:srgbClr val="000000"/>
           </a:solidFill>
@@ -8197,7 +8302,7 @@
           <a:sym typeface="Arial"/>
         </a:defRPr>
       </a:lvl2pPr>
-      <a:lvl3pPr lvl="2" marR="0" rtl="0" algn="l">
+      <a:lvl3pPr marR="0" lvl="2" algn="l" rtl="0">
         <a:lnSpc>
           <a:spcPct val="100000"/>
         </a:lnSpc>
@@ -8211,7 +8316,7 @@
           <a:srgbClr val="000000"/>
         </a:buClr>
         <a:buFont typeface="Arial"/>
-        <a:defRPr b="0" i="0" sz="1400" u="none" cap="none" strike="noStrike">
+        <a:defRPr sz="1400" b="0" i="0" u="none" strike="noStrike" cap="none">
           <a:solidFill>
             <a:srgbClr val="000000"/>
           </a:solidFill>
@@ -8221,7 +8326,7 @@
           <a:sym typeface="Arial"/>
         </a:defRPr>
       </a:lvl3pPr>
-      <a:lvl4pPr lvl="3" marR="0" rtl="0" algn="l">
+      <a:lvl4pPr marR="0" lvl="3" algn="l" rtl="0">
         <a:lnSpc>
           <a:spcPct val="100000"/>
         </a:lnSpc>
@@ -8235,7 +8340,7 @@
           <a:srgbClr val="000000"/>
         </a:buClr>
         <a:buFont typeface="Arial"/>
-        <a:defRPr b="0" i="0" sz="1400" u="none" cap="none" strike="noStrike">
+        <a:defRPr sz="1400" b="0" i="0" u="none" strike="noStrike" cap="none">
           <a:solidFill>
             <a:srgbClr val="000000"/>
           </a:solidFill>
@@ -8245,7 +8350,7 @@
           <a:sym typeface="Arial"/>
         </a:defRPr>
       </a:lvl4pPr>
-      <a:lvl5pPr lvl="4" marR="0" rtl="0" algn="l">
+      <a:lvl5pPr marR="0" lvl="4" algn="l" rtl="0">
         <a:lnSpc>
           <a:spcPct val="100000"/>
         </a:lnSpc>
@@ -8259,7 +8364,7 @@
           <a:srgbClr val="000000"/>
         </a:buClr>
         <a:buFont typeface="Arial"/>
-        <a:defRPr b="0" i="0" sz="1400" u="none" cap="none" strike="noStrike">
+        <a:defRPr sz="1400" b="0" i="0" u="none" strike="noStrike" cap="none">
           <a:solidFill>
             <a:srgbClr val="000000"/>
           </a:solidFill>
@@ -8269,7 +8374,7 @@
           <a:sym typeface="Arial"/>
         </a:defRPr>
       </a:lvl5pPr>
-      <a:lvl6pPr lvl="5" marR="0" rtl="0" algn="l">
+      <a:lvl6pPr marR="0" lvl="5" algn="l" rtl="0">
         <a:lnSpc>
           <a:spcPct val="100000"/>
         </a:lnSpc>
@@ -8283,7 +8388,7 @@
           <a:srgbClr val="000000"/>
         </a:buClr>
         <a:buFont typeface="Arial"/>
-        <a:defRPr b="0" i="0" sz="1400" u="none" cap="none" strike="noStrike">
+        <a:defRPr sz="1400" b="0" i="0" u="none" strike="noStrike" cap="none">
           <a:solidFill>
             <a:srgbClr val="000000"/>
           </a:solidFill>
@@ -8293,7 +8398,7 @@
           <a:sym typeface="Arial"/>
         </a:defRPr>
       </a:lvl6pPr>
-      <a:lvl7pPr lvl="6" marR="0" rtl="0" algn="l">
+      <a:lvl7pPr marR="0" lvl="6" algn="l" rtl="0">
         <a:lnSpc>
           <a:spcPct val="100000"/>
         </a:lnSpc>
@@ -8307,7 +8412,7 @@
           <a:srgbClr val="000000"/>
         </a:buClr>
         <a:buFont typeface="Arial"/>
-        <a:defRPr b="0" i="0" sz="1400" u="none" cap="none" strike="noStrike">
+        <a:defRPr sz="1400" b="0" i="0" u="none" strike="noStrike" cap="none">
           <a:solidFill>
             <a:srgbClr val="000000"/>
           </a:solidFill>
@@ -8317,7 +8422,7 @@
           <a:sym typeface="Arial"/>
         </a:defRPr>
       </a:lvl7pPr>
-      <a:lvl8pPr lvl="7" marR="0" rtl="0" algn="l">
+      <a:lvl8pPr marR="0" lvl="7" algn="l" rtl="0">
         <a:lnSpc>
           <a:spcPct val="100000"/>
         </a:lnSpc>
@@ -8331,7 +8436,7 @@
           <a:srgbClr val="000000"/>
         </a:buClr>
         <a:buFont typeface="Arial"/>
-        <a:defRPr b="0" i="0" sz="1400" u="none" cap="none" strike="noStrike">
+        <a:defRPr sz="1400" b="0" i="0" u="none" strike="noStrike" cap="none">
           <a:solidFill>
             <a:srgbClr val="000000"/>
           </a:solidFill>
@@ -8341,7 +8446,7 @@
           <a:sym typeface="Arial"/>
         </a:defRPr>
       </a:lvl8pPr>
-      <a:lvl9pPr lvl="8" marR="0" rtl="0" algn="l">
+      <a:lvl9pPr marR="0" lvl="8" algn="l" rtl="0">
         <a:lnSpc>
           <a:spcPct val="100000"/>
         </a:lnSpc>
@@ -8355,7 +8460,7 @@
           <a:srgbClr val="000000"/>
         </a:buClr>
         <a:buFont typeface="Arial"/>
-        <a:defRPr b="0" i="0" sz="1400" u="none" cap="none" strike="noStrike">
+        <a:defRPr sz="1400" b="0" i="0" u="none" strike="noStrike" cap="none">
           <a:solidFill>
             <a:srgbClr val="000000"/>
           </a:solidFill>
@@ -8371,11 +8476,11 @@
 </file>
 
 <file path=ppt/slides/slide1.xml><?xml version="1.0" encoding="utf-8"?>
-<p:sld xmlns:a="http://schemas.openxmlformats.org/drawingml/2006/main" xmlns:r="http://schemas.openxmlformats.org/officeDocument/2006/relationships" xmlns:mc="http://schemas.openxmlformats.org/markup-compatibility/2006" xmlns:mv="urn:schemas-microsoft-com:mac:vml" xmlns:p="http://schemas.openxmlformats.org/presentationml/2006/main" xmlns:c="http://schemas.openxmlformats.org/drawingml/2006/chart" xmlns:dgm="http://schemas.openxmlformats.org/drawingml/2006/diagram" xmlns:o="urn:schemas-microsoft-com:office:office" xmlns:v="urn:schemas-microsoft-com:vml" xmlns:pvml="urn:schemas-microsoft-com:office:powerpoint" xmlns:com="http://schemas.openxmlformats.org/drawingml/2006/compatibility" xmlns:p14="http://schemas.microsoft.com/office/powerpoint/2010/main" xmlns:p15="http://schemas.microsoft.com/office/powerpoint/2012/main">
+<p:sld xmlns:a="http://schemas.openxmlformats.org/drawingml/2006/main" xmlns:r="http://schemas.openxmlformats.org/officeDocument/2006/relationships" xmlns:p="http://schemas.openxmlformats.org/presentationml/2006/main">
   <p:cSld>
     <p:spTree>
       <p:nvGrpSpPr>
-        <p:cNvPr id="85" name="Shape 85"/>
+        <p:cNvPr id="1" name="Shape 85"/>
         <p:cNvGrpSpPr/>
         <p:nvPr/>
       </p:nvGrpSpPr>
@@ -8390,7 +8495,9 @@
       <p:sp>
         <p:nvSpPr>
           <p:cNvPr id="86" name="Google Shape;86;p13"/>
-          <p:cNvSpPr txBox="1"/>
+          <p:cNvSpPr txBox="1">
+            <a:spLocks noGrp="1"/>
+          </p:cNvSpPr>
           <p:nvPr>
             <p:ph type="ctrTitle"/>
           </p:nvPr>
@@ -8405,12 +8512,12 @@
           </a:prstGeom>
         </p:spPr>
         <p:txBody>
-          <a:bodyPr anchorCtr="0" anchor="t" bIns="91425" lIns="91425" spcFirstLastPara="1" rIns="91425" wrap="square" tIns="91425">
+          <a:bodyPr spcFirstLastPara="1" wrap="square" lIns="91425" tIns="91425" rIns="91425" bIns="91425" anchor="t" anchorCtr="0">
             <a:noAutofit/>
           </a:bodyPr>
           <a:lstStyle/>
           <a:p>
-            <a:pPr indent="0" lvl="0" marL="0" rtl="0" algn="l">
+            <a:pPr marL="0" lvl="0" indent="0" algn="l" rtl="0">
               <a:spcBef>
                 <a:spcPts val="0"/>
               </a:spcBef>
@@ -8420,10 +8527,12 @@
               <a:buNone/>
             </a:pPr>
             <a:r>
-              <a:rPr lang="en"/>
+              <a:rPr lang="en" dirty="0">
+                <a:hlinkClick r:id="rId3"/>
+              </a:rPr>
               <a:t>Kotlin Coroutines</a:t>
             </a:r>
-            <a:endParaRPr/>
+            <a:endParaRPr dirty="0"/>
           </a:p>
         </p:txBody>
       </p:sp>
@@ -8436,11 +8545,11 @@
 </file>
 
 <file path=ppt/slides/slide10.xml><?xml version="1.0" encoding="utf-8"?>
-<p:sld xmlns:a="http://schemas.openxmlformats.org/drawingml/2006/main" xmlns:r="http://schemas.openxmlformats.org/officeDocument/2006/relationships" xmlns:mc="http://schemas.openxmlformats.org/markup-compatibility/2006" xmlns:mv="urn:schemas-microsoft-com:mac:vml" xmlns:p="http://schemas.openxmlformats.org/presentationml/2006/main" xmlns:c="http://schemas.openxmlformats.org/drawingml/2006/chart" xmlns:dgm="http://schemas.openxmlformats.org/drawingml/2006/diagram" xmlns:o="urn:schemas-microsoft-com:office:office" xmlns:v="urn:schemas-microsoft-com:vml" xmlns:pvml="urn:schemas-microsoft-com:office:powerpoint" xmlns:com="http://schemas.openxmlformats.org/drawingml/2006/compatibility" xmlns:p14="http://schemas.microsoft.com/office/powerpoint/2010/main" xmlns:p15="http://schemas.microsoft.com/office/powerpoint/2012/main">
+<p:sld xmlns:a="http://schemas.openxmlformats.org/drawingml/2006/main" xmlns:r="http://schemas.openxmlformats.org/officeDocument/2006/relationships" xmlns:p="http://schemas.openxmlformats.org/presentationml/2006/main">
   <p:cSld>
     <p:spTree>
       <p:nvGrpSpPr>
-        <p:cNvPr id="138" name="Shape 138"/>
+        <p:cNvPr id="1" name="Shape 138"/>
         <p:cNvGrpSpPr/>
         <p:nvPr/>
       </p:nvGrpSpPr>
@@ -8455,7 +8564,9 @@
       <p:sp>
         <p:nvSpPr>
           <p:cNvPr id="139" name="Google Shape;139;p22"/>
-          <p:cNvSpPr txBox="1"/>
+          <p:cNvSpPr txBox="1">
+            <a:spLocks noGrp="1"/>
+          </p:cNvSpPr>
           <p:nvPr>
             <p:ph type="title"/>
           </p:nvPr>
@@ -8470,12 +8581,12 @@
           </a:prstGeom>
         </p:spPr>
         <p:txBody>
-          <a:bodyPr anchorCtr="0" anchor="t" bIns="91425" lIns="91425" spcFirstLastPara="1" rIns="91425" wrap="square" tIns="91425">
+          <a:bodyPr spcFirstLastPara="1" wrap="square" lIns="91425" tIns="91425" rIns="91425" bIns="91425" anchor="t" anchorCtr="0">
             <a:noAutofit/>
           </a:bodyPr>
           <a:lstStyle/>
           <a:p>
-            <a:pPr indent="0" lvl="0" marL="0" rtl="0" algn="l">
+            <a:pPr marL="0" lvl="0" indent="0" algn="l" rtl="0">
               <a:spcBef>
                 <a:spcPts val="0"/>
               </a:spcBef>
@@ -8495,9 +8606,11 @@
       <p:sp>
         <p:nvSpPr>
           <p:cNvPr id="140" name="Google Shape;140;p22"/>
-          <p:cNvSpPr txBox="1"/>
+          <p:cNvSpPr txBox="1">
+            <a:spLocks noGrp="1"/>
+          </p:cNvSpPr>
           <p:nvPr>
-            <p:ph idx="1" type="body"/>
+            <p:ph type="body" idx="1"/>
           </p:nvPr>
         </p:nvSpPr>
         <p:spPr>
@@ -8513,12 +8626,12 @@
           </a:solidFill>
         </p:spPr>
         <p:txBody>
-          <a:bodyPr anchorCtr="0" anchor="t" bIns="91425" lIns="91425" spcFirstLastPara="1" rIns="91425" wrap="square" tIns="91425">
+          <a:bodyPr spcFirstLastPara="1" wrap="square" lIns="91425" tIns="91425" rIns="91425" bIns="91425" anchor="t" anchorCtr="0">
             <a:noAutofit/>
           </a:bodyPr>
           <a:lstStyle/>
           <a:p>
-            <a:pPr indent="-381000" lvl="0" marL="457200" rtl="0" algn="l">
+            <a:pPr marL="457200" lvl="0" indent="-381000" algn="l" rtl="0">
               <a:spcBef>
                 <a:spcPts val="0"/>
               </a:spcBef>
@@ -8530,16 +8643,12 @@
             </a:pPr>
             <a:r>
               <a:rPr lang="en" sz="2400"/>
-              <a:t>Lazy </a:t>
-            </a:r>
-            <a:r>
-              <a:rPr lang="en" sz="2400"/>
-              <a:t>async</a:t>
+              <a:t>Lazy async</a:t>
             </a:r>
             <a:endParaRPr sz="2400"/>
           </a:p>
           <a:p>
-            <a:pPr indent="0" lvl="0" marL="0" rtl="0" algn="l">
+            <a:pPr marL="0" lvl="0" indent="0" algn="l" rtl="0">
               <a:spcBef>
                 <a:spcPts val="1600"/>
               </a:spcBef>
@@ -8555,7 +8664,7 @@
             <a:endParaRPr/>
           </a:p>
           <a:p>
-            <a:pPr indent="0" lvl="0" marL="0" rtl="0" algn="l">
+            <a:pPr marL="0" lvl="0" indent="0" algn="l" rtl="0">
               <a:spcBef>
                 <a:spcPts val="1600"/>
               </a:spcBef>
@@ -8571,7 +8680,7 @@
             <a:endParaRPr/>
           </a:p>
           <a:p>
-            <a:pPr indent="0" lvl="0" marL="0" rtl="0" algn="l">
+            <a:pPr marL="0" lvl="0" indent="0" algn="l" rtl="0">
               <a:spcBef>
                 <a:spcPts val="1600"/>
               </a:spcBef>
@@ -8587,7 +8696,7 @@
             <a:endParaRPr/>
           </a:p>
           <a:p>
-            <a:pPr indent="0" lvl="0" marL="0" rtl="0" algn="l">
+            <a:pPr marL="0" lvl="0" indent="0" algn="l" rtl="0">
               <a:spcBef>
                 <a:spcPts val="1600"/>
               </a:spcBef>
@@ -8603,7 +8712,7 @@
             <a:endParaRPr/>
           </a:p>
           <a:p>
-            <a:pPr indent="0" lvl="0" marL="0" rtl="0" algn="l">
+            <a:pPr marL="0" lvl="0" indent="0" algn="l" rtl="0">
               <a:spcBef>
                 <a:spcPts val="1600"/>
               </a:spcBef>
@@ -8619,7 +8728,7 @@
             <a:endParaRPr/>
           </a:p>
           <a:p>
-            <a:pPr indent="0" lvl="0" marL="0" rtl="0" algn="l">
+            <a:pPr marL="0" lvl="0" indent="0" algn="l" rtl="0">
               <a:spcBef>
                 <a:spcPts val="1600"/>
               </a:spcBef>
@@ -8635,7 +8744,7 @@
             <a:endParaRPr/>
           </a:p>
           <a:p>
-            <a:pPr indent="0" lvl="0" marL="0" rtl="0" algn="l">
+            <a:pPr marL="0" lvl="0" indent="0" algn="l" rtl="0">
               <a:spcBef>
                 <a:spcPts val="1600"/>
               </a:spcBef>
@@ -8644,13 +8753,10 @@
               </a:spcAft>
               <a:buNone/>
             </a:pPr>
-            <a:r>
-              <a:t/>
-            </a:r>
             <a:endParaRPr/>
           </a:p>
           <a:p>
-            <a:pPr indent="0" lvl="0" marL="0" rtl="0" algn="l">
+            <a:pPr marL="0" lvl="0" indent="0" algn="l" rtl="0">
               <a:spcBef>
                 <a:spcPts val="1600"/>
               </a:spcBef>
@@ -8659,13 +8765,10 @@
               </a:spcAft>
               <a:buNone/>
             </a:pPr>
-            <a:r>
-              <a:t/>
-            </a:r>
             <a:endParaRPr/>
           </a:p>
           <a:p>
-            <a:pPr indent="0" lvl="0" marL="457200" rtl="0" algn="l">
+            <a:pPr marL="457200" lvl="0" indent="0" algn="l" rtl="0">
               <a:spcBef>
                 <a:spcPts val="1600"/>
               </a:spcBef>
@@ -8674,9 +8777,6 @@
               </a:spcAft>
               <a:buNone/>
             </a:pPr>
-            <a:r>
-              <a:t/>
-            </a:r>
             <a:endParaRPr/>
           </a:p>
         </p:txBody>
@@ -8690,11 +8790,11 @@
 </file>
 
 <file path=ppt/slides/slide11.xml><?xml version="1.0" encoding="utf-8"?>
-<p:sld xmlns:a="http://schemas.openxmlformats.org/drawingml/2006/main" xmlns:r="http://schemas.openxmlformats.org/officeDocument/2006/relationships" xmlns:mc="http://schemas.openxmlformats.org/markup-compatibility/2006" xmlns:mv="urn:schemas-microsoft-com:mac:vml" xmlns:p="http://schemas.openxmlformats.org/presentationml/2006/main" xmlns:c="http://schemas.openxmlformats.org/drawingml/2006/chart" xmlns:dgm="http://schemas.openxmlformats.org/drawingml/2006/diagram" xmlns:o="urn:schemas-microsoft-com:office:office" xmlns:v="urn:schemas-microsoft-com:vml" xmlns:pvml="urn:schemas-microsoft-com:office:powerpoint" xmlns:com="http://schemas.openxmlformats.org/drawingml/2006/compatibility" xmlns:p14="http://schemas.microsoft.com/office/powerpoint/2010/main" xmlns:p15="http://schemas.microsoft.com/office/powerpoint/2012/main">
+<p:sld xmlns:a="http://schemas.openxmlformats.org/drawingml/2006/main" xmlns:r="http://schemas.openxmlformats.org/officeDocument/2006/relationships" xmlns:p="http://schemas.openxmlformats.org/presentationml/2006/main">
   <p:cSld>
     <p:spTree>
       <p:nvGrpSpPr>
-        <p:cNvPr id="144" name="Shape 144"/>
+        <p:cNvPr id="1" name="Shape 144"/>
         <p:cNvGrpSpPr/>
         <p:nvPr/>
       </p:nvGrpSpPr>
@@ -8709,7 +8809,9 @@
       <p:sp>
         <p:nvSpPr>
           <p:cNvPr id="145" name="Google Shape;145;p23"/>
-          <p:cNvSpPr txBox="1"/>
+          <p:cNvSpPr txBox="1">
+            <a:spLocks noGrp="1"/>
+          </p:cNvSpPr>
           <p:nvPr>
             <p:ph type="title"/>
           </p:nvPr>
@@ -8724,12 +8826,12 @@
           </a:prstGeom>
         </p:spPr>
         <p:txBody>
-          <a:bodyPr anchorCtr="0" anchor="t" bIns="91425" lIns="91425" spcFirstLastPara="1" rIns="91425" wrap="square" tIns="91425">
+          <a:bodyPr spcFirstLastPara="1" wrap="square" lIns="91425" tIns="91425" rIns="91425" bIns="91425" anchor="t" anchorCtr="0">
             <a:noAutofit/>
           </a:bodyPr>
           <a:lstStyle/>
           <a:p>
-            <a:pPr indent="0" lvl="0" marL="0" rtl="0" algn="l">
+            <a:pPr marL="0" lvl="0" indent="0" algn="l" rtl="0">
               <a:spcBef>
                 <a:spcPts val="0"/>
               </a:spcBef>
@@ -8749,9 +8851,11 @@
       <p:sp>
         <p:nvSpPr>
           <p:cNvPr id="146" name="Google Shape;146;p23"/>
-          <p:cNvSpPr txBox="1"/>
+          <p:cNvSpPr txBox="1">
+            <a:spLocks noGrp="1"/>
+          </p:cNvSpPr>
           <p:nvPr>
-            <p:ph idx="1" type="body"/>
+            <p:ph type="body" idx="1"/>
           </p:nvPr>
         </p:nvSpPr>
         <p:spPr>
@@ -8765,12 +8869,12 @@
           <a:noFill/>
         </p:spPr>
         <p:txBody>
-          <a:bodyPr anchorCtr="0" anchor="t" bIns="91425" lIns="91425" spcFirstLastPara="1" rIns="91425" wrap="square" tIns="91425">
+          <a:bodyPr spcFirstLastPara="1" wrap="square" lIns="91425" tIns="91425" rIns="91425" bIns="91425" anchor="t" anchorCtr="0">
             <a:noAutofit/>
           </a:bodyPr>
           <a:lstStyle/>
           <a:p>
-            <a:pPr indent="-381000" lvl="0" marL="457200" rtl="0" algn="l">
+            <a:pPr marL="457200" lvl="0" indent="-381000" algn="l" rtl="0">
               <a:spcBef>
                 <a:spcPts val="0"/>
               </a:spcBef>
@@ -8787,7 +8891,7 @@
             <a:endParaRPr sz="2400"/>
           </a:p>
           <a:p>
-            <a:pPr indent="-381000" lvl="0" marL="457200" rtl="0" algn="l">
+            <a:pPr marL="457200" lvl="0" indent="-381000" algn="l" rtl="0">
               <a:spcBef>
                 <a:spcPts val="0"/>
               </a:spcBef>
@@ -8813,7 +8917,7 @@
             <a:endParaRPr sz="2400"/>
           </a:p>
           <a:p>
-            <a:pPr indent="0" lvl="0" marL="0" rtl="0" algn="l">
+            <a:pPr marL="0" lvl="0" indent="0" algn="l" rtl="0">
               <a:spcBef>
                 <a:spcPts val="1600"/>
               </a:spcBef>
@@ -8822,13 +8926,10 @@
               </a:spcAft>
               <a:buNone/>
             </a:pPr>
-            <a:r>
-              <a:t/>
-            </a:r>
             <a:endParaRPr/>
           </a:p>
           <a:p>
-            <a:pPr indent="0" lvl="0" marL="0" rtl="0" algn="l">
+            <a:pPr marL="0" lvl="0" indent="0" algn="l" rtl="0">
               <a:spcBef>
                 <a:spcPts val="1600"/>
               </a:spcBef>
@@ -8837,13 +8938,10 @@
               </a:spcAft>
               <a:buNone/>
             </a:pPr>
-            <a:r>
-              <a:t/>
-            </a:r>
             <a:endParaRPr/>
           </a:p>
           <a:p>
-            <a:pPr indent="0" lvl="0" marL="457200" rtl="0" algn="l">
+            <a:pPr marL="457200" lvl="0" indent="0" algn="l" rtl="0">
               <a:spcBef>
                 <a:spcPts val="1600"/>
               </a:spcBef>
@@ -8852,9 +8950,6 @@
               </a:spcAft>
               <a:buNone/>
             </a:pPr>
-            <a:r>
-              <a:t/>
-            </a:r>
             <a:endParaRPr/>
           </a:p>
         </p:txBody>
@@ -8868,11 +8963,11 @@
 </file>
 
 <file path=ppt/slides/slide2.xml><?xml version="1.0" encoding="utf-8"?>
-<p:sld xmlns:a="http://schemas.openxmlformats.org/drawingml/2006/main" xmlns:r="http://schemas.openxmlformats.org/officeDocument/2006/relationships" xmlns:mc="http://schemas.openxmlformats.org/markup-compatibility/2006" xmlns:mv="urn:schemas-microsoft-com:mac:vml" xmlns:p="http://schemas.openxmlformats.org/presentationml/2006/main" xmlns:c="http://schemas.openxmlformats.org/drawingml/2006/chart" xmlns:dgm="http://schemas.openxmlformats.org/drawingml/2006/diagram" xmlns:o="urn:schemas-microsoft-com:office:office" xmlns:v="urn:schemas-microsoft-com:vml" xmlns:pvml="urn:schemas-microsoft-com:office:powerpoint" xmlns:com="http://schemas.openxmlformats.org/drawingml/2006/compatibility" xmlns:p14="http://schemas.microsoft.com/office/powerpoint/2010/main" xmlns:p15="http://schemas.microsoft.com/office/powerpoint/2012/main">
+<p:sld xmlns:a="http://schemas.openxmlformats.org/drawingml/2006/main" xmlns:r="http://schemas.openxmlformats.org/officeDocument/2006/relationships" xmlns:p="http://schemas.openxmlformats.org/presentationml/2006/main">
   <p:cSld>
     <p:spTree>
       <p:nvGrpSpPr>
-        <p:cNvPr id="90" name="Shape 90"/>
+        <p:cNvPr id="1" name="Shape 90"/>
         <p:cNvGrpSpPr/>
         <p:nvPr/>
       </p:nvGrpSpPr>
@@ -8887,7 +8982,9 @@
       <p:sp>
         <p:nvSpPr>
           <p:cNvPr id="91" name="Google Shape;91;p14"/>
-          <p:cNvSpPr txBox="1"/>
+          <p:cNvSpPr txBox="1">
+            <a:spLocks noGrp="1"/>
+          </p:cNvSpPr>
           <p:nvPr>
             <p:ph type="title"/>
           </p:nvPr>
@@ -8902,12 +8999,12 @@
           </a:prstGeom>
         </p:spPr>
         <p:txBody>
-          <a:bodyPr anchorCtr="0" anchor="t" bIns="91425" lIns="91425" spcFirstLastPara="1" rIns="91425" wrap="square" tIns="91425">
+          <a:bodyPr spcFirstLastPara="1" wrap="square" lIns="91425" tIns="91425" rIns="91425" bIns="91425" anchor="t" anchorCtr="0">
             <a:noAutofit/>
           </a:bodyPr>
           <a:lstStyle/>
           <a:p>
-            <a:pPr indent="0" lvl="0" marL="0" rtl="0" algn="l">
+            <a:pPr marL="0" lvl="0" indent="0" algn="l" rtl="0">
               <a:spcBef>
                 <a:spcPts val="0"/>
               </a:spcBef>
@@ -8927,9 +9024,11 @@
       <p:sp>
         <p:nvSpPr>
           <p:cNvPr id="92" name="Google Shape;92;p14"/>
-          <p:cNvSpPr txBox="1"/>
+          <p:cNvSpPr txBox="1">
+            <a:spLocks noGrp="1"/>
+          </p:cNvSpPr>
           <p:nvPr>
-            <p:ph idx="1" type="body"/>
+            <p:ph type="body" idx="1"/>
           </p:nvPr>
         </p:nvSpPr>
         <p:spPr>
@@ -8942,12 +9041,12 @@
           </a:prstGeom>
         </p:spPr>
         <p:txBody>
-          <a:bodyPr anchorCtr="0" anchor="t" bIns="91425" lIns="91425" spcFirstLastPara="1" rIns="91425" wrap="square" tIns="91425">
+          <a:bodyPr spcFirstLastPara="1" wrap="square" lIns="91425" tIns="91425" rIns="91425" bIns="91425" anchor="t" anchorCtr="0">
             <a:noAutofit/>
           </a:bodyPr>
           <a:lstStyle/>
           <a:p>
-            <a:pPr indent="-381000" lvl="0" marL="457200" rtl="0" algn="l">
+            <a:pPr marL="457200" lvl="0" indent="-381000" algn="l" rtl="0">
               <a:spcBef>
                 <a:spcPts val="0"/>
               </a:spcBef>
@@ -8964,7 +9063,7 @@
             <a:endParaRPr sz="2400"/>
           </a:p>
           <a:p>
-            <a:pPr indent="-381000" lvl="0" marL="457200" rtl="0" algn="l">
+            <a:pPr marL="457200" lvl="0" indent="-381000" algn="l" rtl="0">
               <a:spcBef>
                 <a:spcPts val="0"/>
               </a:spcBef>
@@ -8981,7 +9080,7 @@
             <a:endParaRPr sz="2400"/>
           </a:p>
           <a:p>
-            <a:pPr indent="-381000" lvl="0" marL="457200" rtl="0" algn="l">
+            <a:pPr marL="457200" lvl="0" indent="-381000" algn="l" rtl="0">
               <a:spcBef>
                 <a:spcPts val="0"/>
               </a:spcBef>
@@ -8998,7 +9097,7 @@
             <a:endParaRPr sz="2400"/>
           </a:p>
           <a:p>
-            <a:pPr indent="-381000" lvl="0" marL="457200" rtl="0" algn="l">
+            <a:pPr marL="457200" lvl="0" indent="-381000" algn="l" rtl="0">
               <a:spcBef>
                 <a:spcPts val="0"/>
               </a:spcBef>
@@ -9025,11 +9124,11 @@
 </file>
 
 <file path=ppt/slides/slide3.xml><?xml version="1.0" encoding="utf-8"?>
-<p:sld xmlns:a="http://schemas.openxmlformats.org/drawingml/2006/main" xmlns:r="http://schemas.openxmlformats.org/officeDocument/2006/relationships" xmlns:mc="http://schemas.openxmlformats.org/markup-compatibility/2006" xmlns:mv="urn:schemas-microsoft-com:mac:vml" xmlns:p="http://schemas.openxmlformats.org/presentationml/2006/main" xmlns:c="http://schemas.openxmlformats.org/drawingml/2006/chart" xmlns:dgm="http://schemas.openxmlformats.org/drawingml/2006/diagram" xmlns:o="urn:schemas-microsoft-com:office:office" xmlns:v="urn:schemas-microsoft-com:vml" xmlns:pvml="urn:schemas-microsoft-com:office:powerpoint" xmlns:com="http://schemas.openxmlformats.org/drawingml/2006/compatibility" xmlns:p14="http://schemas.microsoft.com/office/powerpoint/2010/main" xmlns:p15="http://schemas.microsoft.com/office/powerpoint/2012/main">
+<p:sld xmlns:a="http://schemas.openxmlformats.org/drawingml/2006/main" xmlns:r="http://schemas.openxmlformats.org/officeDocument/2006/relationships" xmlns:p="http://schemas.openxmlformats.org/presentationml/2006/main">
   <p:cSld>
     <p:spTree>
       <p:nvGrpSpPr>
-        <p:cNvPr id="96" name="Shape 96"/>
+        <p:cNvPr id="1" name="Shape 96"/>
         <p:cNvGrpSpPr/>
         <p:nvPr/>
       </p:nvGrpSpPr>
@@ -9044,7 +9143,9 @@
       <p:sp>
         <p:nvSpPr>
           <p:cNvPr id="97" name="Google Shape;97;p15"/>
-          <p:cNvSpPr txBox="1"/>
+          <p:cNvSpPr txBox="1">
+            <a:spLocks noGrp="1"/>
+          </p:cNvSpPr>
           <p:nvPr>
             <p:ph type="title"/>
           </p:nvPr>
@@ -9059,12 +9160,12 @@
           </a:prstGeom>
         </p:spPr>
         <p:txBody>
-          <a:bodyPr anchorCtr="0" anchor="t" bIns="91425" lIns="91425" spcFirstLastPara="1" rIns="91425" wrap="square" tIns="91425">
+          <a:bodyPr spcFirstLastPara="1" wrap="square" lIns="91425" tIns="91425" rIns="91425" bIns="91425" anchor="t" anchorCtr="0">
             <a:noAutofit/>
           </a:bodyPr>
           <a:lstStyle/>
           <a:p>
-            <a:pPr indent="0" lvl="0" marL="0" rtl="0" algn="l">
+            <a:pPr marL="0" lvl="0" indent="0" algn="l" rtl="0">
               <a:spcBef>
                 <a:spcPts val="0"/>
               </a:spcBef>
@@ -9084,9 +9185,11 @@
       <p:sp>
         <p:nvSpPr>
           <p:cNvPr id="98" name="Google Shape;98;p15"/>
-          <p:cNvSpPr txBox="1"/>
+          <p:cNvSpPr txBox="1">
+            <a:spLocks noGrp="1"/>
+          </p:cNvSpPr>
           <p:nvPr>
-            <p:ph idx="1" type="body"/>
+            <p:ph type="body" idx="1"/>
           </p:nvPr>
         </p:nvSpPr>
         <p:spPr>
@@ -9099,12 +9202,12 @@
           </a:prstGeom>
         </p:spPr>
         <p:txBody>
-          <a:bodyPr anchorCtr="0" anchor="t" bIns="91425" lIns="91425" spcFirstLastPara="1" rIns="91425" wrap="square" tIns="91425">
+          <a:bodyPr spcFirstLastPara="1" wrap="square" lIns="91425" tIns="91425" rIns="91425" bIns="91425" anchor="t" anchorCtr="0">
             <a:noAutofit/>
           </a:bodyPr>
           <a:lstStyle/>
           <a:p>
-            <a:pPr indent="-381000" lvl="0" marL="457200" rtl="0" algn="l">
+            <a:pPr marL="457200" lvl="0" indent="-381000" algn="l" rtl="0">
               <a:spcBef>
                 <a:spcPts val="0"/>
               </a:spcBef>
@@ -9116,16 +9219,12 @@
             </a:pPr>
             <a:r>
               <a:rPr lang="en" sz="2400"/>
-              <a:t>Logical </a:t>
-            </a:r>
-            <a:r>
-              <a:rPr lang="en" sz="2400"/>
-              <a:t>parallelization</a:t>
+              <a:t>Logical parallelization</a:t>
             </a:r>
             <a:endParaRPr sz="2400"/>
           </a:p>
           <a:p>
-            <a:pPr indent="-381000" lvl="0" marL="457200" rtl="0" algn="l">
+            <a:pPr marL="457200" lvl="0" indent="-381000" algn="l" rtl="0">
               <a:spcBef>
                 <a:spcPts val="0"/>
               </a:spcBef>
@@ -9142,7 +9241,7 @@
             <a:endParaRPr sz="2400"/>
           </a:p>
           <a:p>
-            <a:pPr indent="-381000" lvl="0" marL="457200" rtl="0" algn="l">
+            <a:pPr marL="457200" lvl="0" indent="-381000" algn="l" rtl="0">
               <a:spcBef>
                 <a:spcPts val="0"/>
               </a:spcBef>
@@ -9169,11 +9268,11 @@
 </file>
 
 <file path=ppt/slides/slide4.xml><?xml version="1.0" encoding="utf-8"?>
-<p:sld xmlns:a="http://schemas.openxmlformats.org/drawingml/2006/main" xmlns:r="http://schemas.openxmlformats.org/officeDocument/2006/relationships" xmlns:mc="http://schemas.openxmlformats.org/markup-compatibility/2006" xmlns:mv="urn:schemas-microsoft-com:mac:vml" xmlns:p="http://schemas.openxmlformats.org/presentationml/2006/main" xmlns:c="http://schemas.openxmlformats.org/drawingml/2006/chart" xmlns:dgm="http://schemas.openxmlformats.org/drawingml/2006/diagram" xmlns:o="urn:schemas-microsoft-com:office:office" xmlns:v="urn:schemas-microsoft-com:vml" xmlns:pvml="urn:schemas-microsoft-com:office:powerpoint" xmlns:com="http://schemas.openxmlformats.org/drawingml/2006/compatibility" xmlns:p14="http://schemas.microsoft.com/office/powerpoint/2010/main" xmlns:p15="http://schemas.microsoft.com/office/powerpoint/2012/main">
+<p:sld xmlns:a="http://schemas.openxmlformats.org/drawingml/2006/main" xmlns:r="http://schemas.openxmlformats.org/officeDocument/2006/relationships" xmlns:p="http://schemas.openxmlformats.org/presentationml/2006/main">
   <p:cSld>
     <p:spTree>
       <p:nvGrpSpPr>
-        <p:cNvPr id="102" name="Shape 102"/>
+        <p:cNvPr id="1" name="Shape 102"/>
         <p:cNvGrpSpPr/>
         <p:nvPr/>
       </p:nvGrpSpPr>
@@ -9188,7 +9287,9 @@
       <p:sp>
         <p:nvSpPr>
           <p:cNvPr id="103" name="Google Shape;103;p16"/>
-          <p:cNvSpPr txBox="1"/>
+          <p:cNvSpPr txBox="1">
+            <a:spLocks noGrp="1"/>
+          </p:cNvSpPr>
           <p:nvPr>
             <p:ph type="title"/>
           </p:nvPr>
@@ -9203,12 +9304,12 @@
           </a:prstGeom>
         </p:spPr>
         <p:txBody>
-          <a:bodyPr anchorCtr="0" anchor="t" bIns="91425" lIns="91425" spcFirstLastPara="1" rIns="91425" wrap="square" tIns="91425">
+          <a:bodyPr spcFirstLastPara="1" wrap="square" lIns="91425" tIns="91425" rIns="91425" bIns="91425" anchor="t" anchorCtr="0">
             <a:noAutofit/>
           </a:bodyPr>
           <a:lstStyle/>
           <a:p>
-            <a:pPr indent="0" lvl="0" marL="0" rtl="0" algn="l">
+            <a:pPr marL="0" lvl="0" indent="0" algn="l" rtl="0">
               <a:spcBef>
                 <a:spcPts val="0"/>
               </a:spcBef>
@@ -9228,9 +9329,11 @@
       <p:sp>
         <p:nvSpPr>
           <p:cNvPr id="104" name="Google Shape;104;p16"/>
-          <p:cNvSpPr txBox="1"/>
+          <p:cNvSpPr txBox="1">
+            <a:spLocks noGrp="1"/>
+          </p:cNvSpPr>
           <p:nvPr>
-            <p:ph idx="1" type="body"/>
+            <p:ph type="body" idx="1"/>
           </p:nvPr>
         </p:nvSpPr>
         <p:spPr>
@@ -9243,12 +9346,12 @@
           </a:prstGeom>
         </p:spPr>
         <p:txBody>
-          <a:bodyPr anchorCtr="0" anchor="t" bIns="91425" lIns="91425" spcFirstLastPara="1" rIns="91425" wrap="square" tIns="91425">
+          <a:bodyPr spcFirstLastPara="1" wrap="square" lIns="91425" tIns="91425" rIns="91425" bIns="91425" anchor="t" anchorCtr="0">
             <a:noAutofit/>
           </a:bodyPr>
           <a:lstStyle/>
           <a:p>
-            <a:pPr indent="-381000" lvl="0" marL="457200" rtl="0" algn="l">
+            <a:pPr marL="457200" lvl="0" indent="-381000" algn="l" rtl="0">
               <a:spcBef>
                 <a:spcPts val="0"/>
               </a:spcBef>
@@ -9265,7 +9368,7 @@
             <a:endParaRPr sz="2400"/>
           </a:p>
           <a:p>
-            <a:pPr indent="-381000" lvl="0" marL="457200" rtl="0" algn="l">
+            <a:pPr marL="457200" lvl="0" indent="-381000" algn="l" rtl="0">
               <a:spcBef>
                 <a:spcPts val="0"/>
               </a:spcBef>
@@ -9282,7 +9385,7 @@
             <a:endParaRPr sz="2400"/>
           </a:p>
           <a:p>
-            <a:pPr indent="-381000" lvl="0" marL="457200" rtl="0" algn="l">
+            <a:pPr marL="457200" lvl="0" indent="-381000" algn="l" rtl="0">
               <a:spcBef>
                 <a:spcPts val="0"/>
               </a:spcBef>
@@ -9309,11 +9412,11 @@
 </file>
 
 <file path=ppt/slides/slide5.xml><?xml version="1.0" encoding="utf-8"?>
-<p:sld xmlns:a="http://schemas.openxmlformats.org/drawingml/2006/main" xmlns:r="http://schemas.openxmlformats.org/officeDocument/2006/relationships" xmlns:mc="http://schemas.openxmlformats.org/markup-compatibility/2006" xmlns:mv="urn:schemas-microsoft-com:mac:vml" xmlns:p="http://schemas.openxmlformats.org/presentationml/2006/main" xmlns:c="http://schemas.openxmlformats.org/drawingml/2006/chart" xmlns:dgm="http://schemas.openxmlformats.org/drawingml/2006/diagram" xmlns:o="urn:schemas-microsoft-com:office:office" xmlns:v="urn:schemas-microsoft-com:vml" xmlns:pvml="urn:schemas-microsoft-com:office:powerpoint" xmlns:com="http://schemas.openxmlformats.org/drawingml/2006/compatibility" xmlns:p14="http://schemas.microsoft.com/office/powerpoint/2010/main" xmlns:p15="http://schemas.microsoft.com/office/powerpoint/2012/main">
+<p:sld xmlns:a="http://schemas.openxmlformats.org/drawingml/2006/main" xmlns:r="http://schemas.openxmlformats.org/officeDocument/2006/relationships" xmlns:p="http://schemas.openxmlformats.org/presentationml/2006/main">
   <p:cSld>
     <p:spTree>
       <p:nvGrpSpPr>
-        <p:cNvPr id="108" name="Shape 108"/>
+        <p:cNvPr id="1" name="Shape 108"/>
         <p:cNvGrpSpPr/>
         <p:nvPr/>
       </p:nvGrpSpPr>
@@ -9328,7 +9431,9 @@
       <p:sp>
         <p:nvSpPr>
           <p:cNvPr id="109" name="Google Shape;109;p17"/>
-          <p:cNvSpPr txBox="1"/>
+          <p:cNvSpPr txBox="1">
+            <a:spLocks noGrp="1"/>
+          </p:cNvSpPr>
           <p:nvPr>
             <p:ph type="title"/>
           </p:nvPr>
@@ -9343,12 +9448,12 @@
           </a:prstGeom>
         </p:spPr>
         <p:txBody>
-          <a:bodyPr anchorCtr="0" anchor="t" bIns="91425" lIns="91425" spcFirstLastPara="1" rIns="91425" wrap="square" tIns="91425">
+          <a:bodyPr spcFirstLastPara="1" wrap="square" lIns="91425" tIns="91425" rIns="91425" bIns="91425" anchor="t" anchorCtr="0">
             <a:noAutofit/>
           </a:bodyPr>
           <a:lstStyle/>
           <a:p>
-            <a:pPr indent="0" lvl="0" marL="0" rtl="0" algn="l">
+            <a:pPr marL="0" lvl="0" indent="0" algn="l" rtl="0">
               <a:spcBef>
                 <a:spcPts val="0"/>
               </a:spcBef>
@@ -9373,9 +9478,11 @@
       <p:sp>
         <p:nvSpPr>
           <p:cNvPr id="110" name="Google Shape;110;p17"/>
-          <p:cNvSpPr txBox="1"/>
+          <p:cNvSpPr txBox="1">
+            <a:spLocks noGrp="1"/>
+          </p:cNvSpPr>
           <p:nvPr>
-            <p:ph idx="1" type="body"/>
+            <p:ph type="body" idx="1"/>
           </p:nvPr>
         </p:nvSpPr>
         <p:spPr>
@@ -9388,12 +9495,12 @@
           </a:prstGeom>
         </p:spPr>
         <p:txBody>
-          <a:bodyPr anchorCtr="0" anchor="t" bIns="91425" lIns="91425" spcFirstLastPara="1" rIns="91425" wrap="square" tIns="91425">
+          <a:bodyPr spcFirstLastPara="1" wrap="square" lIns="91425" tIns="91425" rIns="91425" bIns="91425" anchor="t" anchorCtr="0">
             <a:noAutofit/>
           </a:bodyPr>
           <a:lstStyle/>
           <a:p>
-            <a:pPr indent="-381000" lvl="0" marL="457200" rtl="0" algn="l">
+            <a:pPr marL="457200" lvl="0" indent="-381000" algn="l" rtl="0">
               <a:spcBef>
                 <a:spcPts val="0"/>
               </a:spcBef>
@@ -9410,7 +9517,7 @@
             <a:endParaRPr sz="2400"/>
           </a:p>
           <a:p>
-            <a:pPr indent="-381000" lvl="0" marL="457200" rtl="0" algn="l">
+            <a:pPr marL="457200" lvl="0" indent="-381000" algn="l" rtl="0">
               <a:spcBef>
                 <a:spcPts val="0"/>
               </a:spcBef>
@@ -9534,11 +9641,11 @@
 </file>
 
 <file path=ppt/slides/slide6.xml><?xml version="1.0" encoding="utf-8"?>
-<p:sld xmlns:a="http://schemas.openxmlformats.org/drawingml/2006/main" xmlns:r="http://schemas.openxmlformats.org/officeDocument/2006/relationships" xmlns:mc="http://schemas.openxmlformats.org/markup-compatibility/2006" xmlns:mv="urn:schemas-microsoft-com:mac:vml" xmlns:p="http://schemas.openxmlformats.org/presentationml/2006/main" xmlns:c="http://schemas.openxmlformats.org/drawingml/2006/chart" xmlns:dgm="http://schemas.openxmlformats.org/drawingml/2006/diagram" xmlns:o="urn:schemas-microsoft-com:office:office" xmlns:v="urn:schemas-microsoft-com:vml" xmlns:pvml="urn:schemas-microsoft-com:office:powerpoint" xmlns:com="http://schemas.openxmlformats.org/drawingml/2006/compatibility" xmlns:p14="http://schemas.microsoft.com/office/powerpoint/2010/main" xmlns:p15="http://schemas.microsoft.com/office/powerpoint/2012/main">
+<p:sld xmlns:a="http://schemas.openxmlformats.org/drawingml/2006/main" xmlns:r="http://schemas.openxmlformats.org/officeDocument/2006/relationships" xmlns:p="http://schemas.openxmlformats.org/presentationml/2006/main">
   <p:cSld>
     <p:spTree>
       <p:nvGrpSpPr>
-        <p:cNvPr id="114" name="Shape 114"/>
+        <p:cNvPr id="1" name="Shape 114"/>
         <p:cNvGrpSpPr/>
         <p:nvPr/>
       </p:nvGrpSpPr>
@@ -9553,7 +9660,9 @@
       <p:sp>
         <p:nvSpPr>
           <p:cNvPr id="115" name="Google Shape;115;p18"/>
-          <p:cNvSpPr txBox="1"/>
+          <p:cNvSpPr txBox="1">
+            <a:spLocks noGrp="1"/>
+          </p:cNvSpPr>
           <p:nvPr>
             <p:ph type="title"/>
           </p:nvPr>
@@ -9568,12 +9677,12 @@
           </a:prstGeom>
         </p:spPr>
         <p:txBody>
-          <a:bodyPr anchorCtr="0" anchor="t" bIns="91425" lIns="91425" spcFirstLastPara="1" rIns="91425" wrap="square" tIns="91425">
+          <a:bodyPr spcFirstLastPara="1" wrap="square" lIns="91425" tIns="91425" rIns="91425" bIns="91425" anchor="t" anchorCtr="0">
             <a:noAutofit/>
           </a:bodyPr>
           <a:lstStyle/>
           <a:p>
-            <a:pPr indent="0" lvl="0" marL="0" rtl="0" algn="l">
+            <a:pPr marL="0" lvl="0" indent="0" algn="l" rtl="0">
               <a:spcBef>
                 <a:spcPts val="0"/>
               </a:spcBef>
@@ -9598,9 +9707,11 @@
       <p:sp>
         <p:nvSpPr>
           <p:cNvPr id="116" name="Google Shape;116;p18"/>
-          <p:cNvSpPr txBox="1"/>
+          <p:cNvSpPr txBox="1">
+            <a:spLocks noGrp="1"/>
+          </p:cNvSpPr>
           <p:nvPr>
-            <p:ph idx="1" type="body"/>
+            <p:ph type="body" idx="1"/>
           </p:nvPr>
         </p:nvSpPr>
         <p:spPr>
@@ -9616,12 +9727,12 @@
           </a:solidFill>
         </p:spPr>
         <p:txBody>
-          <a:bodyPr anchorCtr="0" anchor="t" bIns="91425" lIns="91425" spcFirstLastPara="1" rIns="91425" wrap="square" tIns="91425">
+          <a:bodyPr spcFirstLastPara="1" wrap="square" lIns="91425" tIns="91425" rIns="91425" bIns="91425" anchor="t" anchorCtr="0">
             <a:noAutofit/>
           </a:bodyPr>
           <a:lstStyle/>
           <a:p>
-            <a:pPr indent="0" lvl="0" marL="457200" rtl="0" algn="l">
+            <a:pPr marL="457200" lvl="0" indent="0" algn="l" rtl="0">
               <a:spcBef>
                 <a:spcPts val="0"/>
               </a:spcBef>
@@ -9642,7 +9753,7 @@
             <a:endParaRPr sz="1400"/>
           </a:p>
           <a:p>
-            <a:pPr indent="0" lvl="0" marL="457200" rtl="0" algn="l">
+            <a:pPr marL="457200" lvl="0" indent="0" algn="l" rtl="0">
               <a:spcBef>
                 <a:spcPts val="1600"/>
               </a:spcBef>
@@ -9663,7 +9774,7 @@
             <a:endParaRPr sz="1400"/>
           </a:p>
           <a:p>
-            <a:pPr indent="0" lvl="0" marL="457200" rtl="0" algn="l">
+            <a:pPr marL="457200" lvl="0" indent="0" algn="l" rtl="0">
               <a:spcBef>
                 <a:spcPts val="1600"/>
               </a:spcBef>
@@ -9684,7 +9795,7 @@
             <a:endParaRPr sz="1400"/>
           </a:p>
           <a:p>
-            <a:pPr indent="0" lvl="0" marL="457200" rtl="0" algn="l">
+            <a:pPr marL="457200" lvl="0" indent="0" algn="l" rtl="0">
               <a:spcBef>
                 <a:spcPts val="1600"/>
               </a:spcBef>
@@ -9705,7 +9816,7 @@
             <a:endParaRPr sz="1400"/>
           </a:p>
           <a:p>
-            <a:pPr indent="0" lvl="0" marL="457200" rtl="0" algn="l">
+            <a:pPr marL="457200" lvl="0" indent="0" algn="l" rtl="0">
               <a:spcBef>
                 <a:spcPts val="1600"/>
               </a:spcBef>
@@ -9726,7 +9837,7 @@
             <a:endParaRPr sz="1400"/>
           </a:p>
           <a:p>
-            <a:pPr indent="0" lvl="0" marL="457200" rtl="0" algn="l">
+            <a:pPr marL="457200" lvl="0" indent="0" algn="l" rtl="0">
               <a:spcBef>
                 <a:spcPts val="1600"/>
               </a:spcBef>
@@ -9747,7 +9858,7 @@
             <a:endParaRPr sz="1400"/>
           </a:p>
           <a:p>
-            <a:pPr indent="0" lvl="0" marL="457200" rtl="0" algn="l">
+            <a:pPr marL="457200" lvl="0" indent="0" algn="l" rtl="0">
               <a:spcBef>
                 <a:spcPts val="1600"/>
               </a:spcBef>
@@ -9756,9 +9867,6 @@
               </a:spcAft>
               <a:buNone/>
             </a:pPr>
-            <a:r>
-              <a:t/>
-            </a:r>
             <a:endParaRPr sz="2400"/>
           </a:p>
         </p:txBody>
@@ -9772,11 +9880,11 @@
 </file>
 
 <file path=ppt/slides/slide7.xml><?xml version="1.0" encoding="utf-8"?>
-<p:sld xmlns:a="http://schemas.openxmlformats.org/drawingml/2006/main" xmlns:r="http://schemas.openxmlformats.org/officeDocument/2006/relationships" xmlns:mc="http://schemas.openxmlformats.org/markup-compatibility/2006" xmlns:mv="urn:schemas-microsoft-com:mac:vml" xmlns:p="http://schemas.openxmlformats.org/presentationml/2006/main" xmlns:c="http://schemas.openxmlformats.org/drawingml/2006/chart" xmlns:dgm="http://schemas.openxmlformats.org/drawingml/2006/diagram" xmlns:o="urn:schemas-microsoft-com:office:office" xmlns:v="urn:schemas-microsoft-com:vml" xmlns:pvml="urn:schemas-microsoft-com:office:powerpoint" xmlns:com="http://schemas.openxmlformats.org/drawingml/2006/compatibility" xmlns:p14="http://schemas.microsoft.com/office/powerpoint/2010/main" xmlns:p15="http://schemas.microsoft.com/office/powerpoint/2012/main">
+<p:sld xmlns:a="http://schemas.openxmlformats.org/drawingml/2006/main" xmlns:r="http://schemas.openxmlformats.org/officeDocument/2006/relationships" xmlns:p="http://schemas.openxmlformats.org/presentationml/2006/main">
   <p:cSld>
     <p:spTree>
       <p:nvGrpSpPr>
-        <p:cNvPr id="120" name="Shape 120"/>
+        <p:cNvPr id="1" name="Shape 120"/>
         <p:cNvGrpSpPr/>
         <p:nvPr/>
       </p:nvGrpSpPr>
@@ -9791,7 +9899,9 @@
       <p:sp>
         <p:nvSpPr>
           <p:cNvPr id="121" name="Google Shape;121;p19"/>
-          <p:cNvSpPr txBox="1"/>
+          <p:cNvSpPr txBox="1">
+            <a:spLocks noGrp="1"/>
+          </p:cNvSpPr>
           <p:nvPr>
             <p:ph type="title"/>
           </p:nvPr>
@@ -9806,12 +9916,12 @@
           </a:prstGeom>
         </p:spPr>
         <p:txBody>
-          <a:bodyPr anchorCtr="0" anchor="t" bIns="91425" lIns="91425" spcFirstLastPara="1" rIns="91425" wrap="square" tIns="91425">
+          <a:bodyPr spcFirstLastPara="1" wrap="square" lIns="91425" tIns="91425" rIns="91425" bIns="91425" anchor="t" anchorCtr="0">
             <a:noAutofit/>
           </a:bodyPr>
           <a:lstStyle/>
           <a:p>
-            <a:pPr indent="0" lvl="0" marL="0" rtl="0" algn="l">
+            <a:pPr marL="0" lvl="0" indent="0" algn="l" rtl="0">
               <a:spcBef>
                 <a:spcPts val="0"/>
               </a:spcBef>
@@ -9831,9 +9941,11 @@
       <p:sp>
         <p:nvSpPr>
           <p:cNvPr id="122" name="Google Shape;122;p19"/>
-          <p:cNvSpPr txBox="1"/>
+          <p:cNvSpPr txBox="1">
+            <a:spLocks noGrp="1"/>
+          </p:cNvSpPr>
           <p:nvPr>
-            <p:ph idx="1" type="body"/>
+            <p:ph type="body" idx="1"/>
           </p:nvPr>
         </p:nvSpPr>
         <p:spPr>
@@ -9846,12 +9958,12 @@
           </a:prstGeom>
         </p:spPr>
         <p:txBody>
-          <a:bodyPr anchorCtr="0" anchor="t" bIns="91425" lIns="91425" spcFirstLastPara="1" rIns="91425" wrap="square" tIns="91425">
+          <a:bodyPr spcFirstLastPara="1" wrap="square" lIns="91425" tIns="91425" rIns="91425" bIns="91425" anchor="t" anchorCtr="0">
             <a:noAutofit/>
           </a:bodyPr>
           <a:lstStyle/>
           <a:p>
-            <a:pPr indent="-381000" lvl="0" marL="457200" rtl="0" algn="l">
+            <a:pPr marL="457200" lvl="0" indent="-381000" algn="l" rtl="0">
               <a:spcBef>
                 <a:spcPts val="0"/>
               </a:spcBef>
@@ -9862,13 +9974,13 @@
               <a:buChar char="●"/>
             </a:pPr>
             <a:r>
-              <a:rPr lang="en" sz="2400"/>
+              <a:rPr lang="en" sz="2400" dirty="0"/>
               <a:t>Just like with multithreading one must take care when dealing with shared mutable state with coroutines</a:t>
             </a:r>
-            <a:endParaRPr sz="2400"/>
-          </a:p>
-          <a:p>
-            <a:pPr indent="-381000" lvl="0" marL="457200" rtl="0" algn="l">
+            <a:endParaRPr sz="2400" dirty="0"/>
+          </a:p>
+          <a:p>
+            <a:pPr marL="457200" lvl="0" indent="-381000" algn="l" rtl="0">
               <a:spcBef>
                 <a:spcPts val="0"/>
               </a:spcBef>
@@ -9879,11 +9991,11 @@
               <a:buChar char="●"/>
             </a:pPr>
             <a:r>
-              <a:rPr lang="en" sz="2400"/>
+              <a:rPr lang="en" sz="2400" dirty="0"/>
               <a:t>See docs for </a:t>
             </a:r>
             <a:r>
-              <a:rPr lang="en" sz="2400" u="sng">
+              <a:rPr lang="en" sz="2400" u="sng" dirty="0">
                 <a:solidFill>
                   <a:schemeClr val="hlink"/>
                 </a:solidFill>
@@ -9891,7 +10003,7 @@
               </a:rPr>
               <a:t>examples</a:t>
             </a:r>
-            <a:endParaRPr sz="2400"/>
+            <a:endParaRPr sz="2400" dirty="0"/>
           </a:p>
         </p:txBody>
       </p:sp>
@@ -9904,11 +10016,11 @@
 </file>
 
 <file path=ppt/slides/slide8.xml><?xml version="1.0" encoding="utf-8"?>
-<p:sld xmlns:a="http://schemas.openxmlformats.org/drawingml/2006/main" xmlns:r="http://schemas.openxmlformats.org/officeDocument/2006/relationships" xmlns:mc="http://schemas.openxmlformats.org/markup-compatibility/2006" xmlns:mv="urn:schemas-microsoft-com:mac:vml" xmlns:p="http://schemas.openxmlformats.org/presentationml/2006/main" xmlns:c="http://schemas.openxmlformats.org/drawingml/2006/chart" xmlns:dgm="http://schemas.openxmlformats.org/drawingml/2006/diagram" xmlns:o="urn:schemas-microsoft-com:office:office" xmlns:v="urn:schemas-microsoft-com:vml" xmlns:pvml="urn:schemas-microsoft-com:office:powerpoint" xmlns:com="http://schemas.openxmlformats.org/drawingml/2006/compatibility" xmlns:p14="http://schemas.microsoft.com/office/powerpoint/2010/main" xmlns:p15="http://schemas.microsoft.com/office/powerpoint/2012/main">
+<p:sld xmlns:a="http://schemas.openxmlformats.org/drawingml/2006/main" xmlns:r="http://schemas.openxmlformats.org/officeDocument/2006/relationships" xmlns:p="http://schemas.openxmlformats.org/presentationml/2006/main">
   <p:cSld>
     <p:spTree>
       <p:nvGrpSpPr>
-        <p:cNvPr id="126" name="Shape 126"/>
+        <p:cNvPr id="1" name="Shape 126"/>
         <p:cNvGrpSpPr/>
         <p:nvPr/>
       </p:nvGrpSpPr>
@@ -9923,7 +10035,9 @@
       <p:sp>
         <p:nvSpPr>
           <p:cNvPr id="127" name="Google Shape;127;p20"/>
-          <p:cNvSpPr txBox="1"/>
+          <p:cNvSpPr txBox="1">
+            <a:spLocks noGrp="1"/>
+          </p:cNvSpPr>
           <p:nvPr>
             <p:ph type="title"/>
           </p:nvPr>
@@ -9938,12 +10052,12 @@
           </a:prstGeom>
         </p:spPr>
         <p:txBody>
-          <a:bodyPr anchorCtr="0" anchor="t" bIns="91425" lIns="91425" spcFirstLastPara="1" rIns="91425" wrap="square" tIns="91425">
+          <a:bodyPr spcFirstLastPara="1" wrap="square" lIns="91425" tIns="91425" rIns="91425" bIns="91425" anchor="t" anchorCtr="0">
             <a:noAutofit/>
           </a:bodyPr>
           <a:lstStyle/>
           <a:p>
-            <a:pPr indent="0" lvl="0" marL="0" rtl="0" algn="l">
+            <a:pPr marL="0" lvl="0" indent="0" algn="l" rtl="0">
               <a:spcBef>
                 <a:spcPts val="0"/>
               </a:spcBef>
@@ -9963,9 +10077,11 @@
       <p:sp>
         <p:nvSpPr>
           <p:cNvPr id="128" name="Google Shape;128;p20"/>
-          <p:cNvSpPr txBox="1"/>
+          <p:cNvSpPr txBox="1">
+            <a:spLocks noGrp="1"/>
+          </p:cNvSpPr>
           <p:nvPr>
-            <p:ph idx="1" type="body"/>
+            <p:ph type="body" idx="1"/>
           </p:nvPr>
         </p:nvSpPr>
         <p:spPr>
@@ -9981,12 +10097,12 @@
           </a:solidFill>
         </p:spPr>
         <p:txBody>
-          <a:bodyPr anchorCtr="0" anchor="t" bIns="91425" lIns="91425" spcFirstLastPara="1" rIns="91425" wrap="square" tIns="91425">
+          <a:bodyPr spcFirstLastPara="1" wrap="square" lIns="91425" tIns="91425" rIns="91425" bIns="91425" anchor="t" anchorCtr="0">
             <a:noAutofit/>
           </a:bodyPr>
           <a:lstStyle/>
           <a:p>
-            <a:pPr indent="-381000" lvl="0" marL="457200" rtl="0" algn="l">
+            <a:pPr marL="457200" lvl="0" indent="-381000" algn="l" rtl="0">
               <a:spcBef>
                 <a:spcPts val="0"/>
               </a:spcBef>
@@ -10003,7 +10119,7 @@
             <a:endParaRPr sz="2400"/>
           </a:p>
           <a:p>
-            <a:pPr indent="0" lvl="0" marL="457200" rtl="0" algn="l">
+            <a:pPr marL="457200" lvl="0" indent="0" algn="l" rtl="0">
               <a:spcBef>
                 <a:spcPts val="1600"/>
               </a:spcBef>
@@ -10024,7 +10140,7 @@
             <a:endParaRPr/>
           </a:p>
           <a:p>
-            <a:pPr indent="0" lvl="0" marL="457200" rtl="0" algn="l">
+            <a:pPr marL="457200" lvl="0" indent="0" algn="l" rtl="0">
               <a:spcBef>
                 <a:spcPts val="1600"/>
               </a:spcBef>
@@ -10045,7 +10161,7 @@
             <a:endParaRPr/>
           </a:p>
           <a:p>
-            <a:pPr indent="0" lvl="0" marL="457200" rtl="0" algn="l">
+            <a:pPr marL="457200" lvl="0" indent="0" algn="l" rtl="0">
               <a:spcBef>
                 <a:spcPts val="1600"/>
               </a:spcBef>
@@ -10066,7 +10182,7 @@
             <a:endParaRPr/>
           </a:p>
           <a:p>
-            <a:pPr indent="0" lvl="0" marL="457200" rtl="0" algn="l">
+            <a:pPr marL="457200" lvl="0" indent="0" algn="l" rtl="0">
               <a:spcBef>
                 <a:spcPts val="1600"/>
               </a:spcBef>
@@ -10082,7 +10198,7 @@
             <a:endParaRPr/>
           </a:p>
           <a:p>
-            <a:pPr indent="0" lvl="0" marL="457200" rtl="0" algn="l">
+            <a:pPr marL="457200" lvl="0" indent="0" algn="l" rtl="0">
               <a:spcBef>
                 <a:spcPts val="1600"/>
               </a:spcBef>
@@ -10103,7 +10219,7 @@
             <a:endParaRPr/>
           </a:p>
           <a:p>
-            <a:pPr indent="0" lvl="0" marL="0" rtl="0" algn="l">
+            <a:pPr marL="0" lvl="0" indent="0" algn="l" rtl="0">
               <a:spcBef>
                 <a:spcPts val="1600"/>
               </a:spcBef>
@@ -10117,13 +10233,10 @@
               <a:buFont typeface="Arial"/>
               <a:buNone/>
             </a:pPr>
-            <a:r>
-              <a:t/>
-            </a:r>
             <a:endParaRPr/>
           </a:p>
           <a:p>
-            <a:pPr indent="0" lvl="0" marL="457200" rtl="0" algn="l">
+            <a:pPr marL="457200" lvl="0" indent="0" algn="l" rtl="0">
               <a:spcBef>
                 <a:spcPts val="1600"/>
               </a:spcBef>
@@ -10132,9 +10245,6 @@
               </a:spcAft>
               <a:buNone/>
             </a:pPr>
-            <a:r>
-              <a:t/>
-            </a:r>
             <a:endParaRPr/>
           </a:p>
         </p:txBody>
@@ -10148,11 +10258,11 @@
 </file>
 
 <file path=ppt/slides/slide9.xml><?xml version="1.0" encoding="utf-8"?>
-<p:sld xmlns:a="http://schemas.openxmlformats.org/drawingml/2006/main" xmlns:r="http://schemas.openxmlformats.org/officeDocument/2006/relationships" xmlns:mc="http://schemas.openxmlformats.org/markup-compatibility/2006" xmlns:mv="urn:schemas-microsoft-com:mac:vml" xmlns:p="http://schemas.openxmlformats.org/presentationml/2006/main" xmlns:c="http://schemas.openxmlformats.org/drawingml/2006/chart" xmlns:dgm="http://schemas.openxmlformats.org/drawingml/2006/diagram" xmlns:o="urn:schemas-microsoft-com:office:office" xmlns:v="urn:schemas-microsoft-com:vml" xmlns:pvml="urn:schemas-microsoft-com:office:powerpoint" xmlns:com="http://schemas.openxmlformats.org/drawingml/2006/compatibility" xmlns:p14="http://schemas.microsoft.com/office/powerpoint/2010/main" xmlns:p15="http://schemas.microsoft.com/office/powerpoint/2012/main">
+<p:sld xmlns:a="http://schemas.openxmlformats.org/drawingml/2006/main" xmlns:r="http://schemas.openxmlformats.org/officeDocument/2006/relationships" xmlns:p="http://schemas.openxmlformats.org/presentationml/2006/main">
   <p:cSld>
     <p:spTree>
       <p:nvGrpSpPr>
-        <p:cNvPr id="132" name="Shape 132"/>
+        <p:cNvPr id="1" name="Shape 132"/>
         <p:cNvGrpSpPr/>
         <p:nvPr/>
       </p:nvGrpSpPr>
@@ -10167,7 +10277,9 @@
       <p:sp>
         <p:nvSpPr>
           <p:cNvPr id="133" name="Google Shape;133;p21"/>
-          <p:cNvSpPr txBox="1"/>
+          <p:cNvSpPr txBox="1">
+            <a:spLocks noGrp="1"/>
+          </p:cNvSpPr>
           <p:nvPr>
             <p:ph type="title"/>
           </p:nvPr>
@@ -10182,12 +10294,12 @@
           </a:prstGeom>
         </p:spPr>
         <p:txBody>
-          <a:bodyPr anchorCtr="0" anchor="t" bIns="91425" lIns="91425" spcFirstLastPara="1" rIns="91425" wrap="square" tIns="91425">
+          <a:bodyPr spcFirstLastPara="1" wrap="square" lIns="91425" tIns="91425" rIns="91425" bIns="91425" anchor="t" anchorCtr="0">
             <a:noAutofit/>
           </a:bodyPr>
           <a:lstStyle/>
           <a:p>
-            <a:pPr indent="0" lvl="0" marL="0" rtl="0" algn="l">
+            <a:pPr marL="0" lvl="0" indent="0" algn="l" rtl="0">
               <a:spcBef>
                 <a:spcPts val="0"/>
               </a:spcBef>
@@ -10207,9 +10319,11 @@
       <p:sp>
         <p:nvSpPr>
           <p:cNvPr id="134" name="Google Shape;134;p21"/>
-          <p:cNvSpPr txBox="1"/>
+          <p:cNvSpPr txBox="1">
+            <a:spLocks noGrp="1"/>
+          </p:cNvSpPr>
           <p:nvPr>
-            <p:ph idx="1" type="body"/>
+            <p:ph type="body" idx="1"/>
           </p:nvPr>
         </p:nvSpPr>
         <p:spPr>
@@ -10225,12 +10339,12 @@
           </a:solidFill>
         </p:spPr>
         <p:txBody>
-          <a:bodyPr anchorCtr="0" anchor="t" bIns="91425" lIns="91425" spcFirstLastPara="1" rIns="91425" wrap="square" tIns="91425">
+          <a:bodyPr spcFirstLastPara="1" wrap="square" lIns="91425" tIns="91425" rIns="91425" bIns="91425" anchor="t" anchorCtr="0">
             <a:noAutofit/>
           </a:bodyPr>
           <a:lstStyle/>
           <a:p>
-            <a:pPr indent="-381000" lvl="0" marL="457200" rtl="0" algn="l">
+            <a:pPr marL="457200" lvl="0" indent="-381000" algn="l" rtl="0">
               <a:spcBef>
                 <a:spcPts val="0"/>
               </a:spcBef>
@@ -10247,7 +10361,7 @@
             <a:endParaRPr sz="2400"/>
           </a:p>
           <a:p>
-            <a:pPr indent="0" lvl="0" marL="457200" rtl="0" algn="l">
+            <a:pPr marL="457200" lvl="0" indent="0" algn="l" rtl="0">
               <a:spcBef>
                 <a:spcPts val="1600"/>
               </a:spcBef>
@@ -10263,7 +10377,7 @@
             <a:endParaRPr/>
           </a:p>
           <a:p>
-            <a:pPr indent="0" lvl="0" marL="457200" rtl="0" algn="l">
+            <a:pPr marL="457200" lvl="0" indent="0" algn="l" rtl="0">
               <a:spcBef>
                 <a:spcPts val="1600"/>
               </a:spcBef>
@@ -10279,7 +10393,7 @@
             <a:endParaRPr/>
           </a:p>
           <a:p>
-            <a:pPr indent="0" lvl="0" marL="457200" rtl="0" algn="l">
+            <a:pPr marL="457200" lvl="0" indent="0" algn="l" rtl="0">
               <a:spcBef>
                 <a:spcPts val="1600"/>
               </a:spcBef>
@@ -10295,7 +10409,7 @@
             <a:endParaRPr/>
           </a:p>
           <a:p>
-            <a:pPr indent="0" lvl="0" marL="457200" rtl="0" algn="l">
+            <a:pPr marL="457200" lvl="0" indent="0" algn="l" rtl="0">
               <a:spcBef>
                 <a:spcPts val="1600"/>
               </a:spcBef>
@@ -10311,7 +10425,7 @@
             <a:endParaRPr/>
           </a:p>
           <a:p>
-            <a:pPr indent="0" lvl="0" marL="0" rtl="0" algn="l">
+            <a:pPr marL="0" lvl="0" indent="0" algn="l" rtl="0">
               <a:spcBef>
                 <a:spcPts val="1600"/>
               </a:spcBef>
@@ -10327,7 +10441,7 @@
             <a:endParaRPr/>
           </a:p>
           <a:p>
-            <a:pPr indent="0" lvl="0" marL="0" rtl="0" algn="l">
+            <a:pPr marL="0" lvl="0" indent="0" algn="l" rtl="0">
               <a:spcBef>
                 <a:spcPts val="1600"/>
               </a:spcBef>
@@ -10343,7 +10457,7 @@
             <a:endParaRPr/>
           </a:p>
           <a:p>
-            <a:pPr indent="0" lvl="0" marL="0" rtl="0" algn="l">
+            <a:pPr marL="0" lvl="0" indent="0" algn="l" rtl="0">
               <a:spcBef>
                 <a:spcPts val="1600"/>
               </a:spcBef>
@@ -10352,13 +10466,10 @@
               </a:spcAft>
               <a:buNone/>
             </a:pPr>
-            <a:r>
-              <a:t/>
-            </a:r>
             <a:endParaRPr/>
           </a:p>
           <a:p>
-            <a:pPr indent="0" lvl="0" marL="457200" rtl="0" algn="l">
+            <a:pPr marL="457200" lvl="0" indent="0" algn="l" rtl="0">
               <a:spcBef>
                 <a:spcPts val="1600"/>
               </a:spcBef>
@@ -10367,9 +10478,6 @@
               </a:spcAft>
               <a:buNone/>
             </a:pPr>
-            <a:r>
-              <a:t/>
-            </a:r>
             <a:endParaRPr/>
           </a:p>
         </p:txBody>
@@ -10383,7 +10491,7 @@
 </file>
 
 <file path=ppt/theme/theme1.xml><?xml version="1.0" encoding="utf-8"?>
-<a:theme xmlns:a="http://schemas.openxmlformats.org/drawingml/2006/main" xmlns:r="http://schemas.openxmlformats.org/officeDocument/2006/relationships" name="Streamline">
+<a:theme xmlns:a="http://schemas.openxmlformats.org/drawingml/2006/main" name="Streamline">
   <a:themeElements>
     <a:clrScheme name="Streamline">
       <a:dk1>
@@ -10658,11 +10766,13 @@
       </a:bgFillStyleLst>
     </a:fmtScheme>
   </a:themeElements>
+  <a:objectDefaults/>
+  <a:extraClrSchemeLst/>
 </a:theme>
 </file>
 
 <file path=ppt/theme/theme2.xml><?xml version="1.0" encoding="utf-8"?>
-<a:theme xmlns:a="http://schemas.openxmlformats.org/drawingml/2006/main" xmlns:r="http://schemas.openxmlformats.org/officeDocument/2006/relationships">
+<a:theme xmlns:a="http://schemas.openxmlformats.org/drawingml/2006/main">
   <a:themeElements>
     <a:clrScheme name="Default">
       <a:dk1>
@@ -10937,5 +11047,7 @@
       </a:bgFillStyleLst>
     </a:fmtScheme>
   </a:themeElements>
+  <a:objectDefaults/>
+  <a:extraClrSchemeLst/>
 </a:theme>
 </file>
--- a/coroutines-workshop/docs/kotlin_coroutines.pptx
+++ b/coroutines-workshop/docs/kotlin_coroutines.pptx
@@ -1,45 +1,45 @@
 
 <file path=ppt/presentation.xml><?xml version="1.0" encoding="utf-8"?>
-<p:presentation xmlns:a="http://schemas.openxmlformats.org/drawingml/2006/main" xmlns:r="http://schemas.openxmlformats.org/officeDocument/2006/relationships" xmlns:mc="http://schemas.openxmlformats.org/markup-compatibility/2006" xmlns:mv="urn:schemas-microsoft-com:mac:vml" xmlns:p="http://schemas.openxmlformats.org/presentationml/2006/main" xmlns:c="http://schemas.openxmlformats.org/drawingml/2006/chart" xmlns:dgm="http://schemas.openxmlformats.org/drawingml/2006/diagram" xmlns:o="urn:schemas-microsoft-com:office:office" xmlns:v="urn:schemas-microsoft-com:vml" xmlns:pvml="urn:schemas-microsoft-com:office:powerpoint" xmlns:com="http://schemas.openxmlformats.org/drawingml/2006/compatibility" xmlns:p14="http://schemas.microsoft.com/office/powerpoint/2010/main" xmlns:p15="http://schemas.microsoft.com/office/powerpoint/2012/main" autoCompressPictures="0" embedTrueTypeFonts="1" strictFirstAndLastChars="0" saveSubsetFonts="1">
+<p:presentation xmlns:a="http://schemas.openxmlformats.org/drawingml/2006/main" xmlns:r="http://schemas.openxmlformats.org/officeDocument/2006/relationships" xmlns:p="http://schemas.openxmlformats.org/presentationml/2006/main" strictFirstAndLastChars="0" embedTrueTypeFonts="1" autoCompressPictures="0">
   <p:sldMasterIdLst>
-    <p:sldMasterId id="2147483659" r:id="rId4"/>
+    <p:sldMasterId id="2147483659" r:id="rId1"/>
   </p:sldMasterIdLst>
   <p:notesMasterIdLst>
-    <p:notesMasterId r:id="rId5"/>
+    <p:notesMasterId r:id="rId13"/>
   </p:notesMasterIdLst>
   <p:sldIdLst>
-    <p:sldId id="256" r:id="rId6"/>
-    <p:sldId id="257" r:id="rId7"/>
-    <p:sldId id="258" r:id="rId8"/>
-    <p:sldId id="259" r:id="rId9"/>
-    <p:sldId id="260" r:id="rId10"/>
-    <p:sldId id="261" r:id="rId11"/>
-    <p:sldId id="262" r:id="rId12"/>
-    <p:sldId id="263" r:id="rId13"/>
-    <p:sldId id="264" r:id="rId14"/>
-    <p:sldId id="265" r:id="rId15"/>
-    <p:sldId id="266" r:id="rId16"/>
+    <p:sldId id="256" r:id="rId2"/>
+    <p:sldId id="257" r:id="rId3"/>
+    <p:sldId id="258" r:id="rId4"/>
+    <p:sldId id="259" r:id="rId5"/>
+    <p:sldId id="260" r:id="rId6"/>
+    <p:sldId id="261" r:id="rId7"/>
+    <p:sldId id="262" r:id="rId8"/>
+    <p:sldId id="263" r:id="rId9"/>
+    <p:sldId id="264" r:id="rId10"/>
+    <p:sldId id="265" r:id="rId11"/>
+    <p:sldId id="266" r:id="rId12"/>
   </p:sldIdLst>
-  <p:sldSz cy="5143500" cx="9144000"/>
+  <p:sldSz cx="9144000" cy="5143500" type="screen16x9"/>
   <p:notesSz cx="6858000" cy="9144000"/>
   <p:embeddedFontLst>
     <p:embeddedFont>
-      <p:font typeface="Raleway"/>
-      <p:regular r:id="rId17"/>
-      <p:bold r:id="rId18"/>
-      <p:italic r:id="rId19"/>
-      <p:boldItalic r:id="rId20"/>
+      <p:font typeface="Lato" panose="020F0502020204030203" pitchFamily="34" charset="77"/>
+      <p:regular r:id="rId14"/>
+      <p:bold r:id="rId15"/>
+      <p:italic r:id="rId16"/>
+      <p:boldItalic r:id="rId17"/>
     </p:embeddedFont>
     <p:embeddedFont>
-      <p:font typeface="Lato"/>
-      <p:regular r:id="rId21"/>
-      <p:bold r:id="rId22"/>
-      <p:italic r:id="rId23"/>
-      <p:boldItalic r:id="rId24"/>
+      <p:font typeface="Raleway" panose="020B0503030101060003" pitchFamily="34" charset="77"/>
+      <p:regular r:id="rId18"/>
+      <p:bold r:id="rId19"/>
+      <p:italic r:id="rId20"/>
+      <p:boldItalic r:id="rId21"/>
     </p:embeddedFont>
   </p:embeddedFontLst>
   <p:defaultTextStyle>
-    <a:defPPr lvl="0" marR="0" rtl="0" algn="l">
+    <a:defPPr marR="0" lvl="0" algn="l" rtl="0">
       <a:lnSpc>
         <a:spcPct val="100000"/>
       </a:lnSpc>
@@ -50,7 +50,7 @@
         <a:spcPts val="0"/>
       </a:spcAft>
     </a:defPPr>
-    <a:lvl1pPr lvl="0" marR="0" rtl="0" algn="l">
+    <a:lvl1pPr marR="0" lvl="0" algn="l" rtl="0">
       <a:lnSpc>
         <a:spcPct val="100000"/>
       </a:lnSpc>
@@ -64,7 +64,7 @@
         <a:srgbClr val="000000"/>
       </a:buClr>
       <a:buFont typeface="Arial"/>
-      <a:defRPr b="0" i="0" sz="1400" u="none" cap="none" strike="noStrike">
+      <a:defRPr sz="1400" b="0" i="0" u="none" strike="noStrike" cap="none">
         <a:solidFill>
           <a:srgbClr val="000000"/>
         </a:solidFill>
@@ -74,7 +74,7 @@
         <a:sym typeface="Arial"/>
       </a:defRPr>
     </a:lvl1pPr>
-    <a:lvl2pPr lvl="1" marR="0" rtl="0" algn="l">
+    <a:lvl2pPr marR="0" lvl="1" algn="l" rtl="0">
       <a:lnSpc>
         <a:spcPct val="100000"/>
       </a:lnSpc>
@@ -88,7 +88,7 @@
         <a:srgbClr val="000000"/>
       </a:buClr>
       <a:buFont typeface="Arial"/>
-      <a:defRPr b="0" i="0" sz="1400" u="none" cap="none" strike="noStrike">
+      <a:defRPr sz="1400" b="0" i="0" u="none" strike="noStrike" cap="none">
         <a:solidFill>
           <a:srgbClr val="000000"/>
         </a:solidFill>
@@ -98,7 +98,7 @@
         <a:sym typeface="Arial"/>
       </a:defRPr>
     </a:lvl2pPr>
-    <a:lvl3pPr lvl="2" marR="0" rtl="0" algn="l">
+    <a:lvl3pPr marR="0" lvl="2" algn="l" rtl="0">
       <a:lnSpc>
         <a:spcPct val="100000"/>
       </a:lnSpc>
@@ -112,7 +112,7 @@
         <a:srgbClr val="000000"/>
       </a:buClr>
       <a:buFont typeface="Arial"/>
-      <a:defRPr b="0" i="0" sz="1400" u="none" cap="none" strike="noStrike">
+      <a:defRPr sz="1400" b="0" i="0" u="none" strike="noStrike" cap="none">
         <a:solidFill>
           <a:srgbClr val="000000"/>
         </a:solidFill>
@@ -122,7 +122,7 @@
         <a:sym typeface="Arial"/>
       </a:defRPr>
     </a:lvl3pPr>
-    <a:lvl4pPr lvl="3" marR="0" rtl="0" algn="l">
+    <a:lvl4pPr marR="0" lvl="3" algn="l" rtl="0">
       <a:lnSpc>
         <a:spcPct val="100000"/>
       </a:lnSpc>
@@ -136,7 +136,7 @@
         <a:srgbClr val="000000"/>
       </a:buClr>
       <a:buFont typeface="Arial"/>
-      <a:defRPr b="0" i="0" sz="1400" u="none" cap="none" strike="noStrike">
+      <a:defRPr sz="1400" b="0" i="0" u="none" strike="noStrike" cap="none">
         <a:solidFill>
           <a:srgbClr val="000000"/>
         </a:solidFill>
@@ -146,7 +146,7 @@
         <a:sym typeface="Arial"/>
       </a:defRPr>
     </a:lvl4pPr>
-    <a:lvl5pPr lvl="4" marR="0" rtl="0" algn="l">
+    <a:lvl5pPr marR="0" lvl="4" algn="l" rtl="0">
       <a:lnSpc>
         <a:spcPct val="100000"/>
       </a:lnSpc>
@@ -160,7 +160,7 @@
         <a:srgbClr val="000000"/>
       </a:buClr>
       <a:buFont typeface="Arial"/>
-      <a:defRPr b="0" i="0" sz="1400" u="none" cap="none" strike="noStrike">
+      <a:defRPr sz="1400" b="0" i="0" u="none" strike="noStrike" cap="none">
         <a:solidFill>
           <a:srgbClr val="000000"/>
         </a:solidFill>
@@ -170,7 +170,7 @@
         <a:sym typeface="Arial"/>
       </a:defRPr>
     </a:lvl5pPr>
-    <a:lvl6pPr lvl="5" marR="0" rtl="0" algn="l">
+    <a:lvl6pPr marR="0" lvl="5" algn="l" rtl="0">
       <a:lnSpc>
         <a:spcPct val="100000"/>
       </a:lnSpc>
@@ -184,7 +184,7 @@
         <a:srgbClr val="000000"/>
       </a:buClr>
       <a:buFont typeface="Arial"/>
-      <a:defRPr b="0" i="0" sz="1400" u="none" cap="none" strike="noStrike">
+      <a:defRPr sz="1400" b="0" i="0" u="none" strike="noStrike" cap="none">
         <a:solidFill>
           <a:srgbClr val="000000"/>
         </a:solidFill>
@@ -194,7 +194,7 @@
         <a:sym typeface="Arial"/>
       </a:defRPr>
     </a:lvl6pPr>
-    <a:lvl7pPr lvl="6" marR="0" rtl="0" algn="l">
+    <a:lvl7pPr marR="0" lvl="6" algn="l" rtl="0">
       <a:lnSpc>
         <a:spcPct val="100000"/>
       </a:lnSpc>
@@ -208,7 +208,7 @@
         <a:srgbClr val="000000"/>
       </a:buClr>
       <a:buFont typeface="Arial"/>
-      <a:defRPr b="0" i="0" sz="1400" u="none" cap="none" strike="noStrike">
+      <a:defRPr sz="1400" b="0" i="0" u="none" strike="noStrike" cap="none">
         <a:solidFill>
           <a:srgbClr val="000000"/>
         </a:solidFill>
@@ -218,7 +218,7 @@
         <a:sym typeface="Arial"/>
       </a:defRPr>
     </a:lvl7pPr>
-    <a:lvl8pPr lvl="7" marR="0" rtl="0" algn="l">
+    <a:lvl8pPr marR="0" lvl="7" algn="l" rtl="0">
       <a:lnSpc>
         <a:spcPct val="100000"/>
       </a:lnSpc>
@@ -232,7 +232,7 @@
         <a:srgbClr val="000000"/>
       </a:buClr>
       <a:buFont typeface="Arial"/>
-      <a:defRPr b="0" i="0" sz="1400" u="none" cap="none" strike="noStrike">
+      <a:defRPr sz="1400" b="0" i="0" u="none" strike="noStrike" cap="none">
         <a:solidFill>
           <a:srgbClr val="000000"/>
         </a:solidFill>
@@ -242,7 +242,7 @@
         <a:sym typeface="Arial"/>
       </a:defRPr>
     </a:lvl8pPr>
-    <a:lvl9pPr lvl="8" marR="0" rtl="0" algn="l">
+    <a:lvl9pPr marR="0" lvl="8" algn="l" rtl="0">
       <a:lnSpc>
         <a:spcPct val="100000"/>
       </a:lnSpc>
@@ -256,7 +256,7 @@
         <a:srgbClr val="000000"/>
       </a:buClr>
       <a:buFont typeface="Arial"/>
-      <a:defRPr b="0" i="0" sz="1400" u="none" cap="none" strike="noStrike">
+      <a:defRPr sz="1400" b="0" i="0" u="none" strike="noStrike" cap="none">
         <a:solidFill>
           <a:srgbClr val="000000"/>
         </a:solidFill>
@@ -269,7 +269,7 @@
   </p:defaultTextStyle>
   <p:extLst>
     <p:ext uri="{EFAFB233-063F-42B5-8137-9DF3F51BA10A}">
-      <p15:sldGuideLst>
+      <p15:sldGuideLst xmlns:p15="http://schemas.microsoft.com/office/powerpoint/2012/main">
         <p15:guide id="1" orient="horz" pos="1620">
           <p15:clr>
             <a:srgbClr val="A4A3A4"/>
@@ -287,11 +287,16 @@
 </file>
 
 <file path=ppt/notesMasters/notesMaster1.xml><?xml version="1.0" encoding="utf-8"?>
-<p:notesMaster xmlns:a="http://schemas.openxmlformats.org/drawingml/2006/main" xmlns:r="http://schemas.openxmlformats.org/officeDocument/2006/relationships" xmlns:mc="http://schemas.openxmlformats.org/markup-compatibility/2006" xmlns:mv="urn:schemas-microsoft-com:mac:vml" xmlns:p="http://schemas.openxmlformats.org/presentationml/2006/main" xmlns:c="http://schemas.openxmlformats.org/drawingml/2006/chart" xmlns:dgm="http://schemas.openxmlformats.org/drawingml/2006/diagram" xmlns:o="urn:schemas-microsoft-com:office:office" xmlns:v="urn:schemas-microsoft-com:vml" xmlns:pvml="urn:schemas-microsoft-com:office:powerpoint" xmlns:com="http://schemas.openxmlformats.org/drawingml/2006/compatibility" xmlns:p14="http://schemas.microsoft.com/office/powerpoint/2010/main" xmlns:p15="http://schemas.microsoft.com/office/powerpoint/2012/main">
+<p:notesMaster xmlns:a="http://schemas.openxmlformats.org/drawingml/2006/main" xmlns:r="http://schemas.openxmlformats.org/officeDocument/2006/relationships" xmlns:p="http://schemas.openxmlformats.org/presentationml/2006/main">
   <p:cSld>
+    <p:bg>
+      <p:bgRef idx="1001">
+        <a:schemeClr val="bg1"/>
+      </p:bgRef>
+    </p:bg>
     <p:spTree>
       <p:nvGrpSpPr>
-        <p:cNvPr id="2" name="Shape 2"/>
+        <p:cNvPr id="1" name="Shape 2"/>
         <p:cNvGrpSpPr/>
         <p:nvPr/>
       </p:nvGrpSpPr>
@@ -306,9 +311,11 @@
       <p:sp>
         <p:nvSpPr>
           <p:cNvPr id="3" name="Google Shape;3;n"/>
-          <p:cNvSpPr/>
+          <p:cNvSpPr>
+            <a:spLocks noGrp="1" noRot="1" noChangeAspect="1"/>
+          </p:cNvSpPr>
           <p:nvPr>
-            <p:ph idx="2" type="sldImg"/>
+            <p:ph type="sldImg" idx="2"/>
           </p:nvPr>
         </p:nvSpPr>
         <p:spPr>
@@ -317,9 +324,13 @@
             <a:ext cx="6096075" cy="3429000"/>
           </a:xfrm>
           <a:custGeom>
-            <a:rect b="b" l="l" r="r" t="t"/>
+            <a:avLst/>
+            <a:gdLst/>
+            <a:ahLst/>
+            <a:cxnLst/>
+            <a:rect l="l" t="t" r="r" b="b"/>
             <a:pathLst>
-              <a:path extrusionOk="0" h="120000" w="120000">
+              <a:path w="120000" h="120000" extrusionOk="0">
                 <a:moveTo>
                   <a:pt x="0" y="0"/>
                 </a:moveTo>
@@ -337,23 +348,25 @@
             </a:pathLst>
           </a:custGeom>
           <a:noFill/>
-          <a:ln cap="flat" cmpd="sng" w="9525">
+          <a:ln w="9525" cap="flat" cmpd="sng">
             <a:solidFill>
               <a:srgbClr val="000000"/>
             </a:solidFill>
             <a:prstDash val="solid"/>
             <a:round/>
-            <a:headEnd len="sm" w="sm" type="none"/>
-            <a:tailEnd len="sm" w="sm" type="none"/>
+            <a:headEnd type="none" w="sm" len="sm"/>
+            <a:tailEnd type="none" w="sm" len="sm"/>
           </a:ln>
         </p:spPr>
       </p:sp>
       <p:sp>
         <p:nvSpPr>
           <p:cNvPr id="4" name="Google Shape;4;n"/>
-          <p:cNvSpPr txBox="1"/>
+          <p:cNvSpPr txBox="1">
+            <a:spLocks noGrp="1"/>
+          </p:cNvSpPr>
           <p:nvPr>
-            <p:ph idx="1" type="body"/>
+            <p:ph type="body" idx="1"/>
           </p:nvPr>
         </p:nvSpPr>
         <p:spPr>
@@ -370,9 +383,9 @@
           </a:ln>
         </p:spPr>
         <p:txBody>
-          <a:bodyPr anchorCtr="0" anchor="t" bIns="91425" lIns="91425" spcFirstLastPara="1" rIns="91425" wrap="square" tIns="91425"/>
+          <a:bodyPr spcFirstLastPara="1" wrap="square" lIns="91425" tIns="91425" rIns="91425" bIns="91425" anchor="t" anchorCtr="0"/>
           <a:lstStyle>
-            <a:lvl1pPr indent="-298450" lvl="0" marL="457200">
+            <a:lvl1pPr marL="457200" lvl="0" indent="-298450">
               <a:spcBef>
                 <a:spcPts val="0"/>
               </a:spcBef>
@@ -383,7 +396,7 @@
               <a:buChar char="●"/>
               <a:defRPr sz="1100"/>
             </a:lvl1pPr>
-            <a:lvl2pPr indent="-298450" lvl="1" marL="914400">
+            <a:lvl2pPr marL="914400" lvl="1" indent="-298450">
               <a:spcBef>
                 <a:spcPts val="0"/>
               </a:spcBef>
@@ -394,7 +407,7 @@
               <a:buChar char="○"/>
               <a:defRPr sz="1100"/>
             </a:lvl2pPr>
-            <a:lvl3pPr indent="-298450" lvl="2" marL="1371600">
+            <a:lvl3pPr marL="1371600" lvl="2" indent="-298450">
               <a:spcBef>
                 <a:spcPts val="0"/>
               </a:spcBef>
@@ -405,7 +418,7 @@
               <a:buChar char="■"/>
               <a:defRPr sz="1100"/>
             </a:lvl3pPr>
-            <a:lvl4pPr indent="-298450" lvl="3" marL="1828800">
+            <a:lvl4pPr marL="1828800" lvl="3" indent="-298450">
               <a:spcBef>
                 <a:spcPts val="0"/>
               </a:spcBef>
@@ -416,7 +429,7 @@
               <a:buChar char="●"/>
               <a:defRPr sz="1100"/>
             </a:lvl4pPr>
-            <a:lvl5pPr indent="-298450" lvl="4" marL="2286000">
+            <a:lvl5pPr marL="2286000" lvl="4" indent="-298450">
               <a:spcBef>
                 <a:spcPts val="0"/>
               </a:spcBef>
@@ -427,7 +440,7 @@
               <a:buChar char="○"/>
               <a:defRPr sz="1100"/>
             </a:lvl5pPr>
-            <a:lvl6pPr indent="-298450" lvl="5" marL="2743200">
+            <a:lvl6pPr marL="2743200" lvl="5" indent="-298450">
               <a:spcBef>
                 <a:spcPts val="0"/>
               </a:spcBef>
@@ -438,7 +451,7 @@
               <a:buChar char="■"/>
               <a:defRPr sz="1100"/>
             </a:lvl6pPr>
-            <a:lvl7pPr indent="-298450" lvl="6" marL="3200400">
+            <a:lvl7pPr marL="3200400" lvl="6" indent="-298450">
               <a:spcBef>
                 <a:spcPts val="0"/>
               </a:spcBef>
@@ -449,7 +462,7 @@
               <a:buChar char="●"/>
               <a:defRPr sz="1100"/>
             </a:lvl7pPr>
-            <a:lvl8pPr indent="-298450" lvl="7" marL="3657600">
+            <a:lvl8pPr marL="3657600" lvl="7" indent="-298450">
               <a:spcBef>
                 <a:spcPts val="0"/>
               </a:spcBef>
@@ -460,7 +473,7 @@
               <a:buChar char="○"/>
               <a:defRPr sz="1100"/>
             </a:lvl8pPr>
-            <a:lvl9pPr indent="-298450" lvl="8" marL="4114800">
+            <a:lvl9pPr marL="4114800" lvl="8" indent="-298450">
               <a:spcBef>
                 <a:spcPts val="0"/>
               </a:spcBef>
@@ -472,14 +485,16 @@
               <a:defRPr sz="1100"/>
             </a:lvl9pPr>
           </a:lstStyle>
-          <a:p/>
+          <a:p>
+            <a:endParaRPr/>
+          </a:p>
         </p:txBody>
       </p:sp>
     </p:spTree>
   </p:cSld>
-  <p:clrMap accent1="accent1" accent2="accent2" accent3="accent3" accent4="accent4" accent5="accent5" accent6="accent6" bg1="lt1" bg2="dk2" tx1="dk1" tx2="lt2" folHlink="folHlink" hlink="hlink"/>
+  <p:clrMap bg1="lt1" tx1="dk1" bg2="dk2" tx2="lt2" accent1="accent1" accent2="accent2" accent3="accent3" accent4="accent4" accent5="accent5" accent6="accent6" hlink="hlink" folHlink="folHlink"/>
   <p:notesStyle>
-    <a:defPPr lvl="0" marR="0" rtl="0" algn="l">
+    <a:defPPr marR="0" lvl="0" algn="l" rtl="0">
       <a:lnSpc>
         <a:spcPct val="100000"/>
       </a:lnSpc>
@@ -490,7 +505,7 @@
         <a:spcPts val="0"/>
       </a:spcAft>
     </a:defPPr>
-    <a:lvl1pPr lvl="0" marR="0" rtl="0" algn="l">
+    <a:lvl1pPr marR="0" lvl="0" algn="l" rtl="0">
       <a:lnSpc>
         <a:spcPct val="100000"/>
       </a:lnSpc>
@@ -504,7 +519,7 @@
         <a:srgbClr val="000000"/>
       </a:buClr>
       <a:buFont typeface="Arial"/>
-      <a:defRPr b="0" i="0" sz="1400" u="none" cap="none" strike="noStrike">
+      <a:defRPr sz="1400" b="0" i="0" u="none" strike="noStrike" cap="none">
         <a:solidFill>
           <a:srgbClr val="000000"/>
         </a:solidFill>
@@ -514,7 +529,7 @@
         <a:sym typeface="Arial"/>
       </a:defRPr>
     </a:lvl1pPr>
-    <a:lvl2pPr lvl="1" marR="0" rtl="0" algn="l">
+    <a:lvl2pPr marR="0" lvl="1" algn="l" rtl="0">
       <a:lnSpc>
         <a:spcPct val="100000"/>
       </a:lnSpc>
@@ -528,7 +543,7 @@
         <a:srgbClr val="000000"/>
       </a:buClr>
       <a:buFont typeface="Arial"/>
-      <a:defRPr b="0" i="0" sz="1400" u="none" cap="none" strike="noStrike">
+      <a:defRPr sz="1400" b="0" i="0" u="none" strike="noStrike" cap="none">
         <a:solidFill>
           <a:srgbClr val="000000"/>
         </a:solidFill>
@@ -538,7 +553,7 @@
         <a:sym typeface="Arial"/>
       </a:defRPr>
     </a:lvl2pPr>
-    <a:lvl3pPr lvl="2" marR="0" rtl="0" algn="l">
+    <a:lvl3pPr marR="0" lvl="2" algn="l" rtl="0">
       <a:lnSpc>
         <a:spcPct val="100000"/>
       </a:lnSpc>
@@ -552,7 +567,7 @@
         <a:srgbClr val="000000"/>
       </a:buClr>
       <a:buFont typeface="Arial"/>
-      <a:defRPr b="0" i="0" sz="1400" u="none" cap="none" strike="noStrike">
+      <a:defRPr sz="1400" b="0" i="0" u="none" strike="noStrike" cap="none">
         <a:solidFill>
           <a:srgbClr val="000000"/>
         </a:solidFill>
@@ -562,7 +577,7 @@
         <a:sym typeface="Arial"/>
       </a:defRPr>
     </a:lvl3pPr>
-    <a:lvl4pPr lvl="3" marR="0" rtl="0" algn="l">
+    <a:lvl4pPr marR="0" lvl="3" algn="l" rtl="0">
       <a:lnSpc>
         <a:spcPct val="100000"/>
       </a:lnSpc>
@@ -576,7 +591,7 @@
         <a:srgbClr val="000000"/>
       </a:buClr>
       <a:buFont typeface="Arial"/>
-      <a:defRPr b="0" i="0" sz="1400" u="none" cap="none" strike="noStrike">
+      <a:defRPr sz="1400" b="0" i="0" u="none" strike="noStrike" cap="none">
         <a:solidFill>
           <a:srgbClr val="000000"/>
         </a:solidFill>
@@ -586,7 +601,7 @@
         <a:sym typeface="Arial"/>
       </a:defRPr>
     </a:lvl4pPr>
-    <a:lvl5pPr lvl="4" marR="0" rtl="0" algn="l">
+    <a:lvl5pPr marR="0" lvl="4" algn="l" rtl="0">
       <a:lnSpc>
         <a:spcPct val="100000"/>
       </a:lnSpc>
@@ -600,7 +615,7 @@
         <a:srgbClr val="000000"/>
       </a:buClr>
       <a:buFont typeface="Arial"/>
-      <a:defRPr b="0" i="0" sz="1400" u="none" cap="none" strike="noStrike">
+      <a:defRPr sz="1400" b="0" i="0" u="none" strike="noStrike" cap="none">
         <a:solidFill>
           <a:srgbClr val="000000"/>
         </a:solidFill>
@@ -610,7 +625,7 @@
         <a:sym typeface="Arial"/>
       </a:defRPr>
     </a:lvl5pPr>
-    <a:lvl6pPr lvl="5" marR="0" rtl="0" algn="l">
+    <a:lvl6pPr marR="0" lvl="5" algn="l" rtl="0">
       <a:lnSpc>
         <a:spcPct val="100000"/>
       </a:lnSpc>
@@ -624,7 +639,7 @@
         <a:srgbClr val="000000"/>
       </a:buClr>
       <a:buFont typeface="Arial"/>
-      <a:defRPr b="0" i="0" sz="1400" u="none" cap="none" strike="noStrike">
+      <a:defRPr sz="1400" b="0" i="0" u="none" strike="noStrike" cap="none">
         <a:solidFill>
           <a:srgbClr val="000000"/>
         </a:solidFill>
@@ -634,7 +649,7 @@
         <a:sym typeface="Arial"/>
       </a:defRPr>
     </a:lvl6pPr>
-    <a:lvl7pPr lvl="6" marR="0" rtl="0" algn="l">
+    <a:lvl7pPr marR="0" lvl="6" algn="l" rtl="0">
       <a:lnSpc>
         <a:spcPct val="100000"/>
       </a:lnSpc>
@@ -648,7 +663,7 @@
         <a:srgbClr val="000000"/>
       </a:buClr>
       <a:buFont typeface="Arial"/>
-      <a:defRPr b="0" i="0" sz="1400" u="none" cap="none" strike="noStrike">
+      <a:defRPr sz="1400" b="0" i="0" u="none" strike="noStrike" cap="none">
         <a:solidFill>
           <a:srgbClr val="000000"/>
         </a:solidFill>
@@ -658,7 +673,7 @@
         <a:sym typeface="Arial"/>
       </a:defRPr>
     </a:lvl7pPr>
-    <a:lvl8pPr lvl="7" marR="0" rtl="0" algn="l">
+    <a:lvl8pPr marR="0" lvl="7" algn="l" rtl="0">
       <a:lnSpc>
         <a:spcPct val="100000"/>
       </a:lnSpc>
@@ -672,7 +687,7 @@
         <a:srgbClr val="000000"/>
       </a:buClr>
       <a:buFont typeface="Arial"/>
-      <a:defRPr b="0" i="0" sz="1400" u="none" cap="none" strike="noStrike">
+      <a:defRPr sz="1400" b="0" i="0" u="none" strike="noStrike" cap="none">
         <a:solidFill>
           <a:srgbClr val="000000"/>
         </a:solidFill>
@@ -682,7 +697,7 @@
         <a:sym typeface="Arial"/>
       </a:defRPr>
     </a:lvl8pPr>
-    <a:lvl9pPr lvl="8" marR="0" rtl="0" algn="l">
+    <a:lvl9pPr marR="0" lvl="8" algn="l" rtl="0">
       <a:lnSpc>
         <a:spcPct val="100000"/>
       </a:lnSpc>
@@ -696,7 +711,7 @@
         <a:srgbClr val="000000"/>
       </a:buClr>
       <a:buFont typeface="Arial"/>
-      <a:defRPr b="0" i="0" sz="1400" u="none" cap="none" strike="noStrike">
+      <a:defRPr sz="1400" b="0" i="0" u="none" strike="noStrike" cap="none">
         <a:solidFill>
           <a:srgbClr val="000000"/>
         </a:solidFill>
@@ -711,11 +726,11 @@
 </file>
 
 <file path=ppt/notesSlides/notesSlide1.xml><?xml version="1.0" encoding="utf-8"?>
-<p:notes xmlns:a="http://schemas.openxmlformats.org/drawingml/2006/main" xmlns:r="http://schemas.openxmlformats.org/officeDocument/2006/relationships" xmlns:mc="http://schemas.openxmlformats.org/markup-compatibility/2006" xmlns:mv="urn:schemas-microsoft-com:mac:vml" xmlns:p="http://schemas.openxmlformats.org/presentationml/2006/main" xmlns:c="http://schemas.openxmlformats.org/drawingml/2006/chart" xmlns:dgm="http://schemas.openxmlformats.org/drawingml/2006/diagram" xmlns:o="urn:schemas-microsoft-com:office:office" xmlns:v="urn:schemas-microsoft-com:vml" xmlns:pvml="urn:schemas-microsoft-com:office:powerpoint" xmlns:com="http://schemas.openxmlformats.org/drawingml/2006/compatibility" xmlns:p14="http://schemas.microsoft.com/office/powerpoint/2010/main" xmlns:p15="http://schemas.microsoft.com/office/powerpoint/2012/main" showMasterPhAnim="0" showMasterSp="0">
+<p:notes xmlns:a="http://schemas.openxmlformats.org/drawingml/2006/main" xmlns:r="http://schemas.openxmlformats.org/officeDocument/2006/relationships" xmlns:p="http://schemas.openxmlformats.org/presentationml/2006/main" showMasterSp="0" showMasterPhAnim="0">
   <p:cSld>
     <p:spTree>
       <p:nvGrpSpPr>
-        <p:cNvPr id="82" name="Shape 82"/>
+        <p:cNvPr id="1" name="Shape 82"/>
         <p:cNvGrpSpPr/>
         <p:nvPr/>
       </p:nvGrpSpPr>
@@ -730,20 +745,26 @@
       <p:sp>
         <p:nvSpPr>
           <p:cNvPr id="83" name="Google Shape;83;p:notes"/>
-          <p:cNvSpPr/>
+          <p:cNvSpPr>
+            <a:spLocks noGrp="1" noRot="1" noChangeAspect="1"/>
+          </p:cNvSpPr>
           <p:nvPr>
-            <p:ph idx="2" type="sldImg"/>
+            <p:ph type="sldImg" idx="2"/>
           </p:nvPr>
         </p:nvSpPr>
         <p:spPr>
           <a:xfrm>
-            <a:off x="381300" y="685800"/>
-            <a:ext cx="6096075" cy="3429000"/>
+            <a:off x="381000" y="685800"/>
+            <a:ext cx="6096000" cy="3429000"/>
           </a:xfrm>
           <a:custGeom>
-            <a:rect b="b" l="l" r="r" t="t"/>
+            <a:avLst/>
+            <a:gdLst/>
+            <a:ahLst/>
+            <a:cxnLst/>
+            <a:rect l="l" t="t" r="r" b="b"/>
             <a:pathLst>
-              <a:path extrusionOk="0" h="120000" w="120000">
+              <a:path w="120000" h="120000" extrusionOk="0">
                 <a:moveTo>
                   <a:pt x="0" y="0"/>
                 </a:moveTo>
@@ -765,9 +786,11 @@
       <p:sp>
         <p:nvSpPr>
           <p:cNvPr id="84" name="Google Shape;84;p:notes"/>
-          <p:cNvSpPr txBox="1"/>
+          <p:cNvSpPr txBox="1">
+            <a:spLocks noGrp="1"/>
+          </p:cNvSpPr>
           <p:nvPr>
-            <p:ph idx="1" type="body"/>
+            <p:ph type="body" idx="1"/>
           </p:nvPr>
         </p:nvSpPr>
         <p:spPr>
@@ -780,12 +803,12 @@
           </a:prstGeom>
         </p:spPr>
         <p:txBody>
-          <a:bodyPr anchorCtr="0" anchor="t" bIns="91425" lIns="91425" spcFirstLastPara="1" rIns="91425" wrap="square" tIns="91425">
+          <a:bodyPr spcFirstLastPara="1" wrap="square" lIns="91425" tIns="91425" rIns="91425" bIns="91425" anchor="t" anchorCtr="0">
             <a:noAutofit/>
           </a:bodyPr>
           <a:lstStyle/>
           <a:p>
-            <a:pPr indent="0" lvl="0" marL="0" rtl="0" algn="l">
+            <a:pPr marL="0" lvl="0" indent="0" algn="l" rtl="0">
               <a:spcBef>
                 <a:spcPts val="0"/>
               </a:spcBef>
@@ -794,9 +817,6 @@
               </a:spcAft>
               <a:buNone/>
             </a:pPr>
-            <a:r>
-              <a:t/>
-            </a:r>
             <a:endParaRPr/>
           </a:p>
         </p:txBody>
@@ -810,11 +830,11 @@
 </file>
 
 <file path=ppt/notesSlides/notesSlide10.xml><?xml version="1.0" encoding="utf-8"?>
-<p:notes xmlns:a="http://schemas.openxmlformats.org/drawingml/2006/main" xmlns:r="http://schemas.openxmlformats.org/officeDocument/2006/relationships" xmlns:mc="http://schemas.openxmlformats.org/markup-compatibility/2006" xmlns:mv="urn:schemas-microsoft-com:mac:vml" xmlns:p="http://schemas.openxmlformats.org/presentationml/2006/main" xmlns:c="http://schemas.openxmlformats.org/drawingml/2006/chart" xmlns:dgm="http://schemas.openxmlformats.org/drawingml/2006/diagram" xmlns:o="urn:schemas-microsoft-com:office:office" xmlns:v="urn:schemas-microsoft-com:vml" xmlns:pvml="urn:schemas-microsoft-com:office:powerpoint" xmlns:com="http://schemas.openxmlformats.org/drawingml/2006/compatibility" xmlns:p14="http://schemas.microsoft.com/office/powerpoint/2010/main" xmlns:p15="http://schemas.microsoft.com/office/powerpoint/2012/main" showMasterPhAnim="0" showMasterSp="0">
+<p:notes xmlns:a="http://schemas.openxmlformats.org/drawingml/2006/main" xmlns:r="http://schemas.openxmlformats.org/officeDocument/2006/relationships" xmlns:p="http://schemas.openxmlformats.org/presentationml/2006/main" showMasterSp="0" showMasterPhAnim="0">
   <p:cSld>
     <p:spTree>
       <p:nvGrpSpPr>
-        <p:cNvPr id="135" name="Shape 135"/>
+        <p:cNvPr id="1" name="Shape 135"/>
         <p:cNvGrpSpPr/>
         <p:nvPr/>
       </p:nvGrpSpPr>
@@ -829,9 +849,11 @@
       <p:sp>
         <p:nvSpPr>
           <p:cNvPr id="136" name="Google Shape;136;g5510d5380c_1_40:notes"/>
-          <p:cNvSpPr/>
+          <p:cNvSpPr>
+            <a:spLocks noGrp="1" noRot="1" noChangeAspect="1"/>
+          </p:cNvSpPr>
           <p:nvPr>
-            <p:ph idx="2" type="sldImg"/>
+            <p:ph type="sldImg" idx="2"/>
           </p:nvPr>
         </p:nvSpPr>
         <p:spPr>
@@ -840,9 +862,13 @@
             <a:ext cx="6096000" cy="3429000"/>
           </a:xfrm>
           <a:custGeom>
-            <a:rect b="b" l="l" r="r" t="t"/>
+            <a:avLst/>
+            <a:gdLst/>
+            <a:ahLst/>
+            <a:cxnLst/>
+            <a:rect l="l" t="t" r="r" b="b"/>
             <a:pathLst>
-              <a:path extrusionOk="0" h="120000" w="120000">
+              <a:path w="120000" h="120000" extrusionOk="0">
                 <a:moveTo>
                   <a:pt x="0" y="0"/>
                 </a:moveTo>
@@ -864,9 +890,11 @@
       <p:sp>
         <p:nvSpPr>
           <p:cNvPr id="137" name="Google Shape;137;g5510d5380c_1_40:notes"/>
-          <p:cNvSpPr txBox="1"/>
+          <p:cNvSpPr txBox="1">
+            <a:spLocks noGrp="1"/>
+          </p:cNvSpPr>
           <p:nvPr>
-            <p:ph idx="1" type="body"/>
+            <p:ph type="body" idx="1"/>
           </p:nvPr>
         </p:nvSpPr>
         <p:spPr>
@@ -879,12 +907,12 @@
           </a:prstGeom>
         </p:spPr>
         <p:txBody>
-          <a:bodyPr anchorCtr="0" anchor="t" bIns="91425" lIns="91425" spcFirstLastPara="1" rIns="91425" wrap="square" tIns="91425">
+          <a:bodyPr spcFirstLastPara="1" wrap="square" lIns="91425" tIns="91425" rIns="91425" bIns="91425" anchor="t" anchorCtr="0">
             <a:noAutofit/>
           </a:bodyPr>
           <a:lstStyle/>
           <a:p>
-            <a:pPr indent="0" lvl="0" marL="0" rtl="0" algn="l">
+            <a:pPr marL="0" lvl="0" indent="0" algn="l" rtl="0">
               <a:spcBef>
                 <a:spcPts val="0"/>
               </a:spcBef>
@@ -893,9 +921,6 @@
               </a:spcAft>
               <a:buNone/>
             </a:pPr>
-            <a:r>
-              <a:t/>
-            </a:r>
             <a:endParaRPr/>
           </a:p>
         </p:txBody>
@@ -909,11 +934,11 @@
 </file>
 
 <file path=ppt/notesSlides/notesSlide11.xml><?xml version="1.0" encoding="utf-8"?>
-<p:notes xmlns:a="http://schemas.openxmlformats.org/drawingml/2006/main" xmlns:r="http://schemas.openxmlformats.org/officeDocument/2006/relationships" xmlns:mc="http://schemas.openxmlformats.org/markup-compatibility/2006" xmlns:mv="urn:schemas-microsoft-com:mac:vml" xmlns:p="http://schemas.openxmlformats.org/presentationml/2006/main" xmlns:c="http://schemas.openxmlformats.org/drawingml/2006/chart" xmlns:dgm="http://schemas.openxmlformats.org/drawingml/2006/diagram" xmlns:o="urn:schemas-microsoft-com:office:office" xmlns:v="urn:schemas-microsoft-com:vml" xmlns:pvml="urn:schemas-microsoft-com:office:powerpoint" xmlns:com="http://schemas.openxmlformats.org/drawingml/2006/compatibility" xmlns:p14="http://schemas.microsoft.com/office/powerpoint/2010/main" xmlns:p15="http://schemas.microsoft.com/office/powerpoint/2012/main" showMasterPhAnim="0" showMasterSp="0">
+<p:notes xmlns:a="http://schemas.openxmlformats.org/drawingml/2006/main" xmlns:r="http://schemas.openxmlformats.org/officeDocument/2006/relationships" xmlns:p="http://schemas.openxmlformats.org/presentationml/2006/main" showMasterSp="0" showMasterPhAnim="0">
   <p:cSld>
     <p:spTree>
       <p:nvGrpSpPr>
-        <p:cNvPr id="141" name="Shape 141"/>
+        <p:cNvPr id="1" name="Shape 141"/>
         <p:cNvGrpSpPr/>
         <p:nvPr/>
       </p:nvGrpSpPr>
@@ -928,9 +953,11 @@
       <p:sp>
         <p:nvSpPr>
           <p:cNvPr id="142" name="Google Shape;142;g5510d5380c_1_48:notes"/>
-          <p:cNvSpPr/>
+          <p:cNvSpPr>
+            <a:spLocks noGrp="1" noRot="1" noChangeAspect="1"/>
+          </p:cNvSpPr>
           <p:nvPr>
-            <p:ph idx="2" type="sldImg"/>
+            <p:ph type="sldImg" idx="2"/>
           </p:nvPr>
         </p:nvSpPr>
         <p:spPr>
@@ -939,9 +966,13 @@
             <a:ext cx="6096000" cy="3429000"/>
           </a:xfrm>
           <a:custGeom>
-            <a:rect b="b" l="l" r="r" t="t"/>
+            <a:avLst/>
+            <a:gdLst/>
+            <a:ahLst/>
+            <a:cxnLst/>
+            <a:rect l="l" t="t" r="r" b="b"/>
             <a:pathLst>
-              <a:path extrusionOk="0" h="120000" w="120000">
+              <a:path w="120000" h="120000" extrusionOk="0">
                 <a:moveTo>
                   <a:pt x="0" y="0"/>
                 </a:moveTo>
@@ -963,9 +994,11 @@
       <p:sp>
         <p:nvSpPr>
           <p:cNvPr id="143" name="Google Shape;143;g5510d5380c_1_48:notes"/>
-          <p:cNvSpPr txBox="1"/>
+          <p:cNvSpPr txBox="1">
+            <a:spLocks noGrp="1"/>
+          </p:cNvSpPr>
           <p:nvPr>
-            <p:ph idx="1" type="body"/>
+            <p:ph type="body" idx="1"/>
           </p:nvPr>
         </p:nvSpPr>
         <p:spPr>
@@ -978,12 +1011,12 @@
           </a:prstGeom>
         </p:spPr>
         <p:txBody>
-          <a:bodyPr anchorCtr="0" anchor="t" bIns="91425" lIns="91425" spcFirstLastPara="1" rIns="91425" wrap="square" tIns="91425">
+          <a:bodyPr spcFirstLastPara="1" wrap="square" lIns="91425" tIns="91425" rIns="91425" bIns="91425" anchor="t" anchorCtr="0">
             <a:noAutofit/>
           </a:bodyPr>
           <a:lstStyle/>
           <a:p>
-            <a:pPr indent="0" lvl="0" marL="0" rtl="0" algn="l">
+            <a:pPr marL="0" lvl="0" indent="0" algn="l" rtl="0">
               <a:spcBef>
                 <a:spcPts val="0"/>
               </a:spcBef>
@@ -992,9 +1025,6 @@
               </a:spcAft>
               <a:buNone/>
             </a:pPr>
-            <a:r>
-              <a:t/>
-            </a:r>
             <a:endParaRPr/>
           </a:p>
         </p:txBody>
@@ -1008,11 +1038,11 @@
 </file>
 
 <file path=ppt/notesSlides/notesSlide2.xml><?xml version="1.0" encoding="utf-8"?>
-<p:notes xmlns:a="http://schemas.openxmlformats.org/drawingml/2006/main" xmlns:r="http://schemas.openxmlformats.org/officeDocument/2006/relationships" xmlns:mc="http://schemas.openxmlformats.org/markup-compatibility/2006" xmlns:mv="urn:schemas-microsoft-com:mac:vml" xmlns:p="http://schemas.openxmlformats.org/presentationml/2006/main" xmlns:c="http://schemas.openxmlformats.org/drawingml/2006/chart" xmlns:dgm="http://schemas.openxmlformats.org/drawingml/2006/diagram" xmlns:o="urn:schemas-microsoft-com:office:office" xmlns:v="urn:schemas-microsoft-com:vml" xmlns:pvml="urn:schemas-microsoft-com:office:powerpoint" xmlns:com="http://schemas.openxmlformats.org/drawingml/2006/compatibility" xmlns:p14="http://schemas.microsoft.com/office/powerpoint/2010/main" xmlns:p15="http://schemas.microsoft.com/office/powerpoint/2012/main" showMasterPhAnim="0" showMasterSp="0">
+<p:notes xmlns:a="http://schemas.openxmlformats.org/drawingml/2006/main" xmlns:r="http://schemas.openxmlformats.org/officeDocument/2006/relationships" xmlns:p="http://schemas.openxmlformats.org/presentationml/2006/main" showMasterSp="0" showMasterPhAnim="0">
   <p:cSld>
     <p:spTree>
       <p:nvGrpSpPr>
-        <p:cNvPr id="87" name="Shape 87"/>
+        <p:cNvPr id="1" name="Shape 87"/>
         <p:cNvGrpSpPr/>
         <p:nvPr/>
       </p:nvGrpSpPr>
@@ -1027,9 +1057,11 @@
       <p:sp>
         <p:nvSpPr>
           <p:cNvPr id="88" name="Google Shape;88;g5510d5380c_0_0:notes"/>
-          <p:cNvSpPr/>
+          <p:cNvSpPr>
+            <a:spLocks noGrp="1" noRot="1" noChangeAspect="1"/>
+          </p:cNvSpPr>
           <p:nvPr>
-            <p:ph idx="2" type="sldImg"/>
+            <p:ph type="sldImg" idx="2"/>
           </p:nvPr>
         </p:nvSpPr>
         <p:spPr>
@@ -1038,9 +1070,13 @@
             <a:ext cx="6096000" cy="3429000"/>
           </a:xfrm>
           <a:custGeom>
-            <a:rect b="b" l="l" r="r" t="t"/>
+            <a:avLst/>
+            <a:gdLst/>
+            <a:ahLst/>
+            <a:cxnLst/>
+            <a:rect l="l" t="t" r="r" b="b"/>
             <a:pathLst>
-              <a:path extrusionOk="0" h="120000" w="120000">
+              <a:path w="120000" h="120000" extrusionOk="0">
                 <a:moveTo>
                   <a:pt x="0" y="0"/>
                 </a:moveTo>
@@ -1062,9 +1098,11 @@
       <p:sp>
         <p:nvSpPr>
           <p:cNvPr id="89" name="Google Shape;89;g5510d5380c_0_0:notes"/>
-          <p:cNvSpPr txBox="1"/>
+          <p:cNvSpPr txBox="1">
+            <a:spLocks noGrp="1"/>
+          </p:cNvSpPr>
           <p:nvPr>
-            <p:ph idx="1" type="body"/>
+            <p:ph type="body" idx="1"/>
           </p:nvPr>
         </p:nvSpPr>
         <p:spPr>
@@ -1077,12 +1115,12 @@
           </a:prstGeom>
         </p:spPr>
         <p:txBody>
-          <a:bodyPr anchorCtr="0" anchor="t" bIns="91425" lIns="91425" spcFirstLastPara="1" rIns="91425" wrap="square" tIns="91425">
+          <a:bodyPr spcFirstLastPara="1" wrap="square" lIns="91425" tIns="91425" rIns="91425" bIns="91425" anchor="t" anchorCtr="0">
             <a:noAutofit/>
           </a:bodyPr>
           <a:lstStyle/>
           <a:p>
-            <a:pPr indent="0" lvl="0" marL="0" rtl="0" algn="l">
+            <a:pPr marL="0" lvl="0" indent="0" algn="l" rtl="0">
               <a:spcBef>
                 <a:spcPts val="0"/>
               </a:spcBef>
@@ -1091,9 +1129,6 @@
               </a:spcAft>
               <a:buNone/>
             </a:pPr>
-            <a:r>
-              <a:t/>
-            </a:r>
             <a:endParaRPr/>
           </a:p>
         </p:txBody>
@@ -1107,11 +1142,11 @@
 </file>
 
 <file path=ppt/notesSlides/notesSlide3.xml><?xml version="1.0" encoding="utf-8"?>
-<p:notes xmlns:a="http://schemas.openxmlformats.org/drawingml/2006/main" xmlns:r="http://schemas.openxmlformats.org/officeDocument/2006/relationships" xmlns:mc="http://schemas.openxmlformats.org/markup-compatibility/2006" xmlns:mv="urn:schemas-microsoft-com:mac:vml" xmlns:p="http://schemas.openxmlformats.org/presentationml/2006/main" xmlns:c="http://schemas.openxmlformats.org/drawingml/2006/chart" xmlns:dgm="http://schemas.openxmlformats.org/drawingml/2006/diagram" xmlns:o="urn:schemas-microsoft-com:office:office" xmlns:v="urn:schemas-microsoft-com:vml" xmlns:pvml="urn:schemas-microsoft-com:office:powerpoint" xmlns:com="http://schemas.openxmlformats.org/drawingml/2006/compatibility" xmlns:p14="http://schemas.microsoft.com/office/powerpoint/2010/main" xmlns:p15="http://schemas.microsoft.com/office/powerpoint/2012/main" showMasterPhAnim="0" showMasterSp="0">
+<p:notes xmlns:a="http://schemas.openxmlformats.org/drawingml/2006/main" xmlns:r="http://schemas.openxmlformats.org/officeDocument/2006/relationships" xmlns:p="http://schemas.openxmlformats.org/presentationml/2006/main" showMasterSp="0" showMasterPhAnim="0">
   <p:cSld>
     <p:spTree>
       <p:nvGrpSpPr>
-        <p:cNvPr id="93" name="Shape 93"/>
+        <p:cNvPr id="1" name="Shape 93"/>
         <p:cNvGrpSpPr/>
         <p:nvPr/>
       </p:nvGrpSpPr>
@@ -1126,9 +1161,11 @@
       <p:sp>
         <p:nvSpPr>
           <p:cNvPr id="94" name="Google Shape;94;g5510d5380c_1_5:notes"/>
-          <p:cNvSpPr/>
+          <p:cNvSpPr>
+            <a:spLocks noGrp="1" noRot="1" noChangeAspect="1"/>
+          </p:cNvSpPr>
           <p:nvPr>
-            <p:ph idx="2" type="sldImg"/>
+            <p:ph type="sldImg" idx="2"/>
           </p:nvPr>
         </p:nvSpPr>
         <p:spPr>
@@ -1137,9 +1174,13 @@
             <a:ext cx="6096000" cy="3429000"/>
           </a:xfrm>
           <a:custGeom>
-            <a:rect b="b" l="l" r="r" t="t"/>
+            <a:avLst/>
+            <a:gdLst/>
+            <a:ahLst/>
+            <a:cxnLst/>
+            <a:rect l="l" t="t" r="r" b="b"/>
             <a:pathLst>
-              <a:path extrusionOk="0" h="120000" w="120000">
+              <a:path w="120000" h="120000" extrusionOk="0">
                 <a:moveTo>
                   <a:pt x="0" y="0"/>
                 </a:moveTo>
@@ -1161,9 +1202,11 @@
       <p:sp>
         <p:nvSpPr>
           <p:cNvPr id="95" name="Google Shape;95;g5510d5380c_1_5:notes"/>
-          <p:cNvSpPr txBox="1"/>
+          <p:cNvSpPr txBox="1">
+            <a:spLocks noGrp="1"/>
+          </p:cNvSpPr>
           <p:nvPr>
-            <p:ph idx="1" type="body"/>
+            <p:ph type="body" idx="1"/>
           </p:nvPr>
         </p:nvSpPr>
         <p:spPr>
@@ -1176,12 +1219,12 @@
           </a:prstGeom>
         </p:spPr>
         <p:txBody>
-          <a:bodyPr anchorCtr="0" anchor="t" bIns="91425" lIns="91425" spcFirstLastPara="1" rIns="91425" wrap="square" tIns="91425">
+          <a:bodyPr spcFirstLastPara="1" wrap="square" lIns="91425" tIns="91425" rIns="91425" bIns="91425" anchor="t" anchorCtr="0">
             <a:noAutofit/>
           </a:bodyPr>
           <a:lstStyle/>
           <a:p>
-            <a:pPr indent="0" lvl="0" marL="0" rtl="0" algn="l">
+            <a:pPr marL="0" lvl="0" indent="0" algn="l" rtl="0">
               <a:spcBef>
                 <a:spcPts val="0"/>
               </a:spcBef>
@@ -1190,9 +1233,6 @@
               </a:spcAft>
               <a:buNone/>
             </a:pPr>
-            <a:r>
-              <a:t/>
-            </a:r>
             <a:endParaRPr/>
           </a:p>
         </p:txBody>
@@ -1206,11 +1246,11 @@
 </file>
 
 <file path=ppt/notesSlides/notesSlide4.xml><?xml version="1.0" encoding="utf-8"?>
-<p:notes xmlns:a="http://schemas.openxmlformats.org/drawingml/2006/main" xmlns:r="http://schemas.openxmlformats.org/officeDocument/2006/relationships" xmlns:mc="http://schemas.openxmlformats.org/markup-compatibility/2006" xmlns:mv="urn:schemas-microsoft-com:mac:vml" xmlns:p="http://schemas.openxmlformats.org/presentationml/2006/main" xmlns:c="http://schemas.openxmlformats.org/drawingml/2006/chart" xmlns:dgm="http://schemas.openxmlformats.org/drawingml/2006/diagram" xmlns:o="urn:schemas-microsoft-com:office:office" xmlns:v="urn:schemas-microsoft-com:vml" xmlns:pvml="urn:schemas-microsoft-com:office:powerpoint" xmlns:com="http://schemas.openxmlformats.org/drawingml/2006/compatibility" xmlns:p14="http://schemas.microsoft.com/office/powerpoint/2010/main" xmlns:p15="http://schemas.microsoft.com/office/powerpoint/2012/main" showMasterPhAnim="0" showMasterSp="0">
+<p:notes xmlns:a="http://schemas.openxmlformats.org/drawingml/2006/main" xmlns:r="http://schemas.openxmlformats.org/officeDocument/2006/relationships" xmlns:p="http://schemas.openxmlformats.org/presentationml/2006/main" showMasterSp="0" showMasterPhAnim="0">
   <p:cSld>
     <p:spTree>
       <p:nvGrpSpPr>
-        <p:cNvPr id="99" name="Shape 99"/>
+        <p:cNvPr id="1" name="Shape 99"/>
         <p:cNvGrpSpPr/>
         <p:nvPr/>
       </p:nvGrpSpPr>
@@ -1225,9 +1265,11 @@
       <p:sp>
         <p:nvSpPr>
           <p:cNvPr id="100" name="Google Shape;100;g54687ab977_0_77:notes"/>
-          <p:cNvSpPr/>
+          <p:cNvSpPr>
+            <a:spLocks noGrp="1" noRot="1" noChangeAspect="1"/>
+          </p:cNvSpPr>
           <p:nvPr>
-            <p:ph idx="2" type="sldImg"/>
+            <p:ph type="sldImg" idx="2"/>
           </p:nvPr>
         </p:nvSpPr>
         <p:spPr>
@@ -1236,9 +1278,13 @@
             <a:ext cx="6096000" cy="3429000"/>
           </a:xfrm>
           <a:custGeom>
-            <a:rect b="b" l="l" r="r" t="t"/>
+            <a:avLst/>
+            <a:gdLst/>
+            <a:ahLst/>
+            <a:cxnLst/>
+            <a:rect l="l" t="t" r="r" b="b"/>
             <a:pathLst>
-              <a:path extrusionOk="0" h="120000" w="120000">
+              <a:path w="120000" h="120000" extrusionOk="0">
                 <a:moveTo>
                   <a:pt x="0" y="0"/>
                 </a:moveTo>
@@ -1260,9 +1306,11 @@
       <p:sp>
         <p:nvSpPr>
           <p:cNvPr id="101" name="Google Shape;101;g54687ab977_0_77:notes"/>
-          <p:cNvSpPr txBox="1"/>
+          <p:cNvSpPr txBox="1">
+            <a:spLocks noGrp="1"/>
+          </p:cNvSpPr>
           <p:nvPr>
-            <p:ph idx="1" type="body"/>
+            <p:ph type="body" idx="1"/>
           </p:nvPr>
         </p:nvSpPr>
         <p:spPr>
@@ -1275,12 +1323,12 @@
           </a:prstGeom>
         </p:spPr>
         <p:txBody>
-          <a:bodyPr anchorCtr="0" anchor="t" bIns="91425" lIns="91425" spcFirstLastPara="1" rIns="91425" wrap="square" tIns="91425">
+          <a:bodyPr spcFirstLastPara="1" wrap="square" lIns="91425" tIns="91425" rIns="91425" bIns="91425" anchor="t" anchorCtr="0">
             <a:noAutofit/>
           </a:bodyPr>
           <a:lstStyle/>
           <a:p>
-            <a:pPr indent="0" lvl="0" marL="0" rtl="0" algn="l">
+            <a:pPr marL="0" lvl="0" indent="0" algn="l" rtl="0">
               <a:spcBef>
                 <a:spcPts val="0"/>
               </a:spcBef>
@@ -1289,9 +1337,6 @@
               </a:spcAft>
               <a:buNone/>
             </a:pPr>
-            <a:r>
-              <a:t/>
-            </a:r>
             <a:endParaRPr/>
           </a:p>
         </p:txBody>
@@ -1305,11 +1350,11 @@
 </file>
 
 <file path=ppt/notesSlides/notesSlide5.xml><?xml version="1.0" encoding="utf-8"?>
-<p:notes xmlns:a="http://schemas.openxmlformats.org/drawingml/2006/main" xmlns:r="http://schemas.openxmlformats.org/officeDocument/2006/relationships" xmlns:mc="http://schemas.openxmlformats.org/markup-compatibility/2006" xmlns:mv="urn:schemas-microsoft-com:mac:vml" xmlns:p="http://schemas.openxmlformats.org/presentationml/2006/main" xmlns:c="http://schemas.openxmlformats.org/drawingml/2006/chart" xmlns:dgm="http://schemas.openxmlformats.org/drawingml/2006/diagram" xmlns:o="urn:schemas-microsoft-com:office:office" xmlns:v="urn:schemas-microsoft-com:vml" xmlns:pvml="urn:schemas-microsoft-com:office:powerpoint" xmlns:com="http://schemas.openxmlformats.org/drawingml/2006/compatibility" xmlns:p14="http://schemas.microsoft.com/office/powerpoint/2010/main" xmlns:p15="http://schemas.microsoft.com/office/powerpoint/2012/main" showMasterPhAnim="0" showMasterSp="0">
+<p:notes xmlns:a="http://schemas.openxmlformats.org/drawingml/2006/main" xmlns:r="http://schemas.openxmlformats.org/officeDocument/2006/relationships" xmlns:p="http://schemas.openxmlformats.org/presentationml/2006/main" showMasterSp="0" showMasterPhAnim="0">
   <p:cSld>
     <p:spTree>
       <p:nvGrpSpPr>
-        <p:cNvPr id="105" name="Shape 105"/>
+        <p:cNvPr id="1" name="Shape 105"/>
         <p:cNvGrpSpPr/>
         <p:nvPr/>
       </p:nvGrpSpPr>
@@ -1324,9 +1369,11 @@
       <p:sp>
         <p:nvSpPr>
           <p:cNvPr id="106" name="Google Shape;106;g5510d5380c_1_10:notes"/>
-          <p:cNvSpPr/>
+          <p:cNvSpPr>
+            <a:spLocks noGrp="1" noRot="1" noChangeAspect="1"/>
+          </p:cNvSpPr>
           <p:nvPr>
-            <p:ph idx="2" type="sldImg"/>
+            <p:ph type="sldImg" idx="2"/>
           </p:nvPr>
         </p:nvSpPr>
         <p:spPr>
@@ -1335,9 +1382,13 @@
             <a:ext cx="6096000" cy="3429000"/>
           </a:xfrm>
           <a:custGeom>
-            <a:rect b="b" l="l" r="r" t="t"/>
+            <a:avLst/>
+            <a:gdLst/>
+            <a:ahLst/>
+            <a:cxnLst/>
+            <a:rect l="l" t="t" r="r" b="b"/>
             <a:pathLst>
-              <a:path extrusionOk="0" h="120000" w="120000">
+              <a:path w="120000" h="120000" extrusionOk="0">
                 <a:moveTo>
                   <a:pt x="0" y="0"/>
                 </a:moveTo>
@@ -1359,9 +1410,11 @@
       <p:sp>
         <p:nvSpPr>
           <p:cNvPr id="107" name="Google Shape;107;g5510d5380c_1_10:notes"/>
-          <p:cNvSpPr txBox="1"/>
+          <p:cNvSpPr txBox="1">
+            <a:spLocks noGrp="1"/>
+          </p:cNvSpPr>
           <p:nvPr>
-            <p:ph idx="1" type="body"/>
+            <p:ph type="body" idx="1"/>
           </p:nvPr>
         </p:nvSpPr>
         <p:spPr>
@@ -1374,12 +1427,12 @@
           </a:prstGeom>
         </p:spPr>
         <p:txBody>
-          <a:bodyPr anchorCtr="0" anchor="t" bIns="91425" lIns="91425" spcFirstLastPara="1" rIns="91425" wrap="square" tIns="91425">
+          <a:bodyPr spcFirstLastPara="1" wrap="square" lIns="91425" tIns="91425" rIns="91425" bIns="91425" anchor="t" anchorCtr="0">
             <a:noAutofit/>
           </a:bodyPr>
           <a:lstStyle/>
           <a:p>
-            <a:pPr indent="0" lvl="0" marL="0" rtl="0" algn="l">
+            <a:pPr marL="0" lvl="0" indent="0" algn="l" rtl="0">
               <a:spcBef>
                 <a:spcPts val="0"/>
               </a:spcBef>
@@ -1388,9 +1441,6 @@
               </a:spcAft>
               <a:buNone/>
             </a:pPr>
-            <a:r>
-              <a:t/>
-            </a:r>
             <a:endParaRPr/>
           </a:p>
         </p:txBody>
@@ -1404,11 +1454,11 @@
 </file>
 
 <file path=ppt/notesSlides/notesSlide6.xml><?xml version="1.0" encoding="utf-8"?>
-<p:notes xmlns:a="http://schemas.openxmlformats.org/drawingml/2006/main" xmlns:r="http://schemas.openxmlformats.org/officeDocument/2006/relationships" xmlns:mc="http://schemas.openxmlformats.org/markup-compatibility/2006" xmlns:mv="urn:schemas-microsoft-com:mac:vml" xmlns:p="http://schemas.openxmlformats.org/presentationml/2006/main" xmlns:c="http://schemas.openxmlformats.org/drawingml/2006/chart" xmlns:dgm="http://schemas.openxmlformats.org/drawingml/2006/diagram" xmlns:o="urn:schemas-microsoft-com:office:office" xmlns:v="urn:schemas-microsoft-com:vml" xmlns:pvml="urn:schemas-microsoft-com:office:powerpoint" xmlns:com="http://schemas.openxmlformats.org/drawingml/2006/compatibility" xmlns:p14="http://schemas.microsoft.com/office/powerpoint/2010/main" xmlns:p15="http://schemas.microsoft.com/office/powerpoint/2012/main" showMasterPhAnim="0" showMasterSp="0">
+<p:notes xmlns:a="http://schemas.openxmlformats.org/drawingml/2006/main" xmlns:r="http://schemas.openxmlformats.org/officeDocument/2006/relationships" xmlns:p="http://schemas.openxmlformats.org/presentationml/2006/main" showMasterSp="0" showMasterPhAnim="0">
   <p:cSld>
     <p:spTree>
       <p:nvGrpSpPr>
-        <p:cNvPr id="111" name="Shape 111"/>
+        <p:cNvPr id="1" name="Shape 111"/>
         <p:cNvGrpSpPr/>
         <p:nvPr/>
       </p:nvGrpSpPr>
@@ -1423,9 +1473,11 @@
       <p:sp>
         <p:nvSpPr>
           <p:cNvPr id="112" name="Google Shape;112;g5510d5380c_1_16:notes"/>
-          <p:cNvSpPr/>
+          <p:cNvSpPr>
+            <a:spLocks noGrp="1" noRot="1" noChangeAspect="1"/>
+          </p:cNvSpPr>
           <p:nvPr>
-            <p:ph idx="2" type="sldImg"/>
+            <p:ph type="sldImg" idx="2"/>
           </p:nvPr>
         </p:nvSpPr>
         <p:spPr>
@@ -1434,9 +1486,13 @@
             <a:ext cx="6096000" cy="3429000"/>
           </a:xfrm>
           <a:custGeom>
-            <a:rect b="b" l="l" r="r" t="t"/>
+            <a:avLst/>
+            <a:gdLst/>
+            <a:ahLst/>
+            <a:cxnLst/>
+            <a:rect l="l" t="t" r="r" b="b"/>
             <a:pathLst>
-              <a:path extrusionOk="0" h="120000" w="120000">
+              <a:path w="120000" h="120000" extrusionOk="0">
                 <a:moveTo>
                   <a:pt x="0" y="0"/>
                 </a:moveTo>
@@ -1458,9 +1514,11 @@
       <p:sp>
         <p:nvSpPr>
           <p:cNvPr id="113" name="Google Shape;113;g5510d5380c_1_16:notes"/>
-          <p:cNvSpPr txBox="1"/>
+          <p:cNvSpPr txBox="1">
+            <a:spLocks noGrp="1"/>
+          </p:cNvSpPr>
           <p:nvPr>
-            <p:ph idx="1" type="body"/>
+            <p:ph type="body" idx="1"/>
           </p:nvPr>
         </p:nvSpPr>
         <p:spPr>
@@ -1473,12 +1531,12 @@
           </a:prstGeom>
         </p:spPr>
         <p:txBody>
-          <a:bodyPr anchorCtr="0" anchor="t" bIns="91425" lIns="91425" spcFirstLastPara="1" rIns="91425" wrap="square" tIns="91425">
+          <a:bodyPr spcFirstLastPara="1" wrap="square" lIns="91425" tIns="91425" rIns="91425" bIns="91425" anchor="t" anchorCtr="0">
             <a:noAutofit/>
           </a:bodyPr>
           <a:lstStyle/>
           <a:p>
-            <a:pPr indent="0" lvl="0" marL="0" rtl="0" algn="l">
+            <a:pPr marL="0" lvl="0" indent="0" algn="l" rtl="0">
               <a:spcBef>
                 <a:spcPts val="0"/>
               </a:spcBef>
@@ -1487,9 +1545,6 @@
               </a:spcAft>
               <a:buNone/>
             </a:pPr>
-            <a:r>
-              <a:t/>
-            </a:r>
             <a:endParaRPr/>
           </a:p>
         </p:txBody>
@@ -1503,11 +1558,11 @@
 </file>
 
 <file path=ppt/notesSlides/notesSlide7.xml><?xml version="1.0" encoding="utf-8"?>
-<p:notes xmlns:a="http://schemas.openxmlformats.org/drawingml/2006/main" xmlns:r="http://schemas.openxmlformats.org/officeDocument/2006/relationships" xmlns:mc="http://schemas.openxmlformats.org/markup-compatibility/2006" xmlns:mv="urn:schemas-microsoft-com:mac:vml" xmlns:p="http://schemas.openxmlformats.org/presentationml/2006/main" xmlns:c="http://schemas.openxmlformats.org/drawingml/2006/chart" xmlns:dgm="http://schemas.openxmlformats.org/drawingml/2006/diagram" xmlns:o="urn:schemas-microsoft-com:office:office" xmlns:v="urn:schemas-microsoft-com:vml" xmlns:pvml="urn:schemas-microsoft-com:office:powerpoint" xmlns:com="http://schemas.openxmlformats.org/drawingml/2006/compatibility" xmlns:p14="http://schemas.microsoft.com/office/powerpoint/2010/main" xmlns:p15="http://schemas.microsoft.com/office/powerpoint/2012/main" showMasterPhAnim="0" showMasterSp="0">
+<p:notes xmlns:a="http://schemas.openxmlformats.org/drawingml/2006/main" xmlns:r="http://schemas.openxmlformats.org/officeDocument/2006/relationships" xmlns:p="http://schemas.openxmlformats.org/presentationml/2006/main" showMasterSp="0" showMasterPhAnim="0">
   <p:cSld>
     <p:spTree>
       <p:nvGrpSpPr>
-        <p:cNvPr id="117" name="Shape 117"/>
+        <p:cNvPr id="1" name="Shape 117"/>
         <p:cNvGrpSpPr/>
         <p:nvPr/>
       </p:nvGrpSpPr>
@@ -1522,9 +1577,11 @@
       <p:sp>
         <p:nvSpPr>
           <p:cNvPr id="118" name="Google Shape;118;g5510d5380c_1_22:notes"/>
-          <p:cNvSpPr/>
+          <p:cNvSpPr>
+            <a:spLocks noGrp="1" noRot="1" noChangeAspect="1"/>
+          </p:cNvSpPr>
           <p:nvPr>
-            <p:ph idx="2" type="sldImg"/>
+            <p:ph type="sldImg" idx="2"/>
           </p:nvPr>
         </p:nvSpPr>
         <p:spPr>
@@ -1533,9 +1590,13 @@
             <a:ext cx="6096000" cy="3429000"/>
           </a:xfrm>
           <a:custGeom>
-            <a:rect b="b" l="l" r="r" t="t"/>
+            <a:avLst/>
+            <a:gdLst/>
+            <a:ahLst/>
+            <a:cxnLst/>
+            <a:rect l="l" t="t" r="r" b="b"/>
             <a:pathLst>
-              <a:path extrusionOk="0" h="120000" w="120000">
+              <a:path w="120000" h="120000" extrusionOk="0">
                 <a:moveTo>
                   <a:pt x="0" y="0"/>
                 </a:moveTo>
@@ -1557,9 +1618,11 @@
       <p:sp>
         <p:nvSpPr>
           <p:cNvPr id="119" name="Google Shape;119;g5510d5380c_1_22:notes"/>
-          <p:cNvSpPr txBox="1"/>
+          <p:cNvSpPr txBox="1">
+            <a:spLocks noGrp="1"/>
+          </p:cNvSpPr>
           <p:nvPr>
-            <p:ph idx="1" type="body"/>
+            <p:ph type="body" idx="1"/>
           </p:nvPr>
         </p:nvSpPr>
         <p:spPr>
@@ -1572,12 +1635,12 @@
           </a:prstGeom>
         </p:spPr>
         <p:txBody>
-          <a:bodyPr anchorCtr="0" anchor="t" bIns="91425" lIns="91425" spcFirstLastPara="1" rIns="91425" wrap="square" tIns="91425">
+          <a:bodyPr spcFirstLastPara="1" wrap="square" lIns="91425" tIns="91425" rIns="91425" bIns="91425" anchor="t" anchorCtr="0">
             <a:noAutofit/>
           </a:bodyPr>
           <a:lstStyle/>
           <a:p>
-            <a:pPr indent="0" lvl="0" marL="0" rtl="0" algn="l">
+            <a:pPr marL="0" lvl="0" indent="0" algn="l" rtl="0">
               <a:spcBef>
                 <a:spcPts val="0"/>
               </a:spcBef>
@@ -1586,9 +1649,6 @@
               </a:spcAft>
               <a:buNone/>
             </a:pPr>
-            <a:r>
-              <a:t/>
-            </a:r>
             <a:endParaRPr/>
           </a:p>
         </p:txBody>
@@ -1602,11 +1662,11 @@
 </file>
 
 <file path=ppt/notesSlides/notesSlide8.xml><?xml version="1.0" encoding="utf-8"?>
-<p:notes xmlns:a="http://schemas.openxmlformats.org/drawingml/2006/main" xmlns:r="http://schemas.openxmlformats.org/officeDocument/2006/relationships" xmlns:mc="http://schemas.openxmlformats.org/markup-compatibility/2006" xmlns:mv="urn:schemas-microsoft-com:mac:vml" xmlns:p="http://schemas.openxmlformats.org/presentationml/2006/main" xmlns:c="http://schemas.openxmlformats.org/drawingml/2006/chart" xmlns:dgm="http://schemas.openxmlformats.org/drawingml/2006/diagram" xmlns:o="urn:schemas-microsoft-com:office:office" xmlns:v="urn:schemas-microsoft-com:vml" xmlns:pvml="urn:schemas-microsoft-com:office:powerpoint" xmlns:com="http://schemas.openxmlformats.org/drawingml/2006/compatibility" xmlns:p14="http://schemas.microsoft.com/office/powerpoint/2010/main" xmlns:p15="http://schemas.microsoft.com/office/powerpoint/2012/main" showMasterPhAnim="0" showMasterSp="0">
+<p:notes xmlns:a="http://schemas.openxmlformats.org/drawingml/2006/main" xmlns:r="http://schemas.openxmlformats.org/officeDocument/2006/relationships" xmlns:p="http://schemas.openxmlformats.org/presentationml/2006/main" showMasterSp="0" showMasterPhAnim="0">
   <p:cSld>
     <p:spTree>
       <p:nvGrpSpPr>
-        <p:cNvPr id="123" name="Shape 123"/>
+        <p:cNvPr id="1" name="Shape 123"/>
         <p:cNvGrpSpPr/>
         <p:nvPr/>
       </p:nvGrpSpPr>
@@ -1621,9 +1681,11 @@
       <p:sp>
         <p:nvSpPr>
           <p:cNvPr id="124" name="Google Shape;124;g5510d5380c_1_27:notes"/>
-          <p:cNvSpPr/>
+          <p:cNvSpPr>
+            <a:spLocks noGrp="1" noRot="1" noChangeAspect="1"/>
+          </p:cNvSpPr>
           <p:nvPr>
-            <p:ph idx="2" type="sldImg"/>
+            <p:ph type="sldImg" idx="2"/>
           </p:nvPr>
         </p:nvSpPr>
         <p:spPr>
@@ -1632,9 +1694,13 @@
             <a:ext cx="6096000" cy="3429000"/>
           </a:xfrm>
           <a:custGeom>
-            <a:rect b="b" l="l" r="r" t="t"/>
+            <a:avLst/>
+            <a:gdLst/>
+            <a:ahLst/>
+            <a:cxnLst/>
+            <a:rect l="l" t="t" r="r" b="b"/>
             <a:pathLst>
-              <a:path extrusionOk="0" h="120000" w="120000">
+              <a:path w="120000" h="120000" extrusionOk="0">
                 <a:moveTo>
                   <a:pt x="0" y="0"/>
                 </a:moveTo>
@@ -1656,9 +1722,11 @@
       <p:sp>
         <p:nvSpPr>
           <p:cNvPr id="125" name="Google Shape;125;g5510d5380c_1_27:notes"/>
-          <p:cNvSpPr txBox="1"/>
+          <p:cNvSpPr txBox="1">
+            <a:spLocks noGrp="1"/>
+          </p:cNvSpPr>
           <p:nvPr>
-            <p:ph idx="1" type="body"/>
+            <p:ph type="body" idx="1"/>
           </p:nvPr>
         </p:nvSpPr>
         <p:spPr>
@@ -1671,12 +1739,12 @@
           </a:prstGeom>
         </p:spPr>
         <p:txBody>
-          <a:bodyPr anchorCtr="0" anchor="t" bIns="91425" lIns="91425" spcFirstLastPara="1" rIns="91425" wrap="square" tIns="91425">
+          <a:bodyPr spcFirstLastPara="1" wrap="square" lIns="91425" tIns="91425" rIns="91425" bIns="91425" anchor="t" anchorCtr="0">
             <a:noAutofit/>
           </a:bodyPr>
           <a:lstStyle/>
           <a:p>
-            <a:pPr indent="0" lvl="0" marL="0" rtl="0" algn="l">
+            <a:pPr marL="0" lvl="0" indent="0" algn="l" rtl="0">
               <a:spcBef>
                 <a:spcPts val="0"/>
               </a:spcBef>
@@ -1685,9 +1753,6 @@
               </a:spcAft>
               <a:buNone/>
             </a:pPr>
-            <a:r>
-              <a:t/>
-            </a:r>
             <a:endParaRPr/>
           </a:p>
         </p:txBody>
@@ -1701,11 +1766,11 @@
 </file>
 
 <file path=ppt/notesSlides/notesSlide9.xml><?xml version="1.0" encoding="utf-8"?>
-<p:notes xmlns:a="http://schemas.openxmlformats.org/drawingml/2006/main" xmlns:r="http://schemas.openxmlformats.org/officeDocument/2006/relationships" xmlns:mc="http://schemas.openxmlformats.org/markup-compatibility/2006" xmlns:mv="urn:schemas-microsoft-com:mac:vml" xmlns:p="http://schemas.openxmlformats.org/presentationml/2006/main" xmlns:c="http://schemas.openxmlformats.org/drawingml/2006/chart" xmlns:dgm="http://schemas.openxmlformats.org/drawingml/2006/diagram" xmlns:o="urn:schemas-microsoft-com:office:office" xmlns:v="urn:schemas-microsoft-com:vml" xmlns:pvml="urn:schemas-microsoft-com:office:powerpoint" xmlns:com="http://schemas.openxmlformats.org/drawingml/2006/compatibility" xmlns:p14="http://schemas.microsoft.com/office/powerpoint/2010/main" xmlns:p15="http://schemas.microsoft.com/office/powerpoint/2012/main" showMasterPhAnim="0" showMasterSp="0">
+<p:notes xmlns:a="http://schemas.openxmlformats.org/drawingml/2006/main" xmlns:r="http://schemas.openxmlformats.org/officeDocument/2006/relationships" xmlns:p="http://schemas.openxmlformats.org/presentationml/2006/main" showMasterSp="0" showMasterPhAnim="0">
   <p:cSld>
     <p:spTree>
       <p:nvGrpSpPr>
-        <p:cNvPr id="129" name="Shape 129"/>
+        <p:cNvPr id="1" name="Shape 129"/>
         <p:cNvGrpSpPr/>
         <p:nvPr/>
       </p:nvGrpSpPr>
@@ -1720,9 +1785,11 @@
       <p:sp>
         <p:nvSpPr>
           <p:cNvPr id="130" name="Google Shape;130;g5510d5380c_1_33:notes"/>
-          <p:cNvSpPr/>
+          <p:cNvSpPr>
+            <a:spLocks noGrp="1" noRot="1" noChangeAspect="1"/>
+          </p:cNvSpPr>
           <p:nvPr>
-            <p:ph idx="2" type="sldImg"/>
+            <p:ph type="sldImg" idx="2"/>
           </p:nvPr>
         </p:nvSpPr>
         <p:spPr>
@@ -1731,9 +1798,13 @@
             <a:ext cx="6096000" cy="3429000"/>
           </a:xfrm>
           <a:custGeom>
-            <a:rect b="b" l="l" r="r" t="t"/>
+            <a:avLst/>
+            <a:gdLst/>
+            <a:ahLst/>
+            <a:cxnLst/>
+            <a:rect l="l" t="t" r="r" b="b"/>
             <a:pathLst>
-              <a:path extrusionOk="0" h="120000" w="120000">
+              <a:path w="120000" h="120000" extrusionOk="0">
                 <a:moveTo>
                   <a:pt x="0" y="0"/>
                 </a:moveTo>
@@ -1755,9 +1826,11 @@
       <p:sp>
         <p:nvSpPr>
           <p:cNvPr id="131" name="Google Shape;131;g5510d5380c_1_33:notes"/>
-          <p:cNvSpPr txBox="1"/>
+          <p:cNvSpPr txBox="1">
+            <a:spLocks noGrp="1"/>
+          </p:cNvSpPr>
           <p:nvPr>
-            <p:ph idx="1" type="body"/>
+            <p:ph type="body" idx="1"/>
           </p:nvPr>
         </p:nvSpPr>
         <p:spPr>
@@ -1770,12 +1843,12 @@
           </a:prstGeom>
         </p:spPr>
         <p:txBody>
-          <a:bodyPr anchorCtr="0" anchor="t" bIns="91425" lIns="91425" spcFirstLastPara="1" rIns="91425" wrap="square" tIns="91425">
+          <a:bodyPr spcFirstLastPara="1" wrap="square" lIns="91425" tIns="91425" rIns="91425" bIns="91425" anchor="t" anchorCtr="0">
             <a:noAutofit/>
           </a:bodyPr>
           <a:lstStyle/>
           <a:p>
-            <a:pPr indent="0" lvl="0" marL="0" rtl="0" algn="l">
+            <a:pPr marL="0" lvl="0" indent="0" algn="l" rtl="0">
               <a:spcBef>
                 <a:spcPts val="0"/>
               </a:spcBef>
@@ -1784,9 +1857,6 @@
               </a:spcAft>
               <a:buNone/>
             </a:pPr>
-            <a:r>
-              <a:t/>
-            </a:r>
             <a:endParaRPr/>
           </a:p>
         </p:txBody>
@@ -1800,18 +1870,19 @@
 </file>
 
 <file path=ppt/slideLayouts/slideLayout1.xml><?xml version="1.0" encoding="utf-8"?>
-<p:sldLayout xmlns:a="http://schemas.openxmlformats.org/drawingml/2006/main" xmlns:r="http://schemas.openxmlformats.org/officeDocument/2006/relationships" xmlns:mc="http://schemas.openxmlformats.org/markup-compatibility/2006" xmlns:mv="urn:schemas-microsoft-com:mac:vml" xmlns:p="http://schemas.openxmlformats.org/presentationml/2006/main" xmlns:c="http://schemas.openxmlformats.org/drawingml/2006/chart" xmlns:dgm="http://schemas.openxmlformats.org/drawingml/2006/diagram" xmlns:o="urn:schemas-microsoft-com:office:office" xmlns:v="urn:schemas-microsoft-com:vml" xmlns:pvml="urn:schemas-microsoft-com:office:powerpoint" xmlns:com="http://schemas.openxmlformats.org/drawingml/2006/compatibility" xmlns:p14="http://schemas.microsoft.com/office/powerpoint/2010/main" xmlns:p15="http://schemas.microsoft.com/office/powerpoint/2012/main" matchingName="Title slide" type="title">
+<p:sldLayout xmlns:a="http://schemas.openxmlformats.org/drawingml/2006/main" xmlns:r="http://schemas.openxmlformats.org/officeDocument/2006/relationships" xmlns:p="http://schemas.openxmlformats.org/presentationml/2006/main" matchingName="Title slide" type="title">
   <p:cSld name="TITLE">
     <p:bg>
       <p:bgPr>
         <a:solidFill>
           <a:schemeClr val="lt2"/>
         </a:solidFill>
+        <a:effectLst/>
       </p:bgPr>
     </p:bg>
     <p:spTree>
       <p:nvGrpSpPr>
-        <p:cNvPr id="9" name="Shape 9"/>
+        <p:cNvPr id="1" name="Shape 9"/>
         <p:cNvGrpSpPr/>
         <p:nvPr/>
       </p:nvGrpSpPr>
@@ -1845,12 +1916,12 @@
           </a:ln>
         </p:spPr>
         <p:txBody>
-          <a:bodyPr anchorCtr="0" anchor="ctr" bIns="91425" lIns="91425" spcFirstLastPara="1" rIns="91425" wrap="square" tIns="91425">
+          <a:bodyPr spcFirstLastPara="1" wrap="square" lIns="91425" tIns="91425" rIns="91425" bIns="91425" anchor="ctr" anchorCtr="0">
             <a:noAutofit/>
           </a:bodyPr>
           <a:lstStyle/>
           <a:p>
-            <a:pPr indent="0" lvl="0" marL="0" rtl="0" algn="l">
+            <a:pPr marL="0" lvl="0" indent="0" algn="l" rtl="0">
               <a:spcBef>
                 <a:spcPts val="0"/>
               </a:spcBef>
@@ -1859,9 +1930,6 @@
               </a:spcAft>
               <a:buNone/>
             </a:pPr>
-            <a:r>
-              <a:t/>
-            </a:r>
             <a:endParaRPr/>
           </a:p>
         </p:txBody>
@@ -1902,12 +1970,12 @@
             </a:ln>
           </p:spPr>
           <p:txBody>
-            <a:bodyPr anchorCtr="0" anchor="ctr" bIns="91425" lIns="91425" spcFirstLastPara="1" rIns="91425" wrap="square" tIns="91425">
+            <a:bodyPr spcFirstLastPara="1" wrap="square" lIns="91425" tIns="91425" rIns="91425" bIns="91425" anchor="ctr" anchorCtr="0">
               <a:noAutofit/>
             </a:bodyPr>
             <a:lstStyle/>
             <a:p>
-              <a:pPr indent="0" lvl="0" marL="0" rtl="0" algn="l">
+              <a:pPr marL="0" lvl="0" indent="0" algn="l" rtl="0">
                 <a:spcBef>
                   <a:spcPts val="0"/>
                 </a:spcBef>
@@ -1916,9 +1984,6 @@
                 </a:spcAft>
                 <a:buNone/>
               </a:pPr>
-              <a:r>
-                <a:t/>
-              </a:r>
               <a:endParaRPr/>
             </a:p>
           </p:txBody>
@@ -1945,12 +2010,12 @@
             </a:ln>
           </p:spPr>
           <p:txBody>
-            <a:bodyPr anchorCtr="0" anchor="ctr" bIns="91425" lIns="91425" spcFirstLastPara="1" rIns="91425" wrap="square" tIns="91425">
+            <a:bodyPr spcFirstLastPara="1" wrap="square" lIns="91425" tIns="91425" rIns="91425" bIns="91425" anchor="ctr" anchorCtr="0">
               <a:noAutofit/>
             </a:bodyPr>
             <a:lstStyle/>
             <a:p>
-              <a:pPr indent="0" lvl="0" marL="0" rtl="0" algn="l">
+              <a:pPr marL="0" lvl="0" indent="0" algn="l" rtl="0">
                 <a:spcBef>
                   <a:spcPts val="0"/>
                 </a:spcBef>
@@ -1959,9 +2024,6 @@
                 </a:spcAft>
                 <a:buNone/>
               </a:pPr>
-              <a:r>
-                <a:t/>
-              </a:r>
               <a:endParaRPr/>
             </a:p>
           </p:txBody>
@@ -1970,7 +2032,9 @@
       <p:sp>
         <p:nvSpPr>
           <p:cNvPr id="14" name="Google Shape;14;p2"/>
-          <p:cNvSpPr txBox="1"/>
+          <p:cNvSpPr txBox="1">
+            <a:spLocks noGrp="1"/>
+          </p:cNvSpPr>
           <p:nvPr>
             <p:ph type="ctrTitle"/>
           </p:nvPr>
@@ -1985,7 +2049,7 @@
           </a:prstGeom>
         </p:spPr>
         <p:txBody>
-          <a:bodyPr anchorCtr="0" anchor="t" bIns="91425" lIns="91425" spcFirstLastPara="1" rIns="91425" wrap="square" tIns="91425"/>
+          <a:bodyPr spcFirstLastPara="1" wrap="square" lIns="91425" tIns="91425" rIns="91425" bIns="91425" anchor="t" anchorCtr="0"/>
           <a:lstStyle>
             <a:lvl1pPr lvl="0">
               <a:spcBef>
@@ -2150,15 +2214,19 @@
               </a:defRPr>
             </a:lvl9pPr>
           </a:lstStyle>
-          <a:p/>
+          <a:p>
+            <a:endParaRPr/>
+          </a:p>
         </p:txBody>
       </p:sp>
       <p:sp>
         <p:nvSpPr>
           <p:cNvPr id="15" name="Google Shape;15;p2"/>
-          <p:cNvSpPr txBox="1"/>
+          <p:cNvSpPr txBox="1">
+            <a:spLocks noGrp="1"/>
+          </p:cNvSpPr>
           <p:nvPr>
-            <p:ph idx="1" type="subTitle"/>
+            <p:ph type="subTitle" idx="1"/>
           </p:nvPr>
         </p:nvSpPr>
         <p:spPr>
@@ -2171,7 +2239,7 @@
           </a:prstGeom>
         </p:spPr>
         <p:txBody>
-          <a:bodyPr anchorCtr="0" anchor="t" bIns="91425" lIns="91425" spcFirstLastPara="1" rIns="91425" wrap="square" tIns="91425"/>
+          <a:bodyPr spcFirstLastPara="1" wrap="square" lIns="91425" tIns="91425" rIns="91425" bIns="91425" anchor="t" anchorCtr="0"/>
           <a:lstStyle>
             <a:lvl1pPr lvl="0">
               <a:lnSpc>
@@ -2300,15 +2368,19 @@
               <a:defRPr sz="1600"/>
             </a:lvl9pPr>
           </a:lstStyle>
-          <a:p/>
+          <a:p>
+            <a:endParaRPr/>
+          </a:p>
         </p:txBody>
       </p:sp>
       <p:sp>
         <p:nvSpPr>
           <p:cNvPr id="16" name="Google Shape;16;p2"/>
-          <p:cNvSpPr txBox="1"/>
+          <p:cNvSpPr txBox="1">
+            <a:spLocks noGrp="1"/>
+          </p:cNvSpPr>
           <p:nvPr>
-            <p:ph idx="12" type="sldNum"/>
+            <p:ph type="sldNum" idx="12"/>
           </p:nvPr>
         </p:nvSpPr>
         <p:spPr>
@@ -2321,7 +2393,7 @@
           </a:prstGeom>
         </p:spPr>
         <p:txBody>
-          <a:bodyPr anchorCtr="0" anchor="ctr" bIns="91425" lIns="91425" spcFirstLastPara="1" rIns="91425" wrap="square" tIns="91425">
+          <a:bodyPr spcFirstLastPara="1" wrap="square" lIns="91425" tIns="91425" rIns="91425" bIns="91425" anchor="ctr" anchorCtr="0">
             <a:noAutofit/>
           </a:bodyPr>
           <a:lstStyle>
@@ -2363,7 +2435,7 @@
             </a:lvl9pPr>
           </a:lstStyle>
           <a:p>
-            <a:pPr indent="0" lvl="0" marL="0" rtl="0" algn="r">
+            <a:pPr marL="0" lvl="0" indent="0" algn="r" rtl="0">
               <a:spcBef>
                 <a:spcPts val="0"/>
               </a:spcBef>
@@ -2389,18 +2461,19 @@
 </file>
 
 <file path=ppt/slideLayouts/slideLayout10.xml><?xml version="1.0" encoding="utf-8"?>
-<p:sldLayout xmlns:a="http://schemas.openxmlformats.org/drawingml/2006/main" xmlns:r="http://schemas.openxmlformats.org/officeDocument/2006/relationships" xmlns:mc="http://schemas.openxmlformats.org/markup-compatibility/2006" xmlns:mv="urn:schemas-microsoft-com:mac:vml" xmlns:p="http://schemas.openxmlformats.org/presentationml/2006/main" xmlns:c="http://schemas.openxmlformats.org/drawingml/2006/chart" xmlns:dgm="http://schemas.openxmlformats.org/drawingml/2006/diagram" xmlns:o="urn:schemas-microsoft-com:office:office" xmlns:v="urn:schemas-microsoft-com:vml" xmlns:pvml="urn:schemas-microsoft-com:office:powerpoint" xmlns:com="http://schemas.openxmlformats.org/drawingml/2006/compatibility" xmlns:p14="http://schemas.microsoft.com/office/powerpoint/2010/main" xmlns:p15="http://schemas.microsoft.com/office/powerpoint/2012/main" matchingName="Big number">
+<p:sldLayout xmlns:a="http://schemas.openxmlformats.org/drawingml/2006/main" xmlns:r="http://schemas.openxmlformats.org/officeDocument/2006/relationships" xmlns:p="http://schemas.openxmlformats.org/presentationml/2006/main" matchingName="Big number">
   <p:cSld name="BIG_NUMBER">
     <p:bg>
       <p:bgPr>
         <a:solidFill>
           <a:schemeClr val="dk1"/>
         </a:solidFill>
+        <a:effectLst/>
       </p:bgPr>
     </p:bg>
     <p:spTree>
       <p:nvGrpSpPr>
-        <p:cNvPr id="73" name="Shape 73"/>
+        <p:cNvPr id="1" name="Shape 73"/>
         <p:cNvGrpSpPr/>
         <p:nvPr/>
       </p:nvGrpSpPr>
@@ -2448,12 +2521,12 @@
             </a:ln>
           </p:spPr>
           <p:txBody>
-            <a:bodyPr anchorCtr="0" anchor="ctr" bIns="91425" lIns="91425" spcFirstLastPara="1" rIns="91425" wrap="square" tIns="91425">
+            <a:bodyPr spcFirstLastPara="1" wrap="square" lIns="91425" tIns="91425" rIns="91425" bIns="91425" anchor="ctr" anchorCtr="0">
               <a:noAutofit/>
             </a:bodyPr>
             <a:lstStyle/>
             <a:p>
-              <a:pPr indent="0" lvl="0" marL="0" rtl="0" algn="l">
+              <a:pPr marL="0" lvl="0" indent="0" algn="l" rtl="0">
                 <a:spcBef>
                   <a:spcPts val="0"/>
                 </a:spcBef>
@@ -2462,9 +2535,6 @@
                 </a:spcAft>
                 <a:buNone/>
               </a:pPr>
-              <a:r>
-                <a:t/>
-              </a:r>
               <a:endParaRPr/>
             </a:p>
           </p:txBody>
@@ -2491,12 +2561,12 @@
             </a:ln>
           </p:spPr>
           <p:txBody>
-            <a:bodyPr anchorCtr="0" anchor="ctr" bIns="91425" lIns="91425" spcFirstLastPara="1" rIns="91425" wrap="square" tIns="91425">
+            <a:bodyPr spcFirstLastPara="1" wrap="square" lIns="91425" tIns="91425" rIns="91425" bIns="91425" anchor="ctr" anchorCtr="0">
               <a:noAutofit/>
             </a:bodyPr>
             <a:lstStyle/>
             <a:p>
-              <a:pPr indent="0" lvl="0" marL="0" rtl="0" algn="l">
+              <a:pPr marL="0" lvl="0" indent="0" algn="l" rtl="0">
                 <a:spcBef>
                   <a:spcPts val="0"/>
                 </a:spcBef>
@@ -2505,9 +2575,6 @@
                 </a:spcAft>
                 <a:buNone/>
               </a:pPr>
-              <a:r>
-                <a:t/>
-              </a:r>
               <a:endParaRPr/>
             </a:p>
           </p:txBody>
@@ -2516,9 +2583,11 @@
       <p:sp>
         <p:nvSpPr>
           <p:cNvPr id="77" name="Google Shape;77;p11"/>
-          <p:cNvSpPr txBox="1"/>
+          <p:cNvSpPr txBox="1">
+            <a:spLocks noGrp="1"/>
+          </p:cNvSpPr>
           <p:nvPr>
-            <p:ph hasCustomPrompt="1" type="title"/>
+            <p:ph type="title" hasCustomPrompt="1"/>
           </p:nvPr>
         </p:nvSpPr>
         <p:spPr>
@@ -2531,7 +2600,7 @@
           </a:prstGeom>
         </p:spPr>
         <p:txBody>
-          <a:bodyPr anchorCtr="0" anchor="t" bIns="91425" lIns="91425" spcFirstLastPara="1" rIns="91425" wrap="square" tIns="91425"/>
+          <a:bodyPr spcFirstLastPara="1" wrap="square" lIns="91425" tIns="91425" rIns="91425" bIns="91425" anchor="t" anchorCtr="0"/>
           <a:lstStyle>
             <a:lvl1pPr lvl="0">
               <a:spcBef>
@@ -2706,9 +2775,11 @@
       <p:sp>
         <p:nvSpPr>
           <p:cNvPr id="78" name="Google Shape;78;p11"/>
-          <p:cNvSpPr txBox="1"/>
+          <p:cNvSpPr txBox="1">
+            <a:spLocks noGrp="1"/>
+          </p:cNvSpPr>
           <p:nvPr>
-            <p:ph idx="1" type="body"/>
+            <p:ph type="body" idx="1"/>
           </p:nvPr>
         </p:nvSpPr>
         <p:spPr>
@@ -2721,9 +2792,9 @@
           </a:prstGeom>
         </p:spPr>
         <p:txBody>
-          <a:bodyPr anchorCtr="0" anchor="t" bIns="91425" lIns="91425" spcFirstLastPara="1" rIns="91425" wrap="square" tIns="91425"/>
+          <a:bodyPr spcFirstLastPara="1" wrap="square" lIns="91425" tIns="91425" rIns="91425" bIns="91425" anchor="t" anchorCtr="0"/>
           <a:lstStyle>
-            <a:lvl1pPr indent="-311150" lvl="0" marL="457200">
+            <a:lvl1pPr marL="457200" lvl="0" indent="-311150">
               <a:spcBef>
                 <a:spcPts val="0"/>
               </a:spcBef>
@@ -2741,7 +2812,7 @@
                 </a:solidFill>
               </a:defRPr>
             </a:lvl1pPr>
-            <a:lvl2pPr indent="-298450" lvl="1" marL="914400">
+            <a:lvl2pPr marL="914400" lvl="1" indent="-298450">
               <a:spcBef>
                 <a:spcPts val="1600"/>
               </a:spcBef>
@@ -2759,7 +2830,7 @@
                 </a:solidFill>
               </a:defRPr>
             </a:lvl2pPr>
-            <a:lvl3pPr indent="-298450" lvl="2" marL="1371600">
+            <a:lvl3pPr marL="1371600" lvl="2" indent="-298450">
               <a:spcBef>
                 <a:spcPts val="1600"/>
               </a:spcBef>
@@ -2777,7 +2848,7 @@
                 </a:solidFill>
               </a:defRPr>
             </a:lvl3pPr>
-            <a:lvl4pPr indent="-298450" lvl="3" marL="1828800">
+            <a:lvl4pPr marL="1828800" lvl="3" indent="-298450">
               <a:spcBef>
                 <a:spcPts val="1600"/>
               </a:spcBef>
@@ -2795,7 +2866,7 @@
                 </a:solidFill>
               </a:defRPr>
             </a:lvl4pPr>
-            <a:lvl5pPr indent="-298450" lvl="4" marL="2286000">
+            <a:lvl5pPr marL="2286000" lvl="4" indent="-298450">
               <a:spcBef>
                 <a:spcPts val="1600"/>
               </a:spcBef>
@@ -2813,7 +2884,7 @@
                 </a:solidFill>
               </a:defRPr>
             </a:lvl5pPr>
-            <a:lvl6pPr indent="-298450" lvl="5" marL="2743200">
+            <a:lvl6pPr marL="2743200" lvl="5" indent="-298450">
               <a:spcBef>
                 <a:spcPts val="1600"/>
               </a:spcBef>
@@ -2831,7 +2902,7 @@
                 </a:solidFill>
               </a:defRPr>
             </a:lvl6pPr>
-            <a:lvl7pPr indent="-298450" lvl="6" marL="3200400">
+            <a:lvl7pPr marL="3200400" lvl="6" indent="-298450">
               <a:spcBef>
                 <a:spcPts val="1600"/>
               </a:spcBef>
@@ -2849,7 +2920,7 @@
                 </a:solidFill>
               </a:defRPr>
             </a:lvl7pPr>
-            <a:lvl8pPr indent="-298450" lvl="7" marL="3657600">
+            <a:lvl8pPr marL="3657600" lvl="7" indent="-298450">
               <a:spcBef>
                 <a:spcPts val="1600"/>
               </a:spcBef>
@@ -2867,7 +2938,7 @@
                 </a:solidFill>
               </a:defRPr>
             </a:lvl8pPr>
-            <a:lvl9pPr indent="-298450" lvl="8" marL="4114800">
+            <a:lvl9pPr marL="4114800" lvl="8" indent="-298450">
               <a:spcBef>
                 <a:spcPts val="1600"/>
               </a:spcBef>
@@ -2886,15 +2957,19 @@
               </a:defRPr>
             </a:lvl9pPr>
           </a:lstStyle>
-          <a:p/>
+          <a:p>
+            <a:endParaRPr/>
+          </a:p>
         </p:txBody>
       </p:sp>
       <p:sp>
         <p:nvSpPr>
           <p:cNvPr id="79" name="Google Shape;79;p11"/>
-          <p:cNvSpPr txBox="1"/>
+          <p:cNvSpPr txBox="1">
+            <a:spLocks noGrp="1"/>
+          </p:cNvSpPr>
           <p:nvPr>
-            <p:ph idx="12" type="sldNum"/>
+            <p:ph type="sldNum" idx="12"/>
           </p:nvPr>
         </p:nvSpPr>
         <p:spPr>
@@ -2907,7 +2982,7 @@
           </a:prstGeom>
         </p:spPr>
         <p:txBody>
-          <a:bodyPr anchorCtr="0" anchor="ctr" bIns="91425" lIns="91425" spcFirstLastPara="1" rIns="91425" wrap="square" tIns="91425">
+          <a:bodyPr spcFirstLastPara="1" wrap="square" lIns="91425" tIns="91425" rIns="91425" bIns="91425" anchor="ctr" anchorCtr="0">
             <a:noAutofit/>
           </a:bodyPr>
           <a:lstStyle>
@@ -2985,7 +3060,7 @@
             </a:lvl9pPr>
           </a:lstStyle>
           <a:p>
-            <a:pPr indent="0" lvl="0" marL="0" rtl="0" algn="r">
+            <a:pPr marL="0" lvl="0" indent="0" algn="r" rtl="0">
               <a:spcBef>
                 <a:spcPts val="0"/>
               </a:spcBef>
@@ -3011,11 +3086,11 @@
 </file>
 
 <file path=ppt/slideLayouts/slideLayout11.xml><?xml version="1.0" encoding="utf-8"?>
-<p:sldLayout xmlns:a="http://schemas.openxmlformats.org/drawingml/2006/main" xmlns:r="http://schemas.openxmlformats.org/officeDocument/2006/relationships" xmlns:mc="http://schemas.openxmlformats.org/markup-compatibility/2006" xmlns:mv="urn:schemas-microsoft-com:mac:vml" xmlns:p="http://schemas.openxmlformats.org/presentationml/2006/main" xmlns:c="http://schemas.openxmlformats.org/drawingml/2006/chart" xmlns:dgm="http://schemas.openxmlformats.org/drawingml/2006/diagram" xmlns:o="urn:schemas-microsoft-com:office:office" xmlns:v="urn:schemas-microsoft-com:vml" xmlns:pvml="urn:schemas-microsoft-com:office:powerpoint" xmlns:com="http://schemas.openxmlformats.org/drawingml/2006/compatibility" xmlns:p14="http://schemas.microsoft.com/office/powerpoint/2010/main" xmlns:p15="http://schemas.microsoft.com/office/powerpoint/2012/main" matchingName="Blank" type="blank">
+<p:sldLayout xmlns:a="http://schemas.openxmlformats.org/drawingml/2006/main" xmlns:r="http://schemas.openxmlformats.org/officeDocument/2006/relationships" xmlns:p="http://schemas.openxmlformats.org/presentationml/2006/main" matchingName="Blank" type="blank">
   <p:cSld name="BLANK">
     <p:spTree>
       <p:nvGrpSpPr>
-        <p:cNvPr id="80" name="Shape 80"/>
+        <p:cNvPr id="1" name="Shape 80"/>
         <p:cNvGrpSpPr/>
         <p:nvPr/>
       </p:nvGrpSpPr>
@@ -3030,9 +3105,11 @@
       <p:sp>
         <p:nvSpPr>
           <p:cNvPr id="81" name="Google Shape;81;p12"/>
-          <p:cNvSpPr txBox="1"/>
+          <p:cNvSpPr txBox="1">
+            <a:spLocks noGrp="1"/>
+          </p:cNvSpPr>
           <p:nvPr>
-            <p:ph idx="12" type="sldNum"/>
+            <p:ph type="sldNum" idx="12"/>
           </p:nvPr>
         </p:nvSpPr>
         <p:spPr>
@@ -3045,7 +3122,7 @@
           </a:prstGeom>
         </p:spPr>
         <p:txBody>
-          <a:bodyPr anchorCtr="0" anchor="ctr" bIns="91425" lIns="91425" spcFirstLastPara="1" rIns="91425" wrap="square" tIns="91425">
+          <a:bodyPr spcFirstLastPara="1" wrap="square" lIns="91425" tIns="91425" rIns="91425" bIns="91425" anchor="ctr" anchorCtr="0">
             <a:noAutofit/>
           </a:bodyPr>
           <a:lstStyle>
@@ -3087,7 +3164,7 @@
             </a:lvl9pPr>
           </a:lstStyle>
           <a:p>
-            <a:pPr indent="0" lvl="0" marL="0" rtl="0" algn="r">
+            <a:pPr marL="0" lvl="0" indent="0" algn="r" rtl="0">
               <a:spcBef>
                 <a:spcPts val="0"/>
               </a:spcBef>
@@ -3113,18 +3190,19 @@
 </file>
 
 <file path=ppt/slideLayouts/slideLayout2.xml><?xml version="1.0" encoding="utf-8"?>
-<p:sldLayout xmlns:a="http://schemas.openxmlformats.org/drawingml/2006/main" xmlns:r="http://schemas.openxmlformats.org/officeDocument/2006/relationships" xmlns:mc="http://schemas.openxmlformats.org/markup-compatibility/2006" xmlns:mv="urn:schemas-microsoft-com:mac:vml" xmlns:p="http://schemas.openxmlformats.org/presentationml/2006/main" xmlns:c="http://schemas.openxmlformats.org/drawingml/2006/chart" xmlns:dgm="http://schemas.openxmlformats.org/drawingml/2006/diagram" xmlns:o="urn:schemas-microsoft-com:office:office" xmlns:v="urn:schemas-microsoft-com:vml" xmlns:pvml="urn:schemas-microsoft-com:office:powerpoint" xmlns:com="http://schemas.openxmlformats.org/drawingml/2006/compatibility" xmlns:p14="http://schemas.microsoft.com/office/powerpoint/2010/main" xmlns:p15="http://schemas.microsoft.com/office/powerpoint/2012/main" matchingName="Section header" type="secHead">
+<p:sldLayout xmlns:a="http://schemas.openxmlformats.org/drawingml/2006/main" xmlns:r="http://schemas.openxmlformats.org/officeDocument/2006/relationships" xmlns:p="http://schemas.openxmlformats.org/presentationml/2006/main" matchingName="Section header" type="secHead">
   <p:cSld name="SECTION_HEADER">
     <p:bg>
       <p:bgPr>
         <a:solidFill>
           <a:schemeClr val="dk1"/>
         </a:solidFill>
+        <a:effectLst/>
       </p:bgPr>
     </p:bg>
     <p:spTree>
       <p:nvGrpSpPr>
-        <p:cNvPr id="17" name="Shape 17"/>
+        <p:cNvPr id="1" name="Shape 17"/>
         <p:cNvGrpSpPr/>
         <p:nvPr/>
       </p:nvGrpSpPr>
@@ -3172,12 +3250,12 @@
             </a:ln>
           </p:spPr>
           <p:txBody>
-            <a:bodyPr anchorCtr="0" anchor="ctr" bIns="91425" lIns="91425" spcFirstLastPara="1" rIns="91425" wrap="square" tIns="91425">
+            <a:bodyPr spcFirstLastPara="1" wrap="square" lIns="91425" tIns="91425" rIns="91425" bIns="91425" anchor="ctr" anchorCtr="0">
               <a:noAutofit/>
             </a:bodyPr>
             <a:lstStyle/>
             <a:p>
-              <a:pPr indent="0" lvl="0" marL="0" rtl="0" algn="l">
+              <a:pPr marL="0" lvl="0" indent="0" algn="l" rtl="0">
                 <a:spcBef>
                   <a:spcPts val="0"/>
                 </a:spcBef>
@@ -3186,9 +3264,6 @@
                 </a:spcAft>
                 <a:buNone/>
               </a:pPr>
-              <a:r>
-                <a:t/>
-              </a:r>
               <a:endParaRPr/>
             </a:p>
           </p:txBody>
@@ -3215,12 +3290,12 @@
             </a:ln>
           </p:spPr>
           <p:txBody>
-            <a:bodyPr anchorCtr="0" anchor="ctr" bIns="91425" lIns="91425" spcFirstLastPara="1" rIns="91425" wrap="square" tIns="91425">
+            <a:bodyPr spcFirstLastPara="1" wrap="square" lIns="91425" tIns="91425" rIns="91425" bIns="91425" anchor="ctr" anchorCtr="0">
               <a:noAutofit/>
             </a:bodyPr>
             <a:lstStyle/>
             <a:p>
-              <a:pPr indent="0" lvl="0" marL="0" rtl="0" algn="l">
+              <a:pPr marL="0" lvl="0" indent="0" algn="l" rtl="0">
                 <a:spcBef>
                   <a:spcPts val="0"/>
                 </a:spcBef>
@@ -3229,9 +3304,6 @@
                 </a:spcAft>
                 <a:buNone/>
               </a:pPr>
-              <a:r>
-                <a:t/>
-              </a:r>
               <a:endParaRPr/>
             </a:p>
           </p:txBody>
@@ -3240,7 +3312,9 @@
       <p:sp>
         <p:nvSpPr>
           <p:cNvPr id="21" name="Google Shape;21;p3"/>
-          <p:cNvSpPr txBox="1"/>
+          <p:cNvSpPr txBox="1">
+            <a:spLocks noGrp="1"/>
+          </p:cNvSpPr>
           <p:nvPr>
             <p:ph type="title"/>
           </p:nvPr>
@@ -3255,7 +3329,7 @@
           </a:prstGeom>
         </p:spPr>
         <p:txBody>
-          <a:bodyPr anchorCtr="0" anchor="t" bIns="91425" lIns="91425" spcFirstLastPara="1" rIns="91425" wrap="square" tIns="91425"/>
+          <a:bodyPr spcFirstLastPara="1" wrap="square" lIns="91425" tIns="91425" rIns="91425" bIns="91425" anchor="t" anchorCtr="0"/>
           <a:lstStyle>
             <a:lvl1pPr lvl="0">
               <a:spcBef>
@@ -3420,15 +3494,19 @@
               </a:defRPr>
             </a:lvl9pPr>
           </a:lstStyle>
-          <a:p/>
+          <a:p>
+            <a:endParaRPr/>
+          </a:p>
         </p:txBody>
       </p:sp>
       <p:sp>
         <p:nvSpPr>
           <p:cNvPr id="22" name="Google Shape;22;p3"/>
-          <p:cNvSpPr txBox="1"/>
+          <p:cNvSpPr txBox="1">
+            <a:spLocks noGrp="1"/>
+          </p:cNvSpPr>
           <p:nvPr>
-            <p:ph idx="12" type="sldNum"/>
+            <p:ph type="sldNum" idx="12"/>
           </p:nvPr>
         </p:nvSpPr>
         <p:spPr>
@@ -3441,7 +3519,7 @@
           </a:prstGeom>
         </p:spPr>
         <p:txBody>
-          <a:bodyPr anchorCtr="0" anchor="ctr" bIns="91425" lIns="91425" spcFirstLastPara="1" rIns="91425" wrap="square" tIns="91425">
+          <a:bodyPr spcFirstLastPara="1" wrap="square" lIns="91425" tIns="91425" rIns="91425" bIns="91425" anchor="ctr" anchorCtr="0">
             <a:noAutofit/>
           </a:bodyPr>
           <a:lstStyle>
@@ -3519,7 +3597,7 @@
             </a:lvl9pPr>
           </a:lstStyle>
           <a:p>
-            <a:pPr indent="0" lvl="0" marL="0" rtl="0" algn="r">
+            <a:pPr marL="0" lvl="0" indent="0" algn="r" rtl="0">
               <a:spcBef>
                 <a:spcPts val="0"/>
               </a:spcBef>
@@ -3545,11 +3623,11 @@
 </file>
 
 <file path=ppt/slideLayouts/slideLayout3.xml><?xml version="1.0" encoding="utf-8"?>
-<p:sldLayout xmlns:a="http://schemas.openxmlformats.org/drawingml/2006/main" xmlns:r="http://schemas.openxmlformats.org/officeDocument/2006/relationships" xmlns:mc="http://schemas.openxmlformats.org/markup-compatibility/2006" xmlns:mv="urn:schemas-microsoft-com:mac:vml" xmlns:p="http://schemas.openxmlformats.org/presentationml/2006/main" xmlns:c="http://schemas.openxmlformats.org/drawingml/2006/chart" xmlns:dgm="http://schemas.openxmlformats.org/drawingml/2006/diagram" xmlns:o="urn:schemas-microsoft-com:office:office" xmlns:v="urn:schemas-microsoft-com:vml" xmlns:pvml="urn:schemas-microsoft-com:office:powerpoint" xmlns:com="http://schemas.openxmlformats.org/drawingml/2006/compatibility" xmlns:p14="http://schemas.microsoft.com/office/powerpoint/2010/main" xmlns:p15="http://schemas.microsoft.com/office/powerpoint/2012/main" matchingName="Title and body" type="tx">
+<p:sldLayout xmlns:a="http://schemas.openxmlformats.org/drawingml/2006/main" xmlns:r="http://schemas.openxmlformats.org/officeDocument/2006/relationships" xmlns:p="http://schemas.openxmlformats.org/presentationml/2006/main" matchingName="Title and body" type="tx">
   <p:cSld name="TITLE_AND_BODY">
     <p:spTree>
       <p:nvGrpSpPr>
-        <p:cNvPr id="23" name="Shape 23"/>
+        <p:cNvPr id="1" name="Shape 23"/>
         <p:cNvGrpSpPr/>
         <p:nvPr/>
       </p:nvGrpSpPr>
@@ -3583,12 +3661,12 @@
           </a:ln>
         </p:spPr>
         <p:txBody>
-          <a:bodyPr anchorCtr="0" anchor="ctr" bIns="91425" lIns="91425" spcFirstLastPara="1" rIns="91425" wrap="square" tIns="91425">
+          <a:bodyPr spcFirstLastPara="1" wrap="square" lIns="91425" tIns="91425" rIns="91425" bIns="91425" anchor="ctr" anchorCtr="0">
             <a:noAutofit/>
           </a:bodyPr>
           <a:lstStyle/>
           <a:p>
-            <a:pPr indent="0" lvl="0" marL="0" rtl="0" algn="l">
+            <a:pPr marL="0" lvl="0" indent="0" algn="l" rtl="0">
               <a:spcBef>
                 <a:spcPts val="0"/>
               </a:spcBef>
@@ -3597,9 +3675,6 @@
               </a:spcAft>
               <a:buNone/>
             </a:pPr>
-            <a:r>
-              <a:t/>
-            </a:r>
             <a:endParaRPr/>
           </a:p>
         </p:txBody>
@@ -3640,12 +3715,12 @@
             </a:ln>
           </p:spPr>
           <p:txBody>
-            <a:bodyPr anchorCtr="0" anchor="ctr" bIns="91425" lIns="91425" spcFirstLastPara="1" rIns="91425" wrap="square" tIns="91425">
+            <a:bodyPr spcFirstLastPara="1" wrap="square" lIns="91425" tIns="91425" rIns="91425" bIns="91425" anchor="ctr" anchorCtr="0">
               <a:noAutofit/>
             </a:bodyPr>
             <a:lstStyle/>
             <a:p>
-              <a:pPr indent="0" lvl="0" marL="0" rtl="0" algn="l">
+              <a:pPr marL="0" lvl="0" indent="0" algn="l" rtl="0">
                 <a:spcBef>
                   <a:spcPts val="0"/>
                 </a:spcBef>
@@ -3654,9 +3729,6 @@
                 </a:spcAft>
                 <a:buNone/>
               </a:pPr>
-              <a:r>
-                <a:t/>
-              </a:r>
               <a:endParaRPr/>
             </a:p>
           </p:txBody>
@@ -3683,12 +3755,12 @@
             </a:ln>
           </p:spPr>
           <p:txBody>
-            <a:bodyPr anchorCtr="0" anchor="ctr" bIns="91425" lIns="91425" spcFirstLastPara="1" rIns="91425" wrap="square" tIns="91425">
+            <a:bodyPr spcFirstLastPara="1" wrap="square" lIns="91425" tIns="91425" rIns="91425" bIns="91425" anchor="ctr" anchorCtr="0">
               <a:noAutofit/>
             </a:bodyPr>
             <a:lstStyle/>
             <a:p>
-              <a:pPr indent="0" lvl="0" marL="0" rtl="0" algn="l">
+              <a:pPr marL="0" lvl="0" indent="0" algn="l" rtl="0">
                 <a:spcBef>
                   <a:spcPts val="0"/>
                 </a:spcBef>
@@ -3697,9 +3769,6 @@
                 </a:spcAft>
                 <a:buNone/>
               </a:pPr>
-              <a:r>
-                <a:t/>
-              </a:r>
               <a:endParaRPr/>
             </a:p>
           </p:txBody>
@@ -3708,7 +3777,9 @@
       <p:sp>
         <p:nvSpPr>
           <p:cNvPr id="28" name="Google Shape;28;p4"/>
-          <p:cNvSpPr txBox="1"/>
+          <p:cNvSpPr txBox="1">
+            <a:spLocks noGrp="1"/>
+          </p:cNvSpPr>
           <p:nvPr>
             <p:ph type="title"/>
           </p:nvPr>
@@ -3723,7 +3794,7 @@
           </a:prstGeom>
         </p:spPr>
         <p:txBody>
-          <a:bodyPr anchorCtr="0" anchor="t" bIns="91425" lIns="91425" spcFirstLastPara="1" rIns="91425" wrap="square" tIns="91425"/>
+          <a:bodyPr spcFirstLastPara="1" wrap="square" lIns="91425" tIns="91425" rIns="91425" bIns="91425" anchor="t" anchorCtr="0"/>
           <a:lstStyle>
             <a:lvl1pPr lvl="0">
               <a:spcBef>
@@ -3888,15 +3959,19 @@
               </a:defRPr>
             </a:lvl9pPr>
           </a:lstStyle>
-          <a:p/>
+          <a:p>
+            <a:endParaRPr/>
+          </a:p>
         </p:txBody>
       </p:sp>
       <p:sp>
         <p:nvSpPr>
           <p:cNvPr id="29" name="Google Shape;29;p4"/>
-          <p:cNvSpPr txBox="1"/>
+          <p:cNvSpPr txBox="1">
+            <a:spLocks noGrp="1"/>
+          </p:cNvSpPr>
           <p:nvPr>
-            <p:ph idx="1" type="body"/>
+            <p:ph type="body" idx="1"/>
           </p:nvPr>
         </p:nvSpPr>
         <p:spPr>
@@ -3909,9 +3984,9 @@
           </a:prstGeom>
         </p:spPr>
         <p:txBody>
-          <a:bodyPr anchorCtr="0" anchor="t" bIns="91425" lIns="91425" spcFirstLastPara="1" rIns="91425" wrap="square" tIns="91425"/>
+          <a:bodyPr spcFirstLastPara="1" wrap="square" lIns="91425" tIns="91425" rIns="91425" bIns="91425" anchor="t" anchorCtr="0"/>
           <a:lstStyle>
-            <a:lvl1pPr indent="-311150" lvl="0" marL="457200">
+            <a:lvl1pPr marL="457200" lvl="0" indent="-311150">
               <a:spcBef>
                 <a:spcPts val="0"/>
               </a:spcBef>
@@ -3922,7 +3997,7 @@
               <a:buChar char="●"/>
               <a:defRPr/>
             </a:lvl1pPr>
-            <a:lvl2pPr indent="-298450" lvl="1" marL="914400">
+            <a:lvl2pPr marL="914400" lvl="1" indent="-298450">
               <a:spcBef>
                 <a:spcPts val="1600"/>
               </a:spcBef>
@@ -3933,7 +4008,7 @@
               <a:buChar char="○"/>
               <a:defRPr/>
             </a:lvl2pPr>
-            <a:lvl3pPr indent="-298450" lvl="2" marL="1371600">
+            <a:lvl3pPr marL="1371600" lvl="2" indent="-298450">
               <a:spcBef>
                 <a:spcPts val="1600"/>
               </a:spcBef>
@@ -3944,7 +4019,7 @@
               <a:buChar char="■"/>
               <a:defRPr/>
             </a:lvl3pPr>
-            <a:lvl4pPr indent="-298450" lvl="3" marL="1828800">
+            <a:lvl4pPr marL="1828800" lvl="3" indent="-298450">
               <a:spcBef>
                 <a:spcPts val="1600"/>
               </a:spcBef>
@@ -3955,7 +4030,7 @@
               <a:buChar char="●"/>
               <a:defRPr/>
             </a:lvl4pPr>
-            <a:lvl5pPr indent="-298450" lvl="4" marL="2286000">
+            <a:lvl5pPr marL="2286000" lvl="4" indent="-298450">
               <a:spcBef>
                 <a:spcPts val="1600"/>
               </a:spcBef>
@@ -3966,7 +4041,7 @@
               <a:buChar char="○"/>
               <a:defRPr/>
             </a:lvl5pPr>
-            <a:lvl6pPr indent="-298450" lvl="5" marL="2743200">
+            <a:lvl6pPr marL="2743200" lvl="5" indent="-298450">
               <a:spcBef>
                 <a:spcPts val="1600"/>
               </a:spcBef>
@@ -3977,7 +4052,7 @@
               <a:buChar char="■"/>
               <a:defRPr/>
             </a:lvl6pPr>
-            <a:lvl7pPr indent="-298450" lvl="6" marL="3200400">
+            <a:lvl7pPr marL="3200400" lvl="6" indent="-298450">
               <a:spcBef>
                 <a:spcPts val="1600"/>
               </a:spcBef>
@@ -3988,7 +4063,7 @@
               <a:buChar char="●"/>
               <a:defRPr/>
             </a:lvl7pPr>
-            <a:lvl8pPr indent="-298450" lvl="7" marL="3657600">
+            <a:lvl8pPr marL="3657600" lvl="7" indent="-298450">
               <a:spcBef>
                 <a:spcPts val="1600"/>
               </a:spcBef>
@@ -3999,7 +4074,7 @@
               <a:buChar char="○"/>
               <a:defRPr/>
             </a:lvl8pPr>
-            <a:lvl9pPr indent="-298450" lvl="8" marL="4114800">
+            <a:lvl9pPr marL="4114800" lvl="8" indent="-298450">
               <a:spcBef>
                 <a:spcPts val="1600"/>
               </a:spcBef>
@@ -4011,15 +4086,19 @@
               <a:defRPr/>
             </a:lvl9pPr>
           </a:lstStyle>
-          <a:p/>
+          <a:p>
+            <a:endParaRPr/>
+          </a:p>
         </p:txBody>
       </p:sp>
       <p:sp>
         <p:nvSpPr>
           <p:cNvPr id="30" name="Google Shape;30;p4"/>
-          <p:cNvSpPr txBox="1"/>
+          <p:cNvSpPr txBox="1">
+            <a:spLocks noGrp="1"/>
+          </p:cNvSpPr>
           <p:nvPr>
-            <p:ph idx="12" type="sldNum"/>
+            <p:ph type="sldNum" idx="12"/>
           </p:nvPr>
         </p:nvSpPr>
         <p:spPr>
@@ -4032,7 +4111,7 @@
           </a:prstGeom>
         </p:spPr>
         <p:txBody>
-          <a:bodyPr anchorCtr="0" anchor="ctr" bIns="91425" lIns="91425" spcFirstLastPara="1" rIns="91425" wrap="square" tIns="91425">
+          <a:bodyPr spcFirstLastPara="1" wrap="square" lIns="91425" tIns="91425" rIns="91425" bIns="91425" anchor="ctr" anchorCtr="0">
             <a:noAutofit/>
           </a:bodyPr>
           <a:lstStyle>
@@ -4074,7 +4153,7 @@
             </a:lvl9pPr>
           </a:lstStyle>
           <a:p>
-            <a:pPr indent="0" lvl="0" marL="0" rtl="0" algn="r">
+            <a:pPr marL="0" lvl="0" indent="0" algn="r" rtl="0">
               <a:spcBef>
                 <a:spcPts val="0"/>
               </a:spcBef>
@@ -4100,11 +4179,11 @@
 </file>
 
 <file path=ppt/slideLayouts/slideLayout4.xml><?xml version="1.0" encoding="utf-8"?>
-<p:sldLayout xmlns:a="http://schemas.openxmlformats.org/drawingml/2006/main" xmlns:r="http://schemas.openxmlformats.org/officeDocument/2006/relationships" xmlns:mc="http://schemas.openxmlformats.org/markup-compatibility/2006" xmlns:mv="urn:schemas-microsoft-com:mac:vml" xmlns:p="http://schemas.openxmlformats.org/presentationml/2006/main" xmlns:c="http://schemas.openxmlformats.org/drawingml/2006/chart" xmlns:dgm="http://schemas.openxmlformats.org/drawingml/2006/diagram" xmlns:o="urn:schemas-microsoft-com:office:office" xmlns:v="urn:schemas-microsoft-com:vml" xmlns:pvml="urn:schemas-microsoft-com:office:powerpoint" xmlns:com="http://schemas.openxmlformats.org/drawingml/2006/compatibility" xmlns:p14="http://schemas.microsoft.com/office/powerpoint/2010/main" xmlns:p15="http://schemas.microsoft.com/office/powerpoint/2012/main" matchingName="Title and two columns" type="twoColTx">
+<p:sldLayout xmlns:a="http://schemas.openxmlformats.org/drawingml/2006/main" xmlns:r="http://schemas.openxmlformats.org/officeDocument/2006/relationships" xmlns:p="http://schemas.openxmlformats.org/presentationml/2006/main" matchingName="Title and two columns" type="twoColTx">
   <p:cSld name="TITLE_AND_TWO_COLUMNS">
     <p:spTree>
       <p:nvGrpSpPr>
-        <p:cNvPr id="31" name="Shape 31"/>
+        <p:cNvPr id="1" name="Shape 31"/>
         <p:cNvGrpSpPr/>
         <p:nvPr/>
       </p:nvGrpSpPr>
@@ -4138,12 +4217,12 @@
           </a:ln>
         </p:spPr>
         <p:txBody>
-          <a:bodyPr anchorCtr="0" anchor="ctr" bIns="91425" lIns="91425" spcFirstLastPara="1" rIns="91425" wrap="square" tIns="91425">
+          <a:bodyPr spcFirstLastPara="1" wrap="square" lIns="91425" tIns="91425" rIns="91425" bIns="91425" anchor="ctr" anchorCtr="0">
             <a:noAutofit/>
           </a:bodyPr>
           <a:lstStyle/>
           <a:p>
-            <a:pPr indent="0" lvl="0" marL="0" rtl="0" algn="l">
+            <a:pPr marL="0" lvl="0" indent="0" algn="l" rtl="0">
               <a:spcBef>
                 <a:spcPts val="0"/>
               </a:spcBef>
@@ -4152,9 +4231,6 @@
               </a:spcAft>
               <a:buNone/>
             </a:pPr>
-            <a:r>
-              <a:t/>
-            </a:r>
             <a:endParaRPr/>
           </a:p>
         </p:txBody>
@@ -4195,12 +4271,12 @@
             </a:ln>
           </p:spPr>
           <p:txBody>
-            <a:bodyPr anchorCtr="0" anchor="ctr" bIns="91425" lIns="91425" spcFirstLastPara="1" rIns="91425" wrap="square" tIns="91425">
+            <a:bodyPr spcFirstLastPara="1" wrap="square" lIns="91425" tIns="91425" rIns="91425" bIns="91425" anchor="ctr" anchorCtr="0">
               <a:noAutofit/>
             </a:bodyPr>
             <a:lstStyle/>
             <a:p>
-              <a:pPr indent="0" lvl="0" marL="0" rtl="0" algn="l">
+              <a:pPr marL="0" lvl="0" indent="0" algn="l" rtl="0">
                 <a:spcBef>
                   <a:spcPts val="0"/>
                 </a:spcBef>
@@ -4209,9 +4285,6 @@
                 </a:spcAft>
                 <a:buNone/>
               </a:pPr>
-              <a:r>
-                <a:t/>
-              </a:r>
               <a:endParaRPr/>
             </a:p>
           </p:txBody>
@@ -4238,12 +4311,12 @@
             </a:ln>
           </p:spPr>
           <p:txBody>
-            <a:bodyPr anchorCtr="0" anchor="ctr" bIns="91425" lIns="91425" spcFirstLastPara="1" rIns="91425" wrap="square" tIns="91425">
+            <a:bodyPr spcFirstLastPara="1" wrap="square" lIns="91425" tIns="91425" rIns="91425" bIns="91425" anchor="ctr" anchorCtr="0">
               <a:noAutofit/>
             </a:bodyPr>
             <a:lstStyle/>
             <a:p>
-              <a:pPr indent="0" lvl="0" marL="0" rtl="0" algn="l">
+              <a:pPr marL="0" lvl="0" indent="0" algn="l" rtl="0">
                 <a:spcBef>
                   <a:spcPts val="0"/>
                 </a:spcBef>
@@ -4252,9 +4325,6 @@
                 </a:spcAft>
                 <a:buNone/>
               </a:pPr>
-              <a:r>
-                <a:t/>
-              </a:r>
               <a:endParaRPr/>
             </a:p>
           </p:txBody>
@@ -4263,7 +4333,9 @@
       <p:sp>
         <p:nvSpPr>
           <p:cNvPr id="36" name="Google Shape;36;p5"/>
-          <p:cNvSpPr txBox="1"/>
+          <p:cNvSpPr txBox="1">
+            <a:spLocks noGrp="1"/>
+          </p:cNvSpPr>
           <p:nvPr>
             <p:ph type="title"/>
           </p:nvPr>
@@ -4278,7 +4350,7 @@
           </a:prstGeom>
         </p:spPr>
         <p:txBody>
-          <a:bodyPr anchorCtr="0" anchor="t" bIns="91425" lIns="91425" spcFirstLastPara="1" rIns="91425" wrap="square" tIns="91425"/>
+          <a:bodyPr spcFirstLastPara="1" wrap="square" lIns="91425" tIns="91425" rIns="91425" bIns="91425" anchor="t" anchorCtr="0"/>
           <a:lstStyle>
             <a:lvl1pPr lvl="0">
               <a:spcBef>
@@ -4443,15 +4515,19 @@
               </a:defRPr>
             </a:lvl9pPr>
           </a:lstStyle>
-          <a:p/>
+          <a:p>
+            <a:endParaRPr/>
+          </a:p>
         </p:txBody>
       </p:sp>
       <p:sp>
         <p:nvSpPr>
           <p:cNvPr id="37" name="Google Shape;37;p5"/>
-          <p:cNvSpPr txBox="1"/>
+          <p:cNvSpPr txBox="1">
+            <a:spLocks noGrp="1"/>
+          </p:cNvSpPr>
           <p:nvPr>
-            <p:ph idx="1" type="body"/>
+            <p:ph type="body" idx="1"/>
           </p:nvPr>
         </p:nvSpPr>
         <p:spPr>
@@ -4464,9 +4540,9 @@
           </a:prstGeom>
         </p:spPr>
         <p:txBody>
-          <a:bodyPr anchorCtr="0" anchor="t" bIns="91425" lIns="91425" spcFirstLastPara="1" rIns="91425" wrap="square" tIns="91425"/>
+          <a:bodyPr spcFirstLastPara="1" wrap="square" lIns="91425" tIns="91425" rIns="91425" bIns="91425" anchor="t" anchorCtr="0"/>
           <a:lstStyle>
-            <a:lvl1pPr indent="-311150" lvl="0" marL="457200">
+            <a:lvl1pPr marL="457200" lvl="0" indent="-311150">
               <a:spcBef>
                 <a:spcPts val="0"/>
               </a:spcBef>
@@ -4477,7 +4553,7 @@
               <a:buChar char="●"/>
               <a:defRPr/>
             </a:lvl1pPr>
-            <a:lvl2pPr indent="-298450" lvl="1" marL="914400">
+            <a:lvl2pPr marL="914400" lvl="1" indent="-298450">
               <a:spcBef>
                 <a:spcPts val="1600"/>
               </a:spcBef>
@@ -4488,7 +4564,7 @@
               <a:buChar char="○"/>
               <a:defRPr/>
             </a:lvl2pPr>
-            <a:lvl3pPr indent="-298450" lvl="2" marL="1371600">
+            <a:lvl3pPr marL="1371600" lvl="2" indent="-298450">
               <a:spcBef>
                 <a:spcPts val="1600"/>
               </a:spcBef>
@@ -4499,7 +4575,7 @@
               <a:buChar char="■"/>
               <a:defRPr/>
             </a:lvl3pPr>
-            <a:lvl4pPr indent="-298450" lvl="3" marL="1828800">
+            <a:lvl4pPr marL="1828800" lvl="3" indent="-298450">
               <a:spcBef>
                 <a:spcPts val="1600"/>
               </a:spcBef>
@@ -4510,7 +4586,7 @@
               <a:buChar char="●"/>
               <a:defRPr/>
             </a:lvl4pPr>
-            <a:lvl5pPr indent="-298450" lvl="4" marL="2286000">
+            <a:lvl5pPr marL="2286000" lvl="4" indent="-298450">
               <a:spcBef>
                 <a:spcPts val="1600"/>
               </a:spcBef>
@@ -4521,7 +4597,7 @@
               <a:buChar char="○"/>
               <a:defRPr/>
             </a:lvl5pPr>
-            <a:lvl6pPr indent="-298450" lvl="5" marL="2743200">
+            <a:lvl6pPr marL="2743200" lvl="5" indent="-298450">
               <a:spcBef>
                 <a:spcPts val="1600"/>
               </a:spcBef>
@@ -4532,7 +4608,7 @@
               <a:buChar char="■"/>
               <a:defRPr/>
             </a:lvl6pPr>
-            <a:lvl7pPr indent="-298450" lvl="6" marL="3200400">
+            <a:lvl7pPr marL="3200400" lvl="6" indent="-298450">
               <a:spcBef>
                 <a:spcPts val="1600"/>
               </a:spcBef>
@@ -4543,7 +4619,7 @@
               <a:buChar char="●"/>
               <a:defRPr/>
             </a:lvl7pPr>
-            <a:lvl8pPr indent="-298450" lvl="7" marL="3657600">
+            <a:lvl8pPr marL="3657600" lvl="7" indent="-298450">
               <a:spcBef>
                 <a:spcPts val="1600"/>
               </a:spcBef>
@@ -4554,7 +4630,7 @@
               <a:buChar char="○"/>
               <a:defRPr/>
             </a:lvl8pPr>
-            <a:lvl9pPr indent="-298450" lvl="8" marL="4114800">
+            <a:lvl9pPr marL="4114800" lvl="8" indent="-298450">
               <a:spcBef>
                 <a:spcPts val="1600"/>
               </a:spcBef>
@@ -4566,15 +4642,19 @@
               <a:defRPr/>
             </a:lvl9pPr>
           </a:lstStyle>
-          <a:p/>
+          <a:p>
+            <a:endParaRPr/>
+          </a:p>
         </p:txBody>
       </p:sp>
       <p:sp>
         <p:nvSpPr>
           <p:cNvPr id="38" name="Google Shape;38;p5"/>
-          <p:cNvSpPr txBox="1"/>
+          <p:cNvSpPr txBox="1">
+            <a:spLocks noGrp="1"/>
+          </p:cNvSpPr>
           <p:nvPr>
-            <p:ph idx="2" type="body"/>
+            <p:ph type="body" idx="2"/>
           </p:nvPr>
         </p:nvSpPr>
         <p:spPr>
@@ -4587,9 +4667,9 @@
           </a:prstGeom>
         </p:spPr>
         <p:txBody>
-          <a:bodyPr anchorCtr="0" anchor="t" bIns="91425" lIns="91425" spcFirstLastPara="1" rIns="91425" wrap="square" tIns="91425"/>
+          <a:bodyPr spcFirstLastPara="1" wrap="square" lIns="91425" tIns="91425" rIns="91425" bIns="91425" anchor="t" anchorCtr="0"/>
           <a:lstStyle>
-            <a:lvl1pPr indent="-311150" lvl="0" marL="457200">
+            <a:lvl1pPr marL="457200" lvl="0" indent="-311150">
               <a:spcBef>
                 <a:spcPts val="0"/>
               </a:spcBef>
@@ -4600,7 +4680,7 @@
               <a:buChar char="●"/>
               <a:defRPr/>
             </a:lvl1pPr>
-            <a:lvl2pPr indent="-298450" lvl="1" marL="914400">
+            <a:lvl2pPr marL="914400" lvl="1" indent="-298450">
               <a:spcBef>
                 <a:spcPts val="1600"/>
               </a:spcBef>
@@ -4611,7 +4691,7 @@
               <a:buChar char="○"/>
               <a:defRPr/>
             </a:lvl2pPr>
-            <a:lvl3pPr indent="-298450" lvl="2" marL="1371600">
+            <a:lvl3pPr marL="1371600" lvl="2" indent="-298450">
               <a:spcBef>
                 <a:spcPts val="1600"/>
               </a:spcBef>
@@ -4622,7 +4702,7 @@
               <a:buChar char="■"/>
               <a:defRPr/>
             </a:lvl3pPr>
-            <a:lvl4pPr indent="-298450" lvl="3" marL="1828800">
+            <a:lvl4pPr marL="1828800" lvl="3" indent="-298450">
               <a:spcBef>
                 <a:spcPts val="1600"/>
               </a:spcBef>
@@ -4633,7 +4713,7 @@
               <a:buChar char="●"/>
               <a:defRPr/>
             </a:lvl4pPr>
-            <a:lvl5pPr indent="-298450" lvl="4" marL="2286000">
+            <a:lvl5pPr marL="2286000" lvl="4" indent="-298450">
               <a:spcBef>
                 <a:spcPts val="1600"/>
               </a:spcBef>
@@ -4644,7 +4724,7 @@
               <a:buChar char="○"/>
               <a:defRPr/>
             </a:lvl5pPr>
-            <a:lvl6pPr indent="-298450" lvl="5" marL="2743200">
+            <a:lvl6pPr marL="2743200" lvl="5" indent="-298450">
               <a:spcBef>
                 <a:spcPts val="1600"/>
               </a:spcBef>
@@ -4655,7 +4735,7 @@
               <a:buChar char="■"/>
               <a:defRPr/>
             </a:lvl6pPr>
-            <a:lvl7pPr indent="-298450" lvl="6" marL="3200400">
+            <a:lvl7pPr marL="3200400" lvl="6" indent="-298450">
               <a:spcBef>
                 <a:spcPts val="1600"/>
               </a:spcBef>
@@ -4666,7 +4746,7 @@
               <a:buChar char="●"/>
               <a:defRPr/>
             </a:lvl7pPr>
-            <a:lvl8pPr indent="-298450" lvl="7" marL="3657600">
+            <a:lvl8pPr marL="3657600" lvl="7" indent="-298450">
               <a:spcBef>
                 <a:spcPts val="1600"/>
               </a:spcBef>
@@ -4677,7 +4757,7 @@
               <a:buChar char="○"/>
               <a:defRPr/>
             </a:lvl8pPr>
-            <a:lvl9pPr indent="-298450" lvl="8" marL="4114800">
+            <a:lvl9pPr marL="4114800" lvl="8" indent="-298450">
               <a:spcBef>
                 <a:spcPts val="1600"/>
               </a:spcBef>
@@ -4689,15 +4769,19 @@
               <a:defRPr/>
             </a:lvl9pPr>
           </a:lstStyle>
-          <a:p/>
+          <a:p>
+            <a:endParaRPr/>
+          </a:p>
         </p:txBody>
       </p:sp>
       <p:sp>
         <p:nvSpPr>
           <p:cNvPr id="39" name="Google Shape;39;p5"/>
-          <p:cNvSpPr txBox="1"/>
+          <p:cNvSpPr txBox="1">
+            <a:spLocks noGrp="1"/>
+          </p:cNvSpPr>
           <p:nvPr>
-            <p:ph idx="12" type="sldNum"/>
+            <p:ph type="sldNum" idx="12"/>
           </p:nvPr>
         </p:nvSpPr>
         <p:spPr>
@@ -4710,7 +4794,7 @@
           </a:prstGeom>
         </p:spPr>
         <p:txBody>
-          <a:bodyPr anchorCtr="0" anchor="ctr" bIns="91425" lIns="91425" spcFirstLastPara="1" rIns="91425" wrap="square" tIns="91425">
+          <a:bodyPr spcFirstLastPara="1" wrap="square" lIns="91425" tIns="91425" rIns="91425" bIns="91425" anchor="ctr" anchorCtr="0">
             <a:noAutofit/>
           </a:bodyPr>
           <a:lstStyle>
@@ -4752,7 +4836,7 @@
             </a:lvl9pPr>
           </a:lstStyle>
           <a:p>
-            <a:pPr indent="0" lvl="0" marL="0" rtl="0" algn="r">
+            <a:pPr marL="0" lvl="0" indent="0" algn="r" rtl="0">
               <a:spcBef>
                 <a:spcPts val="0"/>
               </a:spcBef>
@@ -4778,11 +4862,11 @@
 </file>
 
 <file path=ppt/slideLayouts/slideLayout5.xml><?xml version="1.0" encoding="utf-8"?>
-<p:sldLayout xmlns:a="http://schemas.openxmlformats.org/drawingml/2006/main" xmlns:r="http://schemas.openxmlformats.org/officeDocument/2006/relationships" xmlns:mc="http://schemas.openxmlformats.org/markup-compatibility/2006" xmlns:mv="urn:schemas-microsoft-com:mac:vml" xmlns:p="http://schemas.openxmlformats.org/presentationml/2006/main" xmlns:c="http://schemas.openxmlformats.org/drawingml/2006/chart" xmlns:dgm="http://schemas.openxmlformats.org/drawingml/2006/diagram" xmlns:o="urn:schemas-microsoft-com:office:office" xmlns:v="urn:schemas-microsoft-com:vml" xmlns:pvml="urn:schemas-microsoft-com:office:powerpoint" xmlns:com="http://schemas.openxmlformats.org/drawingml/2006/compatibility" xmlns:p14="http://schemas.microsoft.com/office/powerpoint/2010/main" xmlns:p15="http://schemas.microsoft.com/office/powerpoint/2012/main" matchingName="Title only" type="titleOnly">
+<p:sldLayout xmlns:a="http://schemas.openxmlformats.org/drawingml/2006/main" xmlns:r="http://schemas.openxmlformats.org/officeDocument/2006/relationships" xmlns:p="http://schemas.openxmlformats.org/presentationml/2006/main" matchingName="Title only" type="titleOnly">
   <p:cSld name="TITLE_ONLY">
     <p:spTree>
       <p:nvGrpSpPr>
-        <p:cNvPr id="40" name="Shape 40"/>
+        <p:cNvPr id="1" name="Shape 40"/>
         <p:cNvGrpSpPr/>
         <p:nvPr/>
       </p:nvGrpSpPr>
@@ -4816,12 +4900,12 @@
           </a:ln>
         </p:spPr>
         <p:txBody>
-          <a:bodyPr anchorCtr="0" anchor="ctr" bIns="91425" lIns="91425" spcFirstLastPara="1" rIns="91425" wrap="square" tIns="91425">
+          <a:bodyPr spcFirstLastPara="1" wrap="square" lIns="91425" tIns="91425" rIns="91425" bIns="91425" anchor="ctr" anchorCtr="0">
             <a:noAutofit/>
           </a:bodyPr>
           <a:lstStyle/>
           <a:p>
-            <a:pPr indent="0" lvl="0" marL="0" rtl="0" algn="l">
+            <a:pPr marL="0" lvl="0" indent="0" algn="l" rtl="0">
               <a:spcBef>
                 <a:spcPts val="0"/>
               </a:spcBef>
@@ -4830,9 +4914,6 @@
               </a:spcAft>
               <a:buNone/>
             </a:pPr>
-            <a:r>
-              <a:t/>
-            </a:r>
             <a:endParaRPr/>
           </a:p>
         </p:txBody>
@@ -4873,12 +4954,12 @@
             </a:ln>
           </p:spPr>
           <p:txBody>
-            <a:bodyPr anchorCtr="0" anchor="ctr" bIns="91425" lIns="91425" spcFirstLastPara="1" rIns="91425" wrap="square" tIns="91425">
+            <a:bodyPr spcFirstLastPara="1" wrap="square" lIns="91425" tIns="91425" rIns="91425" bIns="91425" anchor="ctr" anchorCtr="0">
               <a:noAutofit/>
             </a:bodyPr>
             <a:lstStyle/>
             <a:p>
-              <a:pPr indent="0" lvl="0" marL="0" rtl="0" algn="l">
+              <a:pPr marL="0" lvl="0" indent="0" algn="l" rtl="0">
                 <a:spcBef>
                   <a:spcPts val="0"/>
                 </a:spcBef>
@@ -4887,9 +4968,6 @@
                 </a:spcAft>
                 <a:buNone/>
               </a:pPr>
-              <a:r>
-                <a:t/>
-              </a:r>
               <a:endParaRPr/>
             </a:p>
           </p:txBody>
@@ -4916,12 +4994,12 @@
             </a:ln>
           </p:spPr>
           <p:txBody>
-            <a:bodyPr anchorCtr="0" anchor="ctr" bIns="91425" lIns="91425" spcFirstLastPara="1" rIns="91425" wrap="square" tIns="91425">
+            <a:bodyPr spcFirstLastPara="1" wrap="square" lIns="91425" tIns="91425" rIns="91425" bIns="91425" anchor="ctr" anchorCtr="0">
               <a:noAutofit/>
             </a:bodyPr>
             <a:lstStyle/>
             <a:p>
-              <a:pPr indent="0" lvl="0" marL="0" rtl="0" algn="l">
+              <a:pPr marL="0" lvl="0" indent="0" algn="l" rtl="0">
                 <a:spcBef>
                   <a:spcPts val="0"/>
                 </a:spcBef>
@@ -4930,9 +5008,6 @@
                 </a:spcAft>
                 <a:buNone/>
               </a:pPr>
-              <a:r>
-                <a:t/>
-              </a:r>
               <a:endParaRPr/>
             </a:p>
           </p:txBody>
@@ -4941,7 +5016,9 @@
       <p:sp>
         <p:nvSpPr>
           <p:cNvPr id="45" name="Google Shape;45;p6"/>
-          <p:cNvSpPr txBox="1"/>
+          <p:cNvSpPr txBox="1">
+            <a:spLocks noGrp="1"/>
+          </p:cNvSpPr>
           <p:nvPr>
             <p:ph type="title"/>
           </p:nvPr>
@@ -4956,7 +5033,7 @@
           </a:prstGeom>
         </p:spPr>
         <p:txBody>
-          <a:bodyPr anchorCtr="0" anchor="t" bIns="91425" lIns="91425" spcFirstLastPara="1" rIns="91425" wrap="square" tIns="91425"/>
+          <a:bodyPr spcFirstLastPara="1" wrap="square" lIns="91425" tIns="91425" rIns="91425" bIns="91425" anchor="t" anchorCtr="0"/>
           <a:lstStyle>
             <a:lvl1pPr lvl="0">
               <a:spcBef>
@@ -5121,15 +5198,19 @@
               </a:defRPr>
             </a:lvl9pPr>
           </a:lstStyle>
-          <a:p/>
+          <a:p>
+            <a:endParaRPr/>
+          </a:p>
         </p:txBody>
       </p:sp>
       <p:sp>
         <p:nvSpPr>
           <p:cNvPr id="46" name="Google Shape;46;p6"/>
-          <p:cNvSpPr txBox="1"/>
+          <p:cNvSpPr txBox="1">
+            <a:spLocks noGrp="1"/>
+          </p:cNvSpPr>
           <p:nvPr>
-            <p:ph idx="12" type="sldNum"/>
+            <p:ph type="sldNum" idx="12"/>
           </p:nvPr>
         </p:nvSpPr>
         <p:spPr>
@@ -5142,7 +5223,7 @@
           </a:prstGeom>
         </p:spPr>
         <p:txBody>
-          <a:bodyPr anchorCtr="0" anchor="ctr" bIns="91425" lIns="91425" spcFirstLastPara="1" rIns="91425" wrap="square" tIns="91425">
+          <a:bodyPr spcFirstLastPara="1" wrap="square" lIns="91425" tIns="91425" rIns="91425" bIns="91425" anchor="ctr" anchorCtr="0">
             <a:noAutofit/>
           </a:bodyPr>
           <a:lstStyle>
@@ -5184,7 +5265,7 @@
             </a:lvl9pPr>
           </a:lstStyle>
           <a:p>
-            <a:pPr indent="0" lvl="0" marL="0" rtl="0" algn="r">
+            <a:pPr marL="0" lvl="0" indent="0" algn="r" rtl="0">
               <a:spcBef>
                 <a:spcPts val="0"/>
               </a:spcBef>
@@ -5210,11 +5291,11 @@
 </file>
 
 <file path=ppt/slideLayouts/slideLayout6.xml><?xml version="1.0" encoding="utf-8"?>
-<p:sldLayout xmlns:a="http://schemas.openxmlformats.org/drawingml/2006/main" xmlns:r="http://schemas.openxmlformats.org/officeDocument/2006/relationships" xmlns:mc="http://schemas.openxmlformats.org/markup-compatibility/2006" xmlns:mv="urn:schemas-microsoft-com:mac:vml" xmlns:p="http://schemas.openxmlformats.org/presentationml/2006/main" xmlns:c="http://schemas.openxmlformats.org/drawingml/2006/chart" xmlns:dgm="http://schemas.openxmlformats.org/drawingml/2006/diagram" xmlns:o="urn:schemas-microsoft-com:office:office" xmlns:v="urn:schemas-microsoft-com:vml" xmlns:pvml="urn:schemas-microsoft-com:office:powerpoint" xmlns:com="http://schemas.openxmlformats.org/drawingml/2006/compatibility" xmlns:p14="http://schemas.microsoft.com/office/powerpoint/2010/main" xmlns:p15="http://schemas.microsoft.com/office/powerpoint/2012/main" matchingName="One column text">
+<p:sldLayout xmlns:a="http://schemas.openxmlformats.org/drawingml/2006/main" xmlns:r="http://schemas.openxmlformats.org/officeDocument/2006/relationships" xmlns:p="http://schemas.openxmlformats.org/presentationml/2006/main" matchingName="One column text">
   <p:cSld name="ONE_COLUMN_TEXT">
     <p:spTree>
       <p:nvGrpSpPr>
-        <p:cNvPr id="47" name="Shape 47"/>
+        <p:cNvPr id="1" name="Shape 47"/>
         <p:cNvGrpSpPr/>
         <p:nvPr/>
       </p:nvGrpSpPr>
@@ -5248,12 +5329,12 @@
           </a:ln>
         </p:spPr>
         <p:txBody>
-          <a:bodyPr anchorCtr="0" anchor="ctr" bIns="91425" lIns="91425" spcFirstLastPara="1" rIns="91425" wrap="square" tIns="91425">
+          <a:bodyPr spcFirstLastPara="1" wrap="square" lIns="91425" tIns="91425" rIns="91425" bIns="91425" anchor="ctr" anchorCtr="0">
             <a:noAutofit/>
           </a:bodyPr>
           <a:lstStyle/>
           <a:p>
-            <a:pPr indent="0" lvl="0" marL="0" rtl="0" algn="l">
+            <a:pPr marL="0" lvl="0" indent="0" algn="l" rtl="0">
               <a:spcBef>
                 <a:spcPts val="0"/>
               </a:spcBef>
@@ -5262,9 +5343,6 @@
               </a:spcAft>
               <a:buNone/>
             </a:pPr>
-            <a:r>
-              <a:t/>
-            </a:r>
             <a:endParaRPr/>
           </a:p>
         </p:txBody>
@@ -5305,12 +5383,12 @@
             </a:ln>
           </p:spPr>
           <p:txBody>
-            <a:bodyPr anchorCtr="0" anchor="ctr" bIns="91425" lIns="91425" spcFirstLastPara="1" rIns="91425" wrap="square" tIns="91425">
+            <a:bodyPr spcFirstLastPara="1" wrap="square" lIns="91425" tIns="91425" rIns="91425" bIns="91425" anchor="ctr" anchorCtr="0">
               <a:noAutofit/>
             </a:bodyPr>
             <a:lstStyle/>
             <a:p>
-              <a:pPr indent="0" lvl="0" marL="0" rtl="0" algn="l">
+              <a:pPr marL="0" lvl="0" indent="0" algn="l" rtl="0">
                 <a:spcBef>
                   <a:spcPts val="0"/>
                 </a:spcBef>
@@ -5319,9 +5397,6 @@
                 </a:spcAft>
                 <a:buNone/>
               </a:pPr>
-              <a:r>
-                <a:t/>
-              </a:r>
               <a:endParaRPr/>
             </a:p>
           </p:txBody>
@@ -5348,12 +5423,12 @@
             </a:ln>
           </p:spPr>
           <p:txBody>
-            <a:bodyPr anchorCtr="0" anchor="ctr" bIns="91425" lIns="91425" spcFirstLastPara="1" rIns="91425" wrap="square" tIns="91425">
+            <a:bodyPr spcFirstLastPara="1" wrap="square" lIns="91425" tIns="91425" rIns="91425" bIns="91425" anchor="ctr" anchorCtr="0">
               <a:noAutofit/>
             </a:bodyPr>
             <a:lstStyle/>
             <a:p>
-              <a:pPr indent="0" lvl="0" marL="0" rtl="0" algn="l">
+              <a:pPr marL="0" lvl="0" indent="0" algn="l" rtl="0">
                 <a:spcBef>
                   <a:spcPts val="0"/>
                 </a:spcBef>
@@ -5362,9 +5437,6 @@
                 </a:spcAft>
                 <a:buNone/>
               </a:pPr>
-              <a:r>
-                <a:t/>
-              </a:r>
               <a:endParaRPr/>
             </a:p>
           </p:txBody>
@@ -5373,7 +5445,9 @@
       <p:sp>
         <p:nvSpPr>
           <p:cNvPr id="52" name="Google Shape;52;p7"/>
-          <p:cNvSpPr txBox="1"/>
+          <p:cNvSpPr txBox="1">
+            <a:spLocks noGrp="1"/>
+          </p:cNvSpPr>
           <p:nvPr>
             <p:ph type="title"/>
           </p:nvPr>
@@ -5388,7 +5462,7 @@
           </a:prstGeom>
         </p:spPr>
         <p:txBody>
-          <a:bodyPr anchorCtr="0" anchor="t" bIns="91425" lIns="91425" spcFirstLastPara="1" rIns="91425" wrap="square" tIns="91425"/>
+          <a:bodyPr spcFirstLastPara="1" wrap="square" lIns="91425" tIns="91425" rIns="91425" bIns="91425" anchor="t" anchorCtr="0"/>
           <a:lstStyle>
             <a:lvl1pPr lvl="0">
               <a:spcBef>
@@ -5553,15 +5627,19 @@
               </a:defRPr>
             </a:lvl9pPr>
           </a:lstStyle>
-          <a:p/>
+          <a:p>
+            <a:endParaRPr/>
+          </a:p>
         </p:txBody>
       </p:sp>
       <p:sp>
         <p:nvSpPr>
           <p:cNvPr id="53" name="Google Shape;53;p7"/>
-          <p:cNvSpPr txBox="1"/>
+          <p:cNvSpPr txBox="1">
+            <a:spLocks noGrp="1"/>
+          </p:cNvSpPr>
           <p:nvPr>
-            <p:ph idx="1" type="body"/>
+            <p:ph type="body" idx="1"/>
           </p:nvPr>
         </p:nvSpPr>
         <p:spPr>
@@ -5574,9 +5652,9 @@
           </a:prstGeom>
         </p:spPr>
         <p:txBody>
-          <a:bodyPr anchorCtr="0" anchor="t" bIns="91425" lIns="91425" spcFirstLastPara="1" rIns="91425" wrap="square" tIns="91425"/>
+          <a:bodyPr spcFirstLastPara="1" wrap="square" lIns="91425" tIns="91425" rIns="91425" bIns="91425" anchor="t" anchorCtr="0"/>
           <a:lstStyle>
-            <a:lvl1pPr indent="-311150" lvl="0" marL="457200">
+            <a:lvl1pPr marL="457200" lvl="0" indent="-311150">
               <a:spcBef>
                 <a:spcPts val="0"/>
               </a:spcBef>
@@ -5587,7 +5665,7 @@
               <a:buChar char="●"/>
               <a:defRPr/>
             </a:lvl1pPr>
-            <a:lvl2pPr indent="-298450" lvl="1" marL="914400">
+            <a:lvl2pPr marL="914400" lvl="1" indent="-298450">
               <a:spcBef>
                 <a:spcPts val="1600"/>
               </a:spcBef>
@@ -5598,7 +5676,7 @@
               <a:buChar char="○"/>
               <a:defRPr/>
             </a:lvl2pPr>
-            <a:lvl3pPr indent="-298450" lvl="2" marL="1371600">
+            <a:lvl3pPr marL="1371600" lvl="2" indent="-298450">
               <a:spcBef>
                 <a:spcPts val="1600"/>
               </a:spcBef>
@@ -5609,7 +5687,7 @@
               <a:buChar char="■"/>
               <a:defRPr/>
             </a:lvl3pPr>
-            <a:lvl4pPr indent="-298450" lvl="3" marL="1828800">
+            <a:lvl4pPr marL="1828800" lvl="3" indent="-298450">
               <a:spcBef>
                 <a:spcPts val="1600"/>
               </a:spcBef>
@@ -5620,7 +5698,7 @@
               <a:buChar char="●"/>
               <a:defRPr/>
             </a:lvl4pPr>
-            <a:lvl5pPr indent="-298450" lvl="4" marL="2286000">
+            <a:lvl5pPr marL="2286000" lvl="4" indent="-298450">
               <a:spcBef>
                 <a:spcPts val="1600"/>
               </a:spcBef>
@@ -5631,7 +5709,7 @@
               <a:buChar char="○"/>
               <a:defRPr/>
             </a:lvl5pPr>
-            <a:lvl6pPr indent="-298450" lvl="5" marL="2743200">
+            <a:lvl6pPr marL="2743200" lvl="5" indent="-298450">
               <a:spcBef>
                 <a:spcPts val="1600"/>
               </a:spcBef>
@@ -5642,7 +5720,7 @@
               <a:buChar char="■"/>
               <a:defRPr/>
             </a:lvl6pPr>
-            <a:lvl7pPr indent="-298450" lvl="6" marL="3200400">
+            <a:lvl7pPr marL="3200400" lvl="6" indent="-298450">
               <a:spcBef>
                 <a:spcPts val="1600"/>
               </a:spcBef>
@@ -5653,7 +5731,7 @@
               <a:buChar char="●"/>
               <a:defRPr/>
             </a:lvl7pPr>
-            <a:lvl8pPr indent="-298450" lvl="7" marL="3657600">
+            <a:lvl8pPr marL="3657600" lvl="7" indent="-298450">
               <a:spcBef>
                 <a:spcPts val="1600"/>
               </a:spcBef>
@@ -5664,7 +5742,7 @@
               <a:buChar char="○"/>
               <a:defRPr/>
             </a:lvl8pPr>
-            <a:lvl9pPr indent="-298450" lvl="8" marL="4114800">
+            <a:lvl9pPr marL="4114800" lvl="8" indent="-298450">
               <a:spcBef>
                 <a:spcPts val="1600"/>
               </a:spcBef>
@@ -5676,15 +5754,19 @@
               <a:defRPr/>
             </a:lvl9pPr>
           </a:lstStyle>
-          <a:p/>
+          <a:p>
+            <a:endParaRPr/>
+          </a:p>
         </p:txBody>
       </p:sp>
       <p:sp>
         <p:nvSpPr>
           <p:cNvPr id="54" name="Google Shape;54;p7"/>
-          <p:cNvSpPr txBox="1"/>
+          <p:cNvSpPr txBox="1">
+            <a:spLocks noGrp="1"/>
+          </p:cNvSpPr>
           <p:nvPr>
-            <p:ph idx="12" type="sldNum"/>
+            <p:ph type="sldNum" idx="12"/>
           </p:nvPr>
         </p:nvSpPr>
         <p:spPr>
@@ -5697,7 +5779,7 @@
           </a:prstGeom>
         </p:spPr>
         <p:txBody>
-          <a:bodyPr anchorCtr="0" anchor="ctr" bIns="91425" lIns="91425" spcFirstLastPara="1" rIns="91425" wrap="square" tIns="91425">
+          <a:bodyPr spcFirstLastPara="1" wrap="square" lIns="91425" tIns="91425" rIns="91425" bIns="91425" anchor="ctr" anchorCtr="0">
             <a:noAutofit/>
           </a:bodyPr>
           <a:lstStyle>
@@ -5739,7 +5821,7 @@
             </a:lvl9pPr>
           </a:lstStyle>
           <a:p>
-            <a:pPr indent="0" lvl="0" marL="0" rtl="0" algn="r">
+            <a:pPr marL="0" lvl="0" indent="0" algn="r" rtl="0">
               <a:spcBef>
                 <a:spcPts val="0"/>
               </a:spcBef>
@@ -5765,18 +5847,19 @@
 </file>
 
 <file path=ppt/slideLayouts/slideLayout7.xml><?xml version="1.0" encoding="utf-8"?>
-<p:sldLayout xmlns:a="http://schemas.openxmlformats.org/drawingml/2006/main" xmlns:r="http://schemas.openxmlformats.org/officeDocument/2006/relationships" xmlns:mc="http://schemas.openxmlformats.org/markup-compatibility/2006" xmlns:mv="urn:schemas-microsoft-com:mac:vml" xmlns:p="http://schemas.openxmlformats.org/presentationml/2006/main" xmlns:c="http://schemas.openxmlformats.org/drawingml/2006/chart" xmlns:dgm="http://schemas.openxmlformats.org/drawingml/2006/diagram" xmlns:o="urn:schemas-microsoft-com:office:office" xmlns:v="urn:schemas-microsoft-com:vml" xmlns:pvml="urn:schemas-microsoft-com:office:powerpoint" xmlns:com="http://schemas.openxmlformats.org/drawingml/2006/compatibility" xmlns:p14="http://schemas.microsoft.com/office/powerpoint/2010/main" xmlns:p15="http://schemas.microsoft.com/office/powerpoint/2012/main" matchingName="Main point">
+<p:sldLayout xmlns:a="http://schemas.openxmlformats.org/drawingml/2006/main" xmlns:r="http://schemas.openxmlformats.org/officeDocument/2006/relationships" xmlns:p="http://schemas.openxmlformats.org/presentationml/2006/main" matchingName="Main point">
   <p:cSld name="MAIN_POINT">
     <p:bg>
       <p:bgPr>
         <a:solidFill>
           <a:schemeClr val="accent3"/>
         </a:solidFill>
+        <a:effectLst/>
       </p:bgPr>
     </p:bg>
     <p:spTree>
       <p:nvGrpSpPr>
-        <p:cNvPr id="55" name="Shape 55"/>
+        <p:cNvPr id="1" name="Shape 55"/>
         <p:cNvGrpSpPr/>
         <p:nvPr/>
       </p:nvGrpSpPr>
@@ -5824,12 +5907,12 @@
             </a:ln>
           </p:spPr>
           <p:txBody>
-            <a:bodyPr anchorCtr="0" anchor="ctr" bIns="91425" lIns="91425" spcFirstLastPara="1" rIns="91425" wrap="square" tIns="91425">
+            <a:bodyPr spcFirstLastPara="1" wrap="square" lIns="91425" tIns="91425" rIns="91425" bIns="91425" anchor="ctr" anchorCtr="0">
               <a:noAutofit/>
             </a:bodyPr>
             <a:lstStyle/>
             <a:p>
-              <a:pPr indent="0" lvl="0" marL="0" rtl="0" algn="l">
+              <a:pPr marL="0" lvl="0" indent="0" algn="l" rtl="0">
                 <a:spcBef>
                   <a:spcPts val="0"/>
                 </a:spcBef>
@@ -5838,9 +5921,6 @@
                 </a:spcAft>
                 <a:buNone/>
               </a:pPr>
-              <a:r>
-                <a:t/>
-              </a:r>
               <a:endParaRPr/>
             </a:p>
           </p:txBody>
@@ -5867,12 +5947,12 @@
             </a:ln>
           </p:spPr>
           <p:txBody>
-            <a:bodyPr anchorCtr="0" anchor="ctr" bIns="91425" lIns="91425" spcFirstLastPara="1" rIns="91425" wrap="square" tIns="91425">
+            <a:bodyPr spcFirstLastPara="1" wrap="square" lIns="91425" tIns="91425" rIns="91425" bIns="91425" anchor="ctr" anchorCtr="0">
               <a:noAutofit/>
             </a:bodyPr>
             <a:lstStyle/>
             <a:p>
-              <a:pPr indent="0" lvl="0" marL="0" rtl="0" algn="l">
+              <a:pPr marL="0" lvl="0" indent="0" algn="l" rtl="0">
                 <a:spcBef>
                   <a:spcPts val="0"/>
                 </a:spcBef>
@@ -5881,9 +5961,6 @@
                 </a:spcAft>
                 <a:buNone/>
               </a:pPr>
-              <a:r>
-                <a:t/>
-              </a:r>
               <a:endParaRPr/>
             </a:p>
           </p:txBody>
@@ -5892,7 +5969,9 @@
       <p:sp>
         <p:nvSpPr>
           <p:cNvPr id="59" name="Google Shape;59;p8"/>
-          <p:cNvSpPr txBox="1"/>
+          <p:cNvSpPr txBox="1">
+            <a:spLocks noGrp="1"/>
+          </p:cNvSpPr>
           <p:nvPr>
             <p:ph type="title"/>
           </p:nvPr>
@@ -5907,7 +5986,7 @@
           </a:prstGeom>
         </p:spPr>
         <p:txBody>
-          <a:bodyPr anchorCtr="0" anchor="ctr" bIns="91425" lIns="91425" spcFirstLastPara="1" rIns="91425" wrap="square" tIns="91425"/>
+          <a:bodyPr spcFirstLastPara="1" wrap="square" lIns="91425" tIns="91425" rIns="91425" bIns="91425" anchor="ctr" anchorCtr="0"/>
           <a:lstStyle>
             <a:lvl1pPr lvl="0">
               <a:spcBef>
@@ -6072,15 +6151,19 @@
               </a:defRPr>
             </a:lvl9pPr>
           </a:lstStyle>
-          <a:p/>
+          <a:p>
+            <a:endParaRPr/>
+          </a:p>
         </p:txBody>
       </p:sp>
       <p:sp>
         <p:nvSpPr>
           <p:cNvPr id="60" name="Google Shape;60;p8"/>
-          <p:cNvSpPr txBox="1"/>
+          <p:cNvSpPr txBox="1">
+            <a:spLocks noGrp="1"/>
+          </p:cNvSpPr>
           <p:nvPr>
-            <p:ph idx="12" type="sldNum"/>
+            <p:ph type="sldNum" idx="12"/>
           </p:nvPr>
         </p:nvSpPr>
         <p:spPr>
@@ -6093,7 +6176,7 @@
           </a:prstGeom>
         </p:spPr>
         <p:txBody>
-          <a:bodyPr anchorCtr="0" anchor="ctr" bIns="91425" lIns="91425" spcFirstLastPara="1" rIns="91425" wrap="square" tIns="91425">
+          <a:bodyPr spcFirstLastPara="1" wrap="square" lIns="91425" tIns="91425" rIns="91425" bIns="91425" anchor="ctr" anchorCtr="0">
             <a:noAutofit/>
           </a:bodyPr>
           <a:lstStyle>
@@ -6171,7 +6254,7 @@
             </a:lvl9pPr>
           </a:lstStyle>
           <a:p>
-            <a:pPr indent="0" lvl="0" marL="0" rtl="0" algn="r">
+            <a:pPr marL="0" lvl="0" indent="0" algn="r" rtl="0">
               <a:spcBef>
                 <a:spcPts val="0"/>
               </a:spcBef>
@@ -6197,11 +6280,11 @@
 </file>
 
 <file path=ppt/slideLayouts/slideLayout8.xml><?xml version="1.0" encoding="utf-8"?>
-<p:sldLayout xmlns:a="http://schemas.openxmlformats.org/drawingml/2006/main" xmlns:r="http://schemas.openxmlformats.org/officeDocument/2006/relationships" xmlns:mc="http://schemas.openxmlformats.org/markup-compatibility/2006" xmlns:mv="urn:schemas-microsoft-com:mac:vml" xmlns:p="http://schemas.openxmlformats.org/presentationml/2006/main" xmlns:c="http://schemas.openxmlformats.org/drawingml/2006/chart" xmlns:dgm="http://schemas.openxmlformats.org/drawingml/2006/diagram" xmlns:o="urn:schemas-microsoft-com:office:office" xmlns:v="urn:schemas-microsoft-com:vml" xmlns:pvml="urn:schemas-microsoft-com:office:powerpoint" xmlns:com="http://schemas.openxmlformats.org/drawingml/2006/compatibility" xmlns:p14="http://schemas.microsoft.com/office/powerpoint/2010/main" xmlns:p15="http://schemas.microsoft.com/office/powerpoint/2012/main" matchingName="Section title and description">
+<p:sldLayout xmlns:a="http://schemas.openxmlformats.org/drawingml/2006/main" xmlns:r="http://schemas.openxmlformats.org/officeDocument/2006/relationships" xmlns:p="http://schemas.openxmlformats.org/presentationml/2006/main" matchingName="Section title and description">
   <p:cSld name="SECTION_TITLE_AND_DESCRIPTION">
     <p:spTree>
       <p:nvGrpSpPr>
-        <p:cNvPr id="61" name="Shape 61"/>
+        <p:cNvPr id="1" name="Shape 61"/>
         <p:cNvGrpSpPr/>
         <p:nvPr/>
       </p:nvGrpSpPr>
@@ -6235,12 +6318,12 @@
           </a:ln>
         </p:spPr>
         <p:txBody>
-          <a:bodyPr anchorCtr="0" anchor="ctr" bIns="91425" lIns="91425" spcFirstLastPara="1" rIns="91425" wrap="square" tIns="91425">
+          <a:bodyPr spcFirstLastPara="1" wrap="square" lIns="91425" tIns="91425" rIns="91425" bIns="91425" anchor="ctr" anchorCtr="0">
             <a:noAutofit/>
           </a:bodyPr>
           <a:lstStyle/>
           <a:p>
-            <a:pPr indent="0" lvl="0" marL="0" rtl="0" algn="l">
+            <a:pPr marL="0" lvl="0" indent="0" algn="l" rtl="0">
               <a:spcBef>
                 <a:spcPts val="0"/>
               </a:spcBef>
@@ -6249,9 +6332,6 @@
               </a:spcAft>
               <a:buNone/>
             </a:pPr>
-            <a:r>
-              <a:t/>
-            </a:r>
             <a:endParaRPr/>
           </a:p>
         </p:txBody>
@@ -6292,12 +6372,12 @@
             </a:ln>
           </p:spPr>
           <p:txBody>
-            <a:bodyPr anchorCtr="0" anchor="ctr" bIns="91425" lIns="91425" spcFirstLastPara="1" rIns="91425" wrap="square" tIns="91425">
+            <a:bodyPr spcFirstLastPara="1" wrap="square" lIns="91425" tIns="91425" rIns="91425" bIns="91425" anchor="ctr" anchorCtr="0">
               <a:noAutofit/>
             </a:bodyPr>
             <a:lstStyle/>
             <a:p>
-              <a:pPr indent="0" lvl="0" marL="0" rtl="0" algn="l">
+              <a:pPr marL="0" lvl="0" indent="0" algn="l" rtl="0">
                 <a:spcBef>
                   <a:spcPts val="0"/>
                 </a:spcBef>
@@ -6306,9 +6386,6 @@
                 </a:spcAft>
                 <a:buNone/>
               </a:pPr>
-              <a:r>
-                <a:t/>
-              </a:r>
               <a:endParaRPr/>
             </a:p>
           </p:txBody>
@@ -6335,12 +6412,12 @@
             </a:ln>
           </p:spPr>
           <p:txBody>
-            <a:bodyPr anchorCtr="0" anchor="ctr" bIns="91425" lIns="91425" spcFirstLastPara="1" rIns="91425" wrap="square" tIns="91425">
+            <a:bodyPr spcFirstLastPara="1" wrap="square" lIns="91425" tIns="91425" rIns="91425" bIns="91425" anchor="ctr" anchorCtr="0">
               <a:noAutofit/>
             </a:bodyPr>
             <a:lstStyle/>
             <a:p>
-              <a:pPr indent="0" lvl="0" marL="0" rtl="0" algn="l">
+              <a:pPr marL="0" lvl="0" indent="0" algn="l" rtl="0">
                 <a:spcBef>
                   <a:spcPts val="0"/>
                 </a:spcBef>
@@ -6349,9 +6426,6 @@
                 </a:spcAft>
                 <a:buNone/>
               </a:pPr>
-              <a:r>
-                <a:t/>
-              </a:r>
               <a:endParaRPr/>
             </a:p>
           </p:txBody>
@@ -6360,7 +6434,9 @@
       <p:sp>
         <p:nvSpPr>
           <p:cNvPr id="66" name="Google Shape;66;p9"/>
-          <p:cNvSpPr txBox="1"/>
+          <p:cNvSpPr txBox="1">
+            <a:spLocks noGrp="1"/>
+          </p:cNvSpPr>
           <p:nvPr>
             <p:ph type="title"/>
           </p:nvPr>
@@ -6375,7 +6451,7 @@
           </a:prstGeom>
         </p:spPr>
         <p:txBody>
-          <a:bodyPr anchorCtr="0" anchor="t" bIns="91425" lIns="91425" spcFirstLastPara="1" rIns="91425" wrap="square" tIns="91425"/>
+          <a:bodyPr spcFirstLastPara="1" wrap="square" lIns="91425" tIns="91425" rIns="91425" bIns="91425" anchor="t" anchorCtr="0"/>
           <a:lstStyle>
             <a:lvl1pPr lvl="0">
               <a:spcBef>
@@ -6540,15 +6616,19 @@
               </a:defRPr>
             </a:lvl9pPr>
           </a:lstStyle>
-          <a:p/>
+          <a:p>
+            <a:endParaRPr/>
+          </a:p>
         </p:txBody>
       </p:sp>
       <p:sp>
         <p:nvSpPr>
           <p:cNvPr id="67" name="Google Shape;67;p9"/>
-          <p:cNvSpPr txBox="1"/>
+          <p:cNvSpPr txBox="1">
+            <a:spLocks noGrp="1"/>
+          </p:cNvSpPr>
           <p:nvPr>
-            <p:ph idx="1" type="subTitle"/>
+            <p:ph type="subTitle" idx="1"/>
           </p:nvPr>
         </p:nvSpPr>
         <p:spPr>
@@ -6561,7 +6641,7 @@
           </a:prstGeom>
         </p:spPr>
         <p:txBody>
-          <a:bodyPr anchorCtr="0" anchor="t" bIns="91425" lIns="91425" spcFirstLastPara="1" rIns="91425" wrap="square" tIns="91425"/>
+          <a:bodyPr spcFirstLastPara="1" wrap="square" lIns="91425" tIns="91425" rIns="91425" bIns="91425" anchor="t" anchorCtr="0"/>
           <a:lstStyle>
             <a:lvl1pPr lvl="0">
               <a:lnSpc>
@@ -6690,15 +6770,19 @@
               <a:defRPr sz="1600"/>
             </a:lvl9pPr>
           </a:lstStyle>
-          <a:p/>
+          <a:p>
+            <a:endParaRPr/>
+          </a:p>
         </p:txBody>
       </p:sp>
       <p:sp>
         <p:nvSpPr>
           <p:cNvPr id="68" name="Google Shape;68;p9"/>
-          <p:cNvSpPr txBox="1"/>
+          <p:cNvSpPr txBox="1">
+            <a:spLocks noGrp="1"/>
+          </p:cNvSpPr>
           <p:nvPr>
-            <p:ph idx="2" type="body"/>
+            <p:ph type="body" idx="2"/>
           </p:nvPr>
         </p:nvSpPr>
         <p:spPr>
@@ -6711,9 +6795,9 @@
           </a:prstGeom>
         </p:spPr>
         <p:txBody>
-          <a:bodyPr anchorCtr="0" anchor="t" bIns="91425" lIns="91425" spcFirstLastPara="1" rIns="91425" wrap="square" tIns="91425"/>
+          <a:bodyPr spcFirstLastPara="1" wrap="square" lIns="91425" tIns="91425" rIns="91425" bIns="91425" anchor="t" anchorCtr="0"/>
           <a:lstStyle>
-            <a:lvl1pPr indent="-311150" lvl="0" marL="457200">
+            <a:lvl1pPr marL="457200" lvl="0" indent="-311150">
               <a:spcBef>
                 <a:spcPts val="0"/>
               </a:spcBef>
@@ -6724,7 +6808,7 @@
               <a:buChar char="●"/>
               <a:defRPr/>
             </a:lvl1pPr>
-            <a:lvl2pPr indent="-298450" lvl="1" marL="914400">
+            <a:lvl2pPr marL="914400" lvl="1" indent="-298450">
               <a:spcBef>
                 <a:spcPts val="1600"/>
               </a:spcBef>
@@ -6735,7 +6819,7 @@
               <a:buChar char="○"/>
               <a:defRPr/>
             </a:lvl2pPr>
-            <a:lvl3pPr indent="-298450" lvl="2" marL="1371600">
+            <a:lvl3pPr marL="1371600" lvl="2" indent="-298450">
               <a:spcBef>
                 <a:spcPts val="1600"/>
               </a:spcBef>
@@ -6746,7 +6830,7 @@
               <a:buChar char="■"/>
               <a:defRPr/>
             </a:lvl3pPr>
-            <a:lvl4pPr indent="-298450" lvl="3" marL="1828800">
+            <a:lvl4pPr marL="1828800" lvl="3" indent="-298450">
               <a:spcBef>
                 <a:spcPts val="1600"/>
               </a:spcBef>
@@ -6757,7 +6841,7 @@
               <a:buChar char="●"/>
               <a:defRPr/>
             </a:lvl4pPr>
-            <a:lvl5pPr indent="-298450" lvl="4" marL="2286000">
+            <a:lvl5pPr marL="2286000" lvl="4" indent="-298450">
               <a:spcBef>
                 <a:spcPts val="1600"/>
               </a:spcBef>
@@ -6768,7 +6852,7 @@
               <a:buChar char="○"/>
               <a:defRPr/>
             </a:lvl5pPr>
-            <a:lvl6pPr indent="-298450" lvl="5" marL="2743200">
+            <a:lvl6pPr marL="2743200" lvl="5" indent="-298450">
               <a:spcBef>
                 <a:spcPts val="1600"/>
               </a:spcBef>
@@ -6779,7 +6863,7 @@
               <a:buChar char="■"/>
               <a:defRPr/>
             </a:lvl6pPr>
-            <a:lvl7pPr indent="-298450" lvl="6" marL="3200400">
+            <a:lvl7pPr marL="3200400" lvl="6" indent="-298450">
               <a:spcBef>
                 <a:spcPts val="1600"/>
               </a:spcBef>
@@ -6790,7 +6874,7 @@
               <a:buChar char="●"/>
               <a:defRPr/>
             </a:lvl7pPr>
-            <a:lvl8pPr indent="-298450" lvl="7" marL="3657600">
+            <a:lvl8pPr marL="3657600" lvl="7" indent="-298450">
               <a:spcBef>
                 <a:spcPts val="1600"/>
               </a:spcBef>
@@ -6801,7 +6885,7 @@
               <a:buChar char="○"/>
               <a:defRPr/>
             </a:lvl8pPr>
-            <a:lvl9pPr indent="-298450" lvl="8" marL="4114800">
+            <a:lvl9pPr marL="4114800" lvl="8" indent="-298450">
               <a:spcBef>
                 <a:spcPts val="1600"/>
               </a:spcBef>
@@ -6813,15 +6897,19 @@
               <a:defRPr/>
             </a:lvl9pPr>
           </a:lstStyle>
-          <a:p/>
+          <a:p>
+            <a:endParaRPr/>
+          </a:p>
         </p:txBody>
       </p:sp>
       <p:sp>
         <p:nvSpPr>
           <p:cNvPr id="69" name="Google Shape;69;p9"/>
-          <p:cNvSpPr txBox="1"/>
+          <p:cNvSpPr txBox="1">
+            <a:spLocks noGrp="1"/>
+          </p:cNvSpPr>
           <p:nvPr>
-            <p:ph idx="12" type="sldNum"/>
+            <p:ph type="sldNum" idx="12"/>
           </p:nvPr>
         </p:nvSpPr>
         <p:spPr>
@@ -6834,7 +6922,7 @@
           </a:prstGeom>
         </p:spPr>
         <p:txBody>
-          <a:bodyPr anchorCtr="0" anchor="ctr" bIns="91425" lIns="91425" spcFirstLastPara="1" rIns="91425" wrap="square" tIns="91425">
+          <a:bodyPr spcFirstLastPara="1" wrap="square" lIns="91425" tIns="91425" rIns="91425" bIns="91425" anchor="ctr" anchorCtr="0">
             <a:noAutofit/>
           </a:bodyPr>
           <a:lstStyle>
@@ -6876,7 +6964,7 @@
             </a:lvl9pPr>
           </a:lstStyle>
           <a:p>
-            <a:pPr indent="0" lvl="0" marL="0" rtl="0" algn="r">
+            <a:pPr marL="0" lvl="0" indent="0" algn="r" rtl="0">
               <a:spcBef>
                 <a:spcPts val="0"/>
               </a:spcBef>
@@ -6902,11 +6990,11 @@
 </file>
 
 <file path=ppt/slideLayouts/slideLayout9.xml><?xml version="1.0" encoding="utf-8"?>
-<p:sldLayout xmlns:a="http://schemas.openxmlformats.org/drawingml/2006/main" xmlns:r="http://schemas.openxmlformats.org/officeDocument/2006/relationships" xmlns:mc="http://schemas.openxmlformats.org/markup-compatibility/2006" xmlns:mv="urn:schemas-microsoft-com:mac:vml" xmlns:p="http://schemas.openxmlformats.org/presentationml/2006/main" xmlns:c="http://schemas.openxmlformats.org/drawingml/2006/chart" xmlns:dgm="http://schemas.openxmlformats.org/drawingml/2006/diagram" xmlns:o="urn:schemas-microsoft-com:office:office" xmlns:v="urn:schemas-microsoft-com:vml" xmlns:pvml="urn:schemas-microsoft-com:office:powerpoint" xmlns:com="http://schemas.openxmlformats.org/drawingml/2006/compatibility" xmlns:p14="http://schemas.microsoft.com/office/powerpoint/2010/main" xmlns:p15="http://schemas.microsoft.com/office/powerpoint/2012/main" matchingName="Caption">
+<p:sldLayout xmlns:a="http://schemas.openxmlformats.org/drawingml/2006/main" xmlns:r="http://schemas.openxmlformats.org/officeDocument/2006/relationships" xmlns:p="http://schemas.openxmlformats.org/presentationml/2006/main" matchingName="Caption">
   <p:cSld name="CAPTION_ONLY">
     <p:spTree>
       <p:nvGrpSpPr>
-        <p:cNvPr id="70" name="Shape 70"/>
+        <p:cNvPr id="1" name="Shape 70"/>
         <p:cNvGrpSpPr/>
         <p:nvPr/>
       </p:nvGrpSpPr>
@@ -6921,9 +7009,11 @@
       <p:sp>
         <p:nvSpPr>
           <p:cNvPr id="71" name="Google Shape;71;p10"/>
-          <p:cNvSpPr txBox="1"/>
+          <p:cNvSpPr txBox="1">
+            <a:spLocks noGrp="1"/>
+          </p:cNvSpPr>
           <p:nvPr>
-            <p:ph idx="1" type="body"/>
+            <p:ph type="body" idx="1"/>
           </p:nvPr>
         </p:nvSpPr>
         <p:spPr>
@@ -6936,9 +7026,9 @@
           </a:prstGeom>
         </p:spPr>
         <p:txBody>
-          <a:bodyPr anchorCtr="0" anchor="ctr" bIns="91425" lIns="91425" spcFirstLastPara="1" rIns="91425" wrap="square" tIns="91425"/>
+          <a:bodyPr spcFirstLastPara="1" wrap="square" lIns="91425" tIns="91425" rIns="91425" bIns="91425" anchor="ctr" anchorCtr="0"/>
           <a:lstStyle>
-            <a:lvl1pPr indent="-228600" lvl="0" marL="457200">
+            <a:lvl1pPr marL="457200" lvl="0" indent="-228600">
               <a:lnSpc>
                 <a:spcPct val="100000"/>
               </a:lnSpc>
@@ -6953,15 +7043,19 @@
               <a:defRPr/>
             </a:lvl1pPr>
           </a:lstStyle>
-          <a:p/>
+          <a:p>
+            <a:endParaRPr/>
+          </a:p>
         </p:txBody>
       </p:sp>
       <p:sp>
         <p:nvSpPr>
           <p:cNvPr id="72" name="Google Shape;72;p10"/>
-          <p:cNvSpPr txBox="1"/>
+          <p:cNvSpPr txBox="1">
+            <a:spLocks noGrp="1"/>
+          </p:cNvSpPr>
           <p:nvPr>
-            <p:ph idx="12" type="sldNum"/>
+            <p:ph type="sldNum" idx="12"/>
           </p:nvPr>
         </p:nvSpPr>
         <p:spPr>
@@ -6974,7 +7068,7 @@
           </a:prstGeom>
         </p:spPr>
         <p:txBody>
-          <a:bodyPr anchorCtr="0" anchor="ctr" bIns="91425" lIns="91425" spcFirstLastPara="1" rIns="91425" wrap="square" tIns="91425">
+          <a:bodyPr spcFirstLastPara="1" wrap="square" lIns="91425" tIns="91425" rIns="91425" bIns="91425" anchor="ctr" anchorCtr="0">
             <a:noAutofit/>
           </a:bodyPr>
           <a:lstStyle>
@@ -7016,7 +7110,7 @@
             </a:lvl9pPr>
           </a:lstStyle>
           <a:p>
-            <a:pPr indent="0" lvl="0" marL="0" rtl="0" algn="r">
+            <a:pPr marL="0" lvl="0" indent="0" algn="r" rtl="0">
               <a:spcBef>
                 <a:spcPts val="0"/>
               </a:spcBef>
@@ -7042,18 +7136,19 @@
 </file>
 
 <file path=ppt/slideMasters/slideMaster1.xml><?xml version="1.0" encoding="utf-8"?>
-<p:sldMaster xmlns:a="http://schemas.openxmlformats.org/drawingml/2006/main" xmlns:r="http://schemas.openxmlformats.org/officeDocument/2006/relationships" xmlns:mc="http://schemas.openxmlformats.org/markup-compatibility/2006" xmlns:mv="urn:schemas-microsoft-com:mac:vml" xmlns:p="http://schemas.openxmlformats.org/presentationml/2006/main" xmlns:c="http://schemas.openxmlformats.org/drawingml/2006/chart" xmlns:dgm="http://schemas.openxmlformats.org/drawingml/2006/diagram" xmlns:o="urn:schemas-microsoft-com:office:office" xmlns:v="urn:schemas-microsoft-com:vml" xmlns:pvml="urn:schemas-microsoft-com:office:powerpoint" xmlns:com="http://schemas.openxmlformats.org/drawingml/2006/compatibility" xmlns:p14="http://schemas.microsoft.com/office/powerpoint/2010/main" xmlns:p15="http://schemas.microsoft.com/office/powerpoint/2012/main">
+<p:sldMaster xmlns:a="http://schemas.openxmlformats.org/drawingml/2006/main" xmlns:r="http://schemas.openxmlformats.org/officeDocument/2006/relationships" xmlns:p="http://schemas.openxmlformats.org/presentationml/2006/main">
   <p:cSld name="streamline">
     <p:bg>
       <p:bgPr>
         <a:solidFill>
           <a:schemeClr val="lt1"/>
         </a:solidFill>
+        <a:effectLst/>
       </p:bgPr>
     </p:bg>
     <p:spTree>
       <p:nvGrpSpPr>
-        <p:cNvPr id="5" name="Shape 5"/>
+        <p:cNvPr id="1" name="Shape 5"/>
         <p:cNvGrpSpPr/>
         <p:nvPr/>
       </p:nvGrpSpPr>
@@ -7068,7 +7163,9 @@
       <p:sp>
         <p:nvSpPr>
           <p:cNvPr id="6" name="Google Shape;6;p1"/>
-          <p:cNvSpPr txBox="1"/>
+          <p:cNvSpPr txBox="1">
+            <a:spLocks noGrp="1"/>
+          </p:cNvSpPr>
           <p:nvPr>
             <p:ph type="title"/>
           </p:nvPr>
@@ -7087,7 +7184,7 @@
           </a:ln>
         </p:spPr>
         <p:txBody>
-          <a:bodyPr anchorCtr="0" anchor="t" bIns="91425" lIns="91425" spcFirstLastPara="1" rIns="91425" wrap="square" tIns="91425"/>
+          <a:bodyPr spcFirstLastPara="1" wrap="square" lIns="91425" tIns="91425" rIns="91425" bIns="91425" anchor="t" anchorCtr="0"/>
           <a:lstStyle>
             <a:lvl1pPr lvl="0">
               <a:spcBef>
@@ -7099,7 +7196,7 @@
               <a:buSzPts val="2800"/>
               <a:buFont typeface="Raleway"/>
               <a:buNone/>
-              <a:defRPr b="1" sz="2800">
+              <a:defRPr sz="2800" b="1">
                 <a:latin typeface="Raleway"/>
                 <a:ea typeface="Raleway"/>
                 <a:cs typeface="Raleway"/>
@@ -7116,7 +7213,7 @@
               <a:buSzPts val="2800"/>
               <a:buFont typeface="Raleway"/>
               <a:buNone/>
-              <a:defRPr b="1" sz="2800">
+              <a:defRPr sz="2800" b="1">
                 <a:latin typeface="Raleway"/>
                 <a:ea typeface="Raleway"/>
                 <a:cs typeface="Raleway"/>
@@ -7133,7 +7230,7 @@
               <a:buSzPts val="2800"/>
               <a:buFont typeface="Raleway"/>
               <a:buNone/>
-              <a:defRPr b="1" sz="2800">
+              <a:defRPr sz="2800" b="1">
                 <a:latin typeface="Raleway"/>
                 <a:ea typeface="Raleway"/>
                 <a:cs typeface="Raleway"/>
@@ -7150,7 +7247,7 @@
               <a:buSzPts val="2800"/>
               <a:buFont typeface="Raleway"/>
               <a:buNone/>
-              <a:defRPr b="1" sz="2800">
+              <a:defRPr sz="2800" b="1">
                 <a:latin typeface="Raleway"/>
                 <a:ea typeface="Raleway"/>
                 <a:cs typeface="Raleway"/>
@@ -7167,7 +7264,7 @@
               <a:buSzPts val="2800"/>
               <a:buFont typeface="Raleway"/>
               <a:buNone/>
-              <a:defRPr b="1" sz="2800">
+              <a:defRPr sz="2800" b="1">
                 <a:latin typeface="Raleway"/>
                 <a:ea typeface="Raleway"/>
                 <a:cs typeface="Raleway"/>
@@ -7184,7 +7281,7 @@
               <a:buSzPts val="2800"/>
               <a:buFont typeface="Raleway"/>
               <a:buNone/>
-              <a:defRPr b="1" sz="2800">
+              <a:defRPr sz="2800" b="1">
                 <a:latin typeface="Raleway"/>
                 <a:ea typeface="Raleway"/>
                 <a:cs typeface="Raleway"/>
@@ -7201,7 +7298,7 @@
               <a:buSzPts val="2800"/>
               <a:buFont typeface="Raleway"/>
               <a:buNone/>
-              <a:defRPr b="1" sz="2800">
+              <a:defRPr sz="2800" b="1">
                 <a:latin typeface="Raleway"/>
                 <a:ea typeface="Raleway"/>
                 <a:cs typeface="Raleway"/>
@@ -7218,7 +7315,7 @@
               <a:buSzPts val="2800"/>
               <a:buFont typeface="Raleway"/>
               <a:buNone/>
-              <a:defRPr b="1" sz="2800">
+              <a:defRPr sz="2800" b="1">
                 <a:latin typeface="Raleway"/>
                 <a:ea typeface="Raleway"/>
                 <a:cs typeface="Raleway"/>
@@ -7235,7 +7332,7 @@
               <a:buSzPts val="2800"/>
               <a:buFont typeface="Raleway"/>
               <a:buNone/>
-              <a:defRPr b="1" sz="2800">
+              <a:defRPr sz="2800" b="1">
                 <a:latin typeface="Raleway"/>
                 <a:ea typeface="Raleway"/>
                 <a:cs typeface="Raleway"/>
@@ -7243,15 +7340,19 @@
               </a:defRPr>
             </a:lvl9pPr>
           </a:lstStyle>
-          <a:p/>
+          <a:p>
+            <a:endParaRPr/>
+          </a:p>
         </p:txBody>
       </p:sp>
       <p:sp>
         <p:nvSpPr>
           <p:cNvPr id="7" name="Google Shape;7;p1"/>
-          <p:cNvSpPr txBox="1"/>
+          <p:cNvSpPr txBox="1">
+            <a:spLocks noGrp="1"/>
+          </p:cNvSpPr>
           <p:nvPr>
-            <p:ph idx="1" type="body"/>
+            <p:ph type="body" idx="1"/>
           </p:nvPr>
         </p:nvSpPr>
         <p:spPr>
@@ -7268,9 +7369,9 @@
           </a:ln>
         </p:spPr>
         <p:txBody>
-          <a:bodyPr anchorCtr="0" anchor="t" bIns="91425" lIns="91425" spcFirstLastPara="1" rIns="91425" wrap="square" tIns="91425"/>
+          <a:bodyPr spcFirstLastPara="1" wrap="square" lIns="91425" tIns="91425" rIns="91425" bIns="91425" anchor="t" anchorCtr="0"/>
           <a:lstStyle>
-            <a:lvl1pPr indent="-311150" lvl="0" marL="457200">
+            <a:lvl1pPr marL="457200" lvl="0" indent="-311150">
               <a:lnSpc>
                 <a:spcPct val="115000"/>
               </a:lnSpc>
@@ -7296,7 +7397,7 @@
                 <a:sym typeface="Lato"/>
               </a:defRPr>
             </a:lvl1pPr>
-            <a:lvl2pPr indent="-298450" lvl="1" marL="914400">
+            <a:lvl2pPr marL="914400" lvl="1" indent="-298450">
               <a:lnSpc>
                 <a:spcPct val="115000"/>
               </a:lnSpc>
@@ -7322,7 +7423,7 @@
                 <a:sym typeface="Lato"/>
               </a:defRPr>
             </a:lvl2pPr>
-            <a:lvl3pPr indent="-298450" lvl="2" marL="1371600">
+            <a:lvl3pPr marL="1371600" lvl="2" indent="-298450">
               <a:lnSpc>
                 <a:spcPct val="115000"/>
               </a:lnSpc>
@@ -7348,7 +7449,7 @@
                 <a:sym typeface="Lato"/>
               </a:defRPr>
             </a:lvl3pPr>
-            <a:lvl4pPr indent="-298450" lvl="3" marL="1828800">
+            <a:lvl4pPr marL="1828800" lvl="3" indent="-298450">
               <a:lnSpc>
                 <a:spcPct val="115000"/>
               </a:lnSpc>
@@ -7374,7 +7475,7 @@
                 <a:sym typeface="Lato"/>
               </a:defRPr>
             </a:lvl4pPr>
-            <a:lvl5pPr indent="-298450" lvl="4" marL="2286000">
+            <a:lvl5pPr marL="2286000" lvl="4" indent="-298450">
               <a:lnSpc>
                 <a:spcPct val="115000"/>
               </a:lnSpc>
@@ -7400,7 +7501,7 @@
                 <a:sym typeface="Lato"/>
               </a:defRPr>
             </a:lvl5pPr>
-            <a:lvl6pPr indent="-298450" lvl="5" marL="2743200">
+            <a:lvl6pPr marL="2743200" lvl="5" indent="-298450">
               <a:lnSpc>
                 <a:spcPct val="115000"/>
               </a:lnSpc>
@@ -7426,7 +7527,7 @@
                 <a:sym typeface="Lato"/>
               </a:defRPr>
             </a:lvl6pPr>
-            <a:lvl7pPr indent="-298450" lvl="6" marL="3200400">
+            <a:lvl7pPr marL="3200400" lvl="6" indent="-298450">
               <a:lnSpc>
                 <a:spcPct val="115000"/>
               </a:lnSpc>
@@ -7452,7 +7553,7 @@
                 <a:sym typeface="Lato"/>
               </a:defRPr>
             </a:lvl7pPr>
-            <a:lvl8pPr indent="-298450" lvl="7" marL="3657600">
+            <a:lvl8pPr marL="3657600" lvl="7" indent="-298450">
               <a:lnSpc>
                 <a:spcPct val="115000"/>
               </a:lnSpc>
@@ -7478,7 +7579,7 @@
                 <a:sym typeface="Lato"/>
               </a:defRPr>
             </a:lvl8pPr>
-            <a:lvl9pPr indent="-298450" lvl="8" marL="4114800">
+            <a:lvl9pPr marL="4114800" lvl="8" indent="-298450">
               <a:lnSpc>
                 <a:spcPct val="115000"/>
               </a:lnSpc>
@@ -7505,15 +7606,19 @@
               </a:defRPr>
             </a:lvl9pPr>
           </a:lstStyle>
-          <a:p/>
+          <a:p>
+            <a:endParaRPr/>
+          </a:p>
         </p:txBody>
       </p:sp>
       <p:sp>
         <p:nvSpPr>
           <p:cNvPr id="8" name="Google Shape;8;p1"/>
-          <p:cNvSpPr txBox="1"/>
+          <p:cNvSpPr txBox="1">
+            <a:spLocks noGrp="1"/>
+          </p:cNvSpPr>
           <p:nvPr>
-            <p:ph idx="12" type="sldNum"/>
+            <p:ph type="sldNum" idx="12"/>
           </p:nvPr>
         </p:nvSpPr>
         <p:spPr>
@@ -7530,7 +7635,7 @@
           </a:ln>
         </p:spPr>
         <p:txBody>
-          <a:bodyPr anchorCtr="0" anchor="ctr" bIns="91425" lIns="91425" spcFirstLastPara="1" rIns="91425" wrap="square" tIns="91425">
+          <a:bodyPr spcFirstLastPara="1" wrap="square" lIns="91425" tIns="91425" rIns="91425" bIns="91425" anchor="ctr" anchorCtr="0">
             <a:noAutofit/>
           </a:bodyPr>
           <a:lstStyle>
@@ -7644,7 +7749,7 @@
             </a:lvl9pPr>
           </a:lstStyle>
           <a:p>
-            <a:pPr indent="0" lvl="0" marL="0" rtl="0" algn="r">
+            <a:pPr marL="0" lvl="0" indent="0" algn="r" rtl="0">
               <a:spcBef>
                 <a:spcPts val="0"/>
               </a:spcBef>
@@ -7663,7 +7768,7 @@
       </p:sp>
     </p:spTree>
   </p:cSld>
-  <p:clrMap accent1="accent1" accent2="accent2" accent3="accent3" accent4="accent4" accent5="accent5" accent6="accent6" bg1="lt1" bg2="dk2" tx1="dk1" tx2="lt2" folHlink="folHlink" hlink="hlink"/>
+  <p:clrMap bg1="lt1" tx1="dk1" bg2="dk2" tx2="lt2" accent1="accent1" accent2="accent2" accent3="accent3" accent4="accent4" accent5="accent5" accent6="accent6" hlink="hlink" folHlink="folHlink"/>
   <p:sldLayoutIdLst>
     <p:sldLayoutId id="2147483648" r:id="rId1"/>
     <p:sldLayoutId id="2147483649" r:id="rId2"/>
@@ -7677,10 +7782,10 @@
     <p:sldLayoutId id="2147483657" r:id="rId10"/>
     <p:sldLayoutId id="2147483658" r:id="rId11"/>
   </p:sldLayoutIdLst>
-  <p:hf dt="0" ftr="0" hdr="0" sldNum="0"/>
+  <p:hf sldNum="0" hdr="0" ftr="0" dt="0"/>
   <p:txStyles>
     <p:titleStyle>
-      <a:defPPr lvl="0" marR="0" rtl="0" algn="l">
+      <a:defPPr marR="0" lvl="0" algn="l" rtl="0">
         <a:lnSpc>
           <a:spcPct val="100000"/>
         </a:lnSpc>
@@ -7691,7 +7796,7 @@
           <a:spcPts val="0"/>
         </a:spcAft>
       </a:defPPr>
-      <a:lvl1pPr lvl="0" marR="0" rtl="0" algn="l">
+      <a:lvl1pPr marR="0" lvl="0" algn="l" rtl="0">
         <a:lnSpc>
           <a:spcPct val="100000"/>
         </a:lnSpc>
@@ -7705,7 +7810,7 @@
           <a:srgbClr val="000000"/>
         </a:buClr>
         <a:buFont typeface="Arial"/>
-        <a:defRPr b="0" i="0" sz="1400" u="none" cap="none" strike="noStrike">
+        <a:defRPr sz="1400" b="0" i="0" u="none" strike="noStrike" cap="none">
           <a:solidFill>
             <a:srgbClr val="000000"/>
           </a:solidFill>
@@ -7715,7 +7820,7 @@
           <a:sym typeface="Arial"/>
         </a:defRPr>
       </a:lvl1pPr>
-      <a:lvl2pPr lvl="1" marR="0" rtl="0" algn="l">
+      <a:lvl2pPr marR="0" lvl="1" algn="l" rtl="0">
         <a:lnSpc>
           <a:spcPct val="100000"/>
         </a:lnSpc>
@@ -7729,7 +7834,7 @@
           <a:srgbClr val="000000"/>
         </a:buClr>
         <a:buFont typeface="Arial"/>
-        <a:defRPr b="0" i="0" sz="1400" u="none" cap="none" strike="noStrike">
+        <a:defRPr sz="1400" b="0" i="0" u="none" strike="noStrike" cap="none">
           <a:solidFill>
             <a:srgbClr val="000000"/>
           </a:solidFill>
@@ -7739,7 +7844,7 @@
           <a:sym typeface="Arial"/>
         </a:defRPr>
       </a:lvl2pPr>
-      <a:lvl3pPr lvl="2" marR="0" rtl="0" algn="l">
+      <a:lvl3pPr marR="0" lvl="2" algn="l" rtl="0">
         <a:lnSpc>
           <a:spcPct val="100000"/>
         </a:lnSpc>
@@ -7753,7 +7858,7 @@
           <a:srgbClr val="000000"/>
         </a:buClr>
         <a:buFont typeface="Arial"/>
-        <a:defRPr b="0" i="0" sz="1400" u="none" cap="none" strike="noStrike">
+        <a:defRPr sz="1400" b="0" i="0" u="none" strike="noStrike" cap="none">
           <a:solidFill>
             <a:srgbClr val="000000"/>
           </a:solidFill>
@@ -7763,7 +7868,7 @@
           <a:sym typeface="Arial"/>
         </a:defRPr>
       </a:lvl3pPr>
-      <a:lvl4pPr lvl="3" marR="0" rtl="0" algn="l">
+      <a:lvl4pPr marR="0" lvl="3" algn="l" rtl="0">
         <a:lnSpc>
           <a:spcPct val="100000"/>
         </a:lnSpc>
@@ -7777,7 +7882,7 @@
           <a:srgbClr val="000000"/>
         </a:buClr>
         <a:buFont typeface="Arial"/>
-        <a:defRPr b="0" i="0" sz="1400" u="none" cap="none" strike="noStrike">
+        <a:defRPr sz="1400" b="0" i="0" u="none" strike="noStrike" cap="none">
           <a:solidFill>
             <a:srgbClr val="000000"/>
           </a:solidFill>
@@ -7787,7 +7892,7 @@
           <a:sym typeface="Arial"/>
         </a:defRPr>
       </a:lvl4pPr>
-      <a:lvl5pPr lvl="4" marR="0" rtl="0" algn="l">
+      <a:lvl5pPr marR="0" lvl="4" algn="l" rtl="0">
         <a:lnSpc>
           <a:spcPct val="100000"/>
         </a:lnSpc>
@@ -7801,7 +7906,7 @@
           <a:srgbClr val="000000"/>
         </a:buClr>
         <a:buFont typeface="Arial"/>
-        <a:defRPr b="0" i="0" sz="1400" u="none" cap="none" strike="noStrike">
+        <a:defRPr sz="1400" b="0" i="0" u="none" strike="noStrike" cap="none">
           <a:solidFill>
             <a:srgbClr val="000000"/>
           </a:solidFill>
@@ -7811,7 +7916,7 @@
           <a:sym typeface="Arial"/>
         </a:defRPr>
       </a:lvl5pPr>
-      <a:lvl6pPr lvl="5" marR="0" rtl="0" algn="l">
+      <a:lvl6pPr marR="0" lvl="5" algn="l" rtl="0">
         <a:lnSpc>
           <a:spcPct val="100000"/>
         </a:lnSpc>
@@ -7825,7 +7930,7 @@
           <a:srgbClr val="000000"/>
         </a:buClr>
         <a:buFont typeface="Arial"/>
-        <a:defRPr b="0" i="0" sz="1400" u="none" cap="none" strike="noStrike">
+        <a:defRPr sz="1400" b="0" i="0" u="none" strike="noStrike" cap="none">
           <a:solidFill>
             <a:srgbClr val="000000"/>
           </a:solidFill>
@@ -7835,7 +7940,7 @@
           <a:sym typeface="Arial"/>
         </a:defRPr>
       </a:lvl6pPr>
-      <a:lvl7pPr lvl="6" marR="0" rtl="0" algn="l">
+      <a:lvl7pPr marR="0" lvl="6" algn="l" rtl="0">
         <a:lnSpc>
           <a:spcPct val="100000"/>
         </a:lnSpc>
@@ -7849,7 +7954,7 @@
           <a:srgbClr val="000000"/>
         </a:buClr>
         <a:buFont typeface="Arial"/>
-        <a:defRPr b="0" i="0" sz="1400" u="none" cap="none" strike="noStrike">
+        <a:defRPr sz="1400" b="0" i="0" u="none" strike="noStrike" cap="none">
           <a:solidFill>
             <a:srgbClr val="000000"/>
           </a:solidFill>
@@ -7859,7 +7964,7 @@
           <a:sym typeface="Arial"/>
         </a:defRPr>
       </a:lvl7pPr>
-      <a:lvl8pPr lvl="7" marR="0" rtl="0" algn="l">
+      <a:lvl8pPr marR="0" lvl="7" algn="l" rtl="0">
         <a:lnSpc>
           <a:spcPct val="100000"/>
         </a:lnSpc>
@@ -7873,7 +7978,7 @@
           <a:srgbClr val="000000"/>
         </a:buClr>
         <a:buFont typeface="Arial"/>
-        <a:defRPr b="0" i="0" sz="1400" u="none" cap="none" strike="noStrike">
+        <a:defRPr sz="1400" b="0" i="0" u="none" strike="noStrike" cap="none">
           <a:solidFill>
             <a:srgbClr val="000000"/>
           </a:solidFill>
@@ -7883,7 +7988,7 @@
           <a:sym typeface="Arial"/>
         </a:defRPr>
       </a:lvl8pPr>
-      <a:lvl9pPr lvl="8" marR="0" rtl="0" algn="l">
+      <a:lvl9pPr marR="0" lvl="8" algn="l" rtl="0">
         <a:lnSpc>
           <a:spcPct val="100000"/>
         </a:lnSpc>
@@ -7897,7 +8002,7 @@
           <a:srgbClr val="000000"/>
         </a:buClr>
         <a:buFont typeface="Arial"/>
-        <a:defRPr b="0" i="0" sz="1400" u="none" cap="none" strike="noStrike">
+        <a:defRPr sz="1400" b="0" i="0" u="none" strike="noStrike" cap="none">
           <a:solidFill>
             <a:srgbClr val="000000"/>
           </a:solidFill>
@@ -7909,7 +8014,7 @@
       </a:lvl9pPr>
     </p:titleStyle>
     <p:bodyStyle>
-      <a:defPPr lvl="0" marR="0" rtl="0" algn="l">
+      <a:defPPr marR="0" lvl="0" algn="l" rtl="0">
         <a:lnSpc>
           <a:spcPct val="100000"/>
         </a:lnSpc>
@@ -7920,7 +8025,7 @@
           <a:spcPts val="0"/>
         </a:spcAft>
       </a:defPPr>
-      <a:lvl1pPr lvl="0" marR="0" rtl="0" algn="l">
+      <a:lvl1pPr marR="0" lvl="0" algn="l" rtl="0">
         <a:lnSpc>
           <a:spcPct val="100000"/>
         </a:lnSpc>
@@ -7934,7 +8039,7 @@
           <a:srgbClr val="000000"/>
         </a:buClr>
         <a:buFont typeface="Arial"/>
-        <a:defRPr b="0" i="0" sz="1400" u="none" cap="none" strike="noStrike">
+        <a:defRPr sz="1400" b="0" i="0" u="none" strike="noStrike" cap="none">
           <a:solidFill>
             <a:srgbClr val="000000"/>
           </a:solidFill>
@@ -7944,7 +8049,7 @@
           <a:sym typeface="Arial"/>
         </a:defRPr>
       </a:lvl1pPr>
-      <a:lvl2pPr lvl="1" marR="0" rtl="0" algn="l">
+      <a:lvl2pPr marR="0" lvl="1" algn="l" rtl="0">
         <a:lnSpc>
           <a:spcPct val="100000"/>
         </a:lnSpc>
@@ -7958,7 +8063,7 @@
           <a:srgbClr val="000000"/>
         </a:buClr>
         <a:buFont typeface="Arial"/>
-        <a:defRPr b="0" i="0" sz="1400" u="none" cap="none" strike="noStrike">
+        <a:defRPr sz="1400" b="0" i="0" u="none" strike="noStrike" cap="none">
           <a:solidFill>
             <a:srgbClr val="000000"/>
           </a:solidFill>
@@ -7968,7 +8073,7 @@
           <a:sym typeface="Arial"/>
         </a:defRPr>
       </a:lvl2pPr>
-      <a:lvl3pPr lvl="2" marR="0" rtl="0" algn="l">
+      <a:lvl3pPr marR="0" lvl="2" algn="l" rtl="0">
         <a:lnSpc>
           <a:spcPct val="100000"/>
         </a:lnSpc>
@@ -7982,7 +8087,7 @@
           <a:srgbClr val="000000"/>
         </a:buClr>
         <a:buFont typeface="Arial"/>
-        <a:defRPr b="0" i="0" sz="1400" u="none" cap="none" strike="noStrike">
+        <a:defRPr sz="1400" b="0" i="0" u="none" strike="noStrike" cap="none">
           <a:solidFill>
             <a:srgbClr val="000000"/>
           </a:solidFill>
@@ -7992,7 +8097,7 @@
           <a:sym typeface="Arial"/>
         </a:defRPr>
       </a:lvl3pPr>
-      <a:lvl4pPr lvl="3" marR="0" rtl="0" algn="l">
+      <a:lvl4pPr marR="0" lvl="3" algn="l" rtl="0">
         <a:lnSpc>
           <a:spcPct val="100000"/>
         </a:lnSpc>
@@ -8006,7 +8111,7 @@
           <a:srgbClr val="000000"/>
         </a:buClr>
         <a:buFont typeface="Arial"/>
-        <a:defRPr b="0" i="0" sz="1400" u="none" cap="none" strike="noStrike">
+        <a:defRPr sz="1400" b="0" i="0" u="none" strike="noStrike" cap="none">
           <a:solidFill>
             <a:srgbClr val="000000"/>
           </a:solidFill>
@@ -8016,7 +8121,7 @@
           <a:sym typeface="Arial"/>
         </a:defRPr>
       </a:lvl4pPr>
-      <a:lvl5pPr lvl="4" marR="0" rtl="0" algn="l">
+      <a:lvl5pPr marR="0" lvl="4" algn="l" rtl="0">
         <a:lnSpc>
           <a:spcPct val="100000"/>
         </a:lnSpc>
@@ -8030,7 +8135,7 @@
           <a:srgbClr val="000000"/>
         </a:buClr>
         <a:buFont typeface="Arial"/>
-        <a:defRPr b="0" i="0" sz="1400" u="none" cap="none" strike="noStrike">
+        <a:defRPr sz="1400" b="0" i="0" u="none" strike="noStrike" cap="none">
           <a:solidFill>
             <a:srgbClr val="000000"/>
           </a:solidFill>
@@ -8040,7 +8145,7 @@
           <a:sym typeface="Arial"/>
         </a:defRPr>
       </a:lvl5pPr>
-      <a:lvl6pPr lvl="5" marR="0" rtl="0" algn="l">
+      <a:lvl6pPr marR="0" lvl="5" algn="l" rtl="0">
         <a:lnSpc>
           <a:spcPct val="100000"/>
         </a:lnSpc>
@@ -8054,7 +8159,7 @@
           <a:srgbClr val="000000"/>
         </a:buClr>
         <a:buFont typeface="Arial"/>
-        <a:defRPr b="0" i="0" sz="1400" u="none" cap="none" strike="noStrike">
+        <a:defRPr sz="1400" b="0" i="0" u="none" strike="noStrike" cap="none">
           <a:solidFill>
             <a:srgbClr val="000000"/>
           </a:solidFill>
@@ -8064,7 +8169,7 @@
           <a:sym typeface="Arial"/>
         </a:defRPr>
       </a:lvl6pPr>
-      <a:lvl7pPr lvl="6" marR="0" rtl="0" algn="l">
+      <a:lvl7pPr marR="0" lvl="6" algn="l" rtl="0">
         <a:lnSpc>
           <a:spcPct val="100000"/>
         </a:lnSpc>
@@ -8078,7 +8183,7 @@
           <a:srgbClr val="000000"/>
         </a:buClr>
         <a:buFont typeface="Arial"/>
-        <a:defRPr b="0" i="0" sz="1400" u="none" cap="none" strike="noStrike">
+        <a:defRPr sz="1400" b="0" i="0" u="none" strike="noStrike" cap="none">
           <a:solidFill>
             <a:srgbClr val="000000"/>
           </a:solidFill>
@@ -8088,7 +8193,7 @@
           <a:sym typeface="Arial"/>
         </a:defRPr>
       </a:lvl7pPr>
-      <a:lvl8pPr lvl="7" marR="0" rtl="0" algn="l">
+      <a:lvl8pPr marR="0" lvl="7" algn="l" rtl="0">
         <a:lnSpc>
           <a:spcPct val="100000"/>
         </a:lnSpc>
@@ -8102,7 +8207,7 @@
           <a:srgbClr val="000000"/>
         </a:buClr>
         <a:buFont typeface="Arial"/>
-        <a:defRPr b="0" i="0" sz="1400" u="none" cap="none" strike="noStrike">
+        <a:defRPr sz="1400" b="0" i="0" u="none" strike="noStrike" cap="none">
           <a:solidFill>
             <a:srgbClr val="000000"/>
           </a:solidFill>
@@ -8112,7 +8217,7 @@
           <a:sym typeface="Arial"/>
         </a:defRPr>
       </a:lvl8pPr>
-      <a:lvl9pPr lvl="8" marR="0" rtl="0" algn="l">
+      <a:lvl9pPr marR="0" lvl="8" algn="l" rtl="0">
         <a:lnSpc>
           <a:spcPct val="100000"/>
         </a:lnSpc>
@@ -8126,7 +8231,7 @@
           <a:srgbClr val="000000"/>
         </a:buClr>
         <a:buFont typeface="Arial"/>
-        <a:defRPr b="0" i="0" sz="1400" u="none" cap="none" strike="noStrike">
+        <a:defRPr sz="1400" b="0" i="0" u="none" strike="noStrike" cap="none">
           <a:solidFill>
             <a:srgbClr val="000000"/>
           </a:solidFill>
@@ -8138,7 +8243,7 @@
       </a:lvl9pPr>
     </p:bodyStyle>
     <p:otherStyle>
-      <a:defPPr lvl="0" marR="0" rtl="0" algn="l">
+      <a:defPPr marR="0" lvl="0" algn="l" rtl="0">
         <a:lnSpc>
           <a:spcPct val="100000"/>
         </a:lnSpc>
@@ -8149,7 +8254,7 @@
           <a:spcPts val="0"/>
         </a:spcAft>
       </a:defPPr>
-      <a:lvl1pPr lvl="0" marR="0" rtl="0" algn="l">
+      <a:lvl1pPr marR="0" lvl="0" algn="l" rtl="0">
         <a:lnSpc>
           <a:spcPct val="100000"/>
         </a:lnSpc>
@@ -8163,7 +8268,7 @@
           <a:srgbClr val="000000"/>
         </a:buClr>
         <a:buFont typeface="Arial"/>
-        <a:defRPr b="0" i="0" sz="1400" u="none" cap="none" strike="noStrike">
+        <a:defRPr sz="1400" b="0" i="0" u="none" strike="noStrike" cap="none">
           <a:solidFill>
             <a:srgbClr val="000000"/>
           </a:solidFill>
@@ -8173,7 +8278,7 @@
           <a:sym typeface="Arial"/>
         </a:defRPr>
       </a:lvl1pPr>
-      <a:lvl2pPr lvl="1" marR="0" rtl="0" algn="l">
+      <a:lvl2pPr marR="0" lvl="1" algn="l" rtl="0">
         <a:lnSpc>
           <a:spcPct val="100000"/>
         </a:lnSpc>
@@ -8187,7 +8292,7 @@
           <a:srgbClr val="000000"/>
         </a:buClr>
         <a:buFont typeface="Arial"/>
-        <a:defRPr b="0" i="0" sz="1400" u="none" cap="none" strike="noStrike">
+        <a:defRPr sz="1400" b="0" i="0" u="none" strike="noStrike" cap="none">
           <a:solidFill>
             <a:srgbClr val="000000"/>
           </a:solidFill>
@@ -8197,7 +8302,7 @@
           <a:sym typeface="Arial"/>
         </a:defRPr>
       </a:lvl2pPr>
-      <a:lvl3pPr lvl="2" marR="0" rtl="0" algn="l">
+      <a:lvl3pPr marR="0" lvl="2" algn="l" rtl="0">
         <a:lnSpc>
           <a:spcPct val="100000"/>
         </a:lnSpc>
@@ -8211,7 +8316,7 @@
           <a:srgbClr val="000000"/>
         </a:buClr>
         <a:buFont typeface="Arial"/>
-        <a:defRPr b="0" i="0" sz="1400" u="none" cap="none" strike="noStrike">
+        <a:defRPr sz="1400" b="0" i="0" u="none" strike="noStrike" cap="none">
           <a:solidFill>
             <a:srgbClr val="000000"/>
           </a:solidFill>
@@ -8221,7 +8326,7 @@
           <a:sym typeface="Arial"/>
         </a:defRPr>
       </a:lvl3pPr>
-      <a:lvl4pPr lvl="3" marR="0" rtl="0" algn="l">
+      <a:lvl4pPr marR="0" lvl="3" algn="l" rtl="0">
         <a:lnSpc>
           <a:spcPct val="100000"/>
         </a:lnSpc>
@@ -8235,7 +8340,7 @@
           <a:srgbClr val="000000"/>
         </a:buClr>
         <a:buFont typeface="Arial"/>
-        <a:defRPr b="0" i="0" sz="1400" u="none" cap="none" strike="noStrike">
+        <a:defRPr sz="1400" b="0" i="0" u="none" strike="noStrike" cap="none">
           <a:solidFill>
             <a:srgbClr val="000000"/>
           </a:solidFill>
@@ -8245,7 +8350,7 @@
           <a:sym typeface="Arial"/>
         </a:defRPr>
       </a:lvl4pPr>
-      <a:lvl5pPr lvl="4" marR="0" rtl="0" algn="l">
+      <a:lvl5pPr marR="0" lvl="4" algn="l" rtl="0">
         <a:lnSpc>
           <a:spcPct val="100000"/>
         </a:lnSpc>
@@ -8259,7 +8364,7 @@
           <a:srgbClr val="000000"/>
         </a:buClr>
         <a:buFont typeface="Arial"/>
-        <a:defRPr b="0" i="0" sz="1400" u="none" cap="none" strike="noStrike">
+        <a:defRPr sz="1400" b="0" i="0" u="none" strike="noStrike" cap="none">
           <a:solidFill>
             <a:srgbClr val="000000"/>
           </a:solidFill>
@@ -8269,7 +8374,7 @@
           <a:sym typeface="Arial"/>
         </a:defRPr>
       </a:lvl5pPr>
-      <a:lvl6pPr lvl="5" marR="0" rtl="0" algn="l">
+      <a:lvl6pPr marR="0" lvl="5" algn="l" rtl="0">
         <a:lnSpc>
           <a:spcPct val="100000"/>
         </a:lnSpc>
@@ -8283,7 +8388,7 @@
           <a:srgbClr val="000000"/>
         </a:buClr>
         <a:buFont typeface="Arial"/>
-        <a:defRPr b="0" i="0" sz="1400" u="none" cap="none" strike="noStrike">
+        <a:defRPr sz="1400" b="0" i="0" u="none" strike="noStrike" cap="none">
           <a:solidFill>
             <a:srgbClr val="000000"/>
           </a:solidFill>
@@ -8293,7 +8398,7 @@
           <a:sym typeface="Arial"/>
         </a:defRPr>
       </a:lvl6pPr>
-      <a:lvl7pPr lvl="6" marR="0" rtl="0" algn="l">
+      <a:lvl7pPr marR="0" lvl="6" algn="l" rtl="0">
         <a:lnSpc>
           <a:spcPct val="100000"/>
         </a:lnSpc>
@@ -8307,7 +8412,7 @@
           <a:srgbClr val="000000"/>
         </a:buClr>
         <a:buFont typeface="Arial"/>
-        <a:defRPr b="0" i="0" sz="1400" u="none" cap="none" strike="noStrike">
+        <a:defRPr sz="1400" b="0" i="0" u="none" strike="noStrike" cap="none">
           <a:solidFill>
             <a:srgbClr val="000000"/>
           </a:solidFill>
@@ -8317,7 +8422,7 @@
           <a:sym typeface="Arial"/>
         </a:defRPr>
       </a:lvl7pPr>
-      <a:lvl8pPr lvl="7" marR="0" rtl="0" algn="l">
+      <a:lvl8pPr marR="0" lvl="7" algn="l" rtl="0">
         <a:lnSpc>
           <a:spcPct val="100000"/>
         </a:lnSpc>
@@ -8331,7 +8436,7 @@
           <a:srgbClr val="000000"/>
         </a:buClr>
         <a:buFont typeface="Arial"/>
-        <a:defRPr b="0" i="0" sz="1400" u="none" cap="none" strike="noStrike">
+        <a:defRPr sz="1400" b="0" i="0" u="none" strike="noStrike" cap="none">
           <a:solidFill>
             <a:srgbClr val="000000"/>
           </a:solidFill>
@@ -8341,7 +8446,7 @@
           <a:sym typeface="Arial"/>
         </a:defRPr>
       </a:lvl8pPr>
-      <a:lvl9pPr lvl="8" marR="0" rtl="0" algn="l">
+      <a:lvl9pPr marR="0" lvl="8" algn="l" rtl="0">
         <a:lnSpc>
           <a:spcPct val="100000"/>
         </a:lnSpc>
@@ -8355,7 +8460,7 @@
           <a:srgbClr val="000000"/>
         </a:buClr>
         <a:buFont typeface="Arial"/>
-        <a:defRPr b="0" i="0" sz="1400" u="none" cap="none" strike="noStrike">
+        <a:defRPr sz="1400" b="0" i="0" u="none" strike="noStrike" cap="none">
           <a:solidFill>
             <a:srgbClr val="000000"/>
           </a:solidFill>
@@ -8371,11 +8476,11 @@
 </file>
 
 <file path=ppt/slides/slide1.xml><?xml version="1.0" encoding="utf-8"?>
-<p:sld xmlns:a="http://schemas.openxmlformats.org/drawingml/2006/main" xmlns:r="http://schemas.openxmlformats.org/officeDocument/2006/relationships" xmlns:mc="http://schemas.openxmlformats.org/markup-compatibility/2006" xmlns:mv="urn:schemas-microsoft-com:mac:vml" xmlns:p="http://schemas.openxmlformats.org/presentationml/2006/main" xmlns:c="http://schemas.openxmlformats.org/drawingml/2006/chart" xmlns:dgm="http://schemas.openxmlformats.org/drawingml/2006/diagram" xmlns:o="urn:schemas-microsoft-com:office:office" xmlns:v="urn:schemas-microsoft-com:vml" xmlns:pvml="urn:schemas-microsoft-com:office:powerpoint" xmlns:com="http://schemas.openxmlformats.org/drawingml/2006/compatibility" xmlns:p14="http://schemas.microsoft.com/office/powerpoint/2010/main" xmlns:p15="http://schemas.microsoft.com/office/powerpoint/2012/main">
+<p:sld xmlns:a="http://schemas.openxmlformats.org/drawingml/2006/main" xmlns:r="http://schemas.openxmlformats.org/officeDocument/2006/relationships" xmlns:p="http://schemas.openxmlformats.org/presentationml/2006/main">
   <p:cSld>
     <p:spTree>
       <p:nvGrpSpPr>
-        <p:cNvPr id="85" name="Shape 85"/>
+        <p:cNvPr id="1" name="Shape 85"/>
         <p:cNvGrpSpPr/>
         <p:nvPr/>
       </p:nvGrpSpPr>
@@ -8390,7 +8495,9 @@
       <p:sp>
         <p:nvSpPr>
           <p:cNvPr id="86" name="Google Shape;86;p13"/>
-          <p:cNvSpPr txBox="1"/>
+          <p:cNvSpPr txBox="1">
+            <a:spLocks noGrp="1"/>
+          </p:cNvSpPr>
           <p:nvPr>
             <p:ph type="ctrTitle"/>
           </p:nvPr>
@@ -8405,12 +8512,12 @@
           </a:prstGeom>
         </p:spPr>
         <p:txBody>
-          <a:bodyPr anchorCtr="0" anchor="t" bIns="91425" lIns="91425" spcFirstLastPara="1" rIns="91425" wrap="square" tIns="91425">
+          <a:bodyPr spcFirstLastPara="1" wrap="square" lIns="91425" tIns="91425" rIns="91425" bIns="91425" anchor="t" anchorCtr="0">
             <a:noAutofit/>
           </a:bodyPr>
           <a:lstStyle/>
           <a:p>
-            <a:pPr indent="0" lvl="0" marL="0" rtl="0" algn="l">
+            <a:pPr marL="0" lvl="0" indent="0" algn="l" rtl="0">
               <a:spcBef>
                 <a:spcPts val="0"/>
               </a:spcBef>
@@ -8420,10 +8527,12 @@
               <a:buNone/>
             </a:pPr>
             <a:r>
-              <a:rPr lang="en"/>
+              <a:rPr lang="en" dirty="0">
+                <a:hlinkClick r:id="rId3"/>
+              </a:rPr>
               <a:t>Kotlin Coroutines</a:t>
             </a:r>
-            <a:endParaRPr/>
+            <a:endParaRPr dirty="0"/>
           </a:p>
         </p:txBody>
       </p:sp>
@@ -8436,11 +8545,11 @@
 </file>
 
 <file path=ppt/slides/slide10.xml><?xml version="1.0" encoding="utf-8"?>
-<p:sld xmlns:a="http://schemas.openxmlformats.org/drawingml/2006/main" xmlns:r="http://schemas.openxmlformats.org/officeDocument/2006/relationships" xmlns:mc="http://schemas.openxmlformats.org/markup-compatibility/2006" xmlns:mv="urn:schemas-microsoft-com:mac:vml" xmlns:p="http://schemas.openxmlformats.org/presentationml/2006/main" xmlns:c="http://schemas.openxmlformats.org/drawingml/2006/chart" xmlns:dgm="http://schemas.openxmlformats.org/drawingml/2006/diagram" xmlns:o="urn:schemas-microsoft-com:office:office" xmlns:v="urn:schemas-microsoft-com:vml" xmlns:pvml="urn:schemas-microsoft-com:office:powerpoint" xmlns:com="http://schemas.openxmlformats.org/drawingml/2006/compatibility" xmlns:p14="http://schemas.microsoft.com/office/powerpoint/2010/main" xmlns:p15="http://schemas.microsoft.com/office/powerpoint/2012/main">
+<p:sld xmlns:a="http://schemas.openxmlformats.org/drawingml/2006/main" xmlns:r="http://schemas.openxmlformats.org/officeDocument/2006/relationships" xmlns:p="http://schemas.openxmlformats.org/presentationml/2006/main">
   <p:cSld>
     <p:spTree>
       <p:nvGrpSpPr>
-        <p:cNvPr id="138" name="Shape 138"/>
+        <p:cNvPr id="1" name="Shape 138"/>
         <p:cNvGrpSpPr/>
         <p:nvPr/>
       </p:nvGrpSpPr>
@@ -8455,7 +8564,9 @@
       <p:sp>
         <p:nvSpPr>
           <p:cNvPr id="139" name="Google Shape;139;p22"/>
-          <p:cNvSpPr txBox="1"/>
+          <p:cNvSpPr txBox="1">
+            <a:spLocks noGrp="1"/>
+          </p:cNvSpPr>
           <p:nvPr>
             <p:ph type="title"/>
           </p:nvPr>
@@ -8470,12 +8581,12 @@
           </a:prstGeom>
         </p:spPr>
         <p:txBody>
-          <a:bodyPr anchorCtr="0" anchor="t" bIns="91425" lIns="91425" spcFirstLastPara="1" rIns="91425" wrap="square" tIns="91425">
+          <a:bodyPr spcFirstLastPara="1" wrap="square" lIns="91425" tIns="91425" rIns="91425" bIns="91425" anchor="t" anchorCtr="0">
             <a:noAutofit/>
           </a:bodyPr>
           <a:lstStyle/>
           <a:p>
-            <a:pPr indent="0" lvl="0" marL="0" rtl="0" algn="l">
+            <a:pPr marL="0" lvl="0" indent="0" algn="l" rtl="0">
               <a:spcBef>
                 <a:spcPts val="0"/>
               </a:spcBef>
@@ -8495,9 +8606,11 @@
       <p:sp>
         <p:nvSpPr>
           <p:cNvPr id="140" name="Google Shape;140;p22"/>
-          <p:cNvSpPr txBox="1"/>
+          <p:cNvSpPr txBox="1">
+            <a:spLocks noGrp="1"/>
+          </p:cNvSpPr>
           <p:nvPr>
-            <p:ph idx="1" type="body"/>
+            <p:ph type="body" idx="1"/>
           </p:nvPr>
         </p:nvSpPr>
         <p:spPr>
@@ -8513,12 +8626,12 @@
           </a:solidFill>
         </p:spPr>
         <p:txBody>
-          <a:bodyPr anchorCtr="0" anchor="t" bIns="91425" lIns="91425" spcFirstLastPara="1" rIns="91425" wrap="square" tIns="91425">
+          <a:bodyPr spcFirstLastPara="1" wrap="square" lIns="91425" tIns="91425" rIns="91425" bIns="91425" anchor="t" anchorCtr="0">
             <a:noAutofit/>
           </a:bodyPr>
           <a:lstStyle/>
           <a:p>
-            <a:pPr indent="-381000" lvl="0" marL="457200" rtl="0" algn="l">
+            <a:pPr marL="457200" lvl="0" indent="-381000" algn="l" rtl="0">
               <a:spcBef>
                 <a:spcPts val="0"/>
               </a:spcBef>
@@ -8530,16 +8643,12 @@
             </a:pPr>
             <a:r>
               <a:rPr lang="en" sz="2400"/>
-              <a:t>Lazy </a:t>
-            </a:r>
-            <a:r>
-              <a:rPr lang="en" sz="2400"/>
-              <a:t>async</a:t>
+              <a:t>Lazy async</a:t>
             </a:r>
             <a:endParaRPr sz="2400"/>
           </a:p>
           <a:p>
-            <a:pPr indent="0" lvl="0" marL="0" rtl="0" algn="l">
+            <a:pPr marL="0" lvl="0" indent="0" algn="l" rtl="0">
               <a:spcBef>
                 <a:spcPts val="1600"/>
               </a:spcBef>
@@ -8555,7 +8664,7 @@
             <a:endParaRPr/>
           </a:p>
           <a:p>
-            <a:pPr indent="0" lvl="0" marL="0" rtl="0" algn="l">
+            <a:pPr marL="0" lvl="0" indent="0" algn="l" rtl="0">
               <a:spcBef>
                 <a:spcPts val="1600"/>
               </a:spcBef>
@@ -8571,7 +8680,7 @@
             <a:endParaRPr/>
           </a:p>
           <a:p>
-            <a:pPr indent="0" lvl="0" marL="0" rtl="0" algn="l">
+            <a:pPr marL="0" lvl="0" indent="0" algn="l" rtl="0">
               <a:spcBef>
                 <a:spcPts val="1600"/>
               </a:spcBef>
@@ -8587,7 +8696,7 @@
             <a:endParaRPr/>
           </a:p>
           <a:p>
-            <a:pPr indent="0" lvl="0" marL="0" rtl="0" algn="l">
+            <a:pPr marL="0" lvl="0" indent="0" algn="l" rtl="0">
               <a:spcBef>
                 <a:spcPts val="1600"/>
               </a:spcBef>
@@ -8603,7 +8712,7 @@
             <a:endParaRPr/>
           </a:p>
           <a:p>
-            <a:pPr indent="0" lvl="0" marL="0" rtl="0" algn="l">
+            <a:pPr marL="0" lvl="0" indent="0" algn="l" rtl="0">
               <a:spcBef>
                 <a:spcPts val="1600"/>
               </a:spcBef>
@@ -8619,7 +8728,7 @@
             <a:endParaRPr/>
           </a:p>
           <a:p>
-            <a:pPr indent="0" lvl="0" marL="0" rtl="0" algn="l">
+            <a:pPr marL="0" lvl="0" indent="0" algn="l" rtl="0">
               <a:spcBef>
                 <a:spcPts val="1600"/>
               </a:spcBef>
@@ -8635,7 +8744,7 @@
             <a:endParaRPr/>
           </a:p>
           <a:p>
-            <a:pPr indent="0" lvl="0" marL="0" rtl="0" algn="l">
+            <a:pPr marL="0" lvl="0" indent="0" algn="l" rtl="0">
               <a:spcBef>
                 <a:spcPts val="1600"/>
               </a:spcBef>
@@ -8644,13 +8753,10 @@
               </a:spcAft>
               <a:buNone/>
             </a:pPr>
-            <a:r>
-              <a:t/>
-            </a:r>
             <a:endParaRPr/>
           </a:p>
           <a:p>
-            <a:pPr indent="0" lvl="0" marL="0" rtl="0" algn="l">
+            <a:pPr marL="0" lvl="0" indent="0" algn="l" rtl="0">
               <a:spcBef>
                 <a:spcPts val="1600"/>
               </a:spcBef>
@@ -8659,13 +8765,10 @@
               </a:spcAft>
               <a:buNone/>
             </a:pPr>
-            <a:r>
-              <a:t/>
-            </a:r>
             <a:endParaRPr/>
           </a:p>
           <a:p>
-            <a:pPr indent="0" lvl="0" marL="457200" rtl="0" algn="l">
+            <a:pPr marL="457200" lvl="0" indent="0" algn="l" rtl="0">
               <a:spcBef>
                 <a:spcPts val="1600"/>
               </a:spcBef>
@@ -8674,9 +8777,6 @@
               </a:spcAft>
               <a:buNone/>
             </a:pPr>
-            <a:r>
-              <a:t/>
-            </a:r>
             <a:endParaRPr/>
           </a:p>
         </p:txBody>
@@ -8690,11 +8790,11 @@
 </file>
 
 <file path=ppt/slides/slide11.xml><?xml version="1.0" encoding="utf-8"?>
-<p:sld xmlns:a="http://schemas.openxmlformats.org/drawingml/2006/main" xmlns:r="http://schemas.openxmlformats.org/officeDocument/2006/relationships" xmlns:mc="http://schemas.openxmlformats.org/markup-compatibility/2006" xmlns:mv="urn:schemas-microsoft-com:mac:vml" xmlns:p="http://schemas.openxmlformats.org/presentationml/2006/main" xmlns:c="http://schemas.openxmlformats.org/drawingml/2006/chart" xmlns:dgm="http://schemas.openxmlformats.org/drawingml/2006/diagram" xmlns:o="urn:schemas-microsoft-com:office:office" xmlns:v="urn:schemas-microsoft-com:vml" xmlns:pvml="urn:schemas-microsoft-com:office:powerpoint" xmlns:com="http://schemas.openxmlformats.org/drawingml/2006/compatibility" xmlns:p14="http://schemas.microsoft.com/office/powerpoint/2010/main" xmlns:p15="http://schemas.microsoft.com/office/powerpoint/2012/main">
+<p:sld xmlns:a="http://schemas.openxmlformats.org/drawingml/2006/main" xmlns:r="http://schemas.openxmlformats.org/officeDocument/2006/relationships" xmlns:p="http://schemas.openxmlformats.org/presentationml/2006/main">
   <p:cSld>
     <p:spTree>
       <p:nvGrpSpPr>
-        <p:cNvPr id="144" name="Shape 144"/>
+        <p:cNvPr id="1" name="Shape 144"/>
         <p:cNvGrpSpPr/>
         <p:nvPr/>
       </p:nvGrpSpPr>
@@ -8709,7 +8809,9 @@
       <p:sp>
         <p:nvSpPr>
           <p:cNvPr id="145" name="Google Shape;145;p23"/>
-          <p:cNvSpPr txBox="1"/>
+          <p:cNvSpPr txBox="1">
+            <a:spLocks noGrp="1"/>
+          </p:cNvSpPr>
           <p:nvPr>
             <p:ph type="title"/>
           </p:nvPr>
@@ -8724,12 +8826,12 @@
           </a:prstGeom>
         </p:spPr>
         <p:txBody>
-          <a:bodyPr anchorCtr="0" anchor="t" bIns="91425" lIns="91425" spcFirstLastPara="1" rIns="91425" wrap="square" tIns="91425">
+          <a:bodyPr spcFirstLastPara="1" wrap="square" lIns="91425" tIns="91425" rIns="91425" bIns="91425" anchor="t" anchorCtr="0">
             <a:noAutofit/>
           </a:bodyPr>
           <a:lstStyle/>
           <a:p>
-            <a:pPr indent="0" lvl="0" marL="0" rtl="0" algn="l">
+            <a:pPr marL="0" lvl="0" indent="0" algn="l" rtl="0">
               <a:spcBef>
                 <a:spcPts val="0"/>
               </a:spcBef>
@@ -8749,9 +8851,11 @@
       <p:sp>
         <p:nvSpPr>
           <p:cNvPr id="146" name="Google Shape;146;p23"/>
-          <p:cNvSpPr txBox="1"/>
+          <p:cNvSpPr txBox="1">
+            <a:spLocks noGrp="1"/>
+          </p:cNvSpPr>
           <p:nvPr>
-            <p:ph idx="1" type="body"/>
+            <p:ph type="body" idx="1"/>
           </p:nvPr>
         </p:nvSpPr>
         <p:spPr>
@@ -8765,12 +8869,12 @@
           <a:noFill/>
         </p:spPr>
         <p:txBody>
-          <a:bodyPr anchorCtr="0" anchor="t" bIns="91425" lIns="91425" spcFirstLastPara="1" rIns="91425" wrap="square" tIns="91425">
+          <a:bodyPr spcFirstLastPara="1" wrap="square" lIns="91425" tIns="91425" rIns="91425" bIns="91425" anchor="t" anchorCtr="0">
             <a:noAutofit/>
           </a:bodyPr>
           <a:lstStyle/>
           <a:p>
-            <a:pPr indent="-381000" lvl="0" marL="457200" rtl="0" algn="l">
+            <a:pPr marL="457200" lvl="0" indent="-381000" algn="l" rtl="0">
               <a:spcBef>
                 <a:spcPts val="0"/>
               </a:spcBef>
@@ -8787,7 +8891,7 @@
             <a:endParaRPr sz="2400"/>
           </a:p>
           <a:p>
-            <a:pPr indent="-381000" lvl="0" marL="457200" rtl="0" algn="l">
+            <a:pPr marL="457200" lvl="0" indent="-381000" algn="l" rtl="0">
               <a:spcBef>
                 <a:spcPts val="0"/>
               </a:spcBef>
@@ -8813,7 +8917,7 @@
             <a:endParaRPr sz="2400"/>
           </a:p>
           <a:p>
-            <a:pPr indent="0" lvl="0" marL="0" rtl="0" algn="l">
+            <a:pPr marL="0" lvl="0" indent="0" algn="l" rtl="0">
               <a:spcBef>
                 <a:spcPts val="1600"/>
               </a:spcBef>
@@ -8822,13 +8926,10 @@
               </a:spcAft>
               <a:buNone/>
             </a:pPr>
-            <a:r>
-              <a:t/>
-            </a:r>
             <a:endParaRPr/>
           </a:p>
           <a:p>
-            <a:pPr indent="0" lvl="0" marL="0" rtl="0" algn="l">
+            <a:pPr marL="0" lvl="0" indent="0" algn="l" rtl="0">
               <a:spcBef>
                 <a:spcPts val="1600"/>
               </a:spcBef>
@@ -8837,13 +8938,10 @@
               </a:spcAft>
               <a:buNone/>
             </a:pPr>
-            <a:r>
-              <a:t/>
-            </a:r>
             <a:endParaRPr/>
           </a:p>
           <a:p>
-            <a:pPr indent="0" lvl="0" marL="457200" rtl="0" algn="l">
+            <a:pPr marL="457200" lvl="0" indent="0" algn="l" rtl="0">
               <a:spcBef>
                 <a:spcPts val="1600"/>
               </a:spcBef>
@@ -8852,9 +8950,6 @@
               </a:spcAft>
               <a:buNone/>
             </a:pPr>
-            <a:r>
-              <a:t/>
-            </a:r>
             <a:endParaRPr/>
           </a:p>
         </p:txBody>
@@ -8868,11 +8963,11 @@
 </file>
 
 <file path=ppt/slides/slide2.xml><?xml version="1.0" encoding="utf-8"?>
-<p:sld xmlns:a="http://schemas.openxmlformats.org/drawingml/2006/main" xmlns:r="http://schemas.openxmlformats.org/officeDocument/2006/relationships" xmlns:mc="http://schemas.openxmlformats.org/markup-compatibility/2006" xmlns:mv="urn:schemas-microsoft-com:mac:vml" xmlns:p="http://schemas.openxmlformats.org/presentationml/2006/main" xmlns:c="http://schemas.openxmlformats.org/drawingml/2006/chart" xmlns:dgm="http://schemas.openxmlformats.org/drawingml/2006/diagram" xmlns:o="urn:schemas-microsoft-com:office:office" xmlns:v="urn:schemas-microsoft-com:vml" xmlns:pvml="urn:schemas-microsoft-com:office:powerpoint" xmlns:com="http://schemas.openxmlformats.org/drawingml/2006/compatibility" xmlns:p14="http://schemas.microsoft.com/office/powerpoint/2010/main" xmlns:p15="http://schemas.microsoft.com/office/powerpoint/2012/main">
+<p:sld xmlns:a="http://schemas.openxmlformats.org/drawingml/2006/main" xmlns:r="http://schemas.openxmlformats.org/officeDocument/2006/relationships" xmlns:p="http://schemas.openxmlformats.org/presentationml/2006/main">
   <p:cSld>
     <p:spTree>
       <p:nvGrpSpPr>
-        <p:cNvPr id="90" name="Shape 90"/>
+        <p:cNvPr id="1" name="Shape 90"/>
         <p:cNvGrpSpPr/>
         <p:nvPr/>
       </p:nvGrpSpPr>
@@ -8887,7 +8982,9 @@
       <p:sp>
         <p:nvSpPr>
           <p:cNvPr id="91" name="Google Shape;91;p14"/>
-          <p:cNvSpPr txBox="1"/>
+          <p:cNvSpPr txBox="1">
+            <a:spLocks noGrp="1"/>
+          </p:cNvSpPr>
           <p:nvPr>
             <p:ph type="title"/>
           </p:nvPr>
@@ -8902,12 +8999,12 @@
           </a:prstGeom>
         </p:spPr>
         <p:txBody>
-          <a:bodyPr anchorCtr="0" anchor="t" bIns="91425" lIns="91425" spcFirstLastPara="1" rIns="91425" wrap="square" tIns="91425">
+          <a:bodyPr spcFirstLastPara="1" wrap="square" lIns="91425" tIns="91425" rIns="91425" bIns="91425" anchor="t" anchorCtr="0">
             <a:noAutofit/>
           </a:bodyPr>
           <a:lstStyle/>
           <a:p>
-            <a:pPr indent="0" lvl="0" marL="0" rtl="0" algn="l">
+            <a:pPr marL="0" lvl="0" indent="0" algn="l" rtl="0">
               <a:spcBef>
                 <a:spcPts val="0"/>
               </a:spcBef>
@@ -8927,9 +9024,11 @@
       <p:sp>
         <p:nvSpPr>
           <p:cNvPr id="92" name="Google Shape;92;p14"/>
-          <p:cNvSpPr txBox="1"/>
+          <p:cNvSpPr txBox="1">
+            <a:spLocks noGrp="1"/>
+          </p:cNvSpPr>
           <p:nvPr>
-            <p:ph idx="1" type="body"/>
+            <p:ph type="body" idx="1"/>
           </p:nvPr>
         </p:nvSpPr>
         <p:spPr>
@@ -8942,12 +9041,12 @@
           </a:prstGeom>
         </p:spPr>
         <p:txBody>
-          <a:bodyPr anchorCtr="0" anchor="t" bIns="91425" lIns="91425" spcFirstLastPara="1" rIns="91425" wrap="square" tIns="91425">
+          <a:bodyPr spcFirstLastPara="1" wrap="square" lIns="91425" tIns="91425" rIns="91425" bIns="91425" anchor="t" anchorCtr="0">
             <a:noAutofit/>
           </a:bodyPr>
           <a:lstStyle/>
           <a:p>
-            <a:pPr indent="-381000" lvl="0" marL="457200" rtl="0" algn="l">
+            <a:pPr marL="457200" lvl="0" indent="-381000" algn="l" rtl="0">
               <a:spcBef>
                 <a:spcPts val="0"/>
               </a:spcBef>
@@ -8964,7 +9063,7 @@
             <a:endParaRPr sz="2400"/>
           </a:p>
           <a:p>
-            <a:pPr indent="-381000" lvl="0" marL="457200" rtl="0" algn="l">
+            <a:pPr marL="457200" lvl="0" indent="-381000" algn="l" rtl="0">
               <a:spcBef>
                 <a:spcPts val="0"/>
               </a:spcBef>
@@ -8981,7 +9080,7 @@
             <a:endParaRPr sz="2400"/>
           </a:p>
           <a:p>
-            <a:pPr indent="-381000" lvl="0" marL="457200" rtl="0" algn="l">
+            <a:pPr marL="457200" lvl="0" indent="-381000" algn="l" rtl="0">
               <a:spcBef>
                 <a:spcPts val="0"/>
               </a:spcBef>
@@ -8998,7 +9097,7 @@
             <a:endParaRPr sz="2400"/>
           </a:p>
           <a:p>
-            <a:pPr indent="-381000" lvl="0" marL="457200" rtl="0" algn="l">
+            <a:pPr marL="457200" lvl="0" indent="-381000" algn="l" rtl="0">
               <a:spcBef>
                 <a:spcPts val="0"/>
               </a:spcBef>
@@ -9025,11 +9124,11 @@
 </file>
 
 <file path=ppt/slides/slide3.xml><?xml version="1.0" encoding="utf-8"?>
-<p:sld xmlns:a="http://schemas.openxmlformats.org/drawingml/2006/main" xmlns:r="http://schemas.openxmlformats.org/officeDocument/2006/relationships" xmlns:mc="http://schemas.openxmlformats.org/markup-compatibility/2006" xmlns:mv="urn:schemas-microsoft-com:mac:vml" xmlns:p="http://schemas.openxmlformats.org/presentationml/2006/main" xmlns:c="http://schemas.openxmlformats.org/drawingml/2006/chart" xmlns:dgm="http://schemas.openxmlformats.org/drawingml/2006/diagram" xmlns:o="urn:schemas-microsoft-com:office:office" xmlns:v="urn:schemas-microsoft-com:vml" xmlns:pvml="urn:schemas-microsoft-com:office:powerpoint" xmlns:com="http://schemas.openxmlformats.org/drawingml/2006/compatibility" xmlns:p14="http://schemas.microsoft.com/office/powerpoint/2010/main" xmlns:p15="http://schemas.microsoft.com/office/powerpoint/2012/main">
+<p:sld xmlns:a="http://schemas.openxmlformats.org/drawingml/2006/main" xmlns:r="http://schemas.openxmlformats.org/officeDocument/2006/relationships" xmlns:p="http://schemas.openxmlformats.org/presentationml/2006/main">
   <p:cSld>
     <p:spTree>
       <p:nvGrpSpPr>
-        <p:cNvPr id="96" name="Shape 96"/>
+        <p:cNvPr id="1" name="Shape 96"/>
         <p:cNvGrpSpPr/>
         <p:nvPr/>
       </p:nvGrpSpPr>
@@ -9044,7 +9143,9 @@
       <p:sp>
         <p:nvSpPr>
           <p:cNvPr id="97" name="Google Shape;97;p15"/>
-          <p:cNvSpPr txBox="1"/>
+          <p:cNvSpPr txBox="1">
+            <a:spLocks noGrp="1"/>
+          </p:cNvSpPr>
           <p:nvPr>
             <p:ph type="title"/>
           </p:nvPr>
@@ -9059,12 +9160,12 @@
           </a:prstGeom>
         </p:spPr>
         <p:txBody>
-          <a:bodyPr anchorCtr="0" anchor="t" bIns="91425" lIns="91425" spcFirstLastPara="1" rIns="91425" wrap="square" tIns="91425">
+          <a:bodyPr spcFirstLastPara="1" wrap="square" lIns="91425" tIns="91425" rIns="91425" bIns="91425" anchor="t" anchorCtr="0">
             <a:noAutofit/>
           </a:bodyPr>
           <a:lstStyle/>
           <a:p>
-            <a:pPr indent="0" lvl="0" marL="0" rtl="0" algn="l">
+            <a:pPr marL="0" lvl="0" indent="0" algn="l" rtl="0">
               <a:spcBef>
                 <a:spcPts val="0"/>
               </a:spcBef>
@@ -9084,9 +9185,11 @@
       <p:sp>
         <p:nvSpPr>
           <p:cNvPr id="98" name="Google Shape;98;p15"/>
-          <p:cNvSpPr txBox="1"/>
+          <p:cNvSpPr txBox="1">
+            <a:spLocks noGrp="1"/>
+          </p:cNvSpPr>
           <p:nvPr>
-            <p:ph idx="1" type="body"/>
+            <p:ph type="body" idx="1"/>
           </p:nvPr>
         </p:nvSpPr>
         <p:spPr>
@@ -9099,12 +9202,12 @@
           </a:prstGeom>
         </p:spPr>
         <p:txBody>
-          <a:bodyPr anchorCtr="0" anchor="t" bIns="91425" lIns="91425" spcFirstLastPara="1" rIns="91425" wrap="square" tIns="91425">
+          <a:bodyPr spcFirstLastPara="1" wrap="square" lIns="91425" tIns="91425" rIns="91425" bIns="91425" anchor="t" anchorCtr="0">
             <a:noAutofit/>
           </a:bodyPr>
           <a:lstStyle/>
           <a:p>
-            <a:pPr indent="-381000" lvl="0" marL="457200" rtl="0" algn="l">
+            <a:pPr marL="457200" lvl="0" indent="-381000" algn="l" rtl="0">
               <a:spcBef>
                 <a:spcPts val="0"/>
               </a:spcBef>
@@ -9116,16 +9219,12 @@
             </a:pPr>
             <a:r>
               <a:rPr lang="en" sz="2400"/>
-              <a:t>Logical </a:t>
-            </a:r>
-            <a:r>
-              <a:rPr lang="en" sz="2400"/>
-              <a:t>parallelization</a:t>
+              <a:t>Logical parallelization</a:t>
             </a:r>
             <a:endParaRPr sz="2400"/>
           </a:p>
           <a:p>
-            <a:pPr indent="-381000" lvl="0" marL="457200" rtl="0" algn="l">
+            <a:pPr marL="457200" lvl="0" indent="-381000" algn="l" rtl="0">
               <a:spcBef>
                 <a:spcPts val="0"/>
               </a:spcBef>
@@ -9142,7 +9241,7 @@
             <a:endParaRPr sz="2400"/>
           </a:p>
           <a:p>
-            <a:pPr indent="-381000" lvl="0" marL="457200" rtl="0" algn="l">
+            <a:pPr marL="457200" lvl="0" indent="-381000" algn="l" rtl="0">
               <a:spcBef>
                 <a:spcPts val="0"/>
               </a:spcBef>
@@ -9169,11 +9268,11 @@
 </file>
 
 <file path=ppt/slides/slide4.xml><?xml version="1.0" encoding="utf-8"?>
-<p:sld xmlns:a="http://schemas.openxmlformats.org/drawingml/2006/main" xmlns:r="http://schemas.openxmlformats.org/officeDocument/2006/relationships" xmlns:mc="http://schemas.openxmlformats.org/markup-compatibility/2006" xmlns:mv="urn:schemas-microsoft-com:mac:vml" xmlns:p="http://schemas.openxmlformats.org/presentationml/2006/main" xmlns:c="http://schemas.openxmlformats.org/drawingml/2006/chart" xmlns:dgm="http://schemas.openxmlformats.org/drawingml/2006/diagram" xmlns:o="urn:schemas-microsoft-com:office:office" xmlns:v="urn:schemas-microsoft-com:vml" xmlns:pvml="urn:schemas-microsoft-com:office:powerpoint" xmlns:com="http://schemas.openxmlformats.org/drawingml/2006/compatibility" xmlns:p14="http://schemas.microsoft.com/office/powerpoint/2010/main" xmlns:p15="http://schemas.microsoft.com/office/powerpoint/2012/main">
+<p:sld xmlns:a="http://schemas.openxmlformats.org/drawingml/2006/main" xmlns:r="http://schemas.openxmlformats.org/officeDocument/2006/relationships" xmlns:p="http://schemas.openxmlformats.org/presentationml/2006/main">
   <p:cSld>
     <p:spTree>
       <p:nvGrpSpPr>
-        <p:cNvPr id="102" name="Shape 102"/>
+        <p:cNvPr id="1" name="Shape 102"/>
         <p:cNvGrpSpPr/>
         <p:nvPr/>
       </p:nvGrpSpPr>
@@ -9188,7 +9287,9 @@
       <p:sp>
         <p:nvSpPr>
           <p:cNvPr id="103" name="Google Shape;103;p16"/>
-          <p:cNvSpPr txBox="1"/>
+          <p:cNvSpPr txBox="1">
+            <a:spLocks noGrp="1"/>
+          </p:cNvSpPr>
           <p:nvPr>
             <p:ph type="title"/>
           </p:nvPr>
@@ -9203,12 +9304,12 @@
           </a:prstGeom>
         </p:spPr>
         <p:txBody>
-          <a:bodyPr anchorCtr="0" anchor="t" bIns="91425" lIns="91425" spcFirstLastPara="1" rIns="91425" wrap="square" tIns="91425">
+          <a:bodyPr spcFirstLastPara="1" wrap="square" lIns="91425" tIns="91425" rIns="91425" bIns="91425" anchor="t" anchorCtr="0">
             <a:noAutofit/>
           </a:bodyPr>
           <a:lstStyle/>
           <a:p>
-            <a:pPr indent="0" lvl="0" marL="0" rtl="0" algn="l">
+            <a:pPr marL="0" lvl="0" indent="0" algn="l" rtl="0">
               <a:spcBef>
                 <a:spcPts val="0"/>
               </a:spcBef>
@@ -9228,9 +9329,11 @@
       <p:sp>
         <p:nvSpPr>
           <p:cNvPr id="104" name="Google Shape;104;p16"/>
-          <p:cNvSpPr txBox="1"/>
+          <p:cNvSpPr txBox="1">
+            <a:spLocks noGrp="1"/>
+          </p:cNvSpPr>
           <p:nvPr>
-            <p:ph idx="1" type="body"/>
+            <p:ph type="body" idx="1"/>
           </p:nvPr>
         </p:nvSpPr>
         <p:spPr>
@@ -9243,12 +9346,12 @@
           </a:prstGeom>
         </p:spPr>
         <p:txBody>
-          <a:bodyPr anchorCtr="0" anchor="t" bIns="91425" lIns="91425" spcFirstLastPara="1" rIns="91425" wrap="square" tIns="91425">
+          <a:bodyPr spcFirstLastPara="1" wrap="square" lIns="91425" tIns="91425" rIns="91425" bIns="91425" anchor="t" anchorCtr="0">
             <a:noAutofit/>
           </a:bodyPr>
           <a:lstStyle/>
           <a:p>
-            <a:pPr indent="-381000" lvl="0" marL="457200" rtl="0" algn="l">
+            <a:pPr marL="457200" lvl="0" indent="-381000" algn="l" rtl="0">
               <a:spcBef>
                 <a:spcPts val="0"/>
               </a:spcBef>
@@ -9265,7 +9368,7 @@
             <a:endParaRPr sz="2400"/>
           </a:p>
           <a:p>
-            <a:pPr indent="-381000" lvl="0" marL="457200" rtl="0" algn="l">
+            <a:pPr marL="457200" lvl="0" indent="-381000" algn="l" rtl="0">
               <a:spcBef>
                 <a:spcPts val="0"/>
               </a:spcBef>
@@ -9282,7 +9385,7 @@
             <a:endParaRPr sz="2400"/>
           </a:p>
           <a:p>
-            <a:pPr indent="-381000" lvl="0" marL="457200" rtl="0" algn="l">
+            <a:pPr marL="457200" lvl="0" indent="-381000" algn="l" rtl="0">
               <a:spcBef>
                 <a:spcPts val="0"/>
               </a:spcBef>
@@ -9309,11 +9412,11 @@
 </file>
 
 <file path=ppt/slides/slide5.xml><?xml version="1.0" encoding="utf-8"?>
-<p:sld xmlns:a="http://schemas.openxmlformats.org/drawingml/2006/main" xmlns:r="http://schemas.openxmlformats.org/officeDocument/2006/relationships" xmlns:mc="http://schemas.openxmlformats.org/markup-compatibility/2006" xmlns:mv="urn:schemas-microsoft-com:mac:vml" xmlns:p="http://schemas.openxmlformats.org/presentationml/2006/main" xmlns:c="http://schemas.openxmlformats.org/drawingml/2006/chart" xmlns:dgm="http://schemas.openxmlformats.org/drawingml/2006/diagram" xmlns:o="urn:schemas-microsoft-com:office:office" xmlns:v="urn:schemas-microsoft-com:vml" xmlns:pvml="urn:schemas-microsoft-com:office:powerpoint" xmlns:com="http://schemas.openxmlformats.org/drawingml/2006/compatibility" xmlns:p14="http://schemas.microsoft.com/office/powerpoint/2010/main" xmlns:p15="http://schemas.microsoft.com/office/powerpoint/2012/main">
+<p:sld xmlns:a="http://schemas.openxmlformats.org/drawingml/2006/main" xmlns:r="http://schemas.openxmlformats.org/officeDocument/2006/relationships" xmlns:p="http://schemas.openxmlformats.org/presentationml/2006/main">
   <p:cSld>
     <p:spTree>
       <p:nvGrpSpPr>
-        <p:cNvPr id="108" name="Shape 108"/>
+        <p:cNvPr id="1" name="Shape 108"/>
         <p:cNvGrpSpPr/>
         <p:nvPr/>
       </p:nvGrpSpPr>
@@ -9328,7 +9431,9 @@
       <p:sp>
         <p:nvSpPr>
           <p:cNvPr id="109" name="Google Shape;109;p17"/>
-          <p:cNvSpPr txBox="1"/>
+          <p:cNvSpPr txBox="1">
+            <a:spLocks noGrp="1"/>
+          </p:cNvSpPr>
           <p:nvPr>
             <p:ph type="title"/>
           </p:nvPr>
@@ -9343,12 +9448,12 @@
           </a:prstGeom>
         </p:spPr>
         <p:txBody>
-          <a:bodyPr anchorCtr="0" anchor="t" bIns="91425" lIns="91425" spcFirstLastPara="1" rIns="91425" wrap="square" tIns="91425">
+          <a:bodyPr spcFirstLastPara="1" wrap="square" lIns="91425" tIns="91425" rIns="91425" bIns="91425" anchor="t" anchorCtr="0">
             <a:noAutofit/>
           </a:bodyPr>
           <a:lstStyle/>
           <a:p>
-            <a:pPr indent="0" lvl="0" marL="0" rtl="0" algn="l">
+            <a:pPr marL="0" lvl="0" indent="0" algn="l" rtl="0">
               <a:spcBef>
                 <a:spcPts val="0"/>
               </a:spcBef>
@@ -9373,9 +9478,11 @@
       <p:sp>
         <p:nvSpPr>
           <p:cNvPr id="110" name="Google Shape;110;p17"/>
-          <p:cNvSpPr txBox="1"/>
+          <p:cNvSpPr txBox="1">
+            <a:spLocks noGrp="1"/>
+          </p:cNvSpPr>
           <p:nvPr>
-            <p:ph idx="1" type="body"/>
+            <p:ph type="body" idx="1"/>
           </p:nvPr>
         </p:nvSpPr>
         <p:spPr>
@@ -9388,12 +9495,12 @@
           </a:prstGeom>
         </p:spPr>
         <p:txBody>
-          <a:bodyPr anchorCtr="0" anchor="t" bIns="91425" lIns="91425" spcFirstLastPara="1" rIns="91425" wrap="square" tIns="91425">
+          <a:bodyPr spcFirstLastPara="1" wrap="square" lIns="91425" tIns="91425" rIns="91425" bIns="91425" anchor="t" anchorCtr="0">
             <a:noAutofit/>
           </a:bodyPr>
           <a:lstStyle/>
           <a:p>
-            <a:pPr indent="-381000" lvl="0" marL="457200" rtl="0" algn="l">
+            <a:pPr marL="457200" lvl="0" indent="-381000" algn="l" rtl="0">
               <a:spcBef>
                 <a:spcPts val="0"/>
               </a:spcBef>
@@ -9410,7 +9517,7 @@
             <a:endParaRPr sz="2400"/>
           </a:p>
           <a:p>
-            <a:pPr indent="-381000" lvl="0" marL="457200" rtl="0" algn="l">
+            <a:pPr marL="457200" lvl="0" indent="-381000" algn="l" rtl="0">
               <a:spcBef>
                 <a:spcPts val="0"/>
               </a:spcBef>
@@ -9534,11 +9641,11 @@
 </file>
 
 <file path=ppt/slides/slide6.xml><?xml version="1.0" encoding="utf-8"?>
-<p:sld xmlns:a="http://schemas.openxmlformats.org/drawingml/2006/main" xmlns:r="http://schemas.openxmlformats.org/officeDocument/2006/relationships" xmlns:mc="http://schemas.openxmlformats.org/markup-compatibility/2006" xmlns:mv="urn:schemas-microsoft-com:mac:vml" xmlns:p="http://schemas.openxmlformats.org/presentationml/2006/main" xmlns:c="http://schemas.openxmlformats.org/drawingml/2006/chart" xmlns:dgm="http://schemas.openxmlformats.org/drawingml/2006/diagram" xmlns:o="urn:schemas-microsoft-com:office:office" xmlns:v="urn:schemas-microsoft-com:vml" xmlns:pvml="urn:schemas-microsoft-com:office:powerpoint" xmlns:com="http://schemas.openxmlformats.org/drawingml/2006/compatibility" xmlns:p14="http://schemas.microsoft.com/office/powerpoint/2010/main" xmlns:p15="http://schemas.microsoft.com/office/powerpoint/2012/main">
+<p:sld xmlns:a="http://schemas.openxmlformats.org/drawingml/2006/main" xmlns:r="http://schemas.openxmlformats.org/officeDocument/2006/relationships" xmlns:p="http://schemas.openxmlformats.org/presentationml/2006/main">
   <p:cSld>
     <p:spTree>
       <p:nvGrpSpPr>
-        <p:cNvPr id="114" name="Shape 114"/>
+        <p:cNvPr id="1" name="Shape 114"/>
         <p:cNvGrpSpPr/>
         <p:nvPr/>
       </p:nvGrpSpPr>
@@ -9553,7 +9660,9 @@
       <p:sp>
         <p:nvSpPr>
           <p:cNvPr id="115" name="Google Shape;115;p18"/>
-          <p:cNvSpPr txBox="1"/>
+          <p:cNvSpPr txBox="1">
+            <a:spLocks noGrp="1"/>
+          </p:cNvSpPr>
           <p:nvPr>
             <p:ph type="title"/>
           </p:nvPr>
@@ -9568,12 +9677,12 @@
           </a:prstGeom>
         </p:spPr>
         <p:txBody>
-          <a:bodyPr anchorCtr="0" anchor="t" bIns="91425" lIns="91425" spcFirstLastPara="1" rIns="91425" wrap="square" tIns="91425">
+          <a:bodyPr spcFirstLastPara="1" wrap="square" lIns="91425" tIns="91425" rIns="91425" bIns="91425" anchor="t" anchorCtr="0">
             <a:noAutofit/>
           </a:bodyPr>
           <a:lstStyle/>
           <a:p>
-            <a:pPr indent="0" lvl="0" marL="0" rtl="0" algn="l">
+            <a:pPr marL="0" lvl="0" indent="0" algn="l" rtl="0">
               <a:spcBef>
                 <a:spcPts val="0"/>
               </a:spcBef>
@@ -9598,9 +9707,11 @@
       <p:sp>
         <p:nvSpPr>
           <p:cNvPr id="116" name="Google Shape;116;p18"/>
-          <p:cNvSpPr txBox="1"/>
+          <p:cNvSpPr txBox="1">
+            <a:spLocks noGrp="1"/>
+          </p:cNvSpPr>
           <p:nvPr>
-            <p:ph idx="1" type="body"/>
+            <p:ph type="body" idx="1"/>
           </p:nvPr>
         </p:nvSpPr>
         <p:spPr>
@@ -9616,12 +9727,12 @@
           </a:solidFill>
         </p:spPr>
         <p:txBody>
-          <a:bodyPr anchorCtr="0" anchor="t" bIns="91425" lIns="91425" spcFirstLastPara="1" rIns="91425" wrap="square" tIns="91425">
+          <a:bodyPr spcFirstLastPara="1" wrap="square" lIns="91425" tIns="91425" rIns="91425" bIns="91425" anchor="t" anchorCtr="0">
             <a:noAutofit/>
           </a:bodyPr>
           <a:lstStyle/>
           <a:p>
-            <a:pPr indent="0" lvl="0" marL="457200" rtl="0" algn="l">
+            <a:pPr marL="457200" lvl="0" indent="0" algn="l" rtl="0">
               <a:spcBef>
                 <a:spcPts val="0"/>
               </a:spcBef>
@@ -9642,7 +9753,7 @@
             <a:endParaRPr sz="1400"/>
           </a:p>
           <a:p>
-            <a:pPr indent="0" lvl="0" marL="457200" rtl="0" algn="l">
+            <a:pPr marL="457200" lvl="0" indent="0" algn="l" rtl="0">
               <a:spcBef>
                 <a:spcPts val="1600"/>
               </a:spcBef>
@@ -9663,7 +9774,7 @@
             <a:endParaRPr sz="1400"/>
           </a:p>
           <a:p>
-            <a:pPr indent="0" lvl="0" marL="457200" rtl="0" algn="l">
+            <a:pPr marL="457200" lvl="0" indent="0" algn="l" rtl="0">
               <a:spcBef>
                 <a:spcPts val="1600"/>
               </a:spcBef>
@@ -9684,7 +9795,7 @@
             <a:endParaRPr sz="1400"/>
           </a:p>
           <a:p>
-            <a:pPr indent="0" lvl="0" marL="457200" rtl="0" algn="l">
+            <a:pPr marL="457200" lvl="0" indent="0" algn="l" rtl="0">
               <a:spcBef>
                 <a:spcPts val="1600"/>
               </a:spcBef>
@@ -9705,7 +9816,7 @@
             <a:endParaRPr sz="1400"/>
           </a:p>
           <a:p>
-            <a:pPr indent="0" lvl="0" marL="457200" rtl="0" algn="l">
+            <a:pPr marL="457200" lvl="0" indent="0" algn="l" rtl="0">
               <a:spcBef>
                 <a:spcPts val="1600"/>
               </a:spcBef>
@@ -9726,7 +9837,7 @@
             <a:endParaRPr sz="1400"/>
           </a:p>
           <a:p>
-            <a:pPr indent="0" lvl="0" marL="457200" rtl="0" algn="l">
+            <a:pPr marL="457200" lvl="0" indent="0" algn="l" rtl="0">
               <a:spcBef>
                 <a:spcPts val="1600"/>
               </a:spcBef>
@@ -9747,7 +9858,7 @@
             <a:endParaRPr sz="1400"/>
           </a:p>
           <a:p>
-            <a:pPr indent="0" lvl="0" marL="457200" rtl="0" algn="l">
+            <a:pPr marL="457200" lvl="0" indent="0" algn="l" rtl="0">
               <a:spcBef>
                 <a:spcPts val="1600"/>
               </a:spcBef>
@@ -9756,9 +9867,6 @@
               </a:spcAft>
               <a:buNone/>
             </a:pPr>
-            <a:r>
-              <a:t/>
-            </a:r>
             <a:endParaRPr sz="2400"/>
           </a:p>
         </p:txBody>
@@ -9772,11 +9880,11 @@
 </file>
 
 <file path=ppt/slides/slide7.xml><?xml version="1.0" encoding="utf-8"?>
-<p:sld xmlns:a="http://schemas.openxmlformats.org/drawingml/2006/main" xmlns:r="http://schemas.openxmlformats.org/officeDocument/2006/relationships" xmlns:mc="http://schemas.openxmlformats.org/markup-compatibility/2006" xmlns:mv="urn:schemas-microsoft-com:mac:vml" xmlns:p="http://schemas.openxmlformats.org/presentationml/2006/main" xmlns:c="http://schemas.openxmlformats.org/drawingml/2006/chart" xmlns:dgm="http://schemas.openxmlformats.org/drawingml/2006/diagram" xmlns:o="urn:schemas-microsoft-com:office:office" xmlns:v="urn:schemas-microsoft-com:vml" xmlns:pvml="urn:schemas-microsoft-com:office:powerpoint" xmlns:com="http://schemas.openxmlformats.org/drawingml/2006/compatibility" xmlns:p14="http://schemas.microsoft.com/office/powerpoint/2010/main" xmlns:p15="http://schemas.microsoft.com/office/powerpoint/2012/main">
+<p:sld xmlns:a="http://schemas.openxmlformats.org/drawingml/2006/main" xmlns:r="http://schemas.openxmlformats.org/officeDocument/2006/relationships" xmlns:p="http://schemas.openxmlformats.org/presentationml/2006/main">
   <p:cSld>
     <p:spTree>
       <p:nvGrpSpPr>
-        <p:cNvPr id="120" name="Shape 120"/>
+        <p:cNvPr id="1" name="Shape 120"/>
         <p:cNvGrpSpPr/>
         <p:nvPr/>
       </p:nvGrpSpPr>
@@ -9791,7 +9899,9 @@
       <p:sp>
         <p:nvSpPr>
           <p:cNvPr id="121" name="Google Shape;121;p19"/>
-          <p:cNvSpPr txBox="1"/>
+          <p:cNvSpPr txBox="1">
+            <a:spLocks noGrp="1"/>
+          </p:cNvSpPr>
           <p:nvPr>
             <p:ph type="title"/>
           </p:nvPr>
@@ -9806,12 +9916,12 @@
           </a:prstGeom>
         </p:spPr>
         <p:txBody>
-          <a:bodyPr anchorCtr="0" anchor="t" bIns="91425" lIns="91425" spcFirstLastPara="1" rIns="91425" wrap="square" tIns="91425">
+          <a:bodyPr spcFirstLastPara="1" wrap="square" lIns="91425" tIns="91425" rIns="91425" bIns="91425" anchor="t" anchorCtr="0">
             <a:noAutofit/>
           </a:bodyPr>
           <a:lstStyle/>
           <a:p>
-            <a:pPr indent="0" lvl="0" marL="0" rtl="0" algn="l">
+            <a:pPr marL="0" lvl="0" indent="0" algn="l" rtl="0">
               <a:spcBef>
                 <a:spcPts val="0"/>
               </a:spcBef>
@@ -9831,9 +9941,11 @@
       <p:sp>
         <p:nvSpPr>
           <p:cNvPr id="122" name="Google Shape;122;p19"/>
-          <p:cNvSpPr txBox="1"/>
+          <p:cNvSpPr txBox="1">
+            <a:spLocks noGrp="1"/>
+          </p:cNvSpPr>
           <p:nvPr>
-            <p:ph idx="1" type="body"/>
+            <p:ph type="body" idx="1"/>
           </p:nvPr>
         </p:nvSpPr>
         <p:spPr>
@@ -9846,12 +9958,12 @@
           </a:prstGeom>
         </p:spPr>
         <p:txBody>
-          <a:bodyPr anchorCtr="0" anchor="t" bIns="91425" lIns="91425" spcFirstLastPara="1" rIns="91425" wrap="square" tIns="91425">
+          <a:bodyPr spcFirstLastPara="1" wrap="square" lIns="91425" tIns="91425" rIns="91425" bIns="91425" anchor="t" anchorCtr="0">
             <a:noAutofit/>
           </a:bodyPr>
           <a:lstStyle/>
           <a:p>
-            <a:pPr indent="-381000" lvl="0" marL="457200" rtl="0" algn="l">
+            <a:pPr marL="457200" lvl="0" indent="-381000" algn="l" rtl="0">
               <a:spcBef>
                 <a:spcPts val="0"/>
               </a:spcBef>
@@ -9868,7 +9980,7 @@
             <a:endParaRPr sz="2400"/>
           </a:p>
           <a:p>
-            <a:pPr indent="-381000" lvl="0" marL="457200" rtl="0" algn="l">
+            <a:pPr marL="457200" lvl="0" indent="-381000" algn="l" rtl="0">
               <a:spcBef>
                 <a:spcPts val="0"/>
               </a:spcBef>
@@ -9904,11 +10016,11 @@
 </file>
 
 <file path=ppt/slides/slide8.xml><?xml version="1.0" encoding="utf-8"?>
-<p:sld xmlns:a="http://schemas.openxmlformats.org/drawingml/2006/main" xmlns:r="http://schemas.openxmlformats.org/officeDocument/2006/relationships" xmlns:mc="http://schemas.openxmlformats.org/markup-compatibility/2006" xmlns:mv="urn:schemas-microsoft-com:mac:vml" xmlns:p="http://schemas.openxmlformats.org/presentationml/2006/main" xmlns:c="http://schemas.openxmlformats.org/drawingml/2006/chart" xmlns:dgm="http://schemas.openxmlformats.org/drawingml/2006/diagram" xmlns:o="urn:schemas-microsoft-com:office:office" xmlns:v="urn:schemas-microsoft-com:vml" xmlns:pvml="urn:schemas-microsoft-com:office:powerpoint" xmlns:com="http://schemas.openxmlformats.org/drawingml/2006/compatibility" xmlns:p14="http://schemas.microsoft.com/office/powerpoint/2010/main" xmlns:p15="http://schemas.microsoft.com/office/powerpoint/2012/main">
+<p:sld xmlns:a="http://schemas.openxmlformats.org/drawingml/2006/main" xmlns:r="http://schemas.openxmlformats.org/officeDocument/2006/relationships" xmlns:p="http://schemas.openxmlformats.org/presentationml/2006/main">
   <p:cSld>
     <p:spTree>
       <p:nvGrpSpPr>
-        <p:cNvPr id="126" name="Shape 126"/>
+        <p:cNvPr id="1" name="Shape 126"/>
         <p:cNvGrpSpPr/>
         <p:nvPr/>
       </p:nvGrpSpPr>
@@ -9923,7 +10035,9 @@
       <p:sp>
         <p:nvSpPr>
           <p:cNvPr id="127" name="Google Shape;127;p20"/>
-          <p:cNvSpPr txBox="1"/>
+          <p:cNvSpPr txBox="1">
+            <a:spLocks noGrp="1"/>
+          </p:cNvSpPr>
           <p:nvPr>
             <p:ph type="title"/>
           </p:nvPr>
@@ -9938,12 +10052,12 @@
           </a:prstGeom>
         </p:spPr>
         <p:txBody>
-          <a:bodyPr anchorCtr="0" anchor="t" bIns="91425" lIns="91425" spcFirstLastPara="1" rIns="91425" wrap="square" tIns="91425">
+          <a:bodyPr spcFirstLastPara="1" wrap="square" lIns="91425" tIns="91425" rIns="91425" bIns="91425" anchor="t" anchorCtr="0">
             <a:noAutofit/>
           </a:bodyPr>
           <a:lstStyle/>
           <a:p>
-            <a:pPr indent="0" lvl="0" marL="0" rtl="0" algn="l">
+            <a:pPr marL="0" lvl="0" indent="0" algn="l" rtl="0">
               <a:spcBef>
                 <a:spcPts val="0"/>
               </a:spcBef>
@@ -9963,9 +10077,11 @@
       <p:sp>
         <p:nvSpPr>
           <p:cNvPr id="128" name="Google Shape;128;p20"/>
-          <p:cNvSpPr txBox="1"/>
+          <p:cNvSpPr txBox="1">
+            <a:spLocks noGrp="1"/>
+          </p:cNvSpPr>
           <p:nvPr>
-            <p:ph idx="1" type="body"/>
+            <p:ph type="body" idx="1"/>
           </p:nvPr>
         </p:nvSpPr>
         <p:spPr>
@@ -9981,12 +10097,12 @@
           </a:solidFill>
         </p:spPr>
         <p:txBody>
-          <a:bodyPr anchorCtr="0" anchor="t" bIns="91425" lIns="91425" spcFirstLastPara="1" rIns="91425" wrap="square" tIns="91425">
+          <a:bodyPr spcFirstLastPara="1" wrap="square" lIns="91425" tIns="91425" rIns="91425" bIns="91425" anchor="t" anchorCtr="0">
             <a:noAutofit/>
           </a:bodyPr>
           <a:lstStyle/>
           <a:p>
-            <a:pPr indent="-381000" lvl="0" marL="457200" rtl="0" algn="l">
+            <a:pPr marL="457200" lvl="0" indent="-381000" algn="l" rtl="0">
               <a:spcBef>
                 <a:spcPts val="0"/>
               </a:spcBef>
@@ -10003,7 +10119,7 @@
             <a:endParaRPr sz="2400"/>
           </a:p>
           <a:p>
-            <a:pPr indent="0" lvl="0" marL="457200" rtl="0" algn="l">
+            <a:pPr marL="457200" lvl="0" indent="0" algn="l" rtl="0">
               <a:spcBef>
                 <a:spcPts val="1600"/>
               </a:spcBef>
@@ -10024,7 +10140,7 @@
             <a:endParaRPr/>
           </a:p>
           <a:p>
-            <a:pPr indent="0" lvl="0" marL="457200" rtl="0" algn="l">
+            <a:pPr marL="457200" lvl="0" indent="0" algn="l" rtl="0">
               <a:spcBef>
                 <a:spcPts val="1600"/>
               </a:spcBef>
@@ -10045,7 +10161,7 @@
             <a:endParaRPr/>
           </a:p>
           <a:p>
-            <a:pPr indent="0" lvl="0" marL="457200" rtl="0" algn="l">
+            <a:pPr marL="457200" lvl="0" indent="0" algn="l" rtl="0">
               <a:spcBef>
                 <a:spcPts val="1600"/>
               </a:spcBef>
@@ -10066,7 +10182,7 @@
             <a:endParaRPr/>
           </a:p>
           <a:p>
-            <a:pPr indent="0" lvl="0" marL="457200" rtl="0" algn="l">
+            <a:pPr marL="457200" lvl="0" indent="0" algn="l" rtl="0">
               <a:spcBef>
                 <a:spcPts val="1600"/>
               </a:spcBef>
@@ -10082,7 +10198,7 @@
             <a:endParaRPr/>
           </a:p>
           <a:p>
-            <a:pPr indent="0" lvl="0" marL="457200" rtl="0" algn="l">
+            <a:pPr marL="457200" lvl="0" indent="0" algn="l" rtl="0">
               <a:spcBef>
                 <a:spcPts val="1600"/>
               </a:spcBef>
@@ -10103,7 +10219,7 @@
             <a:endParaRPr/>
           </a:p>
           <a:p>
-            <a:pPr indent="0" lvl="0" marL="0" rtl="0" algn="l">
+            <a:pPr marL="0" lvl="0" indent="0" algn="l" rtl="0">
               <a:spcBef>
                 <a:spcPts val="1600"/>
               </a:spcBef>
@@ -10117,13 +10233,10 @@
               <a:buFont typeface="Arial"/>
               <a:buNone/>
             </a:pPr>
-            <a:r>
-              <a:t/>
-            </a:r>
             <a:endParaRPr/>
           </a:p>
           <a:p>
-            <a:pPr indent="0" lvl="0" marL="457200" rtl="0" algn="l">
+            <a:pPr marL="457200" lvl="0" indent="0" algn="l" rtl="0">
               <a:spcBef>
                 <a:spcPts val="1600"/>
               </a:spcBef>
@@ -10132,9 +10245,6 @@
               </a:spcAft>
               <a:buNone/>
             </a:pPr>
-            <a:r>
-              <a:t/>
-            </a:r>
             <a:endParaRPr/>
           </a:p>
         </p:txBody>
@@ -10148,11 +10258,11 @@
 </file>
 
 <file path=ppt/slides/slide9.xml><?xml version="1.0" encoding="utf-8"?>
-<p:sld xmlns:a="http://schemas.openxmlformats.org/drawingml/2006/main" xmlns:r="http://schemas.openxmlformats.org/officeDocument/2006/relationships" xmlns:mc="http://schemas.openxmlformats.org/markup-compatibility/2006" xmlns:mv="urn:schemas-microsoft-com:mac:vml" xmlns:p="http://schemas.openxmlformats.org/presentationml/2006/main" xmlns:c="http://schemas.openxmlformats.org/drawingml/2006/chart" xmlns:dgm="http://schemas.openxmlformats.org/drawingml/2006/diagram" xmlns:o="urn:schemas-microsoft-com:office:office" xmlns:v="urn:schemas-microsoft-com:vml" xmlns:pvml="urn:schemas-microsoft-com:office:powerpoint" xmlns:com="http://schemas.openxmlformats.org/drawingml/2006/compatibility" xmlns:p14="http://schemas.microsoft.com/office/powerpoint/2010/main" xmlns:p15="http://schemas.microsoft.com/office/powerpoint/2012/main">
+<p:sld xmlns:a="http://schemas.openxmlformats.org/drawingml/2006/main" xmlns:r="http://schemas.openxmlformats.org/officeDocument/2006/relationships" xmlns:p="http://schemas.openxmlformats.org/presentationml/2006/main">
   <p:cSld>
     <p:spTree>
       <p:nvGrpSpPr>
-        <p:cNvPr id="132" name="Shape 132"/>
+        <p:cNvPr id="1" name="Shape 132"/>
         <p:cNvGrpSpPr/>
         <p:nvPr/>
       </p:nvGrpSpPr>
@@ -10167,7 +10277,9 @@
       <p:sp>
         <p:nvSpPr>
           <p:cNvPr id="133" name="Google Shape;133;p21"/>
-          <p:cNvSpPr txBox="1"/>
+          <p:cNvSpPr txBox="1">
+            <a:spLocks noGrp="1"/>
+          </p:cNvSpPr>
           <p:nvPr>
             <p:ph type="title"/>
           </p:nvPr>
@@ -10182,12 +10294,12 @@
           </a:prstGeom>
         </p:spPr>
         <p:txBody>
-          <a:bodyPr anchorCtr="0" anchor="t" bIns="91425" lIns="91425" spcFirstLastPara="1" rIns="91425" wrap="square" tIns="91425">
+          <a:bodyPr spcFirstLastPara="1" wrap="square" lIns="91425" tIns="91425" rIns="91425" bIns="91425" anchor="t" anchorCtr="0">
             <a:noAutofit/>
           </a:bodyPr>
           <a:lstStyle/>
           <a:p>
-            <a:pPr indent="0" lvl="0" marL="0" rtl="0" algn="l">
+            <a:pPr marL="0" lvl="0" indent="0" algn="l" rtl="0">
               <a:spcBef>
                 <a:spcPts val="0"/>
               </a:spcBef>
@@ -10207,9 +10319,11 @@
       <p:sp>
         <p:nvSpPr>
           <p:cNvPr id="134" name="Google Shape;134;p21"/>
-          <p:cNvSpPr txBox="1"/>
+          <p:cNvSpPr txBox="1">
+            <a:spLocks noGrp="1"/>
+          </p:cNvSpPr>
           <p:nvPr>
-            <p:ph idx="1" type="body"/>
+            <p:ph type="body" idx="1"/>
           </p:nvPr>
         </p:nvSpPr>
         <p:spPr>
@@ -10225,12 +10339,12 @@
           </a:solidFill>
         </p:spPr>
         <p:txBody>
-          <a:bodyPr anchorCtr="0" anchor="t" bIns="91425" lIns="91425" spcFirstLastPara="1" rIns="91425" wrap="square" tIns="91425">
+          <a:bodyPr spcFirstLastPara="1" wrap="square" lIns="91425" tIns="91425" rIns="91425" bIns="91425" anchor="t" anchorCtr="0">
             <a:noAutofit/>
           </a:bodyPr>
           <a:lstStyle/>
           <a:p>
-            <a:pPr indent="-381000" lvl="0" marL="457200" rtl="0" algn="l">
+            <a:pPr marL="457200" lvl="0" indent="-381000" algn="l" rtl="0">
               <a:spcBef>
                 <a:spcPts val="0"/>
               </a:spcBef>
@@ -10247,7 +10361,7 @@
             <a:endParaRPr sz="2400"/>
           </a:p>
           <a:p>
-            <a:pPr indent="0" lvl="0" marL="457200" rtl="0" algn="l">
+            <a:pPr marL="457200" lvl="0" indent="0" algn="l" rtl="0">
               <a:spcBef>
                 <a:spcPts val="1600"/>
               </a:spcBef>
@@ -10263,7 +10377,7 @@
             <a:endParaRPr/>
           </a:p>
           <a:p>
-            <a:pPr indent="0" lvl="0" marL="457200" rtl="0" algn="l">
+            <a:pPr marL="457200" lvl="0" indent="0" algn="l" rtl="0">
               <a:spcBef>
                 <a:spcPts val="1600"/>
               </a:spcBef>
@@ -10279,7 +10393,7 @@
             <a:endParaRPr/>
           </a:p>
           <a:p>
-            <a:pPr indent="0" lvl="0" marL="457200" rtl="0" algn="l">
+            <a:pPr marL="457200" lvl="0" indent="0" algn="l" rtl="0">
               <a:spcBef>
                 <a:spcPts val="1600"/>
               </a:spcBef>
@@ -10295,7 +10409,7 @@
             <a:endParaRPr/>
           </a:p>
           <a:p>
-            <a:pPr indent="0" lvl="0" marL="457200" rtl="0" algn="l">
+            <a:pPr marL="457200" lvl="0" indent="0" algn="l" rtl="0">
               <a:spcBef>
                 <a:spcPts val="1600"/>
               </a:spcBef>
@@ -10311,7 +10425,7 @@
             <a:endParaRPr/>
           </a:p>
           <a:p>
-            <a:pPr indent="0" lvl="0" marL="0" rtl="0" algn="l">
+            <a:pPr marL="0" lvl="0" indent="0" algn="l" rtl="0">
               <a:spcBef>
                 <a:spcPts val="1600"/>
               </a:spcBef>
@@ -10327,7 +10441,7 @@
             <a:endParaRPr/>
           </a:p>
           <a:p>
-            <a:pPr indent="0" lvl="0" marL="0" rtl="0" algn="l">
+            <a:pPr marL="0" lvl="0" indent="0" algn="l" rtl="0">
               <a:spcBef>
                 <a:spcPts val="1600"/>
               </a:spcBef>
@@ -10343,7 +10457,7 @@
             <a:endParaRPr/>
           </a:p>
           <a:p>
-            <a:pPr indent="0" lvl="0" marL="0" rtl="0" algn="l">
+            <a:pPr marL="0" lvl="0" indent="0" algn="l" rtl="0">
               <a:spcBef>
                 <a:spcPts val="1600"/>
               </a:spcBef>
@@ -10352,13 +10466,10 @@
               </a:spcAft>
               <a:buNone/>
             </a:pPr>
-            <a:r>
-              <a:t/>
-            </a:r>
             <a:endParaRPr/>
           </a:p>
           <a:p>
-            <a:pPr indent="0" lvl="0" marL="457200" rtl="0" algn="l">
+            <a:pPr marL="457200" lvl="0" indent="0" algn="l" rtl="0">
               <a:spcBef>
                 <a:spcPts val="1600"/>
               </a:spcBef>
@@ -10367,9 +10478,6 @@
               </a:spcAft>
               <a:buNone/>
             </a:pPr>
-            <a:r>
-              <a:t/>
-            </a:r>
             <a:endParaRPr/>
           </a:p>
         </p:txBody>
@@ -10383,7 +10491,7 @@
 </file>
 
 <file path=ppt/theme/theme1.xml><?xml version="1.0" encoding="utf-8"?>
-<a:theme xmlns:a="http://schemas.openxmlformats.org/drawingml/2006/main" xmlns:r="http://schemas.openxmlformats.org/officeDocument/2006/relationships" name="Streamline">
+<a:theme xmlns:a="http://schemas.openxmlformats.org/drawingml/2006/main" name="Streamline">
   <a:themeElements>
     <a:clrScheme name="Streamline">
       <a:dk1>
@@ -10658,11 +10766,13 @@
       </a:bgFillStyleLst>
     </a:fmtScheme>
   </a:themeElements>
+  <a:objectDefaults/>
+  <a:extraClrSchemeLst/>
 </a:theme>
 </file>
 
 <file path=ppt/theme/theme2.xml><?xml version="1.0" encoding="utf-8"?>
-<a:theme xmlns:a="http://schemas.openxmlformats.org/drawingml/2006/main" xmlns:r="http://schemas.openxmlformats.org/officeDocument/2006/relationships">
+<a:theme xmlns:a="http://schemas.openxmlformats.org/drawingml/2006/main">
   <a:themeElements>
     <a:clrScheme name="Default">
       <a:dk1>
@@ -10937,5 +11047,7 @@
       </a:bgFillStyleLst>
     </a:fmtScheme>
   </a:themeElements>
+  <a:objectDefaults/>
+  <a:extraClrSchemeLst/>
 </a:theme>
 </file>